--- a/CuriousConquersProject/ProjectPowerpoint.pptx
+++ b/CuriousConquersProject/ProjectPowerpoint.pptx
@@ -113,6 +113,11 @@
       </a:defRPr>
     </a:lvl9pPr>
   </p:defaultTextStyle>
+  <p:extLst>
+    <p:ext uri="{EFAFB233-063F-42B5-8137-9DF3F51BA10A}">
+      <p15:sldGuideLst xmlns:p15="http://schemas.microsoft.com/office/powerpoint/2012/main"/>
+    </p:ext>
+  </p:extLst>
 </p:presentation>
 </file>
 
@@ -263,7 +268,7 @@
           <a:p>
             <a:fld id="{17A2CFCA-D44D-43B9-AF9E-9E015D8AA0BF}" type="datetimeFigureOut">
               <a:rPr lang="en-US" smtClean="0"/>
-              <a:t>2/27/2023</a:t>
+              <a:t>2/28/2023</a:t>
             </a:fld>
             <a:endParaRPr lang="en-US"/>
           </a:p>
@@ -461,7 +466,7 @@
           <a:p>
             <a:fld id="{17A2CFCA-D44D-43B9-AF9E-9E015D8AA0BF}" type="datetimeFigureOut">
               <a:rPr lang="en-US" smtClean="0"/>
-              <a:t>2/27/2023</a:t>
+              <a:t>2/28/2023</a:t>
             </a:fld>
             <a:endParaRPr lang="en-US"/>
           </a:p>
@@ -669,7 +674,7 @@
           <a:p>
             <a:fld id="{17A2CFCA-D44D-43B9-AF9E-9E015D8AA0BF}" type="datetimeFigureOut">
               <a:rPr lang="en-US" smtClean="0"/>
-              <a:t>2/27/2023</a:t>
+              <a:t>2/28/2023</a:t>
             </a:fld>
             <a:endParaRPr lang="en-US"/>
           </a:p>
@@ -867,7 +872,7 @@
           <a:p>
             <a:fld id="{17A2CFCA-D44D-43B9-AF9E-9E015D8AA0BF}" type="datetimeFigureOut">
               <a:rPr lang="en-US" smtClean="0"/>
-              <a:t>2/27/2023</a:t>
+              <a:t>2/28/2023</a:t>
             </a:fld>
             <a:endParaRPr lang="en-US"/>
           </a:p>
@@ -1142,7 +1147,7 @@
           <a:p>
             <a:fld id="{17A2CFCA-D44D-43B9-AF9E-9E015D8AA0BF}" type="datetimeFigureOut">
               <a:rPr lang="en-US" smtClean="0"/>
-              <a:t>2/27/2023</a:t>
+              <a:t>2/28/2023</a:t>
             </a:fld>
             <a:endParaRPr lang="en-US"/>
           </a:p>
@@ -1407,7 +1412,7 @@
           <a:p>
             <a:fld id="{17A2CFCA-D44D-43B9-AF9E-9E015D8AA0BF}" type="datetimeFigureOut">
               <a:rPr lang="en-US" smtClean="0"/>
-              <a:t>2/27/2023</a:t>
+              <a:t>2/28/2023</a:t>
             </a:fld>
             <a:endParaRPr lang="en-US"/>
           </a:p>
@@ -1819,7 +1824,7 @@
           <a:p>
             <a:fld id="{17A2CFCA-D44D-43B9-AF9E-9E015D8AA0BF}" type="datetimeFigureOut">
               <a:rPr lang="en-US" smtClean="0"/>
-              <a:t>2/27/2023</a:t>
+              <a:t>2/28/2023</a:t>
             </a:fld>
             <a:endParaRPr lang="en-US"/>
           </a:p>
@@ -1960,7 +1965,7 @@
           <a:p>
             <a:fld id="{17A2CFCA-D44D-43B9-AF9E-9E015D8AA0BF}" type="datetimeFigureOut">
               <a:rPr lang="en-US" smtClean="0"/>
-              <a:t>2/27/2023</a:t>
+              <a:t>2/28/2023</a:t>
             </a:fld>
             <a:endParaRPr lang="en-US"/>
           </a:p>
@@ -2073,7 +2078,7 @@
           <a:p>
             <a:fld id="{17A2CFCA-D44D-43B9-AF9E-9E015D8AA0BF}" type="datetimeFigureOut">
               <a:rPr lang="en-US" smtClean="0"/>
-              <a:t>2/27/2023</a:t>
+              <a:t>2/28/2023</a:t>
             </a:fld>
             <a:endParaRPr lang="en-US"/>
           </a:p>
@@ -2384,7 +2389,7 @@
           <a:p>
             <a:fld id="{17A2CFCA-D44D-43B9-AF9E-9E015D8AA0BF}" type="datetimeFigureOut">
               <a:rPr lang="en-US" smtClean="0"/>
-              <a:t>2/27/2023</a:t>
+              <a:t>2/28/2023</a:t>
             </a:fld>
             <a:endParaRPr lang="en-US"/>
           </a:p>
@@ -2672,7 +2677,7 @@
           <a:p>
             <a:fld id="{17A2CFCA-D44D-43B9-AF9E-9E015D8AA0BF}" type="datetimeFigureOut">
               <a:rPr lang="en-US" smtClean="0"/>
-              <a:t>2/27/2023</a:t>
+              <a:t>2/28/2023</a:t>
             </a:fld>
             <a:endParaRPr lang="en-US"/>
           </a:p>
@@ -2913,7 +2918,7 @@
           <a:p>
             <a:fld id="{17A2CFCA-D44D-43B9-AF9E-9E015D8AA0BF}" type="datetimeFigureOut">
               <a:rPr lang="en-US" smtClean="0"/>
-              <a:t>2/27/2023</a:t>
+              <a:t>2/28/2023</a:t>
             </a:fld>
             <a:endParaRPr lang="en-US"/>
           </a:p>
@@ -3921,10 +3926,23 @@
               <a:buChar char="Ø"/>
             </a:pPr>
             <a:r>
-              <a:rPr lang="en-US" sz="2800" dirty="0" err="1"/>
-              <a:t>hh</a:t>
-            </a:r>
-            <a:endParaRPr lang="en-US" sz="2800" dirty="0"/>
+              <a:rPr lang="en-US" sz="2800" dirty="0"/>
+              <a:t>Grew up and still currently resides in Northern Iowa.  I am close to my family and friends. I do not  have any children, just 3 dogs and a lot of plants. </a:t>
+            </a:r>
+          </a:p>
+          <a:p>
+            <a:pPr lvl="1">
+              <a:buFont typeface="Wingdings" panose="05000000000000000000" pitchFamily="2" charset="2"/>
+              <a:buChar char="Ø"/>
+            </a:pPr>
+            <a:r>
+              <a:rPr lang="en-US" sz="2800"/>
+              <a:t>I work </a:t>
+            </a:r>
+            <a:r>
+              <a:rPr lang="en-US" sz="2800" dirty="0"/>
+              <a:t>in customer service and has always had a drive for technology. </a:t>
+            </a:r>
           </a:p>
           <a:p>
             <a:pPr lvl="1">

--- a/CuriousConquersProject/ProjectPowerpoint.pptx
+++ b/CuriousConquersProject/ProjectPowerpoint.pptx
@@ -10,11 +10,16 @@
     <p:sldId id="260" r:id="rId4"/>
     <p:sldId id="261" r:id="rId5"/>
     <p:sldId id="258" r:id="rId6"/>
-    <p:sldId id="266" r:id="rId7"/>
-    <p:sldId id="262" r:id="rId8"/>
-    <p:sldId id="263" r:id="rId9"/>
-    <p:sldId id="264" r:id="rId10"/>
-    <p:sldId id="265" r:id="rId11"/>
+    <p:sldId id="262" r:id="rId7"/>
+    <p:sldId id="271" r:id="rId8"/>
+    <p:sldId id="270" r:id="rId9"/>
+    <p:sldId id="269" r:id="rId10"/>
+    <p:sldId id="274" r:id="rId11"/>
+    <p:sldId id="267" r:id="rId12"/>
+    <p:sldId id="272" r:id="rId13"/>
+    <p:sldId id="268" r:id="rId14"/>
+    <p:sldId id="273" r:id="rId15"/>
+    <p:sldId id="265" r:id="rId16"/>
   </p:sldIdLst>
   <p:sldSz cx="12192000" cy="6858000"/>
   <p:notesSz cx="6858000" cy="9144000"/>
@@ -268,7 +273,7 @@
           <a:p>
             <a:fld id="{17A2CFCA-D44D-43B9-AF9E-9E015D8AA0BF}" type="datetimeFigureOut">
               <a:rPr lang="en-US" smtClean="0"/>
-              <a:t>2/28/2023</a:t>
+              <a:t>3/5/2023</a:t>
             </a:fld>
             <a:endParaRPr lang="en-US"/>
           </a:p>
@@ -466,7 +471,7 @@
           <a:p>
             <a:fld id="{17A2CFCA-D44D-43B9-AF9E-9E015D8AA0BF}" type="datetimeFigureOut">
               <a:rPr lang="en-US" smtClean="0"/>
-              <a:t>2/28/2023</a:t>
+              <a:t>3/5/2023</a:t>
             </a:fld>
             <a:endParaRPr lang="en-US"/>
           </a:p>
@@ -674,7 +679,7 @@
           <a:p>
             <a:fld id="{17A2CFCA-D44D-43B9-AF9E-9E015D8AA0BF}" type="datetimeFigureOut">
               <a:rPr lang="en-US" smtClean="0"/>
-              <a:t>2/28/2023</a:t>
+              <a:t>3/5/2023</a:t>
             </a:fld>
             <a:endParaRPr lang="en-US"/>
           </a:p>
@@ -872,7 +877,7 @@
           <a:p>
             <a:fld id="{17A2CFCA-D44D-43B9-AF9E-9E015D8AA0BF}" type="datetimeFigureOut">
               <a:rPr lang="en-US" smtClean="0"/>
-              <a:t>2/28/2023</a:t>
+              <a:t>3/5/2023</a:t>
             </a:fld>
             <a:endParaRPr lang="en-US"/>
           </a:p>
@@ -1147,7 +1152,7 @@
           <a:p>
             <a:fld id="{17A2CFCA-D44D-43B9-AF9E-9E015D8AA0BF}" type="datetimeFigureOut">
               <a:rPr lang="en-US" smtClean="0"/>
-              <a:t>2/28/2023</a:t>
+              <a:t>3/5/2023</a:t>
             </a:fld>
             <a:endParaRPr lang="en-US"/>
           </a:p>
@@ -1412,7 +1417,7 @@
           <a:p>
             <a:fld id="{17A2CFCA-D44D-43B9-AF9E-9E015D8AA0BF}" type="datetimeFigureOut">
               <a:rPr lang="en-US" smtClean="0"/>
-              <a:t>2/28/2023</a:t>
+              <a:t>3/5/2023</a:t>
             </a:fld>
             <a:endParaRPr lang="en-US"/>
           </a:p>
@@ -1824,7 +1829,7 @@
           <a:p>
             <a:fld id="{17A2CFCA-D44D-43B9-AF9E-9E015D8AA0BF}" type="datetimeFigureOut">
               <a:rPr lang="en-US" smtClean="0"/>
-              <a:t>2/28/2023</a:t>
+              <a:t>3/5/2023</a:t>
             </a:fld>
             <a:endParaRPr lang="en-US"/>
           </a:p>
@@ -1965,7 +1970,7 @@
           <a:p>
             <a:fld id="{17A2CFCA-D44D-43B9-AF9E-9E015D8AA0BF}" type="datetimeFigureOut">
               <a:rPr lang="en-US" smtClean="0"/>
-              <a:t>2/28/2023</a:t>
+              <a:t>3/5/2023</a:t>
             </a:fld>
             <a:endParaRPr lang="en-US"/>
           </a:p>
@@ -2078,7 +2083,7 @@
           <a:p>
             <a:fld id="{17A2CFCA-D44D-43B9-AF9E-9E015D8AA0BF}" type="datetimeFigureOut">
               <a:rPr lang="en-US" smtClean="0"/>
-              <a:t>2/28/2023</a:t>
+              <a:t>3/5/2023</a:t>
             </a:fld>
             <a:endParaRPr lang="en-US"/>
           </a:p>
@@ -2389,7 +2394,7 @@
           <a:p>
             <a:fld id="{17A2CFCA-D44D-43B9-AF9E-9E015D8AA0BF}" type="datetimeFigureOut">
               <a:rPr lang="en-US" smtClean="0"/>
-              <a:t>2/28/2023</a:t>
+              <a:t>3/5/2023</a:t>
             </a:fld>
             <a:endParaRPr lang="en-US"/>
           </a:p>
@@ -2677,7 +2682,7 @@
           <a:p>
             <a:fld id="{17A2CFCA-D44D-43B9-AF9E-9E015D8AA0BF}" type="datetimeFigureOut">
               <a:rPr lang="en-US" smtClean="0"/>
-              <a:t>2/28/2023</a:t>
+              <a:t>3/5/2023</a:t>
             </a:fld>
             <a:endParaRPr lang="en-US"/>
           </a:p>
@@ -2918,7 +2923,7 @@
           <a:p>
             <a:fld id="{17A2CFCA-D44D-43B9-AF9E-9E015D8AA0BF}" type="datetimeFigureOut">
               <a:rPr lang="en-US" smtClean="0"/>
-              <a:t>2/28/2023</a:t>
+              <a:t>3/5/2023</a:t>
             </a:fld>
             <a:endParaRPr lang="en-US"/>
           </a:p>
@@ -3491,10 +3496,1548 @@
   <p:clrMapOvr>
     <a:masterClrMapping/>
   </p:clrMapOvr>
+  <mc:AlternateContent xmlns:mc="http://schemas.openxmlformats.org/markup-compatibility/2006" xmlns:p15="http://schemas.microsoft.com/office/powerpoint/2012/main">
+    <mc:Choice Requires="p15">
+      <p:transition xmlns:p14="http://schemas.microsoft.com/office/powerpoint/2010/main" spd="slow" p14:dur="2000">
+        <p15:prstTrans prst="drape"/>
+      </p:transition>
+    </mc:Choice>
+    <mc:Fallback xmlns="">
+      <p:transition spd="slow">
+        <p:fade/>
+      </p:transition>
+    </mc:Fallback>
+  </mc:AlternateContent>
 </p:sld>
 </file>
 
 <file path=ppt/slides/slide10.xml><?xml version="1.0" encoding="utf-8"?>
+<p:sld xmlns:a="http://schemas.openxmlformats.org/drawingml/2006/main" xmlns:r="http://schemas.openxmlformats.org/officeDocument/2006/relationships" xmlns:p="http://schemas.openxmlformats.org/presentationml/2006/main">
+  <p:cSld>
+    <p:bg>
+      <p:bgPr>
+        <a:solidFill>
+          <a:schemeClr val="bg1"/>
+        </a:solidFill>
+        <a:effectLst/>
+      </p:bgPr>
+    </p:bg>
+    <p:spTree>
+      <p:nvGrpSpPr>
+        <p:cNvPr id="1" name=""/>
+        <p:cNvGrpSpPr/>
+        <p:nvPr/>
+      </p:nvGrpSpPr>
+      <p:grpSpPr>
+        <a:xfrm>
+          <a:off x="0" y="0"/>
+          <a:ext cx="0" cy="0"/>
+          <a:chOff x="0" y="0"/>
+          <a:chExt cx="0" cy="0"/>
+        </a:xfrm>
+      </p:grpSpPr>
+      <p:sp useBgFill="1">
+        <p:nvSpPr>
+          <p:cNvPr id="8" name="Rectangle 7">
+            <a:extLst>
+              <a:ext uri="{FF2B5EF4-FFF2-40B4-BE49-F238E27FC236}">
+                <a16:creationId xmlns:a16="http://schemas.microsoft.com/office/drawing/2014/main" id="{4DA718D0-4865-4629-8134-44F68D41D574}"/>
+              </a:ext>
+              <a:ext uri="{C183D7F6-B498-43B3-948B-1728B52AA6E4}">
+                <adec:decorative xmlns:adec="http://schemas.microsoft.com/office/drawing/2017/decorative" val="1"/>
+              </a:ext>
+            </a:extLst>
+          </p:cNvPr>
+          <p:cNvSpPr>
+            <a:spLocks noGrp="1" noRot="1" noChangeAspect="1" noMove="1" noResize="1" noEditPoints="1" noAdjustHandles="1" noChangeArrowheads="1" noChangeShapeType="1" noTextEdit="1"/>
+          </p:cNvSpPr>
+          <p:nvPr>
+            <p:extLst>
+              <p:ext uri="{386F3935-93C4-4BCD-93E2-E3B085C9AB24}">
+                <p16:designElem xmlns:p16="http://schemas.microsoft.com/office/powerpoint/2015/main" val="1"/>
+              </p:ext>
+            </p:extLst>
+          </p:nvPr>
+        </p:nvSpPr>
+        <p:spPr>
+          <a:xfrm>
+            <a:off x="0" y="0"/>
+            <a:ext cx="12191999" cy="6857365"/>
+          </a:xfrm>
+          <a:prstGeom prst="rect">
+            <a:avLst/>
+          </a:prstGeom>
+          <a:ln>
+            <a:noFill/>
+          </a:ln>
+        </p:spPr>
+        <p:style>
+          <a:lnRef idx="2">
+            <a:schemeClr val="accent1">
+              <a:shade val="50000"/>
+            </a:schemeClr>
+          </a:lnRef>
+          <a:fillRef idx="1">
+            <a:schemeClr val="accent1"/>
+          </a:fillRef>
+          <a:effectRef idx="0">
+            <a:schemeClr val="accent1"/>
+          </a:effectRef>
+          <a:fontRef idx="minor">
+            <a:schemeClr val="lt1"/>
+          </a:fontRef>
+        </p:style>
+        <p:txBody>
+          <a:bodyPr rtlCol="0" anchor="ctr"/>
+          <a:lstStyle/>
+          <a:p>
+            <a:pPr algn="ctr"/>
+            <a:endParaRPr lang="en-US"/>
+          </a:p>
+        </p:txBody>
+      </p:sp>
+      <p:grpSp>
+        <p:nvGrpSpPr>
+          <p:cNvPr id="10" name="Group 9">
+            <a:extLst>
+              <a:ext uri="{FF2B5EF4-FFF2-40B4-BE49-F238E27FC236}">
+                <a16:creationId xmlns:a16="http://schemas.microsoft.com/office/drawing/2014/main" id="{65167ED7-6315-43AB-B1B6-C326D5FD8F84}"/>
+              </a:ext>
+              <a:ext uri="{C183D7F6-B498-43B3-948B-1728B52AA6E4}">
+                <adec:decorative xmlns:adec="http://schemas.microsoft.com/office/drawing/2017/decorative" val="1"/>
+              </a:ext>
+            </a:extLst>
+          </p:cNvPr>
+          <p:cNvGrpSpPr>
+            <a:grpSpLocks noGrp="1" noUngrp="1" noRot="1" noChangeAspect="1" noMove="1" noResize="1"/>
+          </p:cNvGrpSpPr>
+          <p:nvPr>
+            <p:extLst>
+              <p:ext uri="{386F3935-93C4-4BCD-93E2-E3B085C9AB24}">
+                <p16:designElem xmlns:p16="http://schemas.microsoft.com/office/powerpoint/2015/main" val="1"/>
+              </p:ext>
+            </p:extLst>
+          </p:nvPr>
+        </p:nvGrpSpPr>
+        <p:grpSpPr>
+          <a:xfrm rot="5400000">
+            <a:off x="-2340441" y="2666183"/>
+            <a:ext cx="5860051" cy="527712"/>
+            <a:chOff x="6081624" y="1998368"/>
+            <a:chExt cx="5613457" cy="782175"/>
+          </a:xfrm>
+          <a:solidFill>
+            <a:schemeClr val="accent4"/>
+          </a:solidFill>
+        </p:grpSpPr>
+        <p:sp>
+          <p:nvSpPr>
+            <p:cNvPr id="11" name="Rectangle 10">
+              <a:extLst>
+                <a:ext uri="{FF2B5EF4-FFF2-40B4-BE49-F238E27FC236}">
+                  <a16:creationId xmlns:a16="http://schemas.microsoft.com/office/drawing/2014/main" id="{EF4D8839-FB03-487D-ACC8-8BFEDD4FEBAE}"/>
+                </a:ext>
+                <a:ext uri="{C183D7F6-B498-43B3-948B-1728B52AA6E4}">
+                  <adec:decorative xmlns:adec="http://schemas.microsoft.com/office/drawing/2017/decorative" val="1"/>
+                </a:ext>
+              </a:extLst>
+            </p:cNvPr>
+            <p:cNvSpPr/>
+            <p:nvPr>
+              <p:extLst>
+                <p:ext uri="{386F3935-93C4-4BCD-93E2-E3B085C9AB24}">
+                  <p16:designElem xmlns:p16="http://schemas.microsoft.com/office/powerpoint/2015/main" val="1"/>
+                </p:ext>
+              </p:extLst>
+            </p:nvPr>
+          </p:nvSpPr>
+          <p:spPr>
+            <a:xfrm rot="5400000">
+              <a:off x="11228040" y="2313027"/>
+              <a:ext cx="781700" cy="152382"/>
+            </a:xfrm>
+            <a:prstGeom prst="rect">
+              <a:avLst/>
+            </a:prstGeom>
+            <a:grpFill/>
+            <a:ln>
+              <a:noFill/>
+            </a:ln>
+          </p:spPr>
+          <p:style>
+            <a:lnRef idx="2">
+              <a:schemeClr val="accent1">
+                <a:shade val="50000"/>
+              </a:schemeClr>
+            </a:lnRef>
+            <a:fillRef idx="1">
+              <a:schemeClr val="accent1"/>
+            </a:fillRef>
+            <a:effectRef idx="0">
+              <a:schemeClr val="accent1"/>
+            </a:effectRef>
+            <a:fontRef idx="minor">
+              <a:schemeClr val="lt1"/>
+            </a:fontRef>
+          </p:style>
+          <p:txBody>
+            <a:bodyPr rtlCol="0" anchor="ctr"/>
+            <a:lstStyle/>
+            <a:p>
+              <a:pPr algn="ctr"/>
+              <a:endParaRPr lang="en-US"/>
+            </a:p>
+          </p:txBody>
+        </p:sp>
+        <p:sp>
+          <p:nvSpPr>
+            <p:cNvPr id="12" name="Rectangle 11">
+              <a:extLst>
+                <a:ext uri="{FF2B5EF4-FFF2-40B4-BE49-F238E27FC236}">
+                  <a16:creationId xmlns:a16="http://schemas.microsoft.com/office/drawing/2014/main" id="{0EF75023-9A3B-42FC-B704-61A8F7BEF415}"/>
+                </a:ext>
+                <a:ext uri="{C183D7F6-B498-43B3-948B-1728B52AA6E4}">
+                  <adec:decorative xmlns:adec="http://schemas.microsoft.com/office/drawing/2017/decorative" val="1"/>
+                </a:ext>
+              </a:extLst>
+            </p:cNvPr>
+            <p:cNvSpPr/>
+            <p:nvPr>
+              <p:extLst>
+                <p:ext uri="{386F3935-93C4-4BCD-93E2-E3B085C9AB24}">
+                  <p16:designElem xmlns:p16="http://schemas.microsoft.com/office/powerpoint/2015/main" val="1"/>
+                </p:ext>
+              </p:extLst>
+            </p:nvPr>
+          </p:nvSpPr>
+          <p:spPr>
+            <a:xfrm flipH="1" flipV="1">
+              <a:off x="6081624" y="1998844"/>
+              <a:ext cx="5372968" cy="781699"/>
+            </a:xfrm>
+            <a:prstGeom prst="rect">
+              <a:avLst/>
+            </a:prstGeom>
+            <a:grpFill/>
+            <a:ln>
+              <a:noFill/>
+            </a:ln>
+          </p:spPr>
+          <p:style>
+            <a:lnRef idx="2">
+              <a:schemeClr val="accent1">
+                <a:shade val="50000"/>
+              </a:schemeClr>
+            </a:lnRef>
+            <a:fillRef idx="1">
+              <a:schemeClr val="accent1"/>
+            </a:fillRef>
+            <a:effectRef idx="0">
+              <a:schemeClr val="accent1"/>
+            </a:effectRef>
+            <a:fontRef idx="minor">
+              <a:schemeClr val="lt1"/>
+            </a:fontRef>
+          </p:style>
+          <p:txBody>
+            <a:bodyPr rtlCol="0" anchor="ctr"/>
+            <a:lstStyle/>
+            <a:p>
+              <a:pPr algn="ctr"/>
+              <a:endParaRPr lang="en-US"/>
+            </a:p>
+          </p:txBody>
+        </p:sp>
+      </p:grpSp>
+      <p:sp>
+        <p:nvSpPr>
+          <p:cNvPr id="14" name="Rectangle 13">
+            <a:extLst>
+              <a:ext uri="{FF2B5EF4-FFF2-40B4-BE49-F238E27FC236}">
+                <a16:creationId xmlns:a16="http://schemas.microsoft.com/office/drawing/2014/main" id="{CBC4F608-B4B8-48C3-9572-C0F061B1CD99}"/>
+              </a:ext>
+              <a:ext uri="{C183D7F6-B498-43B3-948B-1728B52AA6E4}">
+                <adec:decorative xmlns:adec="http://schemas.microsoft.com/office/drawing/2017/decorative" val="1"/>
+              </a:ext>
+            </a:extLst>
+          </p:cNvPr>
+          <p:cNvSpPr>
+            <a:spLocks noGrp="1" noRot="1" noChangeAspect="1" noMove="1" noResize="1" noEditPoints="1" noAdjustHandles="1" noChangeArrowheads="1" noChangeShapeType="1" noTextEdit="1"/>
+          </p:cNvSpPr>
+          <p:nvPr>
+            <p:extLst>
+              <p:ext uri="{386F3935-93C4-4BCD-93E2-E3B085C9AB24}">
+                <p16:designElem xmlns:p16="http://schemas.microsoft.com/office/powerpoint/2015/main" val="1"/>
+              </p:ext>
+            </p:extLst>
+          </p:nvPr>
+        </p:nvSpPr>
+        <p:spPr>
+          <a:xfrm>
+            <a:off x="579528" y="922919"/>
+            <a:ext cx="11111729" cy="5461252"/>
+          </a:xfrm>
+          <a:prstGeom prst="rect">
+            <a:avLst/>
+          </a:prstGeom>
+          <a:solidFill>
+            <a:schemeClr val="bg1"/>
+          </a:solidFill>
+          <a:ln>
+            <a:noFill/>
+          </a:ln>
+          <a:effectLst>
+            <a:outerShdw blurRad="139700" dist="127000" dir="5400000" algn="t" rotWithShape="0">
+              <a:prstClr val="black">
+                <a:alpha val="15000"/>
+              </a:prstClr>
+            </a:outerShdw>
+          </a:effectLst>
+        </p:spPr>
+        <p:style>
+          <a:lnRef idx="2">
+            <a:schemeClr val="accent1">
+              <a:shade val="50000"/>
+            </a:schemeClr>
+          </a:lnRef>
+          <a:fillRef idx="1">
+            <a:schemeClr val="accent1"/>
+          </a:fillRef>
+          <a:effectRef idx="0">
+            <a:schemeClr val="accent1"/>
+          </a:effectRef>
+          <a:fontRef idx="minor">
+            <a:schemeClr val="lt1"/>
+          </a:fontRef>
+        </p:style>
+        <p:txBody>
+          <a:bodyPr rtlCol="0" anchor="ctr"/>
+          <a:lstStyle/>
+          <a:p>
+            <a:pPr algn="ctr"/>
+            <a:endParaRPr lang="en-US"/>
+          </a:p>
+        </p:txBody>
+      </p:sp>
+      <p:sp>
+        <p:nvSpPr>
+          <p:cNvPr id="2" name="Title 1">
+            <a:extLst>
+              <a:ext uri="{FF2B5EF4-FFF2-40B4-BE49-F238E27FC236}">
+                <a16:creationId xmlns:a16="http://schemas.microsoft.com/office/drawing/2014/main" id="{A20B6DFE-19C6-DFC6-BD0D-DC24814D4DE6}"/>
+              </a:ext>
+            </a:extLst>
+          </p:cNvPr>
+          <p:cNvSpPr>
+            <a:spLocks noGrp="1"/>
+          </p:cNvSpPr>
+          <p:nvPr>
+            <p:ph type="title"/>
+          </p:nvPr>
+        </p:nvSpPr>
+        <p:spPr>
+          <a:xfrm>
+            <a:off x="1282963" y="1238080"/>
+            <a:ext cx="9849751" cy="1349671"/>
+          </a:xfrm>
+        </p:spPr>
+        <p:txBody>
+          <a:bodyPr anchor="b">
+            <a:normAutofit/>
+          </a:bodyPr>
+          <a:lstStyle/>
+          <a:p>
+            <a:endParaRPr lang="en-US" sz="5400"/>
+          </a:p>
+        </p:txBody>
+      </p:sp>
+      <p:sp>
+        <p:nvSpPr>
+          <p:cNvPr id="3" name="Content Placeholder 2">
+            <a:extLst>
+              <a:ext uri="{FF2B5EF4-FFF2-40B4-BE49-F238E27FC236}">
+                <a16:creationId xmlns:a16="http://schemas.microsoft.com/office/drawing/2014/main" id="{6BA70E85-8CB6-72FB-E26C-D79246F75BBE}"/>
+              </a:ext>
+            </a:extLst>
+          </p:cNvPr>
+          <p:cNvSpPr>
+            <a:spLocks noGrp="1"/>
+          </p:cNvSpPr>
+          <p:nvPr>
+            <p:ph idx="1"/>
+          </p:nvPr>
+        </p:nvSpPr>
+        <p:spPr>
+          <a:xfrm>
+            <a:off x="1289304" y="2902913"/>
+            <a:ext cx="9849751" cy="3032168"/>
+          </a:xfrm>
+        </p:spPr>
+        <p:txBody>
+          <a:bodyPr anchor="ctr">
+            <a:normAutofit/>
+          </a:bodyPr>
+          <a:lstStyle/>
+          <a:p>
+            <a:endParaRPr lang="en-US" sz="2000"/>
+          </a:p>
+        </p:txBody>
+      </p:sp>
+    </p:spTree>
+    <p:extLst>
+      <p:ext uri="{BB962C8B-B14F-4D97-AF65-F5344CB8AC3E}">
+        <p14:creationId xmlns:p14="http://schemas.microsoft.com/office/powerpoint/2010/main" val="3382583283"/>
+      </p:ext>
+    </p:extLst>
+  </p:cSld>
+  <p:clrMapOvr>
+    <a:masterClrMapping/>
+  </p:clrMapOvr>
+  <mc:AlternateContent xmlns:mc="http://schemas.openxmlformats.org/markup-compatibility/2006" xmlns:p14="http://schemas.microsoft.com/office/powerpoint/2010/main">
+    <mc:Choice Requires="p14">
+      <p:transition spd="slow" p14:dur="3400">
+        <p14:reveal/>
+      </p:transition>
+    </mc:Choice>
+    <mc:Fallback xmlns="">
+      <p:transition spd="slow">
+        <p:fade/>
+      </p:transition>
+    </mc:Fallback>
+  </mc:AlternateContent>
+</p:sld>
+</file>
+
+<file path=ppt/slides/slide11.xml><?xml version="1.0" encoding="utf-8"?>
+<p:sld xmlns:a="http://schemas.openxmlformats.org/drawingml/2006/main" xmlns:r="http://schemas.openxmlformats.org/officeDocument/2006/relationships" xmlns:p="http://schemas.openxmlformats.org/presentationml/2006/main">
+  <p:cSld>
+    <p:bg>
+      <p:bgPr>
+        <a:solidFill>
+          <a:schemeClr val="bg1"/>
+        </a:solidFill>
+        <a:effectLst/>
+      </p:bgPr>
+    </p:bg>
+    <p:spTree>
+      <p:nvGrpSpPr>
+        <p:cNvPr id="1" name=""/>
+        <p:cNvGrpSpPr/>
+        <p:nvPr/>
+      </p:nvGrpSpPr>
+      <p:grpSpPr>
+        <a:xfrm>
+          <a:off x="0" y="0"/>
+          <a:ext cx="0" cy="0"/>
+          <a:chOff x="0" y="0"/>
+          <a:chExt cx="0" cy="0"/>
+        </a:xfrm>
+      </p:grpSpPr>
+      <p:sp useBgFill="1">
+        <p:nvSpPr>
+          <p:cNvPr id="22" name="Rectangle 21">
+            <a:extLst>
+              <a:ext uri="{FF2B5EF4-FFF2-40B4-BE49-F238E27FC236}">
+                <a16:creationId xmlns:a16="http://schemas.microsoft.com/office/drawing/2014/main" id="{9095C1F4-AE7F-44E4-8693-40D3D6831140}"/>
+              </a:ext>
+              <a:ext uri="{C183D7F6-B498-43B3-948B-1728B52AA6E4}">
+                <adec:decorative xmlns:adec="http://schemas.microsoft.com/office/drawing/2017/decorative" val="1"/>
+              </a:ext>
+            </a:extLst>
+          </p:cNvPr>
+          <p:cNvSpPr>
+            <a:spLocks noGrp="1" noRot="1" noChangeAspect="1" noMove="1" noResize="1" noEditPoints="1" noAdjustHandles="1" noChangeArrowheads="1" noChangeShapeType="1" noTextEdit="1"/>
+          </p:cNvSpPr>
+          <p:nvPr>
+            <p:extLst>
+              <p:ext uri="{386F3935-93C4-4BCD-93E2-E3B085C9AB24}">
+                <p16:designElem xmlns:p16="http://schemas.microsoft.com/office/powerpoint/2015/main" val="1"/>
+              </p:ext>
+            </p:extLst>
+          </p:nvPr>
+        </p:nvSpPr>
+        <p:spPr>
+          <a:xfrm>
+            <a:off x="0" y="0"/>
+            <a:ext cx="12191999" cy="6857365"/>
+          </a:xfrm>
+          <a:prstGeom prst="rect">
+            <a:avLst/>
+          </a:prstGeom>
+          <a:ln>
+            <a:noFill/>
+          </a:ln>
+        </p:spPr>
+        <p:style>
+          <a:lnRef idx="2">
+            <a:schemeClr val="accent1">
+              <a:shade val="50000"/>
+            </a:schemeClr>
+          </a:lnRef>
+          <a:fillRef idx="1">
+            <a:schemeClr val="accent1"/>
+          </a:fillRef>
+          <a:effectRef idx="0">
+            <a:schemeClr val="accent1"/>
+          </a:effectRef>
+          <a:fontRef idx="minor">
+            <a:schemeClr val="lt1"/>
+          </a:fontRef>
+        </p:style>
+        <p:txBody>
+          <a:bodyPr rtlCol="0" anchor="ctr"/>
+          <a:lstStyle/>
+          <a:p>
+            <a:pPr algn="ctr"/>
+            <a:endParaRPr lang="en-US"/>
+          </a:p>
+        </p:txBody>
+      </p:sp>
+      <p:grpSp>
+        <p:nvGrpSpPr>
+          <p:cNvPr id="24" name="Group 23">
+            <a:extLst>
+              <a:ext uri="{FF2B5EF4-FFF2-40B4-BE49-F238E27FC236}">
+                <a16:creationId xmlns:a16="http://schemas.microsoft.com/office/drawing/2014/main" id="{8734DDD3-F723-4DD3-8ABE-EC0B2AC87D74}"/>
+              </a:ext>
+              <a:ext uri="{C183D7F6-B498-43B3-948B-1728B52AA6E4}">
+                <adec:decorative xmlns:adec="http://schemas.microsoft.com/office/drawing/2017/decorative" val="1"/>
+              </a:ext>
+            </a:extLst>
+          </p:cNvPr>
+          <p:cNvGrpSpPr>
+            <a:grpSpLocks noGrp="1" noUngrp="1" noRot="1" noChangeAspect="1" noMove="1" noResize="1"/>
+          </p:cNvGrpSpPr>
+          <p:nvPr>
+            <p:extLst>
+              <p:ext uri="{386F3935-93C4-4BCD-93E2-E3B085C9AB24}">
+                <p16:designElem xmlns:p16="http://schemas.microsoft.com/office/powerpoint/2015/main" val="1"/>
+              </p:ext>
+            </p:extLst>
+          </p:nvPr>
+        </p:nvGrpSpPr>
+        <p:grpSpPr>
+          <a:xfrm>
+            <a:off x="2522324" y="-15978"/>
+            <a:ext cx="7147352" cy="5876916"/>
+            <a:chOff x="329184" y="-99107"/>
+            <a:chExt cx="524256" cy="5876916"/>
+          </a:xfrm>
+        </p:grpSpPr>
+        <p:cxnSp>
+          <p:nvCxnSpPr>
+            <p:cNvPr id="25" name="Straight Connector 24">
+              <a:extLst>
+                <a:ext uri="{FF2B5EF4-FFF2-40B4-BE49-F238E27FC236}">
+                  <a16:creationId xmlns:a16="http://schemas.microsoft.com/office/drawing/2014/main" id="{F7C8EA93-3210-4C62-99E9-153C275E3A87}"/>
+                </a:ext>
+                <a:ext uri="{C183D7F6-B498-43B3-948B-1728B52AA6E4}">
+                  <adec:decorative xmlns:adec="http://schemas.microsoft.com/office/drawing/2017/decorative" val="1"/>
+                </a:ext>
+              </a:extLst>
+            </p:cNvPr>
+            <p:cNvCxnSpPr>
+              <a:cxnSpLocks/>
+            </p:cNvCxnSpPr>
+            <p:nvPr>
+              <p:extLst>
+                <p:ext uri="{386F3935-93C4-4BCD-93E2-E3B085C9AB24}">
+                  <p16:designElem xmlns:p16="http://schemas.microsoft.com/office/powerpoint/2015/main" val="1"/>
+                </p:ext>
+              </p:extLst>
+            </p:nvPr>
+          </p:nvCxnSpPr>
+          <p:spPr>
+            <a:xfrm flipH="1">
+              <a:off x="329184" y="5777809"/>
+              <a:ext cx="523824" cy="0"/>
+            </a:xfrm>
+            <a:prstGeom prst="line">
+              <a:avLst/>
+            </a:prstGeom>
+            <a:ln w="152400">
+              <a:solidFill>
+                <a:schemeClr val="accent4"/>
+              </a:solidFill>
+            </a:ln>
+          </p:spPr>
+          <p:style>
+            <a:lnRef idx="1">
+              <a:schemeClr val="accent1"/>
+            </a:lnRef>
+            <a:fillRef idx="0">
+              <a:schemeClr val="accent1"/>
+            </a:fillRef>
+            <a:effectRef idx="0">
+              <a:schemeClr val="accent1"/>
+            </a:effectRef>
+            <a:fontRef idx="minor">
+              <a:schemeClr val="tx1"/>
+            </a:fontRef>
+          </p:style>
+        </p:cxnSp>
+        <p:sp>
+          <p:nvSpPr>
+            <p:cNvPr id="26" name="Rectangle 25">
+              <a:extLst>
+                <a:ext uri="{FF2B5EF4-FFF2-40B4-BE49-F238E27FC236}">
+                  <a16:creationId xmlns:a16="http://schemas.microsoft.com/office/drawing/2014/main" id="{5EB7D2A2-F448-44D4-938C-DC84CBCB3B1E}"/>
+                </a:ext>
+                <a:ext uri="{C183D7F6-B498-43B3-948B-1728B52AA6E4}">
+                  <adec:decorative xmlns:adec="http://schemas.microsoft.com/office/drawing/2017/decorative" val="1"/>
+                </a:ext>
+              </a:extLst>
+            </p:cNvPr>
+            <p:cNvSpPr/>
+            <p:nvPr>
+              <p:extLst>
+                <p:ext uri="{386F3935-93C4-4BCD-93E2-E3B085C9AB24}">
+                  <p16:designElem xmlns:p16="http://schemas.microsoft.com/office/powerpoint/2015/main" val="1"/>
+                </p:ext>
+              </p:extLst>
+            </p:nvPr>
+          </p:nvSpPr>
+          <p:spPr>
+            <a:xfrm>
+              <a:off x="329184" y="-99107"/>
+              <a:ext cx="524256" cy="5631228"/>
+            </a:xfrm>
+            <a:prstGeom prst="rect">
+              <a:avLst/>
+            </a:prstGeom>
+            <a:solidFill>
+              <a:schemeClr val="accent4"/>
+            </a:solidFill>
+            <a:ln>
+              <a:noFill/>
+            </a:ln>
+          </p:spPr>
+          <p:style>
+            <a:lnRef idx="2">
+              <a:schemeClr val="accent1">
+                <a:shade val="50000"/>
+              </a:schemeClr>
+            </a:lnRef>
+            <a:fillRef idx="1">
+              <a:schemeClr val="accent1"/>
+            </a:fillRef>
+            <a:effectRef idx="0">
+              <a:schemeClr val="accent1"/>
+            </a:effectRef>
+            <a:fontRef idx="minor">
+              <a:schemeClr val="lt1"/>
+            </a:fontRef>
+          </p:style>
+          <p:txBody>
+            <a:bodyPr rtlCol="0" anchor="ctr"/>
+            <a:lstStyle/>
+            <a:p>
+              <a:pPr algn="ctr"/>
+              <a:endParaRPr lang="en-US" dirty="0"/>
+            </a:p>
+          </p:txBody>
+        </p:sp>
+      </p:grpSp>
+      <p:sp>
+        <p:nvSpPr>
+          <p:cNvPr id="28" name="Rectangle 27">
+            <a:extLst>
+              <a:ext uri="{FF2B5EF4-FFF2-40B4-BE49-F238E27FC236}">
+                <a16:creationId xmlns:a16="http://schemas.microsoft.com/office/drawing/2014/main" id="{871AEA07-1E14-44B4-8E55-64EF049CD66F}"/>
+              </a:ext>
+              <a:ext uri="{C183D7F6-B498-43B3-948B-1728B52AA6E4}">
+                <adec:decorative xmlns:adec="http://schemas.microsoft.com/office/drawing/2017/decorative" val="1"/>
+              </a:ext>
+            </a:extLst>
+          </p:cNvPr>
+          <p:cNvSpPr>
+            <a:spLocks noGrp="1" noRot="1" noChangeAspect="1" noMove="1" noResize="1" noEditPoints="1" noAdjustHandles="1" noChangeArrowheads="1" noChangeShapeType="1" noTextEdit="1"/>
+          </p:cNvSpPr>
+          <p:nvPr>
+            <p:extLst>
+              <p:ext uri="{386F3935-93C4-4BCD-93E2-E3B085C9AB24}">
+                <p16:designElem xmlns:p16="http://schemas.microsoft.com/office/powerpoint/2015/main" val="1"/>
+              </p:ext>
+            </p:extLst>
+          </p:nvPr>
+        </p:nvSpPr>
+        <p:spPr>
+          <a:xfrm>
+            <a:off x="596464" y="1055718"/>
+            <a:ext cx="10999072" cy="3358344"/>
+          </a:xfrm>
+          <a:prstGeom prst="rect">
+            <a:avLst/>
+          </a:prstGeom>
+          <a:solidFill>
+            <a:schemeClr val="bg1"/>
+          </a:solidFill>
+          <a:ln>
+            <a:noFill/>
+          </a:ln>
+          <a:effectLst>
+            <a:outerShdw blurRad="139700" dist="127000" dir="5400000" algn="t" rotWithShape="0">
+              <a:prstClr val="black">
+                <a:alpha val="15000"/>
+              </a:prstClr>
+            </a:outerShdw>
+          </a:effectLst>
+        </p:spPr>
+        <p:style>
+          <a:lnRef idx="2">
+            <a:schemeClr val="accent1">
+              <a:shade val="50000"/>
+            </a:schemeClr>
+          </a:lnRef>
+          <a:fillRef idx="1">
+            <a:schemeClr val="accent1"/>
+          </a:fillRef>
+          <a:effectRef idx="0">
+            <a:schemeClr val="accent1"/>
+          </a:effectRef>
+          <a:fontRef idx="minor">
+            <a:schemeClr val="lt1"/>
+          </a:fontRef>
+        </p:style>
+        <p:txBody>
+          <a:bodyPr rtlCol="0" anchor="ctr"/>
+          <a:lstStyle/>
+          <a:p>
+            <a:pPr algn="ctr"/>
+            <a:endParaRPr lang="en-US"/>
+          </a:p>
+        </p:txBody>
+      </p:sp>
+      <p:sp>
+        <p:nvSpPr>
+          <p:cNvPr id="2" name="Title 1">
+            <a:extLst>
+              <a:ext uri="{FF2B5EF4-FFF2-40B4-BE49-F238E27FC236}">
+                <a16:creationId xmlns:a16="http://schemas.microsoft.com/office/drawing/2014/main" id="{BD31A0EF-76AB-411A-B34D-897C6FC1580A}"/>
+              </a:ext>
+            </a:extLst>
+          </p:cNvPr>
+          <p:cNvSpPr>
+            <a:spLocks noGrp="1"/>
+          </p:cNvSpPr>
+          <p:nvPr>
+            <p:ph type="title"/>
+          </p:nvPr>
+        </p:nvSpPr>
+        <p:spPr>
+          <a:xfrm>
+            <a:off x="1524000" y="1584683"/>
+            <a:ext cx="9144000" cy="2551829"/>
+          </a:xfrm>
+        </p:spPr>
+        <p:txBody>
+          <a:bodyPr vert="horz" lIns="91440" tIns="45720" rIns="91440" bIns="45720" rtlCol="0" anchor="ctr">
+            <a:normAutofit/>
+          </a:bodyPr>
+          <a:lstStyle/>
+          <a:p>
+            <a:pPr algn="ctr"/>
+            <a:r>
+              <a:rPr lang="en-US" sz="6600" b="1" kern="1200" dirty="0">
+                <a:solidFill>
+                  <a:schemeClr val="tx1"/>
+                </a:solidFill>
+                <a:latin typeface="Amasis MT Pro Black" panose="02040A04050005020304" pitchFamily="18" charset="0"/>
+              </a:rPr>
+              <a:t>Summary</a:t>
+            </a:r>
+          </a:p>
+        </p:txBody>
+      </p:sp>
+    </p:spTree>
+    <p:extLst>
+      <p:ext uri="{BB962C8B-B14F-4D97-AF65-F5344CB8AC3E}">
+        <p14:creationId xmlns:p14="http://schemas.microsoft.com/office/powerpoint/2010/main" val="1270426270"/>
+      </p:ext>
+    </p:extLst>
+  </p:cSld>
+  <p:clrMapOvr>
+    <a:masterClrMapping/>
+  </p:clrMapOvr>
+  <mc:AlternateContent xmlns:mc="http://schemas.openxmlformats.org/markup-compatibility/2006" xmlns:p14="http://schemas.microsoft.com/office/powerpoint/2010/main">
+    <mc:Choice Requires="p14">
+      <p:transition spd="slow" p14:dur="3400">
+        <p14:reveal/>
+      </p:transition>
+    </mc:Choice>
+    <mc:Fallback xmlns="">
+      <p:transition spd="slow">
+        <p:fade/>
+      </p:transition>
+    </mc:Fallback>
+  </mc:AlternateContent>
+</p:sld>
+</file>
+
+<file path=ppt/slides/slide12.xml><?xml version="1.0" encoding="utf-8"?>
+<p:sld xmlns:a="http://schemas.openxmlformats.org/drawingml/2006/main" xmlns:r="http://schemas.openxmlformats.org/officeDocument/2006/relationships" xmlns:p="http://schemas.openxmlformats.org/presentationml/2006/main">
+  <p:cSld>
+    <p:bg>
+      <p:bgPr>
+        <a:solidFill>
+          <a:schemeClr val="bg1"/>
+        </a:solidFill>
+        <a:effectLst/>
+      </p:bgPr>
+    </p:bg>
+    <p:spTree>
+      <p:nvGrpSpPr>
+        <p:cNvPr id="1" name=""/>
+        <p:cNvGrpSpPr/>
+        <p:nvPr/>
+      </p:nvGrpSpPr>
+      <p:grpSpPr>
+        <a:xfrm>
+          <a:off x="0" y="0"/>
+          <a:ext cx="0" cy="0"/>
+          <a:chOff x="0" y="0"/>
+          <a:chExt cx="0" cy="0"/>
+        </a:xfrm>
+      </p:grpSpPr>
+      <p:sp useBgFill="1">
+        <p:nvSpPr>
+          <p:cNvPr id="8" name="Rectangle 7">
+            <a:extLst>
+              <a:ext uri="{FF2B5EF4-FFF2-40B4-BE49-F238E27FC236}">
+                <a16:creationId xmlns:a16="http://schemas.microsoft.com/office/drawing/2014/main" id="{4DA718D0-4865-4629-8134-44F68D41D574}"/>
+              </a:ext>
+              <a:ext uri="{C183D7F6-B498-43B3-948B-1728B52AA6E4}">
+                <adec:decorative xmlns:adec="http://schemas.microsoft.com/office/drawing/2017/decorative" val="1"/>
+              </a:ext>
+            </a:extLst>
+          </p:cNvPr>
+          <p:cNvSpPr>
+            <a:spLocks noGrp="1" noRot="1" noChangeAspect="1" noMove="1" noResize="1" noEditPoints="1" noAdjustHandles="1" noChangeArrowheads="1" noChangeShapeType="1" noTextEdit="1"/>
+          </p:cNvSpPr>
+          <p:nvPr>
+            <p:extLst>
+              <p:ext uri="{386F3935-93C4-4BCD-93E2-E3B085C9AB24}">
+                <p16:designElem xmlns:p16="http://schemas.microsoft.com/office/powerpoint/2015/main" val="1"/>
+              </p:ext>
+            </p:extLst>
+          </p:nvPr>
+        </p:nvSpPr>
+        <p:spPr>
+          <a:xfrm>
+            <a:off x="0" y="0"/>
+            <a:ext cx="12191999" cy="6857365"/>
+          </a:xfrm>
+          <a:prstGeom prst="rect">
+            <a:avLst/>
+          </a:prstGeom>
+          <a:ln>
+            <a:noFill/>
+          </a:ln>
+        </p:spPr>
+        <p:style>
+          <a:lnRef idx="2">
+            <a:schemeClr val="accent1">
+              <a:shade val="50000"/>
+            </a:schemeClr>
+          </a:lnRef>
+          <a:fillRef idx="1">
+            <a:schemeClr val="accent1"/>
+          </a:fillRef>
+          <a:effectRef idx="0">
+            <a:schemeClr val="accent1"/>
+          </a:effectRef>
+          <a:fontRef idx="minor">
+            <a:schemeClr val="lt1"/>
+          </a:fontRef>
+        </p:style>
+        <p:txBody>
+          <a:bodyPr rtlCol="0" anchor="ctr"/>
+          <a:lstStyle/>
+          <a:p>
+            <a:pPr algn="ctr"/>
+            <a:endParaRPr lang="en-US"/>
+          </a:p>
+        </p:txBody>
+      </p:sp>
+      <p:grpSp>
+        <p:nvGrpSpPr>
+          <p:cNvPr id="10" name="Group 9">
+            <a:extLst>
+              <a:ext uri="{FF2B5EF4-FFF2-40B4-BE49-F238E27FC236}">
+                <a16:creationId xmlns:a16="http://schemas.microsoft.com/office/drawing/2014/main" id="{65167ED7-6315-43AB-B1B6-C326D5FD8F84}"/>
+              </a:ext>
+              <a:ext uri="{C183D7F6-B498-43B3-948B-1728B52AA6E4}">
+                <adec:decorative xmlns:adec="http://schemas.microsoft.com/office/drawing/2017/decorative" val="1"/>
+              </a:ext>
+            </a:extLst>
+          </p:cNvPr>
+          <p:cNvGrpSpPr>
+            <a:grpSpLocks noGrp="1" noUngrp="1" noRot="1" noChangeAspect="1" noMove="1" noResize="1"/>
+          </p:cNvGrpSpPr>
+          <p:nvPr>
+            <p:extLst>
+              <p:ext uri="{386F3935-93C4-4BCD-93E2-E3B085C9AB24}">
+                <p16:designElem xmlns:p16="http://schemas.microsoft.com/office/powerpoint/2015/main" val="1"/>
+              </p:ext>
+            </p:extLst>
+          </p:nvPr>
+        </p:nvGrpSpPr>
+        <p:grpSpPr>
+          <a:xfrm rot="5400000">
+            <a:off x="-2340441" y="2666183"/>
+            <a:ext cx="5860051" cy="527712"/>
+            <a:chOff x="6081624" y="1998368"/>
+            <a:chExt cx="5613457" cy="782175"/>
+          </a:xfrm>
+          <a:solidFill>
+            <a:schemeClr val="accent4"/>
+          </a:solidFill>
+        </p:grpSpPr>
+        <p:sp>
+          <p:nvSpPr>
+            <p:cNvPr id="11" name="Rectangle 10">
+              <a:extLst>
+                <a:ext uri="{FF2B5EF4-FFF2-40B4-BE49-F238E27FC236}">
+                  <a16:creationId xmlns:a16="http://schemas.microsoft.com/office/drawing/2014/main" id="{EF4D8839-FB03-487D-ACC8-8BFEDD4FEBAE}"/>
+                </a:ext>
+                <a:ext uri="{C183D7F6-B498-43B3-948B-1728B52AA6E4}">
+                  <adec:decorative xmlns:adec="http://schemas.microsoft.com/office/drawing/2017/decorative" val="1"/>
+                </a:ext>
+              </a:extLst>
+            </p:cNvPr>
+            <p:cNvSpPr/>
+            <p:nvPr>
+              <p:extLst>
+                <p:ext uri="{386F3935-93C4-4BCD-93E2-E3B085C9AB24}">
+                  <p16:designElem xmlns:p16="http://schemas.microsoft.com/office/powerpoint/2015/main" val="1"/>
+                </p:ext>
+              </p:extLst>
+            </p:nvPr>
+          </p:nvSpPr>
+          <p:spPr>
+            <a:xfrm rot="5400000">
+              <a:off x="11228040" y="2313027"/>
+              <a:ext cx="781700" cy="152382"/>
+            </a:xfrm>
+            <a:prstGeom prst="rect">
+              <a:avLst/>
+            </a:prstGeom>
+            <a:grpFill/>
+            <a:ln>
+              <a:noFill/>
+            </a:ln>
+          </p:spPr>
+          <p:style>
+            <a:lnRef idx="2">
+              <a:schemeClr val="accent1">
+                <a:shade val="50000"/>
+              </a:schemeClr>
+            </a:lnRef>
+            <a:fillRef idx="1">
+              <a:schemeClr val="accent1"/>
+            </a:fillRef>
+            <a:effectRef idx="0">
+              <a:schemeClr val="accent1"/>
+            </a:effectRef>
+            <a:fontRef idx="minor">
+              <a:schemeClr val="lt1"/>
+            </a:fontRef>
+          </p:style>
+          <p:txBody>
+            <a:bodyPr rtlCol="0" anchor="ctr"/>
+            <a:lstStyle/>
+            <a:p>
+              <a:pPr algn="ctr"/>
+              <a:endParaRPr lang="en-US"/>
+            </a:p>
+          </p:txBody>
+        </p:sp>
+        <p:sp>
+          <p:nvSpPr>
+            <p:cNvPr id="12" name="Rectangle 11">
+              <a:extLst>
+                <a:ext uri="{FF2B5EF4-FFF2-40B4-BE49-F238E27FC236}">
+                  <a16:creationId xmlns:a16="http://schemas.microsoft.com/office/drawing/2014/main" id="{0EF75023-9A3B-42FC-B704-61A8F7BEF415}"/>
+                </a:ext>
+                <a:ext uri="{C183D7F6-B498-43B3-948B-1728B52AA6E4}">
+                  <adec:decorative xmlns:adec="http://schemas.microsoft.com/office/drawing/2017/decorative" val="1"/>
+                </a:ext>
+              </a:extLst>
+            </p:cNvPr>
+            <p:cNvSpPr/>
+            <p:nvPr>
+              <p:extLst>
+                <p:ext uri="{386F3935-93C4-4BCD-93E2-E3B085C9AB24}">
+                  <p16:designElem xmlns:p16="http://schemas.microsoft.com/office/powerpoint/2015/main" val="1"/>
+                </p:ext>
+              </p:extLst>
+            </p:nvPr>
+          </p:nvSpPr>
+          <p:spPr>
+            <a:xfrm flipH="1" flipV="1">
+              <a:off x="6081624" y="1998844"/>
+              <a:ext cx="5372968" cy="781699"/>
+            </a:xfrm>
+            <a:prstGeom prst="rect">
+              <a:avLst/>
+            </a:prstGeom>
+            <a:grpFill/>
+            <a:ln>
+              <a:noFill/>
+            </a:ln>
+          </p:spPr>
+          <p:style>
+            <a:lnRef idx="2">
+              <a:schemeClr val="accent1">
+                <a:shade val="50000"/>
+              </a:schemeClr>
+            </a:lnRef>
+            <a:fillRef idx="1">
+              <a:schemeClr val="accent1"/>
+            </a:fillRef>
+            <a:effectRef idx="0">
+              <a:schemeClr val="accent1"/>
+            </a:effectRef>
+            <a:fontRef idx="minor">
+              <a:schemeClr val="lt1"/>
+            </a:fontRef>
+          </p:style>
+          <p:txBody>
+            <a:bodyPr rtlCol="0" anchor="ctr"/>
+            <a:lstStyle/>
+            <a:p>
+              <a:pPr algn="ctr"/>
+              <a:endParaRPr lang="en-US"/>
+            </a:p>
+          </p:txBody>
+        </p:sp>
+      </p:grpSp>
+      <p:sp>
+        <p:nvSpPr>
+          <p:cNvPr id="14" name="Rectangle 13">
+            <a:extLst>
+              <a:ext uri="{FF2B5EF4-FFF2-40B4-BE49-F238E27FC236}">
+                <a16:creationId xmlns:a16="http://schemas.microsoft.com/office/drawing/2014/main" id="{CBC4F608-B4B8-48C3-9572-C0F061B1CD99}"/>
+              </a:ext>
+              <a:ext uri="{C183D7F6-B498-43B3-948B-1728B52AA6E4}">
+                <adec:decorative xmlns:adec="http://schemas.microsoft.com/office/drawing/2017/decorative" val="1"/>
+              </a:ext>
+            </a:extLst>
+          </p:cNvPr>
+          <p:cNvSpPr>
+            <a:spLocks noGrp="1" noRot="1" noChangeAspect="1" noMove="1" noResize="1" noEditPoints="1" noAdjustHandles="1" noChangeArrowheads="1" noChangeShapeType="1" noTextEdit="1"/>
+          </p:cNvSpPr>
+          <p:nvPr>
+            <p:extLst>
+              <p:ext uri="{386F3935-93C4-4BCD-93E2-E3B085C9AB24}">
+                <p16:designElem xmlns:p16="http://schemas.microsoft.com/office/powerpoint/2015/main" val="1"/>
+              </p:ext>
+            </p:extLst>
+          </p:nvPr>
+        </p:nvSpPr>
+        <p:spPr>
+          <a:xfrm>
+            <a:off x="579528" y="922919"/>
+            <a:ext cx="11111729" cy="5461252"/>
+          </a:xfrm>
+          <a:prstGeom prst="rect">
+            <a:avLst/>
+          </a:prstGeom>
+          <a:solidFill>
+            <a:schemeClr val="bg1"/>
+          </a:solidFill>
+          <a:ln>
+            <a:noFill/>
+          </a:ln>
+          <a:effectLst>
+            <a:outerShdw blurRad="139700" dist="127000" dir="5400000" algn="t" rotWithShape="0">
+              <a:prstClr val="black">
+                <a:alpha val="15000"/>
+              </a:prstClr>
+            </a:outerShdw>
+          </a:effectLst>
+        </p:spPr>
+        <p:style>
+          <a:lnRef idx="2">
+            <a:schemeClr val="accent1">
+              <a:shade val="50000"/>
+            </a:schemeClr>
+          </a:lnRef>
+          <a:fillRef idx="1">
+            <a:schemeClr val="accent1"/>
+          </a:fillRef>
+          <a:effectRef idx="0">
+            <a:schemeClr val="accent1"/>
+          </a:effectRef>
+          <a:fontRef idx="minor">
+            <a:schemeClr val="lt1"/>
+          </a:fontRef>
+        </p:style>
+        <p:txBody>
+          <a:bodyPr rtlCol="0" anchor="ctr"/>
+          <a:lstStyle/>
+          <a:p>
+            <a:pPr algn="ctr"/>
+            <a:endParaRPr lang="en-US"/>
+          </a:p>
+        </p:txBody>
+      </p:sp>
+      <p:sp>
+        <p:nvSpPr>
+          <p:cNvPr id="2" name="Title 1">
+            <a:extLst>
+              <a:ext uri="{FF2B5EF4-FFF2-40B4-BE49-F238E27FC236}">
+                <a16:creationId xmlns:a16="http://schemas.microsoft.com/office/drawing/2014/main" id="{842A4CC2-EB59-DAA9-E333-BCFECEC66A72}"/>
+              </a:ext>
+            </a:extLst>
+          </p:cNvPr>
+          <p:cNvSpPr>
+            <a:spLocks noGrp="1"/>
+          </p:cNvSpPr>
+          <p:nvPr>
+            <p:ph type="title"/>
+          </p:nvPr>
+        </p:nvSpPr>
+        <p:spPr>
+          <a:xfrm>
+            <a:off x="1282963" y="1238080"/>
+            <a:ext cx="9849751" cy="1349671"/>
+          </a:xfrm>
+        </p:spPr>
+        <p:txBody>
+          <a:bodyPr anchor="b">
+            <a:normAutofit/>
+          </a:bodyPr>
+          <a:lstStyle/>
+          <a:p>
+            <a:endParaRPr lang="en-US" sz="5400"/>
+          </a:p>
+        </p:txBody>
+      </p:sp>
+      <p:sp>
+        <p:nvSpPr>
+          <p:cNvPr id="3" name="Content Placeholder 2">
+            <a:extLst>
+              <a:ext uri="{FF2B5EF4-FFF2-40B4-BE49-F238E27FC236}">
+                <a16:creationId xmlns:a16="http://schemas.microsoft.com/office/drawing/2014/main" id="{0D202D78-585C-036F-0149-FB3AEEEA9FAC}"/>
+              </a:ext>
+            </a:extLst>
+          </p:cNvPr>
+          <p:cNvSpPr>
+            <a:spLocks noGrp="1"/>
+          </p:cNvSpPr>
+          <p:nvPr>
+            <p:ph idx="1"/>
+          </p:nvPr>
+        </p:nvSpPr>
+        <p:spPr>
+          <a:xfrm>
+            <a:off x="1289304" y="2902913"/>
+            <a:ext cx="9849751" cy="3032168"/>
+          </a:xfrm>
+        </p:spPr>
+        <p:txBody>
+          <a:bodyPr anchor="ctr">
+            <a:normAutofit/>
+          </a:bodyPr>
+          <a:lstStyle/>
+          <a:p>
+            <a:endParaRPr lang="en-US" sz="2000"/>
+          </a:p>
+        </p:txBody>
+      </p:sp>
+    </p:spTree>
+    <p:extLst>
+      <p:ext uri="{BB962C8B-B14F-4D97-AF65-F5344CB8AC3E}">
+        <p14:creationId xmlns:p14="http://schemas.microsoft.com/office/powerpoint/2010/main" val="2923581052"/>
+      </p:ext>
+    </p:extLst>
+  </p:cSld>
+  <p:clrMapOvr>
+    <a:masterClrMapping/>
+  </p:clrMapOvr>
+  <mc:AlternateContent xmlns:mc="http://schemas.openxmlformats.org/markup-compatibility/2006" xmlns:p14="http://schemas.microsoft.com/office/powerpoint/2010/main">
+    <mc:Choice Requires="p14">
+      <p:transition spd="slow" p14:dur="3400">
+        <p14:reveal/>
+      </p:transition>
+    </mc:Choice>
+    <mc:Fallback xmlns="">
+      <p:transition spd="slow">
+        <p:fade/>
+      </p:transition>
+    </mc:Fallback>
+  </mc:AlternateContent>
+</p:sld>
+</file>
+
+<file path=ppt/slides/slide13.xml><?xml version="1.0" encoding="utf-8"?>
+<p:sld xmlns:a="http://schemas.openxmlformats.org/drawingml/2006/main" xmlns:r="http://schemas.openxmlformats.org/officeDocument/2006/relationships" xmlns:p="http://schemas.openxmlformats.org/presentationml/2006/main">
+  <p:cSld>
+    <p:bg>
+      <p:bgPr>
+        <a:solidFill>
+          <a:schemeClr val="bg1"/>
+        </a:solidFill>
+        <a:effectLst/>
+      </p:bgPr>
+    </p:bg>
+    <p:spTree>
+      <p:nvGrpSpPr>
+        <p:cNvPr id="1" name=""/>
+        <p:cNvGrpSpPr/>
+        <p:nvPr/>
+      </p:nvGrpSpPr>
+      <p:grpSpPr>
+        <a:xfrm>
+          <a:off x="0" y="0"/>
+          <a:ext cx="0" cy="0"/>
+          <a:chOff x="0" y="0"/>
+          <a:chExt cx="0" cy="0"/>
+        </a:xfrm>
+      </p:grpSpPr>
+      <p:sp useBgFill="1">
+        <p:nvSpPr>
+          <p:cNvPr id="22" name="Rectangle 21">
+            <a:extLst>
+              <a:ext uri="{FF2B5EF4-FFF2-40B4-BE49-F238E27FC236}">
+                <a16:creationId xmlns:a16="http://schemas.microsoft.com/office/drawing/2014/main" id="{9095C1F4-AE7F-44E4-8693-40D3D6831140}"/>
+              </a:ext>
+              <a:ext uri="{C183D7F6-B498-43B3-948B-1728B52AA6E4}">
+                <adec:decorative xmlns:adec="http://schemas.microsoft.com/office/drawing/2017/decorative" val="1"/>
+              </a:ext>
+            </a:extLst>
+          </p:cNvPr>
+          <p:cNvSpPr>
+            <a:spLocks noGrp="1" noRot="1" noChangeAspect="1" noMove="1" noResize="1" noEditPoints="1" noAdjustHandles="1" noChangeArrowheads="1" noChangeShapeType="1" noTextEdit="1"/>
+          </p:cNvSpPr>
+          <p:nvPr>
+            <p:extLst>
+              <p:ext uri="{386F3935-93C4-4BCD-93E2-E3B085C9AB24}">
+                <p16:designElem xmlns:p16="http://schemas.microsoft.com/office/powerpoint/2015/main" val="1"/>
+              </p:ext>
+            </p:extLst>
+          </p:nvPr>
+        </p:nvSpPr>
+        <p:spPr>
+          <a:xfrm>
+            <a:off x="0" y="0"/>
+            <a:ext cx="12191999" cy="6857365"/>
+          </a:xfrm>
+          <a:prstGeom prst="rect">
+            <a:avLst/>
+          </a:prstGeom>
+          <a:ln>
+            <a:noFill/>
+          </a:ln>
+        </p:spPr>
+        <p:style>
+          <a:lnRef idx="2">
+            <a:schemeClr val="accent1">
+              <a:shade val="50000"/>
+            </a:schemeClr>
+          </a:lnRef>
+          <a:fillRef idx="1">
+            <a:schemeClr val="accent1"/>
+          </a:fillRef>
+          <a:effectRef idx="0">
+            <a:schemeClr val="accent1"/>
+          </a:effectRef>
+          <a:fontRef idx="minor">
+            <a:schemeClr val="lt1"/>
+          </a:fontRef>
+        </p:style>
+        <p:txBody>
+          <a:bodyPr rtlCol="0" anchor="ctr"/>
+          <a:lstStyle/>
+          <a:p>
+            <a:pPr algn="ctr"/>
+            <a:endParaRPr lang="en-US"/>
+          </a:p>
+        </p:txBody>
+      </p:sp>
+      <p:grpSp>
+        <p:nvGrpSpPr>
+          <p:cNvPr id="24" name="Group 23">
+            <a:extLst>
+              <a:ext uri="{FF2B5EF4-FFF2-40B4-BE49-F238E27FC236}">
+                <a16:creationId xmlns:a16="http://schemas.microsoft.com/office/drawing/2014/main" id="{8734DDD3-F723-4DD3-8ABE-EC0B2AC87D74}"/>
+              </a:ext>
+              <a:ext uri="{C183D7F6-B498-43B3-948B-1728B52AA6E4}">
+                <adec:decorative xmlns:adec="http://schemas.microsoft.com/office/drawing/2017/decorative" val="1"/>
+              </a:ext>
+            </a:extLst>
+          </p:cNvPr>
+          <p:cNvGrpSpPr>
+            <a:grpSpLocks noGrp="1" noUngrp="1" noRot="1" noChangeAspect="1" noMove="1" noResize="1"/>
+          </p:cNvGrpSpPr>
+          <p:nvPr>
+            <p:extLst>
+              <p:ext uri="{386F3935-93C4-4BCD-93E2-E3B085C9AB24}">
+                <p16:designElem xmlns:p16="http://schemas.microsoft.com/office/powerpoint/2015/main" val="1"/>
+              </p:ext>
+            </p:extLst>
+          </p:nvPr>
+        </p:nvGrpSpPr>
+        <p:grpSpPr>
+          <a:xfrm>
+            <a:off x="2522324" y="-15978"/>
+            <a:ext cx="7147352" cy="5876916"/>
+            <a:chOff x="329184" y="-99107"/>
+            <a:chExt cx="524256" cy="5876916"/>
+          </a:xfrm>
+        </p:grpSpPr>
+        <p:cxnSp>
+          <p:nvCxnSpPr>
+            <p:cNvPr id="25" name="Straight Connector 24">
+              <a:extLst>
+                <a:ext uri="{FF2B5EF4-FFF2-40B4-BE49-F238E27FC236}">
+                  <a16:creationId xmlns:a16="http://schemas.microsoft.com/office/drawing/2014/main" id="{F7C8EA93-3210-4C62-99E9-153C275E3A87}"/>
+                </a:ext>
+                <a:ext uri="{C183D7F6-B498-43B3-948B-1728B52AA6E4}">
+                  <adec:decorative xmlns:adec="http://schemas.microsoft.com/office/drawing/2017/decorative" val="1"/>
+                </a:ext>
+              </a:extLst>
+            </p:cNvPr>
+            <p:cNvCxnSpPr>
+              <a:cxnSpLocks/>
+            </p:cNvCxnSpPr>
+            <p:nvPr>
+              <p:extLst>
+                <p:ext uri="{386F3935-93C4-4BCD-93E2-E3B085C9AB24}">
+                  <p16:designElem xmlns:p16="http://schemas.microsoft.com/office/powerpoint/2015/main" val="1"/>
+                </p:ext>
+              </p:extLst>
+            </p:nvPr>
+          </p:nvCxnSpPr>
+          <p:spPr>
+            <a:xfrm flipH="1">
+              <a:off x="329184" y="5777809"/>
+              <a:ext cx="523824" cy="0"/>
+            </a:xfrm>
+            <a:prstGeom prst="line">
+              <a:avLst/>
+            </a:prstGeom>
+            <a:ln w="152400">
+              <a:solidFill>
+                <a:schemeClr val="accent4"/>
+              </a:solidFill>
+            </a:ln>
+          </p:spPr>
+          <p:style>
+            <a:lnRef idx="1">
+              <a:schemeClr val="accent1"/>
+            </a:lnRef>
+            <a:fillRef idx="0">
+              <a:schemeClr val="accent1"/>
+            </a:fillRef>
+            <a:effectRef idx="0">
+              <a:schemeClr val="accent1"/>
+            </a:effectRef>
+            <a:fontRef idx="minor">
+              <a:schemeClr val="tx1"/>
+            </a:fontRef>
+          </p:style>
+        </p:cxnSp>
+        <p:sp>
+          <p:nvSpPr>
+            <p:cNvPr id="26" name="Rectangle 25">
+              <a:extLst>
+                <a:ext uri="{FF2B5EF4-FFF2-40B4-BE49-F238E27FC236}">
+                  <a16:creationId xmlns:a16="http://schemas.microsoft.com/office/drawing/2014/main" id="{5EB7D2A2-F448-44D4-938C-DC84CBCB3B1E}"/>
+                </a:ext>
+                <a:ext uri="{C183D7F6-B498-43B3-948B-1728B52AA6E4}">
+                  <adec:decorative xmlns:adec="http://schemas.microsoft.com/office/drawing/2017/decorative" val="1"/>
+                </a:ext>
+              </a:extLst>
+            </p:cNvPr>
+            <p:cNvSpPr/>
+            <p:nvPr>
+              <p:extLst>
+                <p:ext uri="{386F3935-93C4-4BCD-93E2-E3B085C9AB24}">
+                  <p16:designElem xmlns:p16="http://schemas.microsoft.com/office/powerpoint/2015/main" val="1"/>
+                </p:ext>
+              </p:extLst>
+            </p:nvPr>
+          </p:nvSpPr>
+          <p:spPr>
+            <a:xfrm>
+              <a:off x="329184" y="-99107"/>
+              <a:ext cx="524256" cy="5631228"/>
+            </a:xfrm>
+            <a:prstGeom prst="rect">
+              <a:avLst/>
+            </a:prstGeom>
+            <a:solidFill>
+              <a:schemeClr val="accent4"/>
+            </a:solidFill>
+            <a:ln>
+              <a:noFill/>
+            </a:ln>
+          </p:spPr>
+          <p:style>
+            <a:lnRef idx="2">
+              <a:schemeClr val="accent1">
+                <a:shade val="50000"/>
+              </a:schemeClr>
+            </a:lnRef>
+            <a:fillRef idx="1">
+              <a:schemeClr val="accent1"/>
+            </a:fillRef>
+            <a:effectRef idx="0">
+              <a:schemeClr val="accent1"/>
+            </a:effectRef>
+            <a:fontRef idx="minor">
+              <a:schemeClr val="lt1"/>
+            </a:fontRef>
+          </p:style>
+          <p:txBody>
+            <a:bodyPr rtlCol="0" anchor="ctr"/>
+            <a:lstStyle/>
+            <a:p>
+              <a:pPr algn="ctr"/>
+              <a:endParaRPr lang="en-US" dirty="0"/>
+            </a:p>
+          </p:txBody>
+        </p:sp>
+      </p:grpSp>
+      <p:sp>
+        <p:nvSpPr>
+          <p:cNvPr id="28" name="Rectangle 27">
+            <a:extLst>
+              <a:ext uri="{FF2B5EF4-FFF2-40B4-BE49-F238E27FC236}">
+                <a16:creationId xmlns:a16="http://schemas.microsoft.com/office/drawing/2014/main" id="{871AEA07-1E14-44B4-8E55-64EF049CD66F}"/>
+              </a:ext>
+              <a:ext uri="{C183D7F6-B498-43B3-948B-1728B52AA6E4}">
+                <adec:decorative xmlns:adec="http://schemas.microsoft.com/office/drawing/2017/decorative" val="1"/>
+              </a:ext>
+            </a:extLst>
+          </p:cNvPr>
+          <p:cNvSpPr>
+            <a:spLocks noGrp="1" noRot="1" noChangeAspect="1" noMove="1" noResize="1" noEditPoints="1" noAdjustHandles="1" noChangeArrowheads="1" noChangeShapeType="1" noTextEdit="1"/>
+          </p:cNvSpPr>
+          <p:nvPr>
+            <p:extLst>
+              <p:ext uri="{386F3935-93C4-4BCD-93E2-E3B085C9AB24}">
+                <p16:designElem xmlns:p16="http://schemas.microsoft.com/office/powerpoint/2015/main" val="1"/>
+              </p:ext>
+            </p:extLst>
+          </p:nvPr>
+        </p:nvSpPr>
+        <p:spPr>
+          <a:xfrm>
+            <a:off x="596464" y="1055718"/>
+            <a:ext cx="10999072" cy="3358344"/>
+          </a:xfrm>
+          <a:prstGeom prst="rect">
+            <a:avLst/>
+          </a:prstGeom>
+          <a:solidFill>
+            <a:schemeClr val="bg1"/>
+          </a:solidFill>
+          <a:ln>
+            <a:noFill/>
+          </a:ln>
+          <a:effectLst>
+            <a:outerShdw blurRad="139700" dist="127000" dir="5400000" algn="t" rotWithShape="0">
+              <a:prstClr val="black">
+                <a:alpha val="15000"/>
+              </a:prstClr>
+            </a:outerShdw>
+          </a:effectLst>
+        </p:spPr>
+        <p:style>
+          <a:lnRef idx="2">
+            <a:schemeClr val="accent1">
+              <a:shade val="50000"/>
+            </a:schemeClr>
+          </a:lnRef>
+          <a:fillRef idx="1">
+            <a:schemeClr val="accent1"/>
+          </a:fillRef>
+          <a:effectRef idx="0">
+            <a:schemeClr val="accent1"/>
+          </a:effectRef>
+          <a:fontRef idx="minor">
+            <a:schemeClr val="lt1"/>
+          </a:fontRef>
+        </p:style>
+        <p:txBody>
+          <a:bodyPr rtlCol="0" anchor="ctr"/>
+          <a:lstStyle/>
+          <a:p>
+            <a:pPr algn="ctr"/>
+            <a:endParaRPr lang="en-US"/>
+          </a:p>
+        </p:txBody>
+      </p:sp>
+      <p:sp>
+        <p:nvSpPr>
+          <p:cNvPr id="2" name="Title 1">
+            <a:extLst>
+              <a:ext uri="{FF2B5EF4-FFF2-40B4-BE49-F238E27FC236}">
+                <a16:creationId xmlns:a16="http://schemas.microsoft.com/office/drawing/2014/main" id="{BD31A0EF-76AB-411A-B34D-897C6FC1580A}"/>
+              </a:ext>
+            </a:extLst>
+          </p:cNvPr>
+          <p:cNvSpPr>
+            <a:spLocks noGrp="1"/>
+          </p:cNvSpPr>
+          <p:nvPr>
+            <p:ph type="title"/>
+          </p:nvPr>
+        </p:nvSpPr>
+        <p:spPr>
+          <a:xfrm>
+            <a:off x="1524000" y="1584683"/>
+            <a:ext cx="9144000" cy="2551829"/>
+          </a:xfrm>
+        </p:spPr>
+        <p:txBody>
+          <a:bodyPr vert="horz" lIns="91440" tIns="45720" rIns="91440" bIns="45720" rtlCol="0" anchor="ctr">
+            <a:normAutofit/>
+          </a:bodyPr>
+          <a:lstStyle/>
+          <a:p>
+            <a:pPr algn="ctr"/>
+            <a:r>
+              <a:rPr lang="en-US" sz="6600" b="1" kern="1200" dirty="0">
+                <a:solidFill>
+                  <a:schemeClr val="tx1"/>
+                </a:solidFill>
+                <a:latin typeface="Amasis MT Pro Black" panose="02040A04050005020304" pitchFamily="18" charset="0"/>
+              </a:rPr>
+              <a:t>Conclusion</a:t>
+            </a:r>
+          </a:p>
+        </p:txBody>
+      </p:sp>
+    </p:spTree>
+    <p:extLst>
+      <p:ext uri="{BB962C8B-B14F-4D97-AF65-F5344CB8AC3E}">
+        <p14:creationId xmlns:p14="http://schemas.microsoft.com/office/powerpoint/2010/main" val="1275018497"/>
+      </p:ext>
+    </p:extLst>
+  </p:cSld>
+  <p:clrMapOvr>
+    <a:masterClrMapping/>
+  </p:clrMapOvr>
+  <mc:AlternateContent xmlns:mc="http://schemas.openxmlformats.org/markup-compatibility/2006" xmlns:p14="http://schemas.microsoft.com/office/powerpoint/2010/main">
+    <mc:Choice Requires="p14">
+      <p:transition spd="slow" p14:dur="3400">
+        <p14:reveal/>
+      </p:transition>
+    </mc:Choice>
+    <mc:Fallback xmlns="">
+      <p:transition spd="slow">
+        <p:fade/>
+      </p:transition>
+    </mc:Fallback>
+  </mc:AlternateContent>
+</p:sld>
+</file>
+
+<file path=ppt/slides/slide14.xml><?xml version="1.0" encoding="utf-8"?>
 <p:sld xmlns:a="http://schemas.openxmlformats.org/drawingml/2006/main" xmlns:r="http://schemas.openxmlformats.org/officeDocument/2006/relationships" xmlns:p="http://schemas.openxmlformats.org/presentationml/2006/main">
   <p:cSld>
     <p:spTree>
@@ -3516,6 +5059,98 @@
           <p:cNvPr id="2" name="Title 1">
             <a:extLst>
               <a:ext uri="{FF2B5EF4-FFF2-40B4-BE49-F238E27FC236}">
+                <a16:creationId xmlns:a16="http://schemas.microsoft.com/office/drawing/2014/main" id="{5E05AF9A-F62B-E9E5-940F-FEA9683D8236}"/>
+              </a:ext>
+            </a:extLst>
+          </p:cNvPr>
+          <p:cNvSpPr>
+            <a:spLocks noGrp="1"/>
+          </p:cNvSpPr>
+          <p:nvPr>
+            <p:ph type="title"/>
+          </p:nvPr>
+        </p:nvSpPr>
+        <p:spPr/>
+        <p:txBody>
+          <a:bodyPr/>
+          <a:lstStyle/>
+          <a:p>
+            <a:endParaRPr lang="en-US"/>
+          </a:p>
+        </p:txBody>
+      </p:sp>
+      <p:sp>
+        <p:nvSpPr>
+          <p:cNvPr id="3" name="Content Placeholder 2">
+            <a:extLst>
+              <a:ext uri="{FF2B5EF4-FFF2-40B4-BE49-F238E27FC236}">
+                <a16:creationId xmlns:a16="http://schemas.microsoft.com/office/drawing/2014/main" id="{3F4DB163-D3C7-EF68-E232-041105882AD3}"/>
+              </a:ext>
+            </a:extLst>
+          </p:cNvPr>
+          <p:cNvSpPr>
+            <a:spLocks noGrp="1"/>
+          </p:cNvSpPr>
+          <p:nvPr>
+            <p:ph idx="1"/>
+          </p:nvPr>
+        </p:nvSpPr>
+        <p:spPr/>
+        <p:txBody>
+          <a:bodyPr/>
+          <a:lstStyle/>
+          <a:p>
+            <a:endParaRPr lang="en-US"/>
+          </a:p>
+        </p:txBody>
+      </p:sp>
+    </p:spTree>
+    <p:extLst>
+      <p:ext uri="{BB962C8B-B14F-4D97-AF65-F5344CB8AC3E}">
+        <p14:creationId xmlns:p14="http://schemas.microsoft.com/office/powerpoint/2010/main" val="2441488769"/>
+      </p:ext>
+    </p:extLst>
+  </p:cSld>
+  <p:clrMapOvr>
+    <a:masterClrMapping/>
+  </p:clrMapOvr>
+  <mc:AlternateContent xmlns:mc="http://schemas.openxmlformats.org/markup-compatibility/2006" xmlns:p14="http://schemas.microsoft.com/office/powerpoint/2010/main">
+    <mc:Choice Requires="p14">
+      <p:transition spd="slow" p14:dur="3400">
+        <p14:reveal/>
+      </p:transition>
+    </mc:Choice>
+    <mc:Fallback xmlns="">
+      <p:transition spd="slow">
+        <p:fade/>
+      </p:transition>
+    </mc:Fallback>
+  </mc:AlternateContent>
+</p:sld>
+</file>
+
+<file path=ppt/slides/slide15.xml><?xml version="1.0" encoding="utf-8"?>
+<p:sld xmlns:a="http://schemas.openxmlformats.org/drawingml/2006/main" xmlns:r="http://schemas.openxmlformats.org/officeDocument/2006/relationships" xmlns:p="http://schemas.openxmlformats.org/presentationml/2006/main">
+  <p:cSld>
+    <p:spTree>
+      <p:nvGrpSpPr>
+        <p:cNvPr id="1" name=""/>
+        <p:cNvGrpSpPr/>
+        <p:nvPr/>
+      </p:nvGrpSpPr>
+      <p:grpSpPr>
+        <a:xfrm>
+          <a:off x="0" y="0"/>
+          <a:ext cx="0" cy="0"/>
+          <a:chOff x="0" y="0"/>
+          <a:chExt cx="0" cy="0"/>
+        </a:xfrm>
+      </p:grpSpPr>
+      <p:sp>
+        <p:nvSpPr>
+          <p:cNvPr id="2" name="Title 1">
+            <a:extLst>
+              <a:ext uri="{FF2B5EF4-FFF2-40B4-BE49-F238E27FC236}">
                 <a16:creationId xmlns:a16="http://schemas.microsoft.com/office/drawing/2014/main" id="{3A84E6C5-9D62-812B-4420-7981812964F3}"/>
               </a:ext>
             </a:extLst>
@@ -3558,6 +5193,18 @@
   <p:clrMapOvr>
     <a:masterClrMapping/>
   </p:clrMapOvr>
+  <mc:AlternateContent xmlns:mc="http://schemas.openxmlformats.org/markup-compatibility/2006" xmlns:p15="http://schemas.microsoft.com/office/powerpoint/2012/main">
+    <mc:Choice Requires="p15">
+      <p:transition xmlns:p14="http://schemas.microsoft.com/office/powerpoint/2010/main" spd="slow" p14:dur="6000">
+        <p15:prstTrans prst="curtains"/>
+      </p:transition>
+    </mc:Choice>
+    <mc:Fallback xmlns="">
+      <p:transition spd="slow">
+        <p:fade/>
+      </p:transition>
+    </mc:Fallback>
+  </mc:AlternateContent>
 </p:sld>
 </file>
 
@@ -3578,12 +5225,115 @@
           <a:chExt cx="0" cy="0"/>
         </a:xfrm>
       </p:grpSpPr>
+      <p:sp>
+        <p:nvSpPr>
+          <p:cNvPr id="2" name="Title 1">
+            <a:extLst>
+              <a:ext uri="{FF2B5EF4-FFF2-40B4-BE49-F238E27FC236}">
+                <a16:creationId xmlns:a16="http://schemas.microsoft.com/office/drawing/2014/main" id="{3FC40F1B-DAFF-AE30-7D4A-01EA1AB23990}"/>
+              </a:ext>
+            </a:extLst>
+          </p:cNvPr>
+          <p:cNvSpPr>
+            <a:spLocks noGrp="1"/>
+          </p:cNvSpPr>
+          <p:nvPr>
+            <p:ph type="title"/>
+          </p:nvPr>
+        </p:nvSpPr>
+        <p:spPr>
+          <a:xfrm>
+            <a:off x="1721540" y="32084"/>
+            <a:ext cx="8748920" cy="1141234"/>
+          </a:xfrm>
+        </p:spPr>
+        <p:txBody>
+          <a:bodyPr>
+            <a:normAutofit/>
+          </a:bodyPr>
+          <a:lstStyle/>
+          <a:p>
+            <a:pPr algn="ctr"/>
+            <a:r>
+              <a:rPr lang="en-US" sz="4000" b="1" dirty="0">
+                <a:latin typeface="Amasis MT Pro Black" panose="02040A04050005020304" pitchFamily="18" charset="0"/>
+              </a:rPr>
+              <a:t>Meet the Curious Conquerors</a:t>
+            </a:r>
+          </a:p>
+        </p:txBody>
+      </p:sp>
+      <p:sp>
+        <p:nvSpPr>
+          <p:cNvPr id="3" name="Content Placeholder 2">
+            <a:extLst>
+              <a:ext uri="{FF2B5EF4-FFF2-40B4-BE49-F238E27FC236}">
+                <a16:creationId xmlns:a16="http://schemas.microsoft.com/office/drawing/2014/main" id="{8992AE70-95A7-589A-9C38-2BD8FD60CBCC}"/>
+              </a:ext>
+            </a:extLst>
+          </p:cNvPr>
+          <p:cNvSpPr>
+            <a:spLocks noGrp="1"/>
+          </p:cNvSpPr>
+          <p:nvPr>
+            <p:ph idx="1"/>
+          </p:nvPr>
+        </p:nvSpPr>
+        <p:spPr>
+          <a:xfrm>
+            <a:off x="0" y="1910443"/>
+            <a:ext cx="5208104" cy="4760175"/>
+          </a:xfrm>
+        </p:spPr>
+        <p:txBody>
+          <a:bodyPr>
+            <a:normAutofit/>
+          </a:bodyPr>
+          <a:lstStyle/>
+          <a:p>
+            <a:pPr marL="0" indent="0">
+              <a:buNone/>
+            </a:pPr>
+            <a:r>
+              <a:rPr lang="en-US" sz="3200" dirty="0"/>
+              <a:t>Alisha</a:t>
+            </a:r>
+          </a:p>
+          <a:p>
+            <a:pPr lvl="1">
+              <a:buFont typeface="Wingdings" panose="05000000000000000000" pitchFamily="2" charset="2"/>
+              <a:buChar char="Ø"/>
+            </a:pPr>
+            <a:r>
+              <a:rPr lang="en-US" sz="2800" dirty="0"/>
+              <a:t>I am a mom of an 8 month old and another on the way.  My children’s father and I are engaged and plan to be married in October.</a:t>
+            </a:r>
+          </a:p>
+          <a:p>
+            <a:pPr lvl="1">
+              <a:buFont typeface="Wingdings" panose="05000000000000000000" pitchFamily="2" charset="2"/>
+              <a:buChar char="Ø"/>
+            </a:pPr>
+            <a:r>
+              <a:rPr lang="en-US" sz="2800" dirty="0"/>
+              <a:t>I currently work as a 911 dispatcher.  I am originally from Florida, and then lived in Colorado, Idaho, California, and now Texas.</a:t>
+            </a:r>
+          </a:p>
+          <a:p>
+            <a:pPr lvl="1">
+              <a:buFont typeface="Wingdings" panose="05000000000000000000" pitchFamily="2" charset="2"/>
+              <a:buChar char="ü"/>
+            </a:pPr>
+            <a:endParaRPr lang="en-US" sz="2800" dirty="0"/>
+          </a:p>
+        </p:txBody>
+      </p:sp>
       <p:pic>
         <p:nvPicPr>
-          <p:cNvPr id="2052" name="Picture 4" descr="Coffee And Donuts Wallpapers - Wallpaper Cave">
-            <a:extLst>
-              <a:ext uri="{FF2B5EF4-FFF2-40B4-BE49-F238E27FC236}">
-                <a16:creationId xmlns:a16="http://schemas.microsoft.com/office/drawing/2014/main" id="{3FF2866F-26DA-0B53-3DDD-BE1E2028D337}"/>
+          <p:cNvPr id="7" name="Picture 4" descr="Coffee And Donuts Wallpapers - Wallpaper Cave">
+            <a:extLst>
+              <a:ext uri="{FF2B5EF4-FFF2-40B4-BE49-F238E27FC236}">
+                <a16:creationId xmlns:a16="http://schemas.microsoft.com/office/drawing/2014/main" id="{65497BD4-9125-C7EF-216C-BD9A60E0EF8D}"/>
               </a:ext>
             </a:extLst>
           </p:cNvPr>
@@ -3605,8 +5355,8 @@
         </p:blipFill>
         <p:spPr bwMode="auto">
           <a:xfrm>
-            <a:off x="0" y="0"/>
-            <a:ext cx="2011422" cy="1605006"/>
+            <a:off x="10761784" y="-16902"/>
+            <a:ext cx="1430215" cy="1141234"/>
           </a:xfrm>
           <a:prstGeom prst="rect">
             <a:avLst/>
@@ -3623,115 +5373,83 @@
           </a:extLst>
         </p:spPr>
       </p:pic>
-      <p:sp>
-        <p:nvSpPr>
-          <p:cNvPr id="2" name="Title 1">
-            <a:extLst>
-              <a:ext uri="{FF2B5EF4-FFF2-40B4-BE49-F238E27FC236}">
-                <a16:creationId xmlns:a16="http://schemas.microsoft.com/office/drawing/2014/main" id="{3FC40F1B-DAFF-AE30-7D4A-01EA1AB23990}"/>
-              </a:ext>
-            </a:extLst>
-          </p:cNvPr>
-          <p:cNvSpPr>
-            <a:spLocks noGrp="1"/>
-          </p:cNvSpPr>
-          <p:nvPr>
-            <p:ph type="title"/>
-          </p:nvPr>
-        </p:nvSpPr>
-        <p:spPr>
-          <a:xfrm>
-            <a:off x="1721540" y="32084"/>
-            <a:ext cx="8748920" cy="1605006"/>
-          </a:xfrm>
-        </p:spPr>
-        <p:txBody>
-          <a:bodyPr>
-            <a:normAutofit/>
-          </a:bodyPr>
-          <a:lstStyle/>
-          <a:p>
-            <a:pPr algn="ctr"/>
-            <a:r>
-              <a:rPr lang="en-US" sz="4000" b="1" dirty="0">
-                <a:latin typeface="Amasis MT Pro Black" panose="02040A04050005020304" pitchFamily="18" charset="0"/>
-              </a:rPr>
-              <a:t>Meet the Curious Conquerors</a:t>
-            </a:r>
-          </a:p>
-        </p:txBody>
-      </p:sp>
-      <p:sp>
-        <p:nvSpPr>
-          <p:cNvPr id="3" name="Content Placeholder 2">
-            <a:extLst>
-              <a:ext uri="{FF2B5EF4-FFF2-40B4-BE49-F238E27FC236}">
-                <a16:creationId xmlns:a16="http://schemas.microsoft.com/office/drawing/2014/main" id="{8992AE70-95A7-589A-9C38-2BD8FD60CBCC}"/>
-              </a:ext>
-            </a:extLst>
-          </p:cNvPr>
-          <p:cNvSpPr>
-            <a:spLocks noGrp="1"/>
-          </p:cNvSpPr>
-          <p:nvPr>
-            <p:ph idx="1"/>
-          </p:nvPr>
-        </p:nvSpPr>
-        <p:spPr>
-          <a:xfrm>
-            <a:off x="0" y="1910443"/>
-            <a:ext cx="12001500" cy="2367643"/>
-          </a:xfrm>
-        </p:spPr>
-        <p:txBody>
-          <a:bodyPr>
-            <a:normAutofit/>
-          </a:bodyPr>
-          <a:lstStyle/>
-          <a:p>
-            <a:pPr marL="0" indent="0">
-              <a:buNone/>
-            </a:pPr>
-            <a:r>
-              <a:rPr lang="en-US" sz="3200" dirty="0"/>
-              <a:t>Alisha</a:t>
-            </a:r>
-          </a:p>
-          <a:p>
-            <a:pPr lvl="1">
-              <a:buFont typeface="Wingdings" panose="05000000000000000000" pitchFamily="2" charset="2"/>
-              <a:buChar char="Ø"/>
-            </a:pPr>
-            <a:r>
-              <a:rPr lang="en-US" sz="2800" dirty="0"/>
-              <a:t>I am a mom of an 8 month old and another on the way.  My children’s father and I are engaged and plan to be married in October.</a:t>
-            </a:r>
-          </a:p>
-          <a:p>
-            <a:pPr lvl="1">
-              <a:buFont typeface="Wingdings" panose="05000000000000000000" pitchFamily="2" charset="2"/>
-              <a:buChar char="Ø"/>
-            </a:pPr>
-            <a:r>
-              <a:rPr lang="en-US" sz="2800" dirty="0"/>
-              <a:t>I currently work as a 911 dispatcher.  I am originally from Florida, and then lived in Colorado, Idaho, California, and now Texas.</a:t>
-            </a:r>
-          </a:p>
-          <a:p>
-            <a:pPr lvl="1">
-              <a:buFont typeface="Wingdings" panose="05000000000000000000" pitchFamily="2" charset="2"/>
-              <a:buChar char="ü"/>
-            </a:pPr>
-            <a:endParaRPr lang="en-US" sz="2800" dirty="0"/>
-          </a:p>
-        </p:txBody>
-      </p:sp>
       <p:pic>
         <p:nvPicPr>
-          <p:cNvPr id="7" name="Picture 4" descr="Coffee And Donuts Wallpapers - Wallpaper Cave">
-            <a:extLst>
-              <a:ext uri="{FF2B5EF4-FFF2-40B4-BE49-F238E27FC236}">
-                <a16:creationId xmlns:a16="http://schemas.microsoft.com/office/drawing/2014/main" id="{65497BD4-9125-C7EF-216C-BD9A60E0EF8D}"/>
+          <p:cNvPr id="5" name="Picture 4" descr="A picture containing person, wearing, glasses&#10;&#10;Description automatically generated">
+            <a:extLst>
+              <a:ext uri="{FF2B5EF4-FFF2-40B4-BE49-F238E27FC236}">
+                <a16:creationId xmlns:a16="http://schemas.microsoft.com/office/drawing/2014/main" id="{DE869985-A42C-94DE-45F7-FB233ABA826B}"/>
+              </a:ext>
+            </a:extLst>
+          </p:cNvPr>
+          <p:cNvPicPr>
+            <a:picLocks noChangeAspect="1"/>
+          </p:cNvPicPr>
+          <p:nvPr/>
+        </p:nvPicPr>
+        <p:blipFill>
+          <a:blip r:embed="rId3">
+            <a:extLst>
+              <a:ext uri="{28A0092B-C50C-407E-A947-70E740481C1C}">
+                <a14:useLocalDpi xmlns:a14="http://schemas.microsoft.com/office/drawing/2010/main" val="0"/>
+              </a:ext>
+            </a:extLst>
+          </a:blip>
+          <a:stretch>
+            <a:fillRect/>
+          </a:stretch>
+        </p:blipFill>
+        <p:spPr>
+          <a:xfrm rot="441001">
+            <a:off x="9291016" y="1719329"/>
+            <a:ext cx="2358887" cy="4785064"/>
+          </a:xfrm>
+          <a:prstGeom prst="rect">
+            <a:avLst/>
+          </a:prstGeom>
+        </p:spPr>
+      </p:pic>
+      <p:pic>
+        <p:nvPicPr>
+          <p:cNvPr id="8" name="Picture 7" descr="A picture containing text&#10;&#10;Description automatically generated">
+            <a:extLst>
+              <a:ext uri="{FF2B5EF4-FFF2-40B4-BE49-F238E27FC236}">
+                <a16:creationId xmlns:a16="http://schemas.microsoft.com/office/drawing/2014/main" id="{33CC6E39-104E-76CB-4D22-1B88E1B588EA}"/>
+              </a:ext>
+            </a:extLst>
+          </p:cNvPr>
+          <p:cNvPicPr>
+            <a:picLocks noChangeAspect="1"/>
+          </p:cNvPicPr>
+          <p:nvPr/>
+        </p:nvPicPr>
+        <p:blipFill rotWithShape="1">
+          <a:blip r:embed="rId4">
+            <a:extLst>
+              <a:ext uri="{28A0092B-C50C-407E-A947-70E740481C1C}">
+                <a14:useLocalDpi xmlns:a14="http://schemas.microsoft.com/office/drawing/2010/main" val="0"/>
+              </a:ext>
+            </a:extLst>
+          </a:blip>
+          <a:srcRect l="12163" t="27857" r="14076" b="21709"/>
+          <a:stretch/>
+        </p:blipFill>
+        <p:spPr>
+          <a:xfrm rot="21131134">
+            <a:off x="5413832" y="1758224"/>
+            <a:ext cx="2780917" cy="4077530"/>
+          </a:xfrm>
+          <a:prstGeom prst="rect">
+            <a:avLst/>
+          </a:prstGeom>
+        </p:spPr>
+      </p:pic>
+      <p:pic>
+        <p:nvPicPr>
+          <p:cNvPr id="9" name="Picture 4" descr="Coffee And Donuts Wallpapers - Wallpaper Cave">
+            <a:extLst>
+              <a:ext uri="{FF2B5EF4-FFF2-40B4-BE49-F238E27FC236}">
+                <a16:creationId xmlns:a16="http://schemas.microsoft.com/office/drawing/2014/main" id="{54419979-8990-1CF1-7324-B43D68D026F1}"/>
               </a:ext>
             </a:extLst>
           </p:cNvPr>
@@ -3753,8 +5471,8 @@
         </p:blipFill>
         <p:spPr bwMode="auto">
           <a:xfrm>
-            <a:off x="10180578" y="-16902"/>
-            <a:ext cx="2011422" cy="1605006"/>
+            <a:off x="1" y="-16902"/>
+            <a:ext cx="1430215" cy="1141234"/>
           </a:xfrm>
           <a:prstGeom prst="rect">
             <a:avLst/>
@@ -3781,6 +5499,18 @@
   <p:clrMapOvr>
     <a:masterClrMapping/>
   </p:clrMapOvr>
+  <mc:AlternateContent xmlns:mc="http://schemas.openxmlformats.org/markup-compatibility/2006" xmlns:p14="http://schemas.microsoft.com/office/powerpoint/2010/main">
+    <mc:Choice Requires="p14">
+      <p:transition spd="slow" p14:dur="1500">
+        <p:split orient="vert"/>
+      </p:transition>
+    </mc:Choice>
+    <mc:Fallback xmlns="">
+      <p:transition spd="slow">
+        <p:split orient="vert"/>
+      </p:transition>
+    </mc:Fallback>
+  </mc:AlternateContent>
 </p:sld>
 </file>
 
@@ -3801,12 +5531,115 @@
           <a:chExt cx="0" cy="0"/>
         </a:xfrm>
       </p:grpSpPr>
+      <p:sp>
+        <p:nvSpPr>
+          <p:cNvPr id="2" name="Title 1">
+            <a:extLst>
+              <a:ext uri="{FF2B5EF4-FFF2-40B4-BE49-F238E27FC236}">
+                <a16:creationId xmlns:a16="http://schemas.microsoft.com/office/drawing/2014/main" id="{3FC40F1B-DAFF-AE30-7D4A-01EA1AB23990}"/>
+              </a:ext>
+            </a:extLst>
+          </p:cNvPr>
+          <p:cNvSpPr>
+            <a:spLocks noGrp="1"/>
+          </p:cNvSpPr>
+          <p:nvPr>
+            <p:ph type="title"/>
+          </p:nvPr>
+        </p:nvSpPr>
+        <p:spPr>
+          <a:xfrm>
+            <a:off x="1721540" y="32084"/>
+            <a:ext cx="8748920" cy="1092248"/>
+          </a:xfrm>
+        </p:spPr>
+        <p:txBody>
+          <a:bodyPr>
+            <a:normAutofit/>
+          </a:bodyPr>
+          <a:lstStyle/>
+          <a:p>
+            <a:pPr algn="ctr"/>
+            <a:r>
+              <a:rPr lang="en-US" sz="4000" b="1" dirty="0">
+                <a:latin typeface="Amasis MT Pro Black" panose="02040A04050005020304" pitchFamily="18" charset="0"/>
+              </a:rPr>
+              <a:t>Meet the Curious Conquerors</a:t>
+            </a:r>
+          </a:p>
+        </p:txBody>
+      </p:sp>
+      <p:sp>
+        <p:nvSpPr>
+          <p:cNvPr id="3" name="Content Placeholder 2">
+            <a:extLst>
+              <a:ext uri="{FF2B5EF4-FFF2-40B4-BE49-F238E27FC236}">
+                <a16:creationId xmlns:a16="http://schemas.microsoft.com/office/drawing/2014/main" id="{8992AE70-95A7-589A-9C38-2BD8FD60CBCC}"/>
+              </a:ext>
+            </a:extLst>
+          </p:cNvPr>
+          <p:cNvSpPr>
+            <a:spLocks noGrp="1"/>
+          </p:cNvSpPr>
+          <p:nvPr>
+            <p:ph idx="1"/>
+          </p:nvPr>
+        </p:nvSpPr>
+        <p:spPr>
+          <a:xfrm>
+            <a:off x="0" y="1910443"/>
+            <a:ext cx="12001500" cy="2367643"/>
+          </a:xfrm>
+        </p:spPr>
+        <p:txBody>
+          <a:bodyPr>
+            <a:normAutofit/>
+          </a:bodyPr>
+          <a:lstStyle/>
+          <a:p>
+            <a:pPr marL="0" indent="0">
+              <a:buNone/>
+            </a:pPr>
+            <a:r>
+              <a:rPr lang="en-US" sz="3200" dirty="0"/>
+              <a:t>Lindsay</a:t>
+            </a:r>
+          </a:p>
+          <a:p>
+            <a:pPr lvl="1">
+              <a:buFont typeface="Wingdings" panose="05000000000000000000" pitchFamily="2" charset="2"/>
+              <a:buChar char="Ø"/>
+            </a:pPr>
+            <a:r>
+              <a:rPr lang="en-US" sz="2800" dirty="0"/>
+              <a:t>Grew up and still currently resides in Northern Iowa.  I am close to my family and friends. I do not  have any children, just 3 dogs and a lot of plants. </a:t>
+            </a:r>
+          </a:p>
+          <a:p>
+            <a:pPr lvl="1">
+              <a:buFont typeface="Wingdings" panose="05000000000000000000" pitchFamily="2" charset="2"/>
+              <a:buChar char="Ø"/>
+            </a:pPr>
+            <a:r>
+              <a:rPr lang="en-US" sz="2800" dirty="0"/>
+              <a:t>I work in customer service and has always had a drive for technology. </a:t>
+            </a:r>
+          </a:p>
+          <a:p>
+            <a:pPr lvl="1">
+              <a:buFont typeface="Wingdings" panose="05000000000000000000" pitchFamily="2" charset="2"/>
+              <a:buChar char="ü"/>
+            </a:pPr>
+            <a:endParaRPr lang="en-US" sz="2800" dirty="0"/>
+          </a:p>
+        </p:txBody>
+      </p:sp>
       <p:pic>
         <p:nvPicPr>
-          <p:cNvPr id="2052" name="Picture 4" descr="Coffee And Donuts Wallpapers - Wallpaper Cave">
-            <a:extLst>
-              <a:ext uri="{FF2B5EF4-FFF2-40B4-BE49-F238E27FC236}">
-                <a16:creationId xmlns:a16="http://schemas.microsoft.com/office/drawing/2014/main" id="{3FF2866F-26DA-0B53-3DDD-BE1E2028D337}"/>
+          <p:cNvPr id="4" name="Picture 4" descr="Coffee And Donuts Wallpapers - Wallpaper Cave">
+            <a:extLst>
+              <a:ext uri="{FF2B5EF4-FFF2-40B4-BE49-F238E27FC236}">
+                <a16:creationId xmlns:a16="http://schemas.microsoft.com/office/drawing/2014/main" id="{D0CEEE71-8FB0-5803-44B6-0EE9569E7D1B}"/>
               </a:ext>
             </a:extLst>
           </p:cNvPr>
@@ -3828,8 +5661,8 @@
         </p:blipFill>
         <p:spPr bwMode="auto">
           <a:xfrm>
-            <a:off x="0" y="0"/>
-            <a:ext cx="2011422" cy="1605006"/>
+            <a:off x="10761785" y="-16902"/>
+            <a:ext cx="1430215" cy="1141234"/>
           </a:xfrm>
           <a:prstGeom prst="rect">
             <a:avLst/>
@@ -3846,119 +5679,12 @@
           </a:extLst>
         </p:spPr>
       </p:pic>
-      <p:sp>
-        <p:nvSpPr>
-          <p:cNvPr id="2" name="Title 1">
-            <a:extLst>
-              <a:ext uri="{FF2B5EF4-FFF2-40B4-BE49-F238E27FC236}">
-                <a16:creationId xmlns:a16="http://schemas.microsoft.com/office/drawing/2014/main" id="{3FC40F1B-DAFF-AE30-7D4A-01EA1AB23990}"/>
-              </a:ext>
-            </a:extLst>
-          </p:cNvPr>
-          <p:cNvSpPr>
-            <a:spLocks noGrp="1"/>
-          </p:cNvSpPr>
-          <p:nvPr>
-            <p:ph type="title"/>
-          </p:nvPr>
-        </p:nvSpPr>
-        <p:spPr>
-          <a:xfrm>
-            <a:off x="1721540" y="32084"/>
-            <a:ext cx="8748920" cy="1605006"/>
-          </a:xfrm>
-        </p:spPr>
-        <p:txBody>
-          <a:bodyPr>
-            <a:normAutofit/>
-          </a:bodyPr>
-          <a:lstStyle/>
-          <a:p>
-            <a:pPr algn="ctr"/>
-            <a:r>
-              <a:rPr lang="en-US" sz="4000" b="1" dirty="0">
-                <a:latin typeface="Amasis MT Pro Black" panose="02040A04050005020304" pitchFamily="18" charset="0"/>
-              </a:rPr>
-              <a:t>Meet the Curious Conquerors</a:t>
-            </a:r>
-          </a:p>
-        </p:txBody>
-      </p:sp>
-      <p:sp>
-        <p:nvSpPr>
-          <p:cNvPr id="3" name="Content Placeholder 2">
-            <a:extLst>
-              <a:ext uri="{FF2B5EF4-FFF2-40B4-BE49-F238E27FC236}">
-                <a16:creationId xmlns:a16="http://schemas.microsoft.com/office/drawing/2014/main" id="{8992AE70-95A7-589A-9C38-2BD8FD60CBCC}"/>
-              </a:ext>
-            </a:extLst>
-          </p:cNvPr>
-          <p:cNvSpPr>
-            <a:spLocks noGrp="1"/>
-          </p:cNvSpPr>
-          <p:nvPr>
-            <p:ph idx="1"/>
-          </p:nvPr>
-        </p:nvSpPr>
-        <p:spPr>
-          <a:xfrm>
-            <a:off x="0" y="1910443"/>
-            <a:ext cx="12001500" cy="2367643"/>
-          </a:xfrm>
-        </p:spPr>
-        <p:txBody>
-          <a:bodyPr>
-            <a:normAutofit/>
-          </a:bodyPr>
-          <a:lstStyle/>
-          <a:p>
-            <a:pPr marL="0" indent="0">
-              <a:buNone/>
-            </a:pPr>
-            <a:r>
-              <a:rPr lang="en-US" sz="3200" dirty="0"/>
-              <a:t>Lindsay</a:t>
-            </a:r>
-          </a:p>
-          <a:p>
-            <a:pPr lvl="1">
-              <a:buFont typeface="Wingdings" panose="05000000000000000000" pitchFamily="2" charset="2"/>
-              <a:buChar char="Ø"/>
-            </a:pPr>
-            <a:r>
-              <a:rPr lang="en-US" sz="2800" dirty="0"/>
-              <a:t>Grew up and still currently resides in Northern Iowa.  I am close to my family and friends. I do not  have any children, just 3 dogs and a lot of plants. </a:t>
-            </a:r>
-          </a:p>
-          <a:p>
-            <a:pPr lvl="1">
-              <a:buFont typeface="Wingdings" panose="05000000000000000000" pitchFamily="2" charset="2"/>
-              <a:buChar char="Ø"/>
-            </a:pPr>
-            <a:r>
-              <a:rPr lang="en-US" sz="2800"/>
-              <a:t>I work </a:t>
-            </a:r>
-            <a:r>
-              <a:rPr lang="en-US" sz="2800" dirty="0"/>
-              <a:t>in customer service and has always had a drive for technology. </a:t>
-            </a:r>
-          </a:p>
-          <a:p>
-            <a:pPr lvl="1">
-              <a:buFont typeface="Wingdings" panose="05000000000000000000" pitchFamily="2" charset="2"/>
-              <a:buChar char="ü"/>
-            </a:pPr>
-            <a:endParaRPr lang="en-US" sz="2800" dirty="0"/>
-          </a:p>
-        </p:txBody>
-      </p:sp>
       <p:pic>
         <p:nvPicPr>
-          <p:cNvPr id="7" name="Picture 4" descr="Coffee And Donuts Wallpapers - Wallpaper Cave">
-            <a:extLst>
-              <a:ext uri="{FF2B5EF4-FFF2-40B4-BE49-F238E27FC236}">
-                <a16:creationId xmlns:a16="http://schemas.microsoft.com/office/drawing/2014/main" id="{65497BD4-9125-C7EF-216C-BD9A60E0EF8D}"/>
+          <p:cNvPr id="5" name="Picture 4" descr="Coffee And Donuts Wallpapers - Wallpaper Cave">
+            <a:extLst>
+              <a:ext uri="{FF2B5EF4-FFF2-40B4-BE49-F238E27FC236}">
+                <a16:creationId xmlns:a16="http://schemas.microsoft.com/office/drawing/2014/main" id="{901ADBED-5328-5156-4A34-1C99E4B12379}"/>
               </a:ext>
             </a:extLst>
           </p:cNvPr>
@@ -3980,8 +5706,8 @@
         </p:blipFill>
         <p:spPr bwMode="auto">
           <a:xfrm>
-            <a:off x="10180578" y="-16902"/>
-            <a:ext cx="2011422" cy="1605006"/>
+            <a:off x="0" y="-16902"/>
+            <a:ext cx="1430215" cy="1141234"/>
           </a:xfrm>
           <a:prstGeom prst="rect">
             <a:avLst/>
@@ -4008,6 +5734,18 @@
   <p:clrMapOvr>
     <a:masterClrMapping/>
   </p:clrMapOvr>
+  <mc:AlternateContent xmlns:mc="http://schemas.openxmlformats.org/markup-compatibility/2006" xmlns:p14="http://schemas.microsoft.com/office/powerpoint/2010/main">
+    <mc:Choice Requires="p14">
+      <p:transition spd="slow" p14:dur="1500">
+        <p:split orient="vert"/>
+      </p:transition>
+    </mc:Choice>
+    <mc:Fallback xmlns="">
+      <p:transition spd="slow">
+        <p:split orient="vert"/>
+      </p:transition>
+    </mc:Fallback>
+  </mc:AlternateContent>
 </p:sld>
 </file>
 
@@ -4028,12 +5766,106 @@
           <a:chExt cx="0" cy="0"/>
         </a:xfrm>
       </p:grpSpPr>
+      <p:sp>
+        <p:nvSpPr>
+          <p:cNvPr id="2" name="Title 1">
+            <a:extLst>
+              <a:ext uri="{FF2B5EF4-FFF2-40B4-BE49-F238E27FC236}">
+                <a16:creationId xmlns:a16="http://schemas.microsoft.com/office/drawing/2014/main" id="{3FC40F1B-DAFF-AE30-7D4A-01EA1AB23990}"/>
+              </a:ext>
+            </a:extLst>
+          </p:cNvPr>
+          <p:cNvSpPr>
+            <a:spLocks noGrp="1"/>
+          </p:cNvSpPr>
+          <p:nvPr>
+            <p:ph type="title"/>
+          </p:nvPr>
+        </p:nvSpPr>
+        <p:spPr>
+          <a:xfrm>
+            <a:off x="1721540" y="32084"/>
+            <a:ext cx="8748920" cy="1141234"/>
+          </a:xfrm>
+        </p:spPr>
+        <p:txBody>
+          <a:bodyPr>
+            <a:normAutofit/>
+          </a:bodyPr>
+          <a:lstStyle/>
+          <a:p>
+            <a:pPr algn="ctr"/>
+            <a:r>
+              <a:rPr lang="en-US" sz="4000" b="1" dirty="0">
+                <a:latin typeface="Amasis MT Pro Black" panose="02040A04050005020304" pitchFamily="18" charset="0"/>
+              </a:rPr>
+              <a:t>Meet the Curious Conquerors</a:t>
+            </a:r>
+          </a:p>
+        </p:txBody>
+      </p:sp>
+      <p:sp>
+        <p:nvSpPr>
+          <p:cNvPr id="3" name="Content Placeholder 2">
+            <a:extLst>
+              <a:ext uri="{FF2B5EF4-FFF2-40B4-BE49-F238E27FC236}">
+                <a16:creationId xmlns:a16="http://schemas.microsoft.com/office/drawing/2014/main" id="{8992AE70-95A7-589A-9C38-2BD8FD60CBCC}"/>
+              </a:ext>
+            </a:extLst>
+          </p:cNvPr>
+          <p:cNvSpPr>
+            <a:spLocks noGrp="1"/>
+          </p:cNvSpPr>
+          <p:nvPr>
+            <p:ph idx="1"/>
+          </p:nvPr>
+        </p:nvSpPr>
+        <p:spPr>
+          <a:xfrm>
+            <a:off x="0" y="1910443"/>
+            <a:ext cx="12001500" cy="2367643"/>
+          </a:xfrm>
+        </p:spPr>
+        <p:txBody>
+          <a:bodyPr>
+            <a:normAutofit/>
+          </a:bodyPr>
+          <a:lstStyle/>
+          <a:p>
+            <a:pPr marL="0" indent="0">
+              <a:buNone/>
+            </a:pPr>
+            <a:r>
+              <a:rPr lang="en-US" sz="3200" dirty="0"/>
+              <a:t>Mischa</a:t>
+            </a:r>
+          </a:p>
+          <a:p>
+            <a:pPr lvl="1">
+              <a:buFont typeface="Wingdings" panose="05000000000000000000" pitchFamily="2" charset="2"/>
+              <a:buChar char="Ø"/>
+            </a:pPr>
+            <a:r>
+              <a:rPr lang="en-US" dirty="0" err="1"/>
+              <a:t>hh</a:t>
+            </a:r>
+            <a:endParaRPr lang="en-US" dirty="0"/>
+          </a:p>
+          <a:p>
+            <a:pPr lvl="1">
+              <a:buFont typeface="Wingdings" panose="05000000000000000000" pitchFamily="2" charset="2"/>
+              <a:buChar char="ü"/>
+            </a:pPr>
+            <a:endParaRPr lang="en-US" sz="2800" dirty="0"/>
+          </a:p>
+        </p:txBody>
+      </p:sp>
       <p:pic>
         <p:nvPicPr>
-          <p:cNvPr id="2052" name="Picture 4" descr="Coffee And Donuts Wallpapers - Wallpaper Cave">
-            <a:extLst>
-              <a:ext uri="{FF2B5EF4-FFF2-40B4-BE49-F238E27FC236}">
-                <a16:creationId xmlns:a16="http://schemas.microsoft.com/office/drawing/2014/main" id="{3FF2866F-26DA-0B53-3DDD-BE1E2028D337}"/>
+          <p:cNvPr id="4" name="Picture 4" descr="Coffee And Donuts Wallpapers - Wallpaper Cave">
+            <a:extLst>
+              <a:ext uri="{FF2B5EF4-FFF2-40B4-BE49-F238E27FC236}">
+                <a16:creationId xmlns:a16="http://schemas.microsoft.com/office/drawing/2014/main" id="{2EE59AA3-F7B2-94EE-1DE2-2E838629961C}"/>
               </a:ext>
             </a:extLst>
           </p:cNvPr>
@@ -4055,8 +5887,8 @@
         </p:blipFill>
         <p:spPr bwMode="auto">
           <a:xfrm>
-            <a:off x="0" y="0"/>
-            <a:ext cx="2011422" cy="1605006"/>
+            <a:off x="10761784" y="-16902"/>
+            <a:ext cx="1430215" cy="1141234"/>
           </a:xfrm>
           <a:prstGeom prst="rect">
             <a:avLst/>
@@ -4073,106 +5905,12 @@
           </a:extLst>
         </p:spPr>
       </p:pic>
-      <p:sp>
-        <p:nvSpPr>
-          <p:cNvPr id="2" name="Title 1">
-            <a:extLst>
-              <a:ext uri="{FF2B5EF4-FFF2-40B4-BE49-F238E27FC236}">
-                <a16:creationId xmlns:a16="http://schemas.microsoft.com/office/drawing/2014/main" id="{3FC40F1B-DAFF-AE30-7D4A-01EA1AB23990}"/>
-              </a:ext>
-            </a:extLst>
-          </p:cNvPr>
-          <p:cNvSpPr>
-            <a:spLocks noGrp="1"/>
-          </p:cNvSpPr>
-          <p:nvPr>
-            <p:ph type="title"/>
-          </p:nvPr>
-        </p:nvSpPr>
-        <p:spPr>
-          <a:xfrm>
-            <a:off x="1721540" y="32084"/>
-            <a:ext cx="8748920" cy="1605006"/>
-          </a:xfrm>
-        </p:spPr>
-        <p:txBody>
-          <a:bodyPr>
-            <a:normAutofit/>
-          </a:bodyPr>
-          <a:lstStyle/>
-          <a:p>
-            <a:pPr algn="ctr"/>
-            <a:r>
-              <a:rPr lang="en-US" sz="4000" b="1" dirty="0">
-                <a:latin typeface="Amasis MT Pro Black" panose="02040A04050005020304" pitchFamily="18" charset="0"/>
-              </a:rPr>
-              <a:t>Meet the Curious Conquerors</a:t>
-            </a:r>
-          </a:p>
-        </p:txBody>
-      </p:sp>
-      <p:sp>
-        <p:nvSpPr>
-          <p:cNvPr id="3" name="Content Placeholder 2">
-            <a:extLst>
-              <a:ext uri="{FF2B5EF4-FFF2-40B4-BE49-F238E27FC236}">
-                <a16:creationId xmlns:a16="http://schemas.microsoft.com/office/drawing/2014/main" id="{8992AE70-95A7-589A-9C38-2BD8FD60CBCC}"/>
-              </a:ext>
-            </a:extLst>
-          </p:cNvPr>
-          <p:cNvSpPr>
-            <a:spLocks noGrp="1"/>
-          </p:cNvSpPr>
-          <p:nvPr>
-            <p:ph idx="1"/>
-          </p:nvPr>
-        </p:nvSpPr>
-        <p:spPr>
-          <a:xfrm>
-            <a:off x="0" y="1910443"/>
-            <a:ext cx="12001500" cy="2367643"/>
-          </a:xfrm>
-        </p:spPr>
-        <p:txBody>
-          <a:bodyPr>
-            <a:normAutofit/>
-          </a:bodyPr>
-          <a:lstStyle/>
-          <a:p>
-            <a:pPr marL="0" indent="0">
-              <a:buNone/>
-            </a:pPr>
-            <a:r>
-              <a:rPr lang="en-US" sz="3200" dirty="0"/>
-              <a:t>Mischa</a:t>
-            </a:r>
-          </a:p>
-          <a:p>
-            <a:pPr lvl="1">
-              <a:buFont typeface="Wingdings" panose="05000000000000000000" pitchFamily="2" charset="2"/>
-              <a:buChar char="Ø"/>
-            </a:pPr>
-            <a:r>
-              <a:rPr lang="en-US" dirty="0" err="1"/>
-              <a:t>hh</a:t>
-            </a:r>
-            <a:endParaRPr lang="en-US" dirty="0"/>
-          </a:p>
-          <a:p>
-            <a:pPr lvl="1">
-              <a:buFont typeface="Wingdings" panose="05000000000000000000" pitchFamily="2" charset="2"/>
-              <a:buChar char="ü"/>
-            </a:pPr>
-            <a:endParaRPr lang="en-US" sz="2800" dirty="0"/>
-          </a:p>
-        </p:txBody>
-      </p:sp>
       <p:pic>
         <p:nvPicPr>
-          <p:cNvPr id="7" name="Picture 4" descr="Coffee And Donuts Wallpapers - Wallpaper Cave">
-            <a:extLst>
-              <a:ext uri="{FF2B5EF4-FFF2-40B4-BE49-F238E27FC236}">
-                <a16:creationId xmlns:a16="http://schemas.microsoft.com/office/drawing/2014/main" id="{65497BD4-9125-C7EF-216C-BD9A60E0EF8D}"/>
+          <p:cNvPr id="5" name="Picture 4" descr="Coffee And Donuts Wallpapers - Wallpaper Cave">
+            <a:extLst>
+              <a:ext uri="{FF2B5EF4-FFF2-40B4-BE49-F238E27FC236}">
+                <a16:creationId xmlns:a16="http://schemas.microsoft.com/office/drawing/2014/main" id="{535907DC-E3A1-BAE0-EEA7-33375F11DD2A}"/>
               </a:ext>
             </a:extLst>
           </p:cNvPr>
@@ -4194,8 +5932,8 @@
         </p:blipFill>
         <p:spPr bwMode="auto">
           <a:xfrm>
-            <a:off x="10180578" y="-16902"/>
-            <a:ext cx="2011422" cy="1605006"/>
+            <a:off x="1" y="-31423"/>
+            <a:ext cx="1430215" cy="1141234"/>
           </a:xfrm>
           <a:prstGeom prst="rect">
             <a:avLst/>
@@ -4222,12 +5960,32 @@
   <p:clrMapOvr>
     <a:masterClrMapping/>
   </p:clrMapOvr>
+  <mc:AlternateContent xmlns:mc="http://schemas.openxmlformats.org/markup-compatibility/2006" xmlns:p14="http://schemas.microsoft.com/office/powerpoint/2010/main">
+    <mc:Choice Requires="p14">
+      <p:transition spd="slow" p14:dur="1500">
+        <p:split orient="vert"/>
+      </p:transition>
+    </mc:Choice>
+    <mc:Fallback xmlns="">
+      <p:transition spd="slow">
+        <p:split orient="vert"/>
+      </p:transition>
+    </mc:Fallback>
+  </mc:AlternateContent>
 </p:sld>
 </file>
 
 <file path=ppt/slides/slide5.xml><?xml version="1.0" encoding="utf-8"?>
 <p:sld xmlns:a="http://schemas.openxmlformats.org/drawingml/2006/main" xmlns:r="http://schemas.openxmlformats.org/officeDocument/2006/relationships" xmlns:p="http://schemas.openxmlformats.org/presentationml/2006/main">
   <p:cSld>
+    <p:bg>
+      <p:bgPr>
+        <a:solidFill>
+          <a:schemeClr val="bg1"/>
+        </a:solidFill>
+        <a:effectLst/>
+      </p:bgPr>
+    </p:bg>
     <p:spTree>
       <p:nvGrpSpPr>
         <p:cNvPr id="1" name=""/>
@@ -4242,6 +6000,348 @@
           <a:chExt cx="0" cy="0"/>
         </a:xfrm>
       </p:grpSpPr>
+      <p:sp useBgFill="1">
+        <p:nvSpPr>
+          <p:cNvPr id="44" name="Rectangle 24">
+            <a:extLst>
+              <a:ext uri="{FF2B5EF4-FFF2-40B4-BE49-F238E27FC236}">
+                <a16:creationId xmlns:a16="http://schemas.microsoft.com/office/drawing/2014/main" id="{B6CDA21F-E7AF-4C75-8395-33F58D5B0E45}"/>
+              </a:ext>
+              <a:ext uri="{C183D7F6-B498-43B3-948B-1728B52AA6E4}">
+                <adec:decorative xmlns:adec="http://schemas.microsoft.com/office/drawing/2017/decorative" val="1"/>
+              </a:ext>
+            </a:extLst>
+          </p:cNvPr>
+          <p:cNvSpPr>
+            <a:spLocks noGrp="1" noRot="1" noChangeAspect="1" noMove="1" noResize="1" noEditPoints="1" noAdjustHandles="1" noChangeArrowheads="1" noChangeShapeType="1" noTextEdit="1"/>
+          </p:cNvSpPr>
+          <p:nvPr>
+            <p:extLst>
+              <p:ext uri="{386F3935-93C4-4BCD-93E2-E3B085C9AB24}">
+                <p16:designElem xmlns:p16="http://schemas.microsoft.com/office/powerpoint/2015/main" val="1"/>
+              </p:ext>
+            </p:extLst>
+          </p:nvPr>
+        </p:nvSpPr>
+        <p:spPr>
+          <a:xfrm>
+            <a:off x="0" y="0"/>
+            <a:ext cx="12191999" cy="6857365"/>
+          </a:xfrm>
+          <a:prstGeom prst="rect">
+            <a:avLst/>
+          </a:prstGeom>
+          <a:ln>
+            <a:noFill/>
+          </a:ln>
+        </p:spPr>
+        <p:style>
+          <a:lnRef idx="2">
+            <a:schemeClr val="accent1">
+              <a:shade val="50000"/>
+            </a:schemeClr>
+          </a:lnRef>
+          <a:fillRef idx="1">
+            <a:schemeClr val="accent1"/>
+          </a:fillRef>
+          <a:effectRef idx="0">
+            <a:schemeClr val="accent1"/>
+          </a:effectRef>
+          <a:fontRef idx="minor">
+            <a:schemeClr val="lt1"/>
+          </a:fontRef>
+        </p:style>
+        <p:txBody>
+          <a:bodyPr rtlCol="0" anchor="ctr"/>
+          <a:lstStyle/>
+          <a:p>
+            <a:pPr algn="ctr"/>
+            <a:endParaRPr lang="en-US"/>
+          </a:p>
+        </p:txBody>
+      </p:sp>
+      <p:grpSp>
+        <p:nvGrpSpPr>
+          <p:cNvPr id="45" name="Group 26">
+            <a:extLst>
+              <a:ext uri="{FF2B5EF4-FFF2-40B4-BE49-F238E27FC236}">
+                <a16:creationId xmlns:a16="http://schemas.microsoft.com/office/drawing/2014/main" id="{AE1C45F0-260A-458C-96ED-C1F6D2151219}"/>
+              </a:ext>
+              <a:ext uri="{C183D7F6-B498-43B3-948B-1728B52AA6E4}">
+                <adec:decorative xmlns:adec="http://schemas.microsoft.com/office/drawing/2017/decorative" val="1"/>
+              </a:ext>
+            </a:extLst>
+          </p:cNvPr>
+          <p:cNvGrpSpPr>
+            <a:grpSpLocks noGrp="1" noUngrp="1" noRot="1" noChangeAspect="1" noMove="1" noResize="1"/>
+          </p:cNvGrpSpPr>
+          <p:nvPr>
+            <p:extLst>
+              <p:ext uri="{386F3935-93C4-4BCD-93E2-E3B085C9AB24}">
+                <p16:designElem xmlns:p16="http://schemas.microsoft.com/office/powerpoint/2015/main" val="1"/>
+              </p:ext>
+            </p:extLst>
+          </p:nvPr>
+        </p:nvGrpSpPr>
+        <p:grpSpPr>
+          <a:xfrm>
+            <a:off x="4" y="1216597"/>
+            <a:ext cx="731521" cy="673460"/>
+            <a:chOff x="3940602" y="308034"/>
+            <a:chExt cx="2116791" cy="3428999"/>
+          </a:xfrm>
+          <a:solidFill>
+            <a:schemeClr val="accent4"/>
+          </a:solidFill>
+        </p:grpSpPr>
+        <p:sp>
+          <p:nvSpPr>
+            <p:cNvPr id="28" name="Rectangle 27">
+              <a:extLst>
+                <a:ext uri="{FF2B5EF4-FFF2-40B4-BE49-F238E27FC236}">
+                  <a16:creationId xmlns:a16="http://schemas.microsoft.com/office/drawing/2014/main" id="{A6604B49-AD5C-4590-B051-06C8222ECD99}"/>
+                </a:ext>
+                <a:ext uri="{C183D7F6-B498-43B3-948B-1728B52AA6E4}">
+                  <adec:decorative xmlns:adec="http://schemas.microsoft.com/office/drawing/2017/decorative" val="1"/>
+                </a:ext>
+              </a:extLst>
+            </p:cNvPr>
+            <p:cNvSpPr/>
+            <p:nvPr>
+              <p:extLst>
+                <p:ext uri="{386F3935-93C4-4BCD-93E2-E3B085C9AB24}">
+                  <p16:designElem xmlns:p16="http://schemas.microsoft.com/office/powerpoint/2015/main" val="1"/>
+                </p:ext>
+              </p:extLst>
+            </p:nvPr>
+          </p:nvSpPr>
+          <p:spPr>
+            <a:xfrm>
+              <a:off x="3940602" y="308034"/>
+              <a:ext cx="566743" cy="3428999"/>
+            </a:xfrm>
+            <a:prstGeom prst="rect">
+              <a:avLst/>
+            </a:prstGeom>
+            <a:grpFill/>
+            <a:ln>
+              <a:noFill/>
+            </a:ln>
+          </p:spPr>
+          <p:style>
+            <a:lnRef idx="2">
+              <a:schemeClr val="accent1">
+                <a:shade val="50000"/>
+              </a:schemeClr>
+            </a:lnRef>
+            <a:fillRef idx="1">
+              <a:schemeClr val="accent1"/>
+            </a:fillRef>
+            <a:effectRef idx="0">
+              <a:schemeClr val="accent1"/>
+            </a:effectRef>
+            <a:fontRef idx="minor">
+              <a:schemeClr val="lt1"/>
+            </a:fontRef>
+          </p:style>
+          <p:txBody>
+            <a:bodyPr rtlCol="0" anchor="ctr"/>
+            <a:lstStyle/>
+            <a:p>
+              <a:pPr algn="ctr"/>
+              <a:endParaRPr lang="en-US"/>
+            </a:p>
+          </p:txBody>
+        </p:sp>
+        <p:sp>
+          <p:nvSpPr>
+            <p:cNvPr id="46" name="Rectangle 28">
+              <a:extLst>
+                <a:ext uri="{FF2B5EF4-FFF2-40B4-BE49-F238E27FC236}">
+                  <a16:creationId xmlns:a16="http://schemas.microsoft.com/office/drawing/2014/main" id="{743ECCAF-29C5-4537-947C-7EA1292463DB}"/>
+                </a:ext>
+                <a:ext uri="{C183D7F6-B498-43B3-948B-1728B52AA6E4}">
+                  <adec:decorative xmlns:adec="http://schemas.microsoft.com/office/drawing/2017/decorative" val="1"/>
+                </a:ext>
+              </a:extLst>
+            </p:cNvPr>
+            <p:cNvSpPr/>
+            <p:nvPr>
+              <p:extLst>
+                <p:ext uri="{386F3935-93C4-4BCD-93E2-E3B085C9AB24}">
+                  <p16:designElem xmlns:p16="http://schemas.microsoft.com/office/powerpoint/2015/main" val="1"/>
+                </p:ext>
+              </p:extLst>
+            </p:nvPr>
+          </p:nvSpPr>
+          <p:spPr>
+            <a:xfrm>
+              <a:off x="4715626" y="308034"/>
+              <a:ext cx="566743" cy="3428999"/>
+            </a:xfrm>
+            <a:prstGeom prst="rect">
+              <a:avLst/>
+            </a:prstGeom>
+            <a:grpFill/>
+            <a:ln>
+              <a:noFill/>
+            </a:ln>
+          </p:spPr>
+          <p:style>
+            <a:lnRef idx="2">
+              <a:schemeClr val="accent1">
+                <a:shade val="50000"/>
+              </a:schemeClr>
+            </a:lnRef>
+            <a:fillRef idx="1">
+              <a:schemeClr val="accent1"/>
+            </a:fillRef>
+            <a:effectRef idx="0">
+              <a:schemeClr val="accent1"/>
+            </a:effectRef>
+            <a:fontRef idx="minor">
+              <a:schemeClr val="lt1"/>
+            </a:fontRef>
+          </p:style>
+          <p:txBody>
+            <a:bodyPr rtlCol="0" anchor="ctr"/>
+            <a:lstStyle/>
+            <a:p>
+              <a:pPr algn="ctr"/>
+              <a:endParaRPr lang="en-US"/>
+            </a:p>
+          </p:txBody>
+        </p:sp>
+        <p:sp>
+          <p:nvSpPr>
+            <p:cNvPr id="30" name="Rectangle 29">
+              <a:extLst>
+                <a:ext uri="{FF2B5EF4-FFF2-40B4-BE49-F238E27FC236}">
+                  <a16:creationId xmlns:a16="http://schemas.microsoft.com/office/drawing/2014/main" id="{ED49787B-8DE6-4467-AD0A-8DECC6E0C2D6}"/>
+                </a:ext>
+                <a:ext uri="{C183D7F6-B498-43B3-948B-1728B52AA6E4}">
+                  <adec:decorative xmlns:adec="http://schemas.microsoft.com/office/drawing/2017/decorative" val="1"/>
+                </a:ext>
+              </a:extLst>
+            </p:cNvPr>
+            <p:cNvSpPr/>
+            <p:nvPr>
+              <p:extLst>
+                <p:ext uri="{386F3935-93C4-4BCD-93E2-E3B085C9AB24}">
+                  <p16:designElem xmlns:p16="http://schemas.microsoft.com/office/powerpoint/2015/main" val="1"/>
+                </p:ext>
+              </p:extLst>
+            </p:nvPr>
+          </p:nvSpPr>
+          <p:spPr>
+            <a:xfrm>
+              <a:off x="5490650" y="308034"/>
+              <a:ext cx="566743" cy="3428999"/>
+            </a:xfrm>
+            <a:prstGeom prst="rect">
+              <a:avLst/>
+            </a:prstGeom>
+            <a:grpFill/>
+            <a:ln>
+              <a:noFill/>
+            </a:ln>
+          </p:spPr>
+          <p:style>
+            <a:lnRef idx="2">
+              <a:schemeClr val="accent1">
+                <a:shade val="50000"/>
+              </a:schemeClr>
+            </a:lnRef>
+            <a:fillRef idx="1">
+              <a:schemeClr val="accent1"/>
+            </a:fillRef>
+            <a:effectRef idx="0">
+              <a:schemeClr val="accent1"/>
+            </a:effectRef>
+            <a:fontRef idx="minor">
+              <a:schemeClr val="lt1"/>
+            </a:fontRef>
+          </p:style>
+          <p:txBody>
+            <a:bodyPr rtlCol="0" anchor="ctr"/>
+            <a:lstStyle/>
+            <a:p>
+              <a:pPr algn="ctr"/>
+              <a:endParaRPr lang="en-US"/>
+            </a:p>
+          </p:txBody>
+        </p:sp>
+      </p:grpSp>
+      <p:sp>
+        <p:nvSpPr>
+          <p:cNvPr id="32" name="Rectangle 31">
+            <a:extLst>
+              <a:ext uri="{FF2B5EF4-FFF2-40B4-BE49-F238E27FC236}">
+                <a16:creationId xmlns:a16="http://schemas.microsoft.com/office/drawing/2014/main" id="{D5B0017B-2ECA-49AF-B397-DC140825DF8D}"/>
+              </a:ext>
+              <a:ext uri="{C183D7F6-B498-43B3-948B-1728B52AA6E4}">
+                <adec:decorative xmlns:adec="http://schemas.microsoft.com/office/drawing/2017/decorative" val="1"/>
+              </a:ext>
+            </a:extLst>
+          </p:cNvPr>
+          <p:cNvSpPr>
+            <a:spLocks noGrp="1" noRot="1" noChangeAspect="1" noMove="1" noResize="1" noEditPoints="1" noAdjustHandles="1" noChangeArrowheads="1" noChangeShapeType="1" noTextEdit="1"/>
+          </p:cNvSpPr>
+          <p:nvPr>
+            <p:extLst>
+              <p:ext uri="{386F3935-93C4-4BCD-93E2-E3B085C9AB24}">
+                <p16:designElem xmlns:p16="http://schemas.microsoft.com/office/powerpoint/2015/main" val="1"/>
+              </p:ext>
+            </p:extLst>
+          </p:nvPr>
+        </p:nvSpPr>
+        <p:spPr>
+          <a:xfrm>
+            <a:off x="640079" y="613954"/>
+            <a:ext cx="10907487" cy="1894116"/>
+          </a:xfrm>
+          <a:prstGeom prst="rect">
+            <a:avLst/>
+          </a:prstGeom>
+          <a:solidFill>
+            <a:schemeClr val="bg1"/>
+          </a:solidFill>
+          <a:ln>
+            <a:noFill/>
+          </a:ln>
+          <a:effectLst>
+            <a:outerShdw blurRad="139700" dist="127000" dir="5400000" algn="t" rotWithShape="0">
+              <a:prstClr val="black">
+                <a:alpha val="15000"/>
+              </a:prstClr>
+            </a:outerShdw>
+          </a:effectLst>
+        </p:spPr>
+        <p:style>
+          <a:lnRef idx="2">
+            <a:schemeClr val="accent1">
+              <a:shade val="50000"/>
+            </a:schemeClr>
+          </a:lnRef>
+          <a:fillRef idx="1">
+            <a:schemeClr val="accent1"/>
+          </a:fillRef>
+          <a:effectRef idx="0">
+            <a:schemeClr val="accent1"/>
+          </a:effectRef>
+          <a:fontRef idx="minor">
+            <a:schemeClr val="lt1"/>
+          </a:fontRef>
+        </p:style>
+        <p:txBody>
+          <a:bodyPr rtlCol="0" anchor="ctr"/>
+          <a:lstStyle/>
+          <a:p>
+            <a:pPr algn="ctr"/>
+            <a:endParaRPr lang="en-US"/>
+          </a:p>
+        </p:txBody>
+      </p:sp>
       <p:sp>
         <p:nvSpPr>
           <p:cNvPr id="2" name="Title 1">
@@ -4258,12 +6358,18 @@
             <p:ph type="title"/>
           </p:nvPr>
         </p:nvSpPr>
-        <p:spPr/>
-        <p:txBody>
-          <a:bodyPr/>
-          <a:lstStyle/>
-          <a:p>
-            <a:pPr algn="ctr"/>
+        <p:spPr>
+          <a:xfrm>
+            <a:off x="1043631" y="809898"/>
+            <a:ext cx="9942716" cy="1554480"/>
+          </a:xfrm>
+        </p:spPr>
+        <p:txBody>
+          <a:bodyPr anchor="ctr">
+            <a:normAutofit/>
+          </a:bodyPr>
+          <a:lstStyle/>
+          <a:p>
             <a:r>
               <a:rPr lang="en-US" b="1" dirty="0">
                 <a:latin typeface="Amasis MT Pro Black" panose="02040A04050005020304" pitchFamily="18" charset="0"/>
@@ -4275,7 +6381,7 @@
       </p:sp>
       <p:sp>
         <p:nvSpPr>
-          <p:cNvPr id="3" name="Content Placeholder 2">
+          <p:cNvPr id="47" name="Content Placeholder 2">
             <a:extLst>
               <a:ext uri="{FF2B5EF4-FFF2-40B4-BE49-F238E27FC236}">
                 <a16:creationId xmlns:a16="http://schemas.microsoft.com/office/drawing/2014/main" id="{C24E1552-1C4C-C6BF-1A13-252630DB7DF2}"/>
@@ -4289,18 +6395,23 @@
             <p:ph idx="1"/>
           </p:nvPr>
         </p:nvSpPr>
-        <p:spPr/>
-        <p:txBody>
-          <a:bodyPr>
+        <p:spPr>
+          <a:xfrm>
+            <a:off x="1045028" y="3017522"/>
+            <a:ext cx="9941319" cy="3124658"/>
+          </a:xfrm>
+        </p:spPr>
+        <p:txBody>
+          <a:bodyPr anchor="ctr">
             <a:normAutofit/>
           </a:bodyPr>
           <a:lstStyle/>
           <a:p>
-            <a:pPr marL="0" indent="0" algn="just">
+            <a:pPr marL="0" indent="0">
               <a:buNone/>
             </a:pPr>
             <a:r>
-              <a:rPr lang="en-US" dirty="0">
+              <a:rPr lang="en-US" sz="2400">
                 <a:effectLst/>
                 <a:latin typeface="Calibri" panose="020F0502020204030204" pitchFamily="34" charset="0"/>
                 <a:ea typeface="Calibri" panose="020F0502020204030204" pitchFamily="34" charset="0"/>
@@ -4309,7 +6420,7 @@
               <a:t>With Alisha being an emergency dispatcher fo</a:t>
             </a:r>
             <a:r>
-              <a:rPr lang="en-US" dirty="0">
+              <a:rPr lang="en-US" sz="2400">
                 <a:latin typeface="Calibri" panose="020F0502020204030204" pitchFamily="34" charset="0"/>
                 <a:ea typeface="Calibri" panose="020F0502020204030204" pitchFamily="34" charset="0"/>
                 <a:cs typeface="Times New Roman" panose="02020603050405020304" pitchFamily="18" charset="0"/>
@@ -4317,7 +6428,7 @@
               <a:t>r a Sheriff’s office in Texas</a:t>
             </a:r>
             <a:r>
-              <a:rPr lang="en-US" dirty="0">
+              <a:rPr lang="en-US" sz="2400">
                 <a:effectLst/>
                 <a:latin typeface="Calibri" panose="020F0502020204030204" pitchFamily="34" charset="0"/>
                 <a:ea typeface="Calibri" panose="020F0502020204030204" pitchFamily="34" charset="0"/>
@@ -4327,36 +6438,73 @@
             </a:r>
           </a:p>
           <a:p>
-            <a:pPr marL="0" indent="0" algn="just">
+            <a:pPr marL="0" indent="0">
               <a:buNone/>
             </a:pPr>
             <a:r>
-              <a:rPr lang="en-US" dirty="0">
+              <a:rPr lang="en-US" sz="2400">
                 <a:effectLst/>
                 <a:latin typeface="Calibri" panose="020F0502020204030204" pitchFamily="34" charset="0"/>
                 <a:ea typeface="Calibri" panose="020F0502020204030204" pitchFamily="34" charset="0"/>
                 <a:cs typeface="Times New Roman" panose="02020603050405020304" pitchFamily="18" charset="0"/>
               </a:rPr>
-              <a:t>We were able to find a plethora of data and worked to wrangle the data to narrow down what we wanted to use.  Some of the data we found involved individual states and their violent and property </a:t>
-            </a:r>
-            <a:r>
-              <a:rPr lang="en-US">
-                <a:effectLst/>
-                <a:latin typeface="Calibri" panose="020F0502020204030204" pitchFamily="34" charset="0"/>
-                <a:ea typeface="Calibri" panose="020F0502020204030204" pitchFamily="34" charset="0"/>
-                <a:cs typeface="Times New Roman" panose="02020603050405020304" pitchFamily="18" charset="0"/>
-              </a:rPr>
-              <a:t>crime rates, and so we </a:t>
-            </a:r>
-            <a:endParaRPr lang="en-US" dirty="0">
-              <a:effectLst/>
-              <a:latin typeface="Calibri" panose="020F0502020204030204" pitchFamily="34" charset="0"/>
-              <a:ea typeface="Calibri" panose="020F0502020204030204" pitchFamily="34" charset="0"/>
-              <a:cs typeface="Times New Roman" panose="02020603050405020304" pitchFamily="18" charset="0"/>
-            </a:endParaRPr>
-          </a:p>
-        </p:txBody>
-      </p:sp>
+              <a:t>We were able to find a plethora of data and worked to wrangle the data to narrow down what we wanted to use.  Some of the data we found involved individual states and their violent and property crime rates, and so we </a:t>
+            </a:r>
+          </a:p>
+        </p:txBody>
+      </p:sp>
+      <p:cxnSp>
+        <p:nvCxnSpPr>
+          <p:cNvPr id="34" name="Straight Connector 33">
+            <a:extLst>
+              <a:ext uri="{FF2B5EF4-FFF2-40B4-BE49-F238E27FC236}">
+                <a16:creationId xmlns:a16="http://schemas.microsoft.com/office/drawing/2014/main" id="{6CF1BAF6-AD41-4082-B212-8A1F9A2E8779}"/>
+              </a:ext>
+              <a:ext uri="{C183D7F6-B498-43B3-948B-1728B52AA6E4}">
+                <adec:decorative xmlns:adec="http://schemas.microsoft.com/office/drawing/2017/decorative" val="1"/>
+              </a:ext>
+            </a:extLst>
+          </p:cNvPr>
+          <p:cNvCxnSpPr>
+            <a:cxnSpLocks noGrp="1" noRot="1" noChangeAspect="1" noMove="1" noResize="1" noEditPoints="1" noAdjustHandles="1" noChangeArrowheads="1" noChangeShapeType="1"/>
+          </p:cNvCxnSpPr>
+          <p:nvPr>
+            <p:extLst>
+              <p:ext uri="{386F3935-93C4-4BCD-93E2-E3B085C9AB24}">
+                <p16:designElem xmlns:p16="http://schemas.microsoft.com/office/powerpoint/2015/main" val="1"/>
+              </p:ext>
+            </p:extLst>
+          </p:nvPr>
+        </p:nvCxnSpPr>
+        <p:spPr>
+          <a:xfrm flipH="1">
+            <a:off x="838200" y="6485313"/>
+            <a:ext cx="10515600" cy="0"/>
+          </a:xfrm>
+          <a:prstGeom prst="line">
+            <a:avLst/>
+          </a:prstGeom>
+          <a:ln w="57150">
+            <a:solidFill>
+              <a:schemeClr val="accent4"/>
+            </a:solidFill>
+          </a:ln>
+        </p:spPr>
+        <p:style>
+          <a:lnRef idx="1">
+            <a:schemeClr val="accent1"/>
+          </a:lnRef>
+          <a:fillRef idx="0">
+            <a:schemeClr val="accent1"/>
+          </a:fillRef>
+          <a:effectRef idx="0">
+            <a:schemeClr val="accent1"/>
+          </a:effectRef>
+          <a:fontRef idx="minor">
+            <a:schemeClr val="tx1"/>
+          </a:fontRef>
+        </p:style>
+      </p:cxnSp>
     </p:spTree>
     <p:extLst>
       <p:ext uri="{BB962C8B-B14F-4D97-AF65-F5344CB8AC3E}">
@@ -4367,12 +6515,23 @@
   <p:clrMapOvr>
     <a:masterClrMapping/>
   </p:clrMapOvr>
+  <p:transition spd="slow">
+    <p:push dir="u"/>
+  </p:transition>
 </p:sld>
 </file>
 
 <file path=ppt/slides/slide6.xml><?xml version="1.0" encoding="utf-8"?>
 <p:sld xmlns:a="http://schemas.openxmlformats.org/drawingml/2006/main" xmlns:r="http://schemas.openxmlformats.org/officeDocument/2006/relationships" xmlns:p="http://schemas.openxmlformats.org/presentationml/2006/main">
   <p:cSld>
+    <p:bg>
+      <p:bgPr>
+        <a:solidFill>
+          <a:schemeClr val="bg1"/>
+        </a:solidFill>
+        <a:effectLst/>
+      </p:bgPr>
+    </p:bg>
     <p:spTree>
       <p:nvGrpSpPr>
         <p:cNvPr id="1" name=""/>
@@ -4387,12 +6546,287 @@
           <a:chExt cx="0" cy="0"/>
         </a:xfrm>
       </p:grpSpPr>
+      <p:sp useBgFill="1">
+        <p:nvSpPr>
+          <p:cNvPr id="22" name="Rectangle 21">
+            <a:extLst>
+              <a:ext uri="{FF2B5EF4-FFF2-40B4-BE49-F238E27FC236}">
+                <a16:creationId xmlns:a16="http://schemas.microsoft.com/office/drawing/2014/main" id="{9095C1F4-AE7F-44E4-8693-40D3D6831140}"/>
+              </a:ext>
+              <a:ext uri="{C183D7F6-B498-43B3-948B-1728B52AA6E4}">
+                <adec:decorative xmlns:adec="http://schemas.microsoft.com/office/drawing/2017/decorative" val="1"/>
+              </a:ext>
+            </a:extLst>
+          </p:cNvPr>
+          <p:cNvSpPr>
+            <a:spLocks noGrp="1" noRot="1" noChangeAspect="1" noMove="1" noResize="1" noEditPoints="1" noAdjustHandles="1" noChangeArrowheads="1" noChangeShapeType="1" noTextEdit="1"/>
+          </p:cNvSpPr>
+          <p:nvPr>
+            <p:extLst>
+              <p:ext uri="{386F3935-93C4-4BCD-93E2-E3B085C9AB24}">
+                <p16:designElem xmlns:p16="http://schemas.microsoft.com/office/powerpoint/2015/main" val="1"/>
+              </p:ext>
+            </p:extLst>
+          </p:nvPr>
+        </p:nvSpPr>
+        <p:spPr>
+          <a:xfrm>
+            <a:off x="0" y="0"/>
+            <a:ext cx="12191999" cy="6857365"/>
+          </a:xfrm>
+          <a:prstGeom prst="rect">
+            <a:avLst/>
+          </a:prstGeom>
+          <a:ln>
+            <a:noFill/>
+          </a:ln>
+        </p:spPr>
+        <p:style>
+          <a:lnRef idx="2">
+            <a:schemeClr val="accent1">
+              <a:shade val="50000"/>
+            </a:schemeClr>
+          </a:lnRef>
+          <a:fillRef idx="1">
+            <a:schemeClr val="accent1"/>
+          </a:fillRef>
+          <a:effectRef idx="0">
+            <a:schemeClr val="accent1"/>
+          </a:effectRef>
+          <a:fontRef idx="minor">
+            <a:schemeClr val="lt1"/>
+          </a:fontRef>
+        </p:style>
+        <p:txBody>
+          <a:bodyPr rtlCol="0" anchor="ctr"/>
+          <a:lstStyle/>
+          <a:p>
+            <a:pPr algn="ctr"/>
+            <a:endParaRPr lang="en-US"/>
+          </a:p>
+        </p:txBody>
+      </p:sp>
+      <p:grpSp>
+        <p:nvGrpSpPr>
+          <p:cNvPr id="24" name="Group 23">
+            <a:extLst>
+              <a:ext uri="{FF2B5EF4-FFF2-40B4-BE49-F238E27FC236}">
+                <a16:creationId xmlns:a16="http://schemas.microsoft.com/office/drawing/2014/main" id="{8734DDD3-F723-4DD3-8ABE-EC0B2AC87D74}"/>
+              </a:ext>
+              <a:ext uri="{C183D7F6-B498-43B3-948B-1728B52AA6E4}">
+                <adec:decorative xmlns:adec="http://schemas.microsoft.com/office/drawing/2017/decorative" val="1"/>
+              </a:ext>
+            </a:extLst>
+          </p:cNvPr>
+          <p:cNvGrpSpPr>
+            <a:grpSpLocks noGrp="1" noUngrp="1" noRot="1" noChangeAspect="1" noMove="1" noResize="1"/>
+          </p:cNvGrpSpPr>
+          <p:nvPr>
+            <p:extLst>
+              <p:ext uri="{386F3935-93C4-4BCD-93E2-E3B085C9AB24}">
+                <p16:designElem xmlns:p16="http://schemas.microsoft.com/office/powerpoint/2015/main" val="1"/>
+              </p:ext>
+            </p:extLst>
+          </p:nvPr>
+        </p:nvGrpSpPr>
+        <p:grpSpPr>
+          <a:xfrm>
+            <a:off x="2522324" y="-15978"/>
+            <a:ext cx="7147352" cy="5876916"/>
+            <a:chOff x="329184" y="-99107"/>
+            <a:chExt cx="524256" cy="5876916"/>
+          </a:xfrm>
+        </p:grpSpPr>
+        <p:cxnSp>
+          <p:nvCxnSpPr>
+            <p:cNvPr id="25" name="Straight Connector 24">
+              <a:extLst>
+                <a:ext uri="{FF2B5EF4-FFF2-40B4-BE49-F238E27FC236}">
+                  <a16:creationId xmlns:a16="http://schemas.microsoft.com/office/drawing/2014/main" id="{F7C8EA93-3210-4C62-99E9-153C275E3A87}"/>
+                </a:ext>
+                <a:ext uri="{C183D7F6-B498-43B3-948B-1728B52AA6E4}">
+                  <adec:decorative xmlns:adec="http://schemas.microsoft.com/office/drawing/2017/decorative" val="1"/>
+                </a:ext>
+              </a:extLst>
+            </p:cNvPr>
+            <p:cNvCxnSpPr>
+              <a:cxnSpLocks/>
+            </p:cNvCxnSpPr>
+            <p:nvPr>
+              <p:extLst>
+                <p:ext uri="{386F3935-93C4-4BCD-93E2-E3B085C9AB24}">
+                  <p16:designElem xmlns:p16="http://schemas.microsoft.com/office/powerpoint/2015/main" val="1"/>
+                </p:ext>
+              </p:extLst>
+            </p:nvPr>
+          </p:nvCxnSpPr>
+          <p:spPr>
+            <a:xfrm flipH="1">
+              <a:off x="329184" y="5777809"/>
+              <a:ext cx="523824" cy="0"/>
+            </a:xfrm>
+            <a:prstGeom prst="line">
+              <a:avLst/>
+            </a:prstGeom>
+            <a:ln w="152400">
+              <a:solidFill>
+                <a:schemeClr val="accent4"/>
+              </a:solidFill>
+            </a:ln>
+          </p:spPr>
+          <p:style>
+            <a:lnRef idx="1">
+              <a:schemeClr val="accent1"/>
+            </a:lnRef>
+            <a:fillRef idx="0">
+              <a:schemeClr val="accent1"/>
+            </a:fillRef>
+            <a:effectRef idx="0">
+              <a:schemeClr val="accent1"/>
+            </a:effectRef>
+            <a:fontRef idx="minor">
+              <a:schemeClr val="tx1"/>
+            </a:fontRef>
+          </p:style>
+        </p:cxnSp>
+        <p:sp>
+          <p:nvSpPr>
+            <p:cNvPr id="26" name="Rectangle 25">
+              <a:extLst>
+                <a:ext uri="{FF2B5EF4-FFF2-40B4-BE49-F238E27FC236}">
+                  <a16:creationId xmlns:a16="http://schemas.microsoft.com/office/drawing/2014/main" id="{5EB7D2A2-F448-44D4-938C-DC84CBCB3B1E}"/>
+                </a:ext>
+                <a:ext uri="{C183D7F6-B498-43B3-948B-1728B52AA6E4}">
+                  <adec:decorative xmlns:adec="http://schemas.microsoft.com/office/drawing/2017/decorative" val="1"/>
+                </a:ext>
+              </a:extLst>
+            </p:cNvPr>
+            <p:cNvSpPr/>
+            <p:nvPr>
+              <p:extLst>
+                <p:ext uri="{386F3935-93C4-4BCD-93E2-E3B085C9AB24}">
+                  <p16:designElem xmlns:p16="http://schemas.microsoft.com/office/powerpoint/2015/main" val="1"/>
+                </p:ext>
+              </p:extLst>
+            </p:nvPr>
+          </p:nvSpPr>
+          <p:spPr>
+            <a:xfrm>
+              <a:off x="329184" y="-99107"/>
+              <a:ext cx="524256" cy="5631228"/>
+            </a:xfrm>
+            <a:prstGeom prst="rect">
+              <a:avLst/>
+            </a:prstGeom>
+            <a:solidFill>
+              <a:schemeClr val="accent4"/>
+            </a:solidFill>
+            <a:ln>
+              <a:noFill/>
+            </a:ln>
+          </p:spPr>
+          <p:style>
+            <a:lnRef idx="2">
+              <a:schemeClr val="accent1">
+                <a:shade val="50000"/>
+              </a:schemeClr>
+            </a:lnRef>
+            <a:fillRef idx="1">
+              <a:schemeClr val="accent1"/>
+            </a:fillRef>
+            <a:effectRef idx="0">
+              <a:schemeClr val="accent1"/>
+            </a:effectRef>
+            <a:fontRef idx="minor">
+              <a:schemeClr val="lt1"/>
+            </a:fontRef>
+          </p:style>
+          <p:txBody>
+            <a:bodyPr rtlCol="0" anchor="ctr"/>
+            <a:lstStyle/>
+            <a:p>
+              <a:pPr algn="ctr"/>
+              <a:endParaRPr lang="en-US" dirty="0"/>
+            </a:p>
+          </p:txBody>
+        </p:sp>
+      </p:grpSp>
+      <p:sp>
+        <p:nvSpPr>
+          <p:cNvPr id="28" name="Rectangle 27">
+            <a:extLst>
+              <a:ext uri="{FF2B5EF4-FFF2-40B4-BE49-F238E27FC236}">
+                <a16:creationId xmlns:a16="http://schemas.microsoft.com/office/drawing/2014/main" id="{871AEA07-1E14-44B4-8E55-64EF049CD66F}"/>
+              </a:ext>
+              <a:ext uri="{C183D7F6-B498-43B3-948B-1728B52AA6E4}">
+                <adec:decorative xmlns:adec="http://schemas.microsoft.com/office/drawing/2017/decorative" val="1"/>
+              </a:ext>
+            </a:extLst>
+          </p:cNvPr>
+          <p:cNvSpPr>
+            <a:spLocks noGrp="1" noRot="1" noChangeAspect="1" noMove="1" noResize="1" noEditPoints="1" noAdjustHandles="1" noChangeArrowheads="1" noChangeShapeType="1" noTextEdit="1"/>
+          </p:cNvSpPr>
+          <p:nvPr>
+            <p:extLst>
+              <p:ext uri="{386F3935-93C4-4BCD-93E2-E3B085C9AB24}">
+                <p16:designElem xmlns:p16="http://schemas.microsoft.com/office/powerpoint/2015/main" val="1"/>
+              </p:ext>
+            </p:extLst>
+          </p:nvPr>
+        </p:nvSpPr>
+        <p:spPr>
+          <a:xfrm>
+            <a:off x="596464" y="1055718"/>
+            <a:ext cx="10999072" cy="3358344"/>
+          </a:xfrm>
+          <a:prstGeom prst="rect">
+            <a:avLst/>
+          </a:prstGeom>
+          <a:solidFill>
+            <a:schemeClr val="bg1"/>
+          </a:solidFill>
+          <a:ln>
+            <a:noFill/>
+          </a:ln>
+          <a:effectLst>
+            <a:outerShdw blurRad="139700" dist="127000" dir="5400000" algn="t" rotWithShape="0">
+              <a:prstClr val="black">
+                <a:alpha val="15000"/>
+              </a:prstClr>
+            </a:outerShdw>
+          </a:effectLst>
+        </p:spPr>
+        <p:style>
+          <a:lnRef idx="2">
+            <a:schemeClr val="accent1">
+              <a:shade val="50000"/>
+            </a:schemeClr>
+          </a:lnRef>
+          <a:fillRef idx="1">
+            <a:schemeClr val="accent1"/>
+          </a:fillRef>
+          <a:effectRef idx="0">
+            <a:schemeClr val="accent1"/>
+          </a:effectRef>
+          <a:fontRef idx="minor">
+            <a:schemeClr val="lt1"/>
+          </a:fontRef>
+        </p:style>
+        <p:txBody>
+          <a:bodyPr rtlCol="0" anchor="ctr"/>
+          <a:lstStyle/>
+          <a:p>
+            <a:pPr algn="ctr"/>
+            <a:endParaRPr lang="en-US"/>
+          </a:p>
+        </p:txBody>
+      </p:sp>
       <p:sp>
         <p:nvSpPr>
           <p:cNvPr id="2" name="Title 1">
             <a:extLst>
               <a:ext uri="{FF2B5EF4-FFF2-40B4-BE49-F238E27FC236}">
-                <a16:creationId xmlns:a16="http://schemas.microsoft.com/office/drawing/2014/main" id="{159A9C50-76B5-B2A7-FACA-34D4DCC1A24B}"/>
+                <a16:creationId xmlns:a16="http://schemas.microsoft.com/office/drawing/2014/main" id="{BD31A0EF-76AB-411A-B34D-897C6FC1580A}"/>
               </a:ext>
             </a:extLst>
           </p:cNvPr>
@@ -4403,60 +6837,67 @@
             <p:ph type="title"/>
           </p:nvPr>
         </p:nvSpPr>
-        <p:spPr/>
-        <p:txBody>
-          <a:bodyPr/>
+        <p:spPr>
+          <a:xfrm>
+            <a:off x="1524000" y="1584683"/>
+            <a:ext cx="9144000" cy="2551829"/>
+          </a:xfrm>
+        </p:spPr>
+        <p:txBody>
+          <a:bodyPr vert="horz" lIns="91440" tIns="45720" rIns="91440" bIns="45720" rtlCol="0" anchor="ctr">
+            <a:normAutofit/>
+          </a:bodyPr>
           <a:lstStyle/>
           <a:p>
             <a:pPr algn="ctr"/>
             <a:r>
-              <a:rPr lang="en-US" dirty="0"/>
+              <a:rPr lang="en-US" sz="6600" b="1" kern="1200" dirty="0">
+                <a:solidFill>
+                  <a:schemeClr val="tx1"/>
+                </a:solidFill>
+                <a:latin typeface="Amasis MT Pro Black" panose="02040A04050005020304" pitchFamily="18" charset="0"/>
+              </a:rPr>
               <a:t>Methods</a:t>
             </a:r>
-          </a:p>
-        </p:txBody>
-      </p:sp>
-      <p:sp>
-        <p:nvSpPr>
-          <p:cNvPr id="3" name="Content Placeholder 2">
-            <a:extLst>
-              <a:ext uri="{FF2B5EF4-FFF2-40B4-BE49-F238E27FC236}">
-                <a16:creationId xmlns:a16="http://schemas.microsoft.com/office/drawing/2014/main" id="{06EB8B48-3102-87D7-62AC-B6144EDB5FE7}"/>
-              </a:ext>
-            </a:extLst>
-          </p:cNvPr>
-          <p:cNvSpPr>
-            <a:spLocks noGrp="1"/>
-          </p:cNvSpPr>
-          <p:nvPr>
-            <p:ph idx="1"/>
-          </p:nvPr>
-        </p:nvSpPr>
-        <p:spPr/>
-        <p:txBody>
-          <a:bodyPr/>
-          <a:lstStyle/>
-          <a:p>
-            <a:endParaRPr lang="en-US"/>
           </a:p>
         </p:txBody>
       </p:sp>
     </p:spTree>
     <p:extLst>
       <p:ext uri="{BB962C8B-B14F-4D97-AF65-F5344CB8AC3E}">
-        <p14:creationId xmlns:p14="http://schemas.microsoft.com/office/powerpoint/2010/main" val="3033181729"/>
+        <p14:creationId xmlns:p14="http://schemas.microsoft.com/office/powerpoint/2010/main" val="2953983609"/>
       </p:ext>
     </p:extLst>
   </p:cSld>
   <p:clrMapOvr>
     <a:masterClrMapping/>
   </p:clrMapOvr>
+  <mc:AlternateContent xmlns:mc="http://schemas.openxmlformats.org/markup-compatibility/2006" xmlns:p14="http://schemas.microsoft.com/office/powerpoint/2010/main">
+    <mc:Choice Requires="p14">
+      <p:transition spd="slow" p14:dur="3400">
+        <p14:reveal/>
+      </p:transition>
+    </mc:Choice>
+    <mc:Fallback xmlns="">
+      <p:transition spd="slow">
+        <p:fade/>
+      </p:transition>
+    </mc:Fallback>
+  </mc:AlternateContent>
 </p:sld>
 </file>
 
 <file path=ppt/slides/slide7.xml><?xml version="1.0" encoding="utf-8"?>
 <p:sld xmlns:a="http://schemas.openxmlformats.org/drawingml/2006/main" xmlns:r="http://schemas.openxmlformats.org/officeDocument/2006/relationships" xmlns:p="http://schemas.openxmlformats.org/presentationml/2006/main">
   <p:cSld>
+    <p:bg>
+      <p:bgPr>
+        <a:solidFill>
+          <a:schemeClr val="bg1"/>
+        </a:solidFill>
+        <a:effectLst/>
+      </p:bgPr>
+    </p:bg>
     <p:spTree>
       <p:nvGrpSpPr>
         <p:cNvPr id="1" name=""/>
@@ -4471,12 +6912,295 @@
           <a:chExt cx="0" cy="0"/>
         </a:xfrm>
       </p:grpSpPr>
+      <p:sp useBgFill="1">
+        <p:nvSpPr>
+          <p:cNvPr id="8" name="Rectangle 7">
+            <a:extLst>
+              <a:ext uri="{FF2B5EF4-FFF2-40B4-BE49-F238E27FC236}">
+                <a16:creationId xmlns:a16="http://schemas.microsoft.com/office/drawing/2014/main" id="{4DA718D0-4865-4629-8134-44F68D41D574}"/>
+              </a:ext>
+              <a:ext uri="{C183D7F6-B498-43B3-948B-1728B52AA6E4}">
+                <adec:decorative xmlns:adec="http://schemas.microsoft.com/office/drawing/2017/decorative" val="1"/>
+              </a:ext>
+            </a:extLst>
+          </p:cNvPr>
+          <p:cNvSpPr>
+            <a:spLocks noGrp="1" noRot="1" noChangeAspect="1" noMove="1" noResize="1" noEditPoints="1" noAdjustHandles="1" noChangeArrowheads="1" noChangeShapeType="1" noTextEdit="1"/>
+          </p:cNvSpPr>
+          <p:nvPr>
+            <p:extLst>
+              <p:ext uri="{386F3935-93C4-4BCD-93E2-E3B085C9AB24}">
+                <p16:designElem xmlns:p16="http://schemas.microsoft.com/office/powerpoint/2015/main" val="1"/>
+              </p:ext>
+            </p:extLst>
+          </p:nvPr>
+        </p:nvSpPr>
+        <p:spPr>
+          <a:xfrm>
+            <a:off x="0" y="0"/>
+            <a:ext cx="12191999" cy="6857365"/>
+          </a:xfrm>
+          <a:prstGeom prst="rect">
+            <a:avLst/>
+          </a:prstGeom>
+          <a:ln>
+            <a:noFill/>
+          </a:ln>
+        </p:spPr>
+        <p:style>
+          <a:lnRef idx="2">
+            <a:schemeClr val="accent1">
+              <a:shade val="50000"/>
+            </a:schemeClr>
+          </a:lnRef>
+          <a:fillRef idx="1">
+            <a:schemeClr val="accent1"/>
+          </a:fillRef>
+          <a:effectRef idx="0">
+            <a:schemeClr val="accent1"/>
+          </a:effectRef>
+          <a:fontRef idx="minor">
+            <a:schemeClr val="lt1"/>
+          </a:fontRef>
+        </p:style>
+        <p:txBody>
+          <a:bodyPr rtlCol="0" anchor="ctr"/>
+          <a:lstStyle/>
+          <a:p>
+            <a:pPr algn="ctr"/>
+            <a:endParaRPr lang="en-US"/>
+          </a:p>
+        </p:txBody>
+      </p:sp>
+      <p:grpSp>
+        <p:nvGrpSpPr>
+          <p:cNvPr id="10" name="Group 9">
+            <a:extLst>
+              <a:ext uri="{FF2B5EF4-FFF2-40B4-BE49-F238E27FC236}">
+                <a16:creationId xmlns:a16="http://schemas.microsoft.com/office/drawing/2014/main" id="{65167ED7-6315-43AB-B1B6-C326D5FD8F84}"/>
+              </a:ext>
+              <a:ext uri="{C183D7F6-B498-43B3-948B-1728B52AA6E4}">
+                <adec:decorative xmlns:adec="http://schemas.microsoft.com/office/drawing/2017/decorative" val="1"/>
+              </a:ext>
+            </a:extLst>
+          </p:cNvPr>
+          <p:cNvGrpSpPr>
+            <a:grpSpLocks noGrp="1" noUngrp="1" noRot="1" noChangeAspect="1" noMove="1" noResize="1"/>
+          </p:cNvGrpSpPr>
+          <p:nvPr>
+            <p:extLst>
+              <p:ext uri="{386F3935-93C4-4BCD-93E2-E3B085C9AB24}">
+                <p16:designElem xmlns:p16="http://schemas.microsoft.com/office/powerpoint/2015/main" val="1"/>
+              </p:ext>
+            </p:extLst>
+          </p:nvPr>
+        </p:nvGrpSpPr>
+        <p:grpSpPr>
+          <a:xfrm rot="5400000">
+            <a:off x="-2340441" y="2666183"/>
+            <a:ext cx="5860051" cy="527712"/>
+            <a:chOff x="6081624" y="1998368"/>
+            <a:chExt cx="5613457" cy="782175"/>
+          </a:xfrm>
+          <a:solidFill>
+            <a:schemeClr val="accent4"/>
+          </a:solidFill>
+        </p:grpSpPr>
+        <p:sp>
+          <p:nvSpPr>
+            <p:cNvPr id="11" name="Rectangle 10">
+              <a:extLst>
+                <a:ext uri="{FF2B5EF4-FFF2-40B4-BE49-F238E27FC236}">
+                  <a16:creationId xmlns:a16="http://schemas.microsoft.com/office/drawing/2014/main" id="{EF4D8839-FB03-487D-ACC8-8BFEDD4FEBAE}"/>
+                </a:ext>
+                <a:ext uri="{C183D7F6-B498-43B3-948B-1728B52AA6E4}">
+                  <adec:decorative xmlns:adec="http://schemas.microsoft.com/office/drawing/2017/decorative" val="1"/>
+                </a:ext>
+              </a:extLst>
+            </p:cNvPr>
+            <p:cNvSpPr/>
+            <p:nvPr>
+              <p:extLst>
+                <p:ext uri="{386F3935-93C4-4BCD-93E2-E3B085C9AB24}">
+                  <p16:designElem xmlns:p16="http://schemas.microsoft.com/office/powerpoint/2015/main" val="1"/>
+                </p:ext>
+              </p:extLst>
+            </p:nvPr>
+          </p:nvSpPr>
+          <p:spPr>
+            <a:xfrm rot="5400000">
+              <a:off x="11228040" y="2313027"/>
+              <a:ext cx="781700" cy="152382"/>
+            </a:xfrm>
+            <a:prstGeom prst="rect">
+              <a:avLst/>
+            </a:prstGeom>
+            <a:grpFill/>
+            <a:ln>
+              <a:noFill/>
+            </a:ln>
+          </p:spPr>
+          <p:style>
+            <a:lnRef idx="2">
+              <a:schemeClr val="accent1">
+                <a:shade val="50000"/>
+              </a:schemeClr>
+            </a:lnRef>
+            <a:fillRef idx="1">
+              <a:schemeClr val="accent1"/>
+            </a:fillRef>
+            <a:effectRef idx="0">
+              <a:schemeClr val="accent1"/>
+            </a:effectRef>
+            <a:fontRef idx="minor">
+              <a:schemeClr val="lt1"/>
+            </a:fontRef>
+          </p:style>
+          <p:txBody>
+            <a:bodyPr rtlCol="0" anchor="ctr"/>
+            <a:lstStyle/>
+            <a:p>
+              <a:pPr algn="ctr"/>
+              <a:endParaRPr lang="en-US"/>
+            </a:p>
+          </p:txBody>
+        </p:sp>
+        <p:sp>
+          <p:nvSpPr>
+            <p:cNvPr id="12" name="Rectangle 11">
+              <a:extLst>
+                <a:ext uri="{FF2B5EF4-FFF2-40B4-BE49-F238E27FC236}">
+                  <a16:creationId xmlns:a16="http://schemas.microsoft.com/office/drawing/2014/main" id="{0EF75023-9A3B-42FC-B704-61A8F7BEF415}"/>
+                </a:ext>
+                <a:ext uri="{C183D7F6-B498-43B3-948B-1728B52AA6E4}">
+                  <adec:decorative xmlns:adec="http://schemas.microsoft.com/office/drawing/2017/decorative" val="1"/>
+                </a:ext>
+              </a:extLst>
+            </p:cNvPr>
+            <p:cNvSpPr/>
+            <p:nvPr>
+              <p:extLst>
+                <p:ext uri="{386F3935-93C4-4BCD-93E2-E3B085C9AB24}">
+                  <p16:designElem xmlns:p16="http://schemas.microsoft.com/office/powerpoint/2015/main" val="1"/>
+                </p:ext>
+              </p:extLst>
+            </p:nvPr>
+          </p:nvSpPr>
+          <p:spPr>
+            <a:xfrm flipH="1" flipV="1">
+              <a:off x="6081624" y="1998844"/>
+              <a:ext cx="5372968" cy="781699"/>
+            </a:xfrm>
+            <a:prstGeom prst="rect">
+              <a:avLst/>
+            </a:prstGeom>
+            <a:grpFill/>
+            <a:ln>
+              <a:noFill/>
+            </a:ln>
+          </p:spPr>
+          <p:style>
+            <a:lnRef idx="2">
+              <a:schemeClr val="accent1">
+                <a:shade val="50000"/>
+              </a:schemeClr>
+            </a:lnRef>
+            <a:fillRef idx="1">
+              <a:schemeClr val="accent1"/>
+            </a:fillRef>
+            <a:effectRef idx="0">
+              <a:schemeClr val="accent1"/>
+            </a:effectRef>
+            <a:fontRef idx="minor">
+              <a:schemeClr val="lt1"/>
+            </a:fontRef>
+          </p:style>
+          <p:txBody>
+            <a:bodyPr rtlCol="0" anchor="ctr"/>
+            <a:lstStyle/>
+            <a:p>
+              <a:pPr algn="ctr"/>
+              <a:endParaRPr lang="en-US"/>
+            </a:p>
+          </p:txBody>
+        </p:sp>
+      </p:grpSp>
+      <p:sp>
+        <p:nvSpPr>
+          <p:cNvPr id="14" name="Rectangle 13">
+            <a:extLst>
+              <a:ext uri="{FF2B5EF4-FFF2-40B4-BE49-F238E27FC236}">
+                <a16:creationId xmlns:a16="http://schemas.microsoft.com/office/drawing/2014/main" id="{CBC4F608-B4B8-48C3-9572-C0F061B1CD99}"/>
+              </a:ext>
+              <a:ext uri="{C183D7F6-B498-43B3-948B-1728B52AA6E4}">
+                <adec:decorative xmlns:adec="http://schemas.microsoft.com/office/drawing/2017/decorative" val="1"/>
+              </a:ext>
+            </a:extLst>
+          </p:cNvPr>
+          <p:cNvSpPr>
+            <a:spLocks noGrp="1" noRot="1" noChangeAspect="1" noMove="1" noResize="1" noEditPoints="1" noAdjustHandles="1" noChangeArrowheads="1" noChangeShapeType="1" noTextEdit="1"/>
+          </p:cNvSpPr>
+          <p:nvPr>
+            <p:extLst>
+              <p:ext uri="{386F3935-93C4-4BCD-93E2-E3B085C9AB24}">
+                <p16:designElem xmlns:p16="http://schemas.microsoft.com/office/powerpoint/2015/main" val="1"/>
+              </p:ext>
+            </p:extLst>
+          </p:nvPr>
+        </p:nvSpPr>
+        <p:spPr>
+          <a:xfrm>
+            <a:off x="579528" y="922919"/>
+            <a:ext cx="11111729" cy="5461252"/>
+          </a:xfrm>
+          <a:prstGeom prst="rect">
+            <a:avLst/>
+          </a:prstGeom>
+          <a:solidFill>
+            <a:schemeClr val="bg1"/>
+          </a:solidFill>
+          <a:ln>
+            <a:noFill/>
+          </a:ln>
+          <a:effectLst>
+            <a:outerShdw blurRad="139700" dist="127000" dir="5400000" algn="t" rotWithShape="0">
+              <a:prstClr val="black">
+                <a:alpha val="15000"/>
+              </a:prstClr>
+            </a:outerShdw>
+          </a:effectLst>
+        </p:spPr>
+        <p:style>
+          <a:lnRef idx="2">
+            <a:schemeClr val="accent1">
+              <a:shade val="50000"/>
+            </a:schemeClr>
+          </a:lnRef>
+          <a:fillRef idx="1">
+            <a:schemeClr val="accent1"/>
+          </a:fillRef>
+          <a:effectRef idx="0">
+            <a:schemeClr val="accent1"/>
+          </a:effectRef>
+          <a:fontRef idx="minor">
+            <a:schemeClr val="lt1"/>
+          </a:fontRef>
+        </p:style>
+        <p:txBody>
+          <a:bodyPr rtlCol="0" anchor="ctr"/>
+          <a:lstStyle/>
+          <a:p>
+            <a:pPr algn="ctr"/>
+            <a:endParaRPr lang="en-US"/>
+          </a:p>
+        </p:txBody>
+      </p:sp>
       <p:sp>
         <p:nvSpPr>
           <p:cNvPr id="2" name="Title 1">
             <a:extLst>
               <a:ext uri="{FF2B5EF4-FFF2-40B4-BE49-F238E27FC236}">
-                <a16:creationId xmlns:a16="http://schemas.microsoft.com/office/drawing/2014/main" id="{BD31A0EF-76AB-411A-B34D-897C6FC1580A}"/>
+                <a16:creationId xmlns:a16="http://schemas.microsoft.com/office/drawing/2014/main" id="{7F12E6D1-73C5-FF0A-9874-0178F375DCA0}"/>
               </a:ext>
             </a:extLst>
           </p:cNvPr>
@@ -4487,16 +7211,19 @@
             <p:ph type="title"/>
           </p:nvPr>
         </p:nvSpPr>
-        <p:spPr/>
-        <p:txBody>
-          <a:bodyPr/>
-          <a:lstStyle/>
-          <a:p>
-            <a:pPr algn="ctr"/>
-            <a:r>
-              <a:rPr lang="en-US" dirty="0"/>
-              <a:t>Results</a:t>
-            </a:r>
+        <p:spPr>
+          <a:xfrm>
+            <a:off x="1282963" y="1238080"/>
+            <a:ext cx="9849751" cy="1349671"/>
+          </a:xfrm>
+        </p:spPr>
+        <p:txBody>
+          <a:bodyPr anchor="b">
+            <a:normAutofit/>
+          </a:bodyPr>
+          <a:lstStyle/>
+          <a:p>
+            <a:endParaRPr lang="en-US" sz="5400"/>
           </a:p>
         </p:txBody>
       </p:sp>
@@ -4505,7 +7232,7 @@
           <p:cNvPr id="3" name="Content Placeholder 2">
             <a:extLst>
               <a:ext uri="{FF2B5EF4-FFF2-40B4-BE49-F238E27FC236}">
-                <a16:creationId xmlns:a16="http://schemas.microsoft.com/office/drawing/2014/main" id="{6060952E-24CF-7B65-D8AD-D438985F0834}"/>
+                <a16:creationId xmlns:a16="http://schemas.microsoft.com/office/drawing/2014/main" id="{769EFFE2-E258-1455-7969-35DDC4AB7229}"/>
               </a:ext>
             </a:extLst>
           </p:cNvPr>
@@ -4516,31 +7243,58 @@
             <p:ph idx="1"/>
           </p:nvPr>
         </p:nvSpPr>
-        <p:spPr/>
-        <p:txBody>
-          <a:bodyPr/>
-          <a:lstStyle/>
-          <a:p>
-            <a:endParaRPr lang="en-US"/>
+        <p:spPr>
+          <a:xfrm>
+            <a:off x="1289304" y="2902913"/>
+            <a:ext cx="9849751" cy="3032168"/>
+          </a:xfrm>
+        </p:spPr>
+        <p:txBody>
+          <a:bodyPr anchor="ctr">
+            <a:normAutofit/>
+          </a:bodyPr>
+          <a:lstStyle/>
+          <a:p>
+            <a:endParaRPr lang="en-US" sz="2000"/>
           </a:p>
         </p:txBody>
       </p:sp>
     </p:spTree>
     <p:extLst>
       <p:ext uri="{BB962C8B-B14F-4D97-AF65-F5344CB8AC3E}">
-        <p14:creationId xmlns:p14="http://schemas.microsoft.com/office/powerpoint/2010/main" val="2953983609"/>
+        <p14:creationId xmlns:p14="http://schemas.microsoft.com/office/powerpoint/2010/main" val="2478479337"/>
       </p:ext>
     </p:extLst>
   </p:cSld>
   <p:clrMapOvr>
     <a:masterClrMapping/>
   </p:clrMapOvr>
+  <mc:AlternateContent xmlns:mc="http://schemas.openxmlformats.org/markup-compatibility/2006" xmlns:p14="http://schemas.microsoft.com/office/powerpoint/2010/main">
+    <mc:Choice Requires="p14">
+      <p:transition spd="slow" p14:dur="3400">
+        <p14:reveal/>
+      </p:transition>
+    </mc:Choice>
+    <mc:Fallback xmlns="">
+      <p:transition spd="slow">
+        <p:fade/>
+      </p:transition>
+    </mc:Fallback>
+  </mc:AlternateContent>
 </p:sld>
 </file>
 
 <file path=ppt/slides/slide8.xml><?xml version="1.0" encoding="utf-8"?>
 <p:sld xmlns:a="http://schemas.openxmlformats.org/drawingml/2006/main" xmlns:r="http://schemas.openxmlformats.org/officeDocument/2006/relationships" xmlns:p="http://schemas.openxmlformats.org/presentationml/2006/main">
   <p:cSld>
+    <p:bg>
+      <p:bgPr>
+        <a:solidFill>
+          <a:schemeClr val="bg1"/>
+        </a:solidFill>
+        <a:effectLst/>
+      </p:bgPr>
+    </p:bg>
     <p:spTree>
       <p:nvGrpSpPr>
         <p:cNvPr id="1" name=""/>
@@ -4555,6 +7309,281 @@
           <a:chExt cx="0" cy="0"/>
         </a:xfrm>
       </p:grpSpPr>
+      <p:sp useBgFill="1">
+        <p:nvSpPr>
+          <p:cNvPr id="22" name="Rectangle 21">
+            <a:extLst>
+              <a:ext uri="{FF2B5EF4-FFF2-40B4-BE49-F238E27FC236}">
+                <a16:creationId xmlns:a16="http://schemas.microsoft.com/office/drawing/2014/main" id="{9095C1F4-AE7F-44E4-8693-40D3D6831140}"/>
+              </a:ext>
+              <a:ext uri="{C183D7F6-B498-43B3-948B-1728B52AA6E4}">
+                <adec:decorative xmlns:adec="http://schemas.microsoft.com/office/drawing/2017/decorative" val="1"/>
+              </a:ext>
+            </a:extLst>
+          </p:cNvPr>
+          <p:cNvSpPr>
+            <a:spLocks noGrp="1" noRot="1" noChangeAspect="1" noMove="1" noResize="1" noEditPoints="1" noAdjustHandles="1" noChangeArrowheads="1" noChangeShapeType="1" noTextEdit="1"/>
+          </p:cNvSpPr>
+          <p:nvPr>
+            <p:extLst>
+              <p:ext uri="{386F3935-93C4-4BCD-93E2-E3B085C9AB24}">
+                <p16:designElem xmlns:p16="http://schemas.microsoft.com/office/powerpoint/2015/main" val="1"/>
+              </p:ext>
+            </p:extLst>
+          </p:nvPr>
+        </p:nvSpPr>
+        <p:spPr>
+          <a:xfrm>
+            <a:off x="0" y="0"/>
+            <a:ext cx="12191999" cy="6857365"/>
+          </a:xfrm>
+          <a:prstGeom prst="rect">
+            <a:avLst/>
+          </a:prstGeom>
+          <a:ln>
+            <a:noFill/>
+          </a:ln>
+        </p:spPr>
+        <p:style>
+          <a:lnRef idx="2">
+            <a:schemeClr val="accent1">
+              <a:shade val="50000"/>
+            </a:schemeClr>
+          </a:lnRef>
+          <a:fillRef idx="1">
+            <a:schemeClr val="accent1"/>
+          </a:fillRef>
+          <a:effectRef idx="0">
+            <a:schemeClr val="accent1"/>
+          </a:effectRef>
+          <a:fontRef idx="minor">
+            <a:schemeClr val="lt1"/>
+          </a:fontRef>
+        </p:style>
+        <p:txBody>
+          <a:bodyPr rtlCol="0" anchor="ctr"/>
+          <a:lstStyle/>
+          <a:p>
+            <a:pPr algn="ctr"/>
+            <a:endParaRPr lang="en-US"/>
+          </a:p>
+        </p:txBody>
+      </p:sp>
+      <p:grpSp>
+        <p:nvGrpSpPr>
+          <p:cNvPr id="24" name="Group 23">
+            <a:extLst>
+              <a:ext uri="{FF2B5EF4-FFF2-40B4-BE49-F238E27FC236}">
+                <a16:creationId xmlns:a16="http://schemas.microsoft.com/office/drawing/2014/main" id="{8734DDD3-F723-4DD3-8ABE-EC0B2AC87D74}"/>
+              </a:ext>
+              <a:ext uri="{C183D7F6-B498-43B3-948B-1728B52AA6E4}">
+                <adec:decorative xmlns:adec="http://schemas.microsoft.com/office/drawing/2017/decorative" val="1"/>
+              </a:ext>
+            </a:extLst>
+          </p:cNvPr>
+          <p:cNvGrpSpPr>
+            <a:grpSpLocks noGrp="1" noUngrp="1" noRot="1" noChangeAspect="1" noMove="1" noResize="1"/>
+          </p:cNvGrpSpPr>
+          <p:nvPr>
+            <p:extLst>
+              <p:ext uri="{386F3935-93C4-4BCD-93E2-E3B085C9AB24}">
+                <p16:designElem xmlns:p16="http://schemas.microsoft.com/office/powerpoint/2015/main" val="1"/>
+              </p:ext>
+            </p:extLst>
+          </p:nvPr>
+        </p:nvGrpSpPr>
+        <p:grpSpPr>
+          <a:xfrm>
+            <a:off x="2522324" y="-15978"/>
+            <a:ext cx="7147352" cy="5876916"/>
+            <a:chOff x="329184" y="-99107"/>
+            <a:chExt cx="524256" cy="5876916"/>
+          </a:xfrm>
+        </p:grpSpPr>
+        <p:cxnSp>
+          <p:nvCxnSpPr>
+            <p:cNvPr id="25" name="Straight Connector 24">
+              <a:extLst>
+                <a:ext uri="{FF2B5EF4-FFF2-40B4-BE49-F238E27FC236}">
+                  <a16:creationId xmlns:a16="http://schemas.microsoft.com/office/drawing/2014/main" id="{F7C8EA93-3210-4C62-99E9-153C275E3A87}"/>
+                </a:ext>
+                <a:ext uri="{C183D7F6-B498-43B3-948B-1728B52AA6E4}">
+                  <adec:decorative xmlns:adec="http://schemas.microsoft.com/office/drawing/2017/decorative" val="1"/>
+                </a:ext>
+              </a:extLst>
+            </p:cNvPr>
+            <p:cNvCxnSpPr>
+              <a:cxnSpLocks/>
+            </p:cNvCxnSpPr>
+            <p:nvPr>
+              <p:extLst>
+                <p:ext uri="{386F3935-93C4-4BCD-93E2-E3B085C9AB24}">
+                  <p16:designElem xmlns:p16="http://schemas.microsoft.com/office/powerpoint/2015/main" val="1"/>
+                </p:ext>
+              </p:extLst>
+            </p:nvPr>
+          </p:nvCxnSpPr>
+          <p:spPr>
+            <a:xfrm flipH="1">
+              <a:off x="329184" y="5777809"/>
+              <a:ext cx="523824" cy="0"/>
+            </a:xfrm>
+            <a:prstGeom prst="line">
+              <a:avLst/>
+            </a:prstGeom>
+            <a:ln w="152400">
+              <a:solidFill>
+                <a:schemeClr val="accent4"/>
+              </a:solidFill>
+            </a:ln>
+          </p:spPr>
+          <p:style>
+            <a:lnRef idx="1">
+              <a:schemeClr val="accent1"/>
+            </a:lnRef>
+            <a:fillRef idx="0">
+              <a:schemeClr val="accent1"/>
+            </a:fillRef>
+            <a:effectRef idx="0">
+              <a:schemeClr val="accent1"/>
+            </a:effectRef>
+            <a:fontRef idx="minor">
+              <a:schemeClr val="tx1"/>
+            </a:fontRef>
+          </p:style>
+        </p:cxnSp>
+        <p:sp>
+          <p:nvSpPr>
+            <p:cNvPr id="26" name="Rectangle 25">
+              <a:extLst>
+                <a:ext uri="{FF2B5EF4-FFF2-40B4-BE49-F238E27FC236}">
+                  <a16:creationId xmlns:a16="http://schemas.microsoft.com/office/drawing/2014/main" id="{5EB7D2A2-F448-44D4-938C-DC84CBCB3B1E}"/>
+                </a:ext>
+                <a:ext uri="{C183D7F6-B498-43B3-948B-1728B52AA6E4}">
+                  <adec:decorative xmlns:adec="http://schemas.microsoft.com/office/drawing/2017/decorative" val="1"/>
+                </a:ext>
+              </a:extLst>
+            </p:cNvPr>
+            <p:cNvSpPr/>
+            <p:nvPr>
+              <p:extLst>
+                <p:ext uri="{386F3935-93C4-4BCD-93E2-E3B085C9AB24}">
+                  <p16:designElem xmlns:p16="http://schemas.microsoft.com/office/powerpoint/2015/main" val="1"/>
+                </p:ext>
+              </p:extLst>
+            </p:nvPr>
+          </p:nvSpPr>
+          <p:spPr>
+            <a:xfrm>
+              <a:off x="329184" y="-99107"/>
+              <a:ext cx="524256" cy="5631228"/>
+            </a:xfrm>
+            <a:prstGeom prst="rect">
+              <a:avLst/>
+            </a:prstGeom>
+            <a:solidFill>
+              <a:schemeClr val="accent4"/>
+            </a:solidFill>
+            <a:ln>
+              <a:noFill/>
+            </a:ln>
+          </p:spPr>
+          <p:style>
+            <a:lnRef idx="2">
+              <a:schemeClr val="accent1">
+                <a:shade val="50000"/>
+              </a:schemeClr>
+            </a:lnRef>
+            <a:fillRef idx="1">
+              <a:schemeClr val="accent1"/>
+            </a:fillRef>
+            <a:effectRef idx="0">
+              <a:schemeClr val="accent1"/>
+            </a:effectRef>
+            <a:fontRef idx="minor">
+              <a:schemeClr val="lt1"/>
+            </a:fontRef>
+          </p:style>
+          <p:txBody>
+            <a:bodyPr rtlCol="0" anchor="ctr"/>
+            <a:lstStyle/>
+            <a:p>
+              <a:pPr algn="ctr"/>
+              <a:endParaRPr lang="en-US" dirty="0"/>
+            </a:p>
+          </p:txBody>
+        </p:sp>
+      </p:grpSp>
+      <p:sp>
+        <p:nvSpPr>
+          <p:cNvPr id="28" name="Rectangle 27">
+            <a:extLst>
+              <a:ext uri="{FF2B5EF4-FFF2-40B4-BE49-F238E27FC236}">
+                <a16:creationId xmlns:a16="http://schemas.microsoft.com/office/drawing/2014/main" id="{871AEA07-1E14-44B4-8E55-64EF049CD66F}"/>
+              </a:ext>
+              <a:ext uri="{C183D7F6-B498-43B3-948B-1728B52AA6E4}">
+                <adec:decorative xmlns:adec="http://schemas.microsoft.com/office/drawing/2017/decorative" val="1"/>
+              </a:ext>
+            </a:extLst>
+          </p:cNvPr>
+          <p:cNvSpPr>
+            <a:spLocks noGrp="1" noRot="1" noChangeAspect="1" noMove="1" noResize="1" noEditPoints="1" noAdjustHandles="1" noChangeArrowheads="1" noChangeShapeType="1" noTextEdit="1"/>
+          </p:cNvSpPr>
+          <p:nvPr>
+            <p:extLst>
+              <p:ext uri="{386F3935-93C4-4BCD-93E2-E3B085C9AB24}">
+                <p16:designElem xmlns:p16="http://schemas.microsoft.com/office/powerpoint/2015/main" val="1"/>
+              </p:ext>
+            </p:extLst>
+          </p:nvPr>
+        </p:nvSpPr>
+        <p:spPr>
+          <a:xfrm>
+            <a:off x="596464" y="1055718"/>
+            <a:ext cx="10999072" cy="3358344"/>
+          </a:xfrm>
+          <a:prstGeom prst="rect">
+            <a:avLst/>
+          </a:prstGeom>
+          <a:solidFill>
+            <a:schemeClr val="bg1"/>
+          </a:solidFill>
+          <a:ln>
+            <a:noFill/>
+          </a:ln>
+          <a:effectLst>
+            <a:outerShdw blurRad="139700" dist="127000" dir="5400000" algn="t" rotWithShape="0">
+              <a:prstClr val="black">
+                <a:alpha val="15000"/>
+              </a:prstClr>
+            </a:outerShdw>
+          </a:effectLst>
+        </p:spPr>
+        <p:style>
+          <a:lnRef idx="2">
+            <a:schemeClr val="accent1">
+              <a:shade val="50000"/>
+            </a:schemeClr>
+          </a:lnRef>
+          <a:fillRef idx="1">
+            <a:schemeClr val="accent1"/>
+          </a:fillRef>
+          <a:effectRef idx="0">
+            <a:schemeClr val="accent1"/>
+          </a:effectRef>
+          <a:fontRef idx="minor">
+            <a:schemeClr val="lt1"/>
+          </a:fontRef>
+        </p:style>
+        <p:txBody>
+          <a:bodyPr rtlCol="0" anchor="ctr"/>
+          <a:lstStyle/>
+          <a:p>
+            <a:pPr algn="ctr"/>
+            <a:endParaRPr lang="en-US"/>
+          </a:p>
+        </p:txBody>
+      </p:sp>
       <p:sp>
         <p:nvSpPr>
           <p:cNvPr id="2" name="Title 1">
@@ -4571,60 +7600,67 @@
             <p:ph type="title"/>
           </p:nvPr>
         </p:nvSpPr>
-        <p:spPr/>
-        <p:txBody>
-          <a:bodyPr/>
+        <p:spPr>
+          <a:xfrm>
+            <a:off x="1524000" y="1584683"/>
+            <a:ext cx="9144000" cy="2551829"/>
+          </a:xfrm>
+        </p:spPr>
+        <p:txBody>
+          <a:bodyPr vert="horz" lIns="91440" tIns="45720" rIns="91440" bIns="45720" rtlCol="0" anchor="ctr">
+            <a:normAutofit/>
+          </a:bodyPr>
           <a:lstStyle/>
           <a:p>
             <a:pPr algn="ctr"/>
             <a:r>
-              <a:rPr lang="en-US" dirty="0"/>
-              <a:t>Summary</a:t>
-            </a:r>
-          </a:p>
-        </p:txBody>
-      </p:sp>
-      <p:sp>
-        <p:nvSpPr>
-          <p:cNvPr id="3" name="Content Placeholder 2">
-            <a:extLst>
-              <a:ext uri="{FF2B5EF4-FFF2-40B4-BE49-F238E27FC236}">
-                <a16:creationId xmlns:a16="http://schemas.microsoft.com/office/drawing/2014/main" id="{6060952E-24CF-7B65-D8AD-D438985F0834}"/>
-              </a:ext>
-            </a:extLst>
-          </p:cNvPr>
-          <p:cNvSpPr>
-            <a:spLocks noGrp="1"/>
-          </p:cNvSpPr>
-          <p:nvPr>
-            <p:ph idx="1"/>
-          </p:nvPr>
-        </p:nvSpPr>
-        <p:spPr/>
-        <p:txBody>
-          <a:bodyPr/>
-          <a:lstStyle/>
-          <a:p>
-            <a:endParaRPr lang="en-US"/>
+              <a:rPr lang="en-US" sz="6600" b="1" kern="1200" dirty="0">
+                <a:solidFill>
+                  <a:schemeClr val="tx1"/>
+                </a:solidFill>
+                <a:latin typeface="Amasis MT Pro Black" panose="02040A04050005020304" pitchFamily="18" charset="0"/>
+              </a:rPr>
+              <a:t>Results</a:t>
+            </a:r>
           </a:p>
         </p:txBody>
       </p:sp>
     </p:spTree>
     <p:extLst>
       <p:ext uri="{BB962C8B-B14F-4D97-AF65-F5344CB8AC3E}">
-        <p14:creationId xmlns:p14="http://schemas.microsoft.com/office/powerpoint/2010/main" val="552818302"/>
+        <p14:creationId xmlns:p14="http://schemas.microsoft.com/office/powerpoint/2010/main" val="1468136644"/>
       </p:ext>
     </p:extLst>
   </p:cSld>
   <p:clrMapOvr>
     <a:masterClrMapping/>
   </p:clrMapOvr>
+  <mc:AlternateContent xmlns:mc="http://schemas.openxmlformats.org/markup-compatibility/2006" xmlns:p14="http://schemas.microsoft.com/office/powerpoint/2010/main">
+    <mc:Choice Requires="p14">
+      <p:transition spd="slow" p14:dur="3400">
+        <p14:reveal/>
+      </p:transition>
+    </mc:Choice>
+    <mc:Fallback xmlns="">
+      <p:transition spd="slow">
+        <p:fade/>
+      </p:transition>
+    </mc:Fallback>
+  </mc:AlternateContent>
 </p:sld>
 </file>
 
 <file path=ppt/slides/slide9.xml><?xml version="1.0" encoding="utf-8"?>
 <p:sld xmlns:a="http://schemas.openxmlformats.org/drawingml/2006/main" xmlns:r="http://schemas.openxmlformats.org/officeDocument/2006/relationships" xmlns:p="http://schemas.openxmlformats.org/presentationml/2006/main">
   <p:cSld>
+    <p:bg>
+      <p:bgPr>
+        <a:solidFill>
+          <a:schemeClr val="bg1"/>
+        </a:solidFill>
+        <a:effectLst/>
+      </p:bgPr>
+    </p:bg>
     <p:spTree>
       <p:nvGrpSpPr>
         <p:cNvPr id="1" name=""/>
@@ -4639,12 +7675,354 @@
           <a:chExt cx="0" cy="0"/>
         </a:xfrm>
       </p:grpSpPr>
+      <p:sp useBgFill="1">
+        <p:nvSpPr>
+          <p:cNvPr id="21" name="Rectangle 20">
+            <a:extLst>
+              <a:ext uri="{FF2B5EF4-FFF2-40B4-BE49-F238E27FC236}">
+                <a16:creationId xmlns:a16="http://schemas.microsoft.com/office/drawing/2014/main" id="{28D31E1B-0407-4223-9642-0B642CBF57D9}"/>
+              </a:ext>
+              <a:ext uri="{C183D7F6-B498-43B3-948B-1728B52AA6E4}">
+                <adec:decorative xmlns:adec="http://schemas.microsoft.com/office/drawing/2017/decorative" val="1"/>
+              </a:ext>
+            </a:extLst>
+          </p:cNvPr>
+          <p:cNvSpPr>
+            <a:spLocks noGrp="1" noRot="1" noChangeAspect="1" noMove="1" noResize="1" noEditPoints="1" noAdjustHandles="1" noChangeArrowheads="1" noChangeShapeType="1" noTextEdit="1"/>
+          </p:cNvSpPr>
+          <p:nvPr>
+            <p:extLst>
+              <p:ext uri="{386F3935-93C4-4BCD-93E2-E3B085C9AB24}">
+                <p16:designElem xmlns:p16="http://schemas.microsoft.com/office/powerpoint/2015/main" val="1"/>
+              </p:ext>
+            </p:extLst>
+          </p:nvPr>
+        </p:nvSpPr>
+        <p:spPr>
+          <a:xfrm>
+            <a:off x="0" y="0"/>
+            <a:ext cx="12191999" cy="6857365"/>
+          </a:xfrm>
+          <a:prstGeom prst="rect">
+            <a:avLst/>
+          </a:prstGeom>
+          <a:ln>
+            <a:noFill/>
+          </a:ln>
+        </p:spPr>
+        <p:style>
+          <a:lnRef idx="2">
+            <a:schemeClr val="accent1">
+              <a:shade val="50000"/>
+            </a:schemeClr>
+          </a:lnRef>
+          <a:fillRef idx="1">
+            <a:schemeClr val="accent1"/>
+          </a:fillRef>
+          <a:effectRef idx="0">
+            <a:schemeClr val="accent1"/>
+          </a:effectRef>
+          <a:fontRef idx="minor">
+            <a:schemeClr val="lt1"/>
+          </a:fontRef>
+        </p:style>
+        <p:txBody>
+          <a:bodyPr rtlCol="0" anchor="ctr"/>
+          <a:lstStyle/>
+          <a:p>
+            <a:pPr algn="ctr"/>
+            <a:endParaRPr lang="en-US"/>
+          </a:p>
+        </p:txBody>
+      </p:sp>
+      <p:grpSp>
+        <p:nvGrpSpPr>
+          <p:cNvPr id="23" name="Group 22">
+            <a:extLst>
+              <a:ext uri="{FF2B5EF4-FFF2-40B4-BE49-F238E27FC236}">
+                <a16:creationId xmlns:a16="http://schemas.microsoft.com/office/drawing/2014/main" id="{AE1C45F0-260A-458C-96ED-C1F6D2151219}"/>
+              </a:ext>
+              <a:ext uri="{C183D7F6-B498-43B3-948B-1728B52AA6E4}">
+                <adec:decorative xmlns:adec="http://schemas.microsoft.com/office/drawing/2017/decorative" val="1"/>
+              </a:ext>
+            </a:extLst>
+          </p:cNvPr>
+          <p:cNvGrpSpPr>
+            <a:grpSpLocks noGrp="1" noUngrp="1" noRot="1" noChangeAspect="1" noMove="1" noResize="1"/>
+          </p:cNvGrpSpPr>
+          <p:nvPr>
+            <p:extLst>
+              <p:ext uri="{386F3935-93C4-4BCD-93E2-E3B085C9AB24}">
+                <p16:designElem xmlns:p16="http://schemas.microsoft.com/office/powerpoint/2015/main" val="1"/>
+              </p:ext>
+            </p:extLst>
+          </p:nvPr>
+        </p:nvGrpSpPr>
+        <p:grpSpPr>
+          <a:xfrm>
+            <a:off x="4" y="1062849"/>
+            <a:ext cx="731521" cy="673460"/>
+            <a:chOff x="3940602" y="308034"/>
+            <a:chExt cx="2116791" cy="3428999"/>
+          </a:xfrm>
+          <a:solidFill>
+            <a:schemeClr val="accent4"/>
+          </a:solidFill>
+        </p:grpSpPr>
+        <p:sp>
+          <p:nvSpPr>
+            <p:cNvPr id="24" name="Rectangle 23">
+              <a:extLst>
+                <a:ext uri="{FF2B5EF4-FFF2-40B4-BE49-F238E27FC236}">
+                  <a16:creationId xmlns:a16="http://schemas.microsoft.com/office/drawing/2014/main" id="{A6604B49-AD5C-4590-B051-06C8222ECD99}"/>
+                </a:ext>
+                <a:ext uri="{C183D7F6-B498-43B3-948B-1728B52AA6E4}">
+                  <adec:decorative xmlns:adec="http://schemas.microsoft.com/office/drawing/2017/decorative" val="1"/>
+                </a:ext>
+              </a:extLst>
+            </p:cNvPr>
+            <p:cNvSpPr/>
+            <p:nvPr>
+              <p:extLst>
+                <p:ext uri="{386F3935-93C4-4BCD-93E2-E3B085C9AB24}">
+                  <p16:designElem xmlns:p16="http://schemas.microsoft.com/office/powerpoint/2015/main" val="1"/>
+                </p:ext>
+              </p:extLst>
+            </p:nvPr>
+          </p:nvSpPr>
+          <p:spPr>
+            <a:xfrm>
+              <a:off x="3940602" y="308034"/>
+              <a:ext cx="566743" cy="3428999"/>
+            </a:xfrm>
+            <a:prstGeom prst="rect">
+              <a:avLst/>
+            </a:prstGeom>
+            <a:grpFill/>
+            <a:ln>
+              <a:noFill/>
+            </a:ln>
+          </p:spPr>
+          <p:style>
+            <a:lnRef idx="2">
+              <a:schemeClr val="accent1">
+                <a:shade val="50000"/>
+              </a:schemeClr>
+            </a:lnRef>
+            <a:fillRef idx="1">
+              <a:schemeClr val="accent1"/>
+            </a:fillRef>
+            <a:effectRef idx="0">
+              <a:schemeClr val="accent1"/>
+            </a:effectRef>
+            <a:fontRef idx="minor">
+              <a:schemeClr val="lt1"/>
+            </a:fontRef>
+          </p:style>
+          <p:txBody>
+            <a:bodyPr rtlCol="0" anchor="ctr"/>
+            <a:lstStyle/>
+            <a:p>
+              <a:pPr algn="ctr"/>
+              <a:endParaRPr lang="en-US"/>
+            </a:p>
+          </p:txBody>
+        </p:sp>
+        <p:sp>
+          <p:nvSpPr>
+            <p:cNvPr id="25" name="Rectangle 24">
+              <a:extLst>
+                <a:ext uri="{FF2B5EF4-FFF2-40B4-BE49-F238E27FC236}">
+                  <a16:creationId xmlns:a16="http://schemas.microsoft.com/office/drawing/2014/main" id="{743ECCAF-29C5-4537-947C-7EA1292463DB}"/>
+                </a:ext>
+                <a:ext uri="{C183D7F6-B498-43B3-948B-1728B52AA6E4}">
+                  <adec:decorative xmlns:adec="http://schemas.microsoft.com/office/drawing/2017/decorative" val="1"/>
+                </a:ext>
+              </a:extLst>
+            </p:cNvPr>
+            <p:cNvSpPr/>
+            <p:nvPr>
+              <p:extLst>
+                <p:ext uri="{386F3935-93C4-4BCD-93E2-E3B085C9AB24}">
+                  <p16:designElem xmlns:p16="http://schemas.microsoft.com/office/powerpoint/2015/main" val="1"/>
+                </p:ext>
+              </p:extLst>
+            </p:nvPr>
+          </p:nvSpPr>
+          <p:spPr>
+            <a:xfrm>
+              <a:off x="4715626" y="308034"/>
+              <a:ext cx="566743" cy="3428999"/>
+            </a:xfrm>
+            <a:prstGeom prst="rect">
+              <a:avLst/>
+            </a:prstGeom>
+            <a:grpFill/>
+            <a:ln>
+              <a:noFill/>
+            </a:ln>
+          </p:spPr>
+          <p:style>
+            <a:lnRef idx="2">
+              <a:schemeClr val="accent1">
+                <a:shade val="50000"/>
+              </a:schemeClr>
+            </a:lnRef>
+            <a:fillRef idx="1">
+              <a:schemeClr val="accent1"/>
+            </a:fillRef>
+            <a:effectRef idx="0">
+              <a:schemeClr val="accent1"/>
+            </a:effectRef>
+            <a:fontRef idx="minor">
+              <a:schemeClr val="lt1"/>
+            </a:fontRef>
+          </p:style>
+          <p:txBody>
+            <a:bodyPr rtlCol="0" anchor="ctr"/>
+            <a:lstStyle/>
+            <a:p>
+              <a:pPr algn="ctr"/>
+              <a:endParaRPr lang="en-US"/>
+            </a:p>
+          </p:txBody>
+        </p:sp>
+        <p:sp>
+          <p:nvSpPr>
+            <p:cNvPr id="26" name="Rectangle 25">
+              <a:extLst>
+                <a:ext uri="{FF2B5EF4-FFF2-40B4-BE49-F238E27FC236}">
+                  <a16:creationId xmlns:a16="http://schemas.microsoft.com/office/drawing/2014/main" id="{ED49787B-8DE6-4467-AD0A-8DECC6E0C2D6}"/>
+                </a:ext>
+                <a:ext uri="{C183D7F6-B498-43B3-948B-1728B52AA6E4}">
+                  <adec:decorative xmlns:adec="http://schemas.microsoft.com/office/drawing/2017/decorative" val="1"/>
+                </a:ext>
+              </a:extLst>
+            </p:cNvPr>
+            <p:cNvSpPr/>
+            <p:nvPr>
+              <p:extLst>
+                <p:ext uri="{386F3935-93C4-4BCD-93E2-E3B085C9AB24}">
+                  <p16:designElem xmlns:p16="http://schemas.microsoft.com/office/powerpoint/2015/main" val="1"/>
+                </p:ext>
+              </p:extLst>
+            </p:nvPr>
+          </p:nvSpPr>
+          <p:spPr>
+            <a:xfrm>
+              <a:off x="5490650" y="308034"/>
+              <a:ext cx="566743" cy="3428999"/>
+            </a:xfrm>
+            <a:prstGeom prst="rect">
+              <a:avLst/>
+            </a:prstGeom>
+            <a:grpFill/>
+            <a:ln>
+              <a:noFill/>
+            </a:ln>
+          </p:spPr>
+          <p:style>
+            <a:lnRef idx="2">
+              <a:schemeClr val="accent1">
+                <a:shade val="50000"/>
+              </a:schemeClr>
+            </a:lnRef>
+            <a:fillRef idx="1">
+              <a:schemeClr val="accent1"/>
+            </a:fillRef>
+            <a:effectRef idx="0">
+              <a:schemeClr val="accent1"/>
+            </a:effectRef>
+            <a:fontRef idx="minor">
+              <a:schemeClr val="lt1"/>
+            </a:fontRef>
+          </p:style>
+          <p:txBody>
+            <a:bodyPr rtlCol="0" anchor="ctr"/>
+            <a:lstStyle/>
+            <a:p>
+              <a:pPr algn="ctr"/>
+              <a:endParaRPr lang="en-US"/>
+            </a:p>
+          </p:txBody>
+        </p:sp>
+      </p:grpSp>
+      <p:sp>
+        <p:nvSpPr>
+          <p:cNvPr id="28" name="Rectangle 27">
+            <a:extLst>
+              <a:ext uri="{FF2B5EF4-FFF2-40B4-BE49-F238E27FC236}">
+                <a16:creationId xmlns:a16="http://schemas.microsoft.com/office/drawing/2014/main" id="{D5B0017B-2ECA-49AF-B397-DC140825DF8D}"/>
+              </a:ext>
+              <a:ext uri="{C183D7F6-B498-43B3-948B-1728B52AA6E4}">
+                <adec:decorative xmlns:adec="http://schemas.microsoft.com/office/drawing/2017/decorative" val="1"/>
+              </a:ext>
+            </a:extLst>
+          </p:cNvPr>
+          <p:cNvSpPr>
+            <a:spLocks noGrp="1" noRot="1" noChangeAspect="1" noMove="1" noResize="1" noEditPoints="1" noAdjustHandles="1" noChangeArrowheads="1" noChangeShapeType="1" noTextEdit="1"/>
+          </p:cNvSpPr>
+          <p:nvPr>
+            <p:extLst>
+              <p:ext uri="{386F3935-93C4-4BCD-93E2-E3B085C9AB24}">
+                <p16:designElem xmlns:p16="http://schemas.microsoft.com/office/powerpoint/2015/main" val="1"/>
+              </p:ext>
+            </p:extLst>
+          </p:nvPr>
+        </p:nvSpPr>
+        <p:spPr>
+          <a:xfrm>
+            <a:off x="640080" y="656150"/>
+            <a:ext cx="5672667" cy="1431591"/>
+          </a:xfrm>
+          <a:prstGeom prst="rect">
+            <a:avLst/>
+          </a:prstGeom>
+          <a:solidFill>
+            <a:schemeClr val="bg1"/>
+          </a:solidFill>
+          <a:ln>
+            <a:noFill/>
+          </a:ln>
+          <a:effectLst>
+            <a:outerShdw blurRad="139700" dist="127000" dir="5400000" algn="t" rotWithShape="0">
+              <a:prstClr val="black">
+                <a:alpha val="15000"/>
+              </a:prstClr>
+            </a:outerShdw>
+          </a:effectLst>
+        </p:spPr>
+        <p:style>
+          <a:lnRef idx="2">
+            <a:schemeClr val="accent1">
+              <a:shade val="50000"/>
+            </a:schemeClr>
+          </a:lnRef>
+          <a:fillRef idx="1">
+            <a:schemeClr val="accent1"/>
+          </a:fillRef>
+          <a:effectRef idx="0">
+            <a:schemeClr val="accent1"/>
+          </a:effectRef>
+          <a:fontRef idx="minor">
+            <a:schemeClr val="lt1"/>
+          </a:fontRef>
+        </p:style>
+        <p:txBody>
+          <a:bodyPr rtlCol="0" anchor="ctr"/>
+          <a:lstStyle/>
+          <a:p>
+            <a:pPr algn="ctr"/>
+            <a:endParaRPr lang="en-US"/>
+          </a:p>
+        </p:txBody>
+      </p:sp>
       <p:sp>
         <p:nvSpPr>
           <p:cNvPr id="2" name="Title 1">
             <a:extLst>
               <a:ext uri="{FF2B5EF4-FFF2-40B4-BE49-F238E27FC236}">
-                <a16:creationId xmlns:a16="http://schemas.microsoft.com/office/drawing/2014/main" id="{2F633F43-3871-1242-6A03-BF39BC9124D9}"/>
+                <a16:creationId xmlns:a16="http://schemas.microsoft.com/office/drawing/2014/main" id="{962B80DA-8142-8D94-0ABA-BA836466217F}"/>
               </a:ext>
             </a:extLst>
           </p:cNvPr>
@@ -4655,54 +8033,230 @@
             <p:ph type="title"/>
           </p:nvPr>
         </p:nvSpPr>
-        <p:spPr/>
-        <p:txBody>
-          <a:bodyPr/>
+        <p:spPr>
+          <a:xfrm>
+            <a:off x="1043631" y="873940"/>
+            <a:ext cx="5052369" cy="1035781"/>
+          </a:xfrm>
+        </p:spPr>
+        <p:txBody>
+          <a:bodyPr anchor="ctr">
+            <a:normAutofit/>
+          </a:bodyPr>
+          <a:lstStyle/>
+          <a:p>
+            <a:r>
+              <a:rPr lang="en-US" sz="3600" dirty="0"/>
+              <a:t>Unemployment</a:t>
+            </a:r>
+          </a:p>
+        </p:txBody>
+      </p:sp>
+      <p:sp>
+        <p:nvSpPr>
+          <p:cNvPr id="18" name="Content Placeholder 17">
+            <a:extLst>
+              <a:ext uri="{FF2B5EF4-FFF2-40B4-BE49-F238E27FC236}">
+                <a16:creationId xmlns:a16="http://schemas.microsoft.com/office/drawing/2014/main" id="{40295043-94EB-2896-2A37-F5168BB65B72}"/>
+              </a:ext>
+            </a:extLst>
+          </p:cNvPr>
+          <p:cNvSpPr>
+            <a:spLocks noGrp="1"/>
+          </p:cNvSpPr>
+          <p:nvPr>
+            <p:ph idx="1"/>
+          </p:nvPr>
+        </p:nvSpPr>
+        <p:spPr>
+          <a:xfrm>
+            <a:off x="1045029" y="2524721"/>
+            <a:ext cx="4991629" cy="3677123"/>
+          </a:xfrm>
+        </p:spPr>
+        <p:txBody>
+          <a:bodyPr anchor="ctr">
+            <a:normAutofit/>
+          </a:bodyPr>
+          <a:lstStyle/>
+          <a:p>
+            <a:endParaRPr lang="en-US" sz="1800" dirty="0"/>
+          </a:p>
+        </p:txBody>
+      </p:sp>
+      <p:sp>
+        <p:nvSpPr>
+          <p:cNvPr id="30" name="Rectangle 29">
+            <a:extLst>
+              <a:ext uri="{FF2B5EF4-FFF2-40B4-BE49-F238E27FC236}">
+                <a16:creationId xmlns:a16="http://schemas.microsoft.com/office/drawing/2014/main" id="{70E96339-907C-46C3-99AC-31179B6F0EBD}"/>
+              </a:ext>
+              <a:ext uri="{C183D7F6-B498-43B3-948B-1728B52AA6E4}">
+                <adec:decorative xmlns:adec="http://schemas.microsoft.com/office/drawing/2017/decorative" val="1"/>
+              </a:ext>
+            </a:extLst>
+          </p:cNvPr>
+          <p:cNvSpPr>
+            <a:spLocks noGrp="1" noRot="1" noChangeAspect="1" noMove="1" noResize="1" noEditPoints="1" noAdjustHandles="1" noChangeArrowheads="1" noChangeShapeType="1" noTextEdit="1"/>
+          </p:cNvSpPr>
+          <p:nvPr>
+            <p:extLst>
+              <p:ext uri="{386F3935-93C4-4BCD-93E2-E3B085C9AB24}">
+                <p16:designElem xmlns:p16="http://schemas.microsoft.com/office/powerpoint/2015/main" val="1"/>
+              </p:ext>
+            </p:extLst>
+          </p:nvPr>
+        </p:nvSpPr>
+        <p:spPr>
+          <a:xfrm>
+            <a:off x="6716299" y="608401"/>
+            <a:ext cx="4637502" cy="5593443"/>
+          </a:xfrm>
+          <a:prstGeom prst="rect">
+            <a:avLst/>
+          </a:prstGeom>
+          <a:solidFill>
+            <a:schemeClr val="bg1"/>
+          </a:solidFill>
+          <a:ln>
+            <a:noFill/>
+          </a:ln>
+          <a:effectLst>
+            <a:outerShdw blurRad="139700" dist="127000" dir="5400000" algn="t" rotWithShape="0">
+              <a:prstClr val="black">
+                <a:alpha val="15000"/>
+              </a:prstClr>
+            </a:outerShdw>
+          </a:effectLst>
+        </p:spPr>
+        <p:style>
+          <a:lnRef idx="2">
+            <a:schemeClr val="accent1">
+              <a:shade val="50000"/>
+            </a:schemeClr>
+          </a:lnRef>
+          <a:fillRef idx="1">
+            <a:schemeClr val="accent1"/>
+          </a:fillRef>
+          <a:effectRef idx="0">
+            <a:schemeClr val="accent1"/>
+          </a:effectRef>
+          <a:fontRef idx="minor">
+            <a:schemeClr val="lt1"/>
+          </a:fontRef>
+        </p:style>
+        <p:txBody>
+          <a:bodyPr rtlCol="0" anchor="ctr"/>
           <a:lstStyle/>
           <a:p>
             <a:pPr algn="ctr"/>
-            <a:r>
-              <a:rPr lang="en-US" dirty="0"/>
-              <a:t>Conclusions</a:t>
-            </a:r>
-          </a:p>
-        </p:txBody>
-      </p:sp>
-      <p:sp>
-        <p:nvSpPr>
-          <p:cNvPr id="3" name="Content Placeholder 2">
-            <a:extLst>
-              <a:ext uri="{FF2B5EF4-FFF2-40B4-BE49-F238E27FC236}">
-                <a16:creationId xmlns:a16="http://schemas.microsoft.com/office/drawing/2014/main" id="{E589356B-F3E3-E17B-2CD6-C23CCB112F34}"/>
-              </a:ext>
-            </a:extLst>
-          </p:cNvPr>
-          <p:cNvSpPr>
-            <a:spLocks noGrp="1"/>
-          </p:cNvSpPr>
-          <p:nvPr>
-            <p:ph idx="1"/>
-          </p:nvPr>
-        </p:nvSpPr>
-        <p:spPr/>
-        <p:txBody>
-          <a:bodyPr/>
-          <a:lstStyle/>
-          <a:p>
             <a:endParaRPr lang="en-US"/>
           </a:p>
         </p:txBody>
       </p:sp>
+      <p:pic>
+        <p:nvPicPr>
+          <p:cNvPr id="5" name="Content Placeholder 4">
+            <a:extLst>
+              <a:ext uri="{FF2B5EF4-FFF2-40B4-BE49-F238E27FC236}">
+                <a16:creationId xmlns:a16="http://schemas.microsoft.com/office/drawing/2014/main" id="{7D5B9293-7DD4-33BC-761F-0B9DCE1BD386}"/>
+              </a:ext>
+            </a:extLst>
+          </p:cNvPr>
+          <p:cNvPicPr>
+            <a:picLocks noChangeAspect="1"/>
+          </p:cNvPicPr>
+          <p:nvPr/>
+        </p:nvPicPr>
+        <p:blipFill rotWithShape="1">
+          <a:blip r:embed="rId2"/>
+          <a:srcRect t="3260"/>
+          <a:stretch/>
+        </p:blipFill>
+        <p:spPr>
+          <a:xfrm>
+            <a:off x="6930493" y="2297748"/>
+            <a:ext cx="4223252" cy="2322787"/>
+          </a:xfrm>
+          <a:prstGeom prst="rect">
+            <a:avLst/>
+          </a:prstGeom>
+        </p:spPr>
+      </p:pic>
+      <p:cxnSp>
+        <p:nvCxnSpPr>
+          <p:cNvPr id="32" name="Straight Connector 31">
+            <a:extLst>
+              <a:ext uri="{FF2B5EF4-FFF2-40B4-BE49-F238E27FC236}">
+                <a16:creationId xmlns:a16="http://schemas.microsoft.com/office/drawing/2014/main" id="{6CF1BAF6-AD41-4082-B212-8A1F9A2E8779}"/>
+              </a:ext>
+              <a:ext uri="{C183D7F6-B498-43B3-948B-1728B52AA6E4}">
+                <adec:decorative xmlns:adec="http://schemas.microsoft.com/office/drawing/2017/decorative" val="1"/>
+              </a:ext>
+            </a:extLst>
+          </p:cNvPr>
+          <p:cNvCxnSpPr>
+            <a:cxnSpLocks noGrp="1" noRot="1" noChangeAspect="1" noMove="1" noResize="1" noEditPoints="1" noAdjustHandles="1" noChangeArrowheads="1" noChangeShapeType="1"/>
+          </p:cNvCxnSpPr>
+          <p:nvPr>
+            <p:extLst>
+              <p:ext uri="{386F3935-93C4-4BCD-93E2-E3B085C9AB24}">
+                <p16:designElem xmlns:p16="http://schemas.microsoft.com/office/powerpoint/2015/main" val="1"/>
+              </p:ext>
+            </p:extLst>
+          </p:nvPr>
+        </p:nvCxnSpPr>
+        <p:spPr>
+          <a:xfrm flipH="1">
+            <a:off x="838200" y="6492240"/>
+            <a:ext cx="10515600" cy="0"/>
+          </a:xfrm>
+          <a:prstGeom prst="line">
+            <a:avLst/>
+          </a:prstGeom>
+          <a:ln w="57150">
+            <a:solidFill>
+              <a:schemeClr val="accent4"/>
+            </a:solidFill>
+          </a:ln>
+        </p:spPr>
+        <p:style>
+          <a:lnRef idx="1">
+            <a:schemeClr val="accent1"/>
+          </a:lnRef>
+          <a:fillRef idx="0">
+            <a:schemeClr val="accent1"/>
+          </a:fillRef>
+          <a:effectRef idx="0">
+            <a:schemeClr val="accent1"/>
+          </a:effectRef>
+          <a:fontRef idx="minor">
+            <a:schemeClr val="tx1"/>
+          </a:fontRef>
+        </p:style>
+      </p:cxnSp>
     </p:spTree>
     <p:extLst>
       <p:ext uri="{BB962C8B-B14F-4D97-AF65-F5344CB8AC3E}">
-        <p14:creationId xmlns:p14="http://schemas.microsoft.com/office/powerpoint/2010/main" val="3246599559"/>
+        <p14:creationId xmlns:p14="http://schemas.microsoft.com/office/powerpoint/2010/main" val="2372464474"/>
       </p:ext>
     </p:extLst>
   </p:cSld>
   <p:clrMapOvr>
     <a:masterClrMapping/>
   </p:clrMapOvr>
+  <mc:AlternateContent xmlns:mc="http://schemas.openxmlformats.org/markup-compatibility/2006" xmlns:p14="http://schemas.microsoft.com/office/powerpoint/2010/main">
+    <mc:Choice Requires="p14">
+      <p:transition spd="slow" p14:dur="3400">
+        <p14:reveal/>
+      </p:transition>
+    </mc:Choice>
+    <mc:Fallback xmlns="">
+      <p:transition spd="slow">
+        <p:fade/>
+      </p:transition>
+    </mc:Fallback>
+  </mc:AlternateContent>
 </p:sld>
 </file>
 

--- a/CuriousConquersProject/ProjectPowerpoint.pptx
+++ b/CuriousConquersProject/ProjectPowerpoint.pptx
@@ -3418,7 +3418,7 @@
             <a:r>
               <a:rPr lang="en-US" sz="8000" b="1" dirty="0">
                 <a:solidFill>
-                  <a:srgbClr val="FFFF00"/>
+                  <a:srgbClr val="FFC000"/>
                 </a:solidFill>
                 <a:latin typeface="Amasis MT Pro Black" panose="020B0604020202020204" pitchFamily="18" charset="0"/>
               </a:rPr>
@@ -6524,14 +6524,6 @@
 <file path=ppt/slides/slide6.xml><?xml version="1.0" encoding="utf-8"?>
 <p:sld xmlns:a="http://schemas.openxmlformats.org/drawingml/2006/main" xmlns:r="http://schemas.openxmlformats.org/officeDocument/2006/relationships" xmlns:p="http://schemas.openxmlformats.org/presentationml/2006/main">
   <p:cSld>
-    <p:bg>
-      <p:bgPr>
-        <a:solidFill>
-          <a:schemeClr val="bg1"/>
-        </a:solidFill>
-        <a:effectLst/>
-      </p:bgPr>
-    </p:bg>
     <p:spTree>
       <p:nvGrpSpPr>
         <p:cNvPr id="1" name=""/>
@@ -6852,9 +6844,6 @@
             <a:pPr algn="ctr"/>
             <a:r>
               <a:rPr lang="en-US" sz="6600" b="1" kern="1200" dirty="0">
-                <a:solidFill>
-                  <a:schemeClr val="tx1"/>
-                </a:solidFill>
                 <a:latin typeface="Amasis MT Pro Black" panose="02040A04050005020304" pitchFamily="18" charset="0"/>
               </a:rPr>
               <a:t>Methods</a:t>

--- a/CuriousConquersProject/ProjectPowerpoint.pptx
+++ b/CuriousConquersProject/ProjectPowerpoint.pptx
@@ -10,16 +10,18 @@
     <p:sldId id="260" r:id="rId4"/>
     <p:sldId id="261" r:id="rId5"/>
     <p:sldId id="258" r:id="rId6"/>
-    <p:sldId id="262" r:id="rId7"/>
-    <p:sldId id="271" r:id="rId8"/>
-    <p:sldId id="270" r:id="rId9"/>
-    <p:sldId id="269" r:id="rId10"/>
-    <p:sldId id="274" r:id="rId11"/>
-    <p:sldId id="267" r:id="rId12"/>
-    <p:sldId id="272" r:id="rId13"/>
-    <p:sldId id="268" r:id="rId14"/>
-    <p:sldId id="273" r:id="rId15"/>
-    <p:sldId id="265" r:id="rId16"/>
+    <p:sldId id="275" r:id="rId7"/>
+    <p:sldId id="262" r:id="rId8"/>
+    <p:sldId id="271" r:id="rId9"/>
+    <p:sldId id="276" r:id="rId10"/>
+    <p:sldId id="270" r:id="rId11"/>
+    <p:sldId id="269" r:id="rId12"/>
+    <p:sldId id="274" r:id="rId13"/>
+    <p:sldId id="267" r:id="rId14"/>
+    <p:sldId id="272" r:id="rId15"/>
+    <p:sldId id="268" r:id="rId16"/>
+    <p:sldId id="273" r:id="rId17"/>
+    <p:sldId id="265" r:id="rId18"/>
   </p:sldIdLst>
   <p:sldSz cx="12192000" cy="6858000"/>
   <p:notesSz cx="6858000" cy="9144000"/>
@@ -273,7 +275,7 @@
           <a:p>
             <a:fld id="{17A2CFCA-D44D-43B9-AF9E-9E015D8AA0BF}" type="datetimeFigureOut">
               <a:rPr lang="en-US" smtClean="0"/>
-              <a:t>3/5/2023</a:t>
+              <a:t>3/6/2023</a:t>
             </a:fld>
             <a:endParaRPr lang="en-US"/>
           </a:p>
@@ -471,7 +473,7 @@
           <a:p>
             <a:fld id="{17A2CFCA-D44D-43B9-AF9E-9E015D8AA0BF}" type="datetimeFigureOut">
               <a:rPr lang="en-US" smtClean="0"/>
-              <a:t>3/5/2023</a:t>
+              <a:t>3/6/2023</a:t>
             </a:fld>
             <a:endParaRPr lang="en-US"/>
           </a:p>
@@ -679,7 +681,7 @@
           <a:p>
             <a:fld id="{17A2CFCA-D44D-43B9-AF9E-9E015D8AA0BF}" type="datetimeFigureOut">
               <a:rPr lang="en-US" smtClean="0"/>
-              <a:t>3/5/2023</a:t>
+              <a:t>3/6/2023</a:t>
             </a:fld>
             <a:endParaRPr lang="en-US"/>
           </a:p>
@@ -877,7 +879,7 @@
           <a:p>
             <a:fld id="{17A2CFCA-D44D-43B9-AF9E-9E015D8AA0BF}" type="datetimeFigureOut">
               <a:rPr lang="en-US" smtClean="0"/>
-              <a:t>3/5/2023</a:t>
+              <a:t>3/6/2023</a:t>
             </a:fld>
             <a:endParaRPr lang="en-US"/>
           </a:p>
@@ -1152,7 +1154,7 @@
           <a:p>
             <a:fld id="{17A2CFCA-D44D-43B9-AF9E-9E015D8AA0BF}" type="datetimeFigureOut">
               <a:rPr lang="en-US" smtClean="0"/>
-              <a:t>3/5/2023</a:t>
+              <a:t>3/6/2023</a:t>
             </a:fld>
             <a:endParaRPr lang="en-US"/>
           </a:p>
@@ -1417,7 +1419,7 @@
           <a:p>
             <a:fld id="{17A2CFCA-D44D-43B9-AF9E-9E015D8AA0BF}" type="datetimeFigureOut">
               <a:rPr lang="en-US" smtClean="0"/>
-              <a:t>3/5/2023</a:t>
+              <a:t>3/6/2023</a:t>
             </a:fld>
             <a:endParaRPr lang="en-US"/>
           </a:p>
@@ -1829,7 +1831,7 @@
           <a:p>
             <a:fld id="{17A2CFCA-D44D-43B9-AF9E-9E015D8AA0BF}" type="datetimeFigureOut">
               <a:rPr lang="en-US" smtClean="0"/>
-              <a:t>3/5/2023</a:t>
+              <a:t>3/6/2023</a:t>
             </a:fld>
             <a:endParaRPr lang="en-US"/>
           </a:p>
@@ -1970,7 +1972,7 @@
           <a:p>
             <a:fld id="{17A2CFCA-D44D-43B9-AF9E-9E015D8AA0BF}" type="datetimeFigureOut">
               <a:rPr lang="en-US" smtClean="0"/>
-              <a:t>3/5/2023</a:t>
+              <a:t>3/6/2023</a:t>
             </a:fld>
             <a:endParaRPr lang="en-US"/>
           </a:p>
@@ -2083,7 +2085,7 @@
           <a:p>
             <a:fld id="{17A2CFCA-D44D-43B9-AF9E-9E015D8AA0BF}" type="datetimeFigureOut">
               <a:rPr lang="en-US" smtClean="0"/>
-              <a:t>3/5/2023</a:t>
+              <a:t>3/6/2023</a:t>
             </a:fld>
             <a:endParaRPr lang="en-US"/>
           </a:p>
@@ -2394,7 +2396,7 @@
           <a:p>
             <a:fld id="{17A2CFCA-D44D-43B9-AF9E-9E015D8AA0BF}" type="datetimeFigureOut">
               <a:rPr lang="en-US" smtClean="0"/>
-              <a:t>3/5/2023</a:t>
+              <a:t>3/6/2023</a:t>
             </a:fld>
             <a:endParaRPr lang="en-US"/>
           </a:p>
@@ -2682,7 +2684,7 @@
           <a:p>
             <a:fld id="{17A2CFCA-D44D-43B9-AF9E-9E015D8AA0BF}" type="datetimeFigureOut">
               <a:rPr lang="en-US" smtClean="0"/>
-              <a:t>3/5/2023</a:t>
+              <a:t>3/6/2023</a:t>
             </a:fld>
             <a:endParaRPr lang="en-US"/>
           </a:p>
@@ -2923,7 +2925,7 @@
           <a:p>
             <a:fld id="{17A2CFCA-D44D-43B9-AF9E-9E015D8AA0BF}" type="datetimeFigureOut">
               <a:rPr lang="en-US" smtClean="0"/>
-              <a:t>3/5/2023</a:t>
+              <a:t>3/6/2023</a:t>
             </a:fld>
             <a:endParaRPr lang="en-US"/>
           </a:p>
@@ -3538,6 +3540,982 @@
       </p:grpSpPr>
       <p:sp useBgFill="1">
         <p:nvSpPr>
+          <p:cNvPr id="22" name="Rectangle 21">
+            <a:extLst>
+              <a:ext uri="{FF2B5EF4-FFF2-40B4-BE49-F238E27FC236}">
+                <a16:creationId xmlns:a16="http://schemas.microsoft.com/office/drawing/2014/main" id="{9095C1F4-AE7F-44E4-8693-40D3D6831140}"/>
+              </a:ext>
+              <a:ext uri="{C183D7F6-B498-43B3-948B-1728B52AA6E4}">
+                <adec:decorative xmlns:adec="http://schemas.microsoft.com/office/drawing/2017/decorative" val="1"/>
+              </a:ext>
+            </a:extLst>
+          </p:cNvPr>
+          <p:cNvSpPr>
+            <a:spLocks noGrp="1" noRot="1" noChangeAspect="1" noMove="1" noResize="1" noEditPoints="1" noAdjustHandles="1" noChangeArrowheads="1" noChangeShapeType="1" noTextEdit="1"/>
+          </p:cNvSpPr>
+          <p:nvPr>
+            <p:extLst>
+              <p:ext uri="{386F3935-93C4-4BCD-93E2-E3B085C9AB24}">
+                <p16:designElem xmlns:p16="http://schemas.microsoft.com/office/powerpoint/2015/main" val="1"/>
+              </p:ext>
+            </p:extLst>
+          </p:nvPr>
+        </p:nvSpPr>
+        <p:spPr>
+          <a:xfrm>
+            <a:off x="0" y="0"/>
+            <a:ext cx="12191999" cy="6857365"/>
+          </a:xfrm>
+          <a:prstGeom prst="rect">
+            <a:avLst/>
+          </a:prstGeom>
+          <a:ln>
+            <a:noFill/>
+          </a:ln>
+        </p:spPr>
+        <p:style>
+          <a:lnRef idx="2">
+            <a:schemeClr val="accent1">
+              <a:shade val="50000"/>
+            </a:schemeClr>
+          </a:lnRef>
+          <a:fillRef idx="1">
+            <a:schemeClr val="accent1"/>
+          </a:fillRef>
+          <a:effectRef idx="0">
+            <a:schemeClr val="accent1"/>
+          </a:effectRef>
+          <a:fontRef idx="minor">
+            <a:schemeClr val="lt1"/>
+          </a:fontRef>
+        </p:style>
+        <p:txBody>
+          <a:bodyPr rtlCol="0" anchor="ctr"/>
+          <a:lstStyle/>
+          <a:p>
+            <a:pPr algn="ctr"/>
+            <a:endParaRPr lang="en-US"/>
+          </a:p>
+        </p:txBody>
+      </p:sp>
+      <p:grpSp>
+        <p:nvGrpSpPr>
+          <p:cNvPr id="24" name="Group 23">
+            <a:extLst>
+              <a:ext uri="{FF2B5EF4-FFF2-40B4-BE49-F238E27FC236}">
+                <a16:creationId xmlns:a16="http://schemas.microsoft.com/office/drawing/2014/main" id="{8734DDD3-F723-4DD3-8ABE-EC0B2AC87D74}"/>
+              </a:ext>
+              <a:ext uri="{C183D7F6-B498-43B3-948B-1728B52AA6E4}">
+                <adec:decorative xmlns:adec="http://schemas.microsoft.com/office/drawing/2017/decorative" val="1"/>
+              </a:ext>
+            </a:extLst>
+          </p:cNvPr>
+          <p:cNvGrpSpPr>
+            <a:grpSpLocks noGrp="1" noUngrp="1" noRot="1" noChangeAspect="1" noMove="1" noResize="1"/>
+          </p:cNvGrpSpPr>
+          <p:nvPr>
+            <p:extLst>
+              <p:ext uri="{386F3935-93C4-4BCD-93E2-E3B085C9AB24}">
+                <p16:designElem xmlns:p16="http://schemas.microsoft.com/office/powerpoint/2015/main" val="1"/>
+              </p:ext>
+            </p:extLst>
+          </p:nvPr>
+        </p:nvGrpSpPr>
+        <p:grpSpPr>
+          <a:xfrm>
+            <a:off x="2522324" y="-15978"/>
+            <a:ext cx="7147352" cy="5876916"/>
+            <a:chOff x="329184" y="-99107"/>
+            <a:chExt cx="524256" cy="5876916"/>
+          </a:xfrm>
+        </p:grpSpPr>
+        <p:cxnSp>
+          <p:nvCxnSpPr>
+            <p:cNvPr id="25" name="Straight Connector 24">
+              <a:extLst>
+                <a:ext uri="{FF2B5EF4-FFF2-40B4-BE49-F238E27FC236}">
+                  <a16:creationId xmlns:a16="http://schemas.microsoft.com/office/drawing/2014/main" id="{F7C8EA93-3210-4C62-99E9-153C275E3A87}"/>
+                </a:ext>
+                <a:ext uri="{C183D7F6-B498-43B3-948B-1728B52AA6E4}">
+                  <adec:decorative xmlns:adec="http://schemas.microsoft.com/office/drawing/2017/decorative" val="1"/>
+                </a:ext>
+              </a:extLst>
+            </p:cNvPr>
+            <p:cNvCxnSpPr>
+              <a:cxnSpLocks/>
+            </p:cNvCxnSpPr>
+            <p:nvPr>
+              <p:extLst>
+                <p:ext uri="{386F3935-93C4-4BCD-93E2-E3B085C9AB24}">
+                  <p16:designElem xmlns:p16="http://schemas.microsoft.com/office/powerpoint/2015/main" val="1"/>
+                </p:ext>
+              </p:extLst>
+            </p:nvPr>
+          </p:nvCxnSpPr>
+          <p:spPr>
+            <a:xfrm flipH="1">
+              <a:off x="329184" y="5777809"/>
+              <a:ext cx="523824" cy="0"/>
+            </a:xfrm>
+            <a:prstGeom prst="line">
+              <a:avLst/>
+            </a:prstGeom>
+            <a:ln w="152400">
+              <a:solidFill>
+                <a:schemeClr val="accent4"/>
+              </a:solidFill>
+            </a:ln>
+          </p:spPr>
+          <p:style>
+            <a:lnRef idx="1">
+              <a:schemeClr val="accent1"/>
+            </a:lnRef>
+            <a:fillRef idx="0">
+              <a:schemeClr val="accent1"/>
+            </a:fillRef>
+            <a:effectRef idx="0">
+              <a:schemeClr val="accent1"/>
+            </a:effectRef>
+            <a:fontRef idx="minor">
+              <a:schemeClr val="tx1"/>
+            </a:fontRef>
+          </p:style>
+        </p:cxnSp>
+        <p:sp>
+          <p:nvSpPr>
+            <p:cNvPr id="26" name="Rectangle 25">
+              <a:extLst>
+                <a:ext uri="{FF2B5EF4-FFF2-40B4-BE49-F238E27FC236}">
+                  <a16:creationId xmlns:a16="http://schemas.microsoft.com/office/drawing/2014/main" id="{5EB7D2A2-F448-44D4-938C-DC84CBCB3B1E}"/>
+                </a:ext>
+                <a:ext uri="{C183D7F6-B498-43B3-948B-1728B52AA6E4}">
+                  <adec:decorative xmlns:adec="http://schemas.microsoft.com/office/drawing/2017/decorative" val="1"/>
+                </a:ext>
+              </a:extLst>
+            </p:cNvPr>
+            <p:cNvSpPr/>
+            <p:nvPr>
+              <p:extLst>
+                <p:ext uri="{386F3935-93C4-4BCD-93E2-E3B085C9AB24}">
+                  <p16:designElem xmlns:p16="http://schemas.microsoft.com/office/powerpoint/2015/main" val="1"/>
+                </p:ext>
+              </p:extLst>
+            </p:nvPr>
+          </p:nvSpPr>
+          <p:spPr>
+            <a:xfrm>
+              <a:off x="329184" y="-99107"/>
+              <a:ext cx="524256" cy="5631228"/>
+            </a:xfrm>
+            <a:prstGeom prst="rect">
+              <a:avLst/>
+            </a:prstGeom>
+            <a:solidFill>
+              <a:schemeClr val="accent4"/>
+            </a:solidFill>
+            <a:ln>
+              <a:noFill/>
+            </a:ln>
+          </p:spPr>
+          <p:style>
+            <a:lnRef idx="2">
+              <a:schemeClr val="accent1">
+                <a:shade val="50000"/>
+              </a:schemeClr>
+            </a:lnRef>
+            <a:fillRef idx="1">
+              <a:schemeClr val="accent1"/>
+            </a:fillRef>
+            <a:effectRef idx="0">
+              <a:schemeClr val="accent1"/>
+            </a:effectRef>
+            <a:fontRef idx="minor">
+              <a:schemeClr val="lt1"/>
+            </a:fontRef>
+          </p:style>
+          <p:txBody>
+            <a:bodyPr rtlCol="0" anchor="ctr"/>
+            <a:lstStyle/>
+            <a:p>
+              <a:pPr algn="ctr"/>
+              <a:endParaRPr lang="en-US" dirty="0"/>
+            </a:p>
+          </p:txBody>
+        </p:sp>
+      </p:grpSp>
+      <p:sp>
+        <p:nvSpPr>
+          <p:cNvPr id="28" name="Rectangle 27">
+            <a:extLst>
+              <a:ext uri="{FF2B5EF4-FFF2-40B4-BE49-F238E27FC236}">
+                <a16:creationId xmlns:a16="http://schemas.microsoft.com/office/drawing/2014/main" id="{871AEA07-1E14-44B4-8E55-64EF049CD66F}"/>
+              </a:ext>
+              <a:ext uri="{C183D7F6-B498-43B3-948B-1728B52AA6E4}">
+                <adec:decorative xmlns:adec="http://schemas.microsoft.com/office/drawing/2017/decorative" val="1"/>
+              </a:ext>
+            </a:extLst>
+          </p:cNvPr>
+          <p:cNvSpPr>
+            <a:spLocks noGrp="1" noRot="1" noChangeAspect="1" noMove="1" noResize="1" noEditPoints="1" noAdjustHandles="1" noChangeArrowheads="1" noChangeShapeType="1" noTextEdit="1"/>
+          </p:cNvSpPr>
+          <p:nvPr>
+            <p:extLst>
+              <p:ext uri="{386F3935-93C4-4BCD-93E2-E3B085C9AB24}">
+                <p16:designElem xmlns:p16="http://schemas.microsoft.com/office/powerpoint/2015/main" val="1"/>
+              </p:ext>
+            </p:extLst>
+          </p:nvPr>
+        </p:nvSpPr>
+        <p:spPr>
+          <a:xfrm>
+            <a:off x="596464" y="1055718"/>
+            <a:ext cx="10999072" cy="3358344"/>
+          </a:xfrm>
+          <a:prstGeom prst="rect">
+            <a:avLst/>
+          </a:prstGeom>
+          <a:solidFill>
+            <a:schemeClr val="bg1"/>
+          </a:solidFill>
+          <a:ln>
+            <a:noFill/>
+          </a:ln>
+          <a:effectLst>
+            <a:outerShdw blurRad="139700" dist="127000" dir="5400000" algn="t" rotWithShape="0">
+              <a:prstClr val="black">
+                <a:alpha val="15000"/>
+              </a:prstClr>
+            </a:outerShdw>
+          </a:effectLst>
+        </p:spPr>
+        <p:style>
+          <a:lnRef idx="2">
+            <a:schemeClr val="accent1">
+              <a:shade val="50000"/>
+            </a:schemeClr>
+          </a:lnRef>
+          <a:fillRef idx="1">
+            <a:schemeClr val="accent1"/>
+          </a:fillRef>
+          <a:effectRef idx="0">
+            <a:schemeClr val="accent1"/>
+          </a:effectRef>
+          <a:fontRef idx="minor">
+            <a:schemeClr val="lt1"/>
+          </a:fontRef>
+        </p:style>
+        <p:txBody>
+          <a:bodyPr rtlCol="0" anchor="ctr"/>
+          <a:lstStyle/>
+          <a:p>
+            <a:pPr algn="ctr"/>
+            <a:endParaRPr lang="en-US"/>
+          </a:p>
+        </p:txBody>
+      </p:sp>
+      <p:sp>
+        <p:nvSpPr>
+          <p:cNvPr id="2" name="Title 1">
+            <a:extLst>
+              <a:ext uri="{FF2B5EF4-FFF2-40B4-BE49-F238E27FC236}">
+                <a16:creationId xmlns:a16="http://schemas.microsoft.com/office/drawing/2014/main" id="{BD31A0EF-76AB-411A-B34D-897C6FC1580A}"/>
+              </a:ext>
+            </a:extLst>
+          </p:cNvPr>
+          <p:cNvSpPr>
+            <a:spLocks noGrp="1"/>
+          </p:cNvSpPr>
+          <p:nvPr>
+            <p:ph type="title"/>
+          </p:nvPr>
+        </p:nvSpPr>
+        <p:spPr>
+          <a:xfrm>
+            <a:off x="1524000" y="1584683"/>
+            <a:ext cx="9144000" cy="2551829"/>
+          </a:xfrm>
+        </p:spPr>
+        <p:txBody>
+          <a:bodyPr vert="horz" lIns="91440" tIns="45720" rIns="91440" bIns="45720" rtlCol="0" anchor="ctr">
+            <a:normAutofit/>
+          </a:bodyPr>
+          <a:lstStyle/>
+          <a:p>
+            <a:pPr algn="ctr"/>
+            <a:r>
+              <a:rPr lang="en-US" sz="6600" b="1" kern="1200" dirty="0">
+                <a:solidFill>
+                  <a:schemeClr val="tx1"/>
+                </a:solidFill>
+                <a:latin typeface="Amasis MT Pro Black" panose="02040A04050005020304" pitchFamily="18" charset="0"/>
+              </a:rPr>
+              <a:t>Results</a:t>
+            </a:r>
+          </a:p>
+        </p:txBody>
+      </p:sp>
+    </p:spTree>
+    <p:extLst>
+      <p:ext uri="{BB962C8B-B14F-4D97-AF65-F5344CB8AC3E}">
+        <p14:creationId xmlns:p14="http://schemas.microsoft.com/office/powerpoint/2010/main" val="1468136644"/>
+      </p:ext>
+    </p:extLst>
+  </p:cSld>
+  <p:clrMapOvr>
+    <a:masterClrMapping/>
+  </p:clrMapOvr>
+  <mc:AlternateContent xmlns:mc="http://schemas.openxmlformats.org/markup-compatibility/2006" xmlns:p14="http://schemas.microsoft.com/office/powerpoint/2010/main">
+    <mc:Choice Requires="p14">
+      <p:transition spd="slow" p14:dur="3400">
+        <p14:reveal/>
+      </p:transition>
+    </mc:Choice>
+    <mc:Fallback xmlns="">
+      <p:transition spd="slow">
+        <p:fade/>
+      </p:transition>
+    </mc:Fallback>
+  </mc:AlternateContent>
+</p:sld>
+</file>
+
+<file path=ppt/slides/slide11.xml><?xml version="1.0" encoding="utf-8"?>
+<p:sld xmlns:a="http://schemas.openxmlformats.org/drawingml/2006/main" xmlns:r="http://schemas.openxmlformats.org/officeDocument/2006/relationships" xmlns:p="http://schemas.openxmlformats.org/presentationml/2006/main">
+  <p:cSld>
+    <p:bg>
+      <p:bgPr>
+        <a:solidFill>
+          <a:schemeClr val="bg1"/>
+        </a:solidFill>
+        <a:effectLst/>
+      </p:bgPr>
+    </p:bg>
+    <p:spTree>
+      <p:nvGrpSpPr>
+        <p:cNvPr id="1" name=""/>
+        <p:cNvGrpSpPr/>
+        <p:nvPr/>
+      </p:nvGrpSpPr>
+      <p:grpSpPr>
+        <a:xfrm>
+          <a:off x="0" y="0"/>
+          <a:ext cx="0" cy="0"/>
+          <a:chOff x="0" y="0"/>
+          <a:chExt cx="0" cy="0"/>
+        </a:xfrm>
+      </p:grpSpPr>
+      <p:sp useBgFill="1">
+        <p:nvSpPr>
+          <p:cNvPr id="21" name="Rectangle 20">
+            <a:extLst>
+              <a:ext uri="{FF2B5EF4-FFF2-40B4-BE49-F238E27FC236}">
+                <a16:creationId xmlns:a16="http://schemas.microsoft.com/office/drawing/2014/main" id="{28D31E1B-0407-4223-9642-0B642CBF57D9}"/>
+              </a:ext>
+              <a:ext uri="{C183D7F6-B498-43B3-948B-1728B52AA6E4}">
+                <adec:decorative xmlns:adec="http://schemas.microsoft.com/office/drawing/2017/decorative" val="1"/>
+              </a:ext>
+            </a:extLst>
+          </p:cNvPr>
+          <p:cNvSpPr>
+            <a:spLocks noGrp="1" noRot="1" noChangeAspect="1" noMove="1" noResize="1" noEditPoints="1" noAdjustHandles="1" noChangeArrowheads="1" noChangeShapeType="1" noTextEdit="1"/>
+          </p:cNvSpPr>
+          <p:nvPr>
+            <p:extLst>
+              <p:ext uri="{386F3935-93C4-4BCD-93E2-E3B085C9AB24}">
+                <p16:designElem xmlns:p16="http://schemas.microsoft.com/office/powerpoint/2015/main" val="1"/>
+              </p:ext>
+            </p:extLst>
+          </p:nvPr>
+        </p:nvSpPr>
+        <p:spPr>
+          <a:xfrm>
+            <a:off x="0" y="0"/>
+            <a:ext cx="12191999" cy="6857365"/>
+          </a:xfrm>
+          <a:prstGeom prst="rect">
+            <a:avLst/>
+          </a:prstGeom>
+          <a:ln>
+            <a:noFill/>
+          </a:ln>
+        </p:spPr>
+        <p:style>
+          <a:lnRef idx="2">
+            <a:schemeClr val="accent1">
+              <a:shade val="50000"/>
+            </a:schemeClr>
+          </a:lnRef>
+          <a:fillRef idx="1">
+            <a:schemeClr val="accent1"/>
+          </a:fillRef>
+          <a:effectRef idx="0">
+            <a:schemeClr val="accent1"/>
+          </a:effectRef>
+          <a:fontRef idx="minor">
+            <a:schemeClr val="lt1"/>
+          </a:fontRef>
+        </p:style>
+        <p:txBody>
+          <a:bodyPr rtlCol="0" anchor="ctr"/>
+          <a:lstStyle/>
+          <a:p>
+            <a:pPr algn="ctr"/>
+            <a:endParaRPr lang="en-US"/>
+          </a:p>
+        </p:txBody>
+      </p:sp>
+      <p:grpSp>
+        <p:nvGrpSpPr>
+          <p:cNvPr id="23" name="Group 22">
+            <a:extLst>
+              <a:ext uri="{FF2B5EF4-FFF2-40B4-BE49-F238E27FC236}">
+                <a16:creationId xmlns:a16="http://schemas.microsoft.com/office/drawing/2014/main" id="{AE1C45F0-260A-458C-96ED-C1F6D2151219}"/>
+              </a:ext>
+              <a:ext uri="{C183D7F6-B498-43B3-948B-1728B52AA6E4}">
+                <adec:decorative xmlns:adec="http://schemas.microsoft.com/office/drawing/2017/decorative" val="1"/>
+              </a:ext>
+            </a:extLst>
+          </p:cNvPr>
+          <p:cNvGrpSpPr>
+            <a:grpSpLocks noGrp="1" noUngrp="1" noRot="1" noChangeAspect="1" noMove="1" noResize="1"/>
+          </p:cNvGrpSpPr>
+          <p:nvPr>
+            <p:extLst>
+              <p:ext uri="{386F3935-93C4-4BCD-93E2-E3B085C9AB24}">
+                <p16:designElem xmlns:p16="http://schemas.microsoft.com/office/powerpoint/2015/main" val="1"/>
+              </p:ext>
+            </p:extLst>
+          </p:nvPr>
+        </p:nvGrpSpPr>
+        <p:grpSpPr>
+          <a:xfrm>
+            <a:off x="4" y="1062849"/>
+            <a:ext cx="731521" cy="673460"/>
+            <a:chOff x="3940602" y="308034"/>
+            <a:chExt cx="2116791" cy="3428999"/>
+          </a:xfrm>
+          <a:solidFill>
+            <a:schemeClr val="accent4"/>
+          </a:solidFill>
+        </p:grpSpPr>
+        <p:sp>
+          <p:nvSpPr>
+            <p:cNvPr id="24" name="Rectangle 23">
+              <a:extLst>
+                <a:ext uri="{FF2B5EF4-FFF2-40B4-BE49-F238E27FC236}">
+                  <a16:creationId xmlns:a16="http://schemas.microsoft.com/office/drawing/2014/main" id="{A6604B49-AD5C-4590-B051-06C8222ECD99}"/>
+                </a:ext>
+                <a:ext uri="{C183D7F6-B498-43B3-948B-1728B52AA6E4}">
+                  <adec:decorative xmlns:adec="http://schemas.microsoft.com/office/drawing/2017/decorative" val="1"/>
+                </a:ext>
+              </a:extLst>
+            </p:cNvPr>
+            <p:cNvSpPr/>
+            <p:nvPr>
+              <p:extLst>
+                <p:ext uri="{386F3935-93C4-4BCD-93E2-E3B085C9AB24}">
+                  <p16:designElem xmlns:p16="http://schemas.microsoft.com/office/powerpoint/2015/main" val="1"/>
+                </p:ext>
+              </p:extLst>
+            </p:nvPr>
+          </p:nvSpPr>
+          <p:spPr>
+            <a:xfrm>
+              <a:off x="3940602" y="308034"/>
+              <a:ext cx="566743" cy="3428999"/>
+            </a:xfrm>
+            <a:prstGeom prst="rect">
+              <a:avLst/>
+            </a:prstGeom>
+            <a:grpFill/>
+            <a:ln>
+              <a:noFill/>
+            </a:ln>
+          </p:spPr>
+          <p:style>
+            <a:lnRef idx="2">
+              <a:schemeClr val="accent1">
+                <a:shade val="50000"/>
+              </a:schemeClr>
+            </a:lnRef>
+            <a:fillRef idx="1">
+              <a:schemeClr val="accent1"/>
+            </a:fillRef>
+            <a:effectRef idx="0">
+              <a:schemeClr val="accent1"/>
+            </a:effectRef>
+            <a:fontRef idx="minor">
+              <a:schemeClr val="lt1"/>
+            </a:fontRef>
+          </p:style>
+          <p:txBody>
+            <a:bodyPr rtlCol="0" anchor="ctr"/>
+            <a:lstStyle/>
+            <a:p>
+              <a:pPr algn="ctr"/>
+              <a:endParaRPr lang="en-US"/>
+            </a:p>
+          </p:txBody>
+        </p:sp>
+        <p:sp>
+          <p:nvSpPr>
+            <p:cNvPr id="25" name="Rectangle 24">
+              <a:extLst>
+                <a:ext uri="{FF2B5EF4-FFF2-40B4-BE49-F238E27FC236}">
+                  <a16:creationId xmlns:a16="http://schemas.microsoft.com/office/drawing/2014/main" id="{743ECCAF-29C5-4537-947C-7EA1292463DB}"/>
+                </a:ext>
+                <a:ext uri="{C183D7F6-B498-43B3-948B-1728B52AA6E4}">
+                  <adec:decorative xmlns:adec="http://schemas.microsoft.com/office/drawing/2017/decorative" val="1"/>
+                </a:ext>
+              </a:extLst>
+            </p:cNvPr>
+            <p:cNvSpPr/>
+            <p:nvPr>
+              <p:extLst>
+                <p:ext uri="{386F3935-93C4-4BCD-93E2-E3B085C9AB24}">
+                  <p16:designElem xmlns:p16="http://schemas.microsoft.com/office/powerpoint/2015/main" val="1"/>
+                </p:ext>
+              </p:extLst>
+            </p:nvPr>
+          </p:nvSpPr>
+          <p:spPr>
+            <a:xfrm>
+              <a:off x="4715626" y="308034"/>
+              <a:ext cx="566743" cy="3428999"/>
+            </a:xfrm>
+            <a:prstGeom prst="rect">
+              <a:avLst/>
+            </a:prstGeom>
+            <a:grpFill/>
+            <a:ln>
+              <a:noFill/>
+            </a:ln>
+          </p:spPr>
+          <p:style>
+            <a:lnRef idx="2">
+              <a:schemeClr val="accent1">
+                <a:shade val="50000"/>
+              </a:schemeClr>
+            </a:lnRef>
+            <a:fillRef idx="1">
+              <a:schemeClr val="accent1"/>
+            </a:fillRef>
+            <a:effectRef idx="0">
+              <a:schemeClr val="accent1"/>
+            </a:effectRef>
+            <a:fontRef idx="minor">
+              <a:schemeClr val="lt1"/>
+            </a:fontRef>
+          </p:style>
+          <p:txBody>
+            <a:bodyPr rtlCol="0" anchor="ctr"/>
+            <a:lstStyle/>
+            <a:p>
+              <a:pPr algn="ctr"/>
+              <a:endParaRPr lang="en-US"/>
+            </a:p>
+          </p:txBody>
+        </p:sp>
+        <p:sp>
+          <p:nvSpPr>
+            <p:cNvPr id="26" name="Rectangle 25">
+              <a:extLst>
+                <a:ext uri="{FF2B5EF4-FFF2-40B4-BE49-F238E27FC236}">
+                  <a16:creationId xmlns:a16="http://schemas.microsoft.com/office/drawing/2014/main" id="{ED49787B-8DE6-4467-AD0A-8DECC6E0C2D6}"/>
+                </a:ext>
+                <a:ext uri="{C183D7F6-B498-43B3-948B-1728B52AA6E4}">
+                  <adec:decorative xmlns:adec="http://schemas.microsoft.com/office/drawing/2017/decorative" val="1"/>
+                </a:ext>
+              </a:extLst>
+            </p:cNvPr>
+            <p:cNvSpPr/>
+            <p:nvPr>
+              <p:extLst>
+                <p:ext uri="{386F3935-93C4-4BCD-93E2-E3B085C9AB24}">
+                  <p16:designElem xmlns:p16="http://schemas.microsoft.com/office/powerpoint/2015/main" val="1"/>
+                </p:ext>
+              </p:extLst>
+            </p:nvPr>
+          </p:nvSpPr>
+          <p:spPr>
+            <a:xfrm>
+              <a:off x="5490650" y="308034"/>
+              <a:ext cx="566743" cy="3428999"/>
+            </a:xfrm>
+            <a:prstGeom prst="rect">
+              <a:avLst/>
+            </a:prstGeom>
+            <a:grpFill/>
+            <a:ln>
+              <a:noFill/>
+            </a:ln>
+          </p:spPr>
+          <p:style>
+            <a:lnRef idx="2">
+              <a:schemeClr val="accent1">
+                <a:shade val="50000"/>
+              </a:schemeClr>
+            </a:lnRef>
+            <a:fillRef idx="1">
+              <a:schemeClr val="accent1"/>
+            </a:fillRef>
+            <a:effectRef idx="0">
+              <a:schemeClr val="accent1"/>
+            </a:effectRef>
+            <a:fontRef idx="minor">
+              <a:schemeClr val="lt1"/>
+            </a:fontRef>
+          </p:style>
+          <p:txBody>
+            <a:bodyPr rtlCol="0" anchor="ctr"/>
+            <a:lstStyle/>
+            <a:p>
+              <a:pPr algn="ctr"/>
+              <a:endParaRPr lang="en-US"/>
+            </a:p>
+          </p:txBody>
+        </p:sp>
+      </p:grpSp>
+      <p:sp>
+        <p:nvSpPr>
+          <p:cNvPr id="28" name="Rectangle 27">
+            <a:extLst>
+              <a:ext uri="{FF2B5EF4-FFF2-40B4-BE49-F238E27FC236}">
+                <a16:creationId xmlns:a16="http://schemas.microsoft.com/office/drawing/2014/main" id="{D5B0017B-2ECA-49AF-B397-DC140825DF8D}"/>
+              </a:ext>
+              <a:ext uri="{C183D7F6-B498-43B3-948B-1728B52AA6E4}">
+                <adec:decorative xmlns:adec="http://schemas.microsoft.com/office/drawing/2017/decorative" val="1"/>
+              </a:ext>
+            </a:extLst>
+          </p:cNvPr>
+          <p:cNvSpPr>
+            <a:spLocks noGrp="1" noRot="1" noChangeAspect="1" noMove="1" noResize="1" noEditPoints="1" noAdjustHandles="1" noChangeArrowheads="1" noChangeShapeType="1" noTextEdit="1"/>
+          </p:cNvSpPr>
+          <p:nvPr>
+            <p:extLst>
+              <p:ext uri="{386F3935-93C4-4BCD-93E2-E3B085C9AB24}">
+                <p16:designElem xmlns:p16="http://schemas.microsoft.com/office/powerpoint/2015/main" val="1"/>
+              </p:ext>
+            </p:extLst>
+          </p:nvPr>
+        </p:nvSpPr>
+        <p:spPr>
+          <a:xfrm>
+            <a:off x="640080" y="656150"/>
+            <a:ext cx="5672667" cy="1431591"/>
+          </a:xfrm>
+          <a:prstGeom prst="rect">
+            <a:avLst/>
+          </a:prstGeom>
+          <a:solidFill>
+            <a:schemeClr val="bg1"/>
+          </a:solidFill>
+          <a:ln>
+            <a:noFill/>
+          </a:ln>
+          <a:effectLst>
+            <a:outerShdw blurRad="139700" dist="127000" dir="5400000" algn="t" rotWithShape="0">
+              <a:prstClr val="black">
+                <a:alpha val="15000"/>
+              </a:prstClr>
+            </a:outerShdw>
+          </a:effectLst>
+        </p:spPr>
+        <p:style>
+          <a:lnRef idx="2">
+            <a:schemeClr val="accent1">
+              <a:shade val="50000"/>
+            </a:schemeClr>
+          </a:lnRef>
+          <a:fillRef idx="1">
+            <a:schemeClr val="accent1"/>
+          </a:fillRef>
+          <a:effectRef idx="0">
+            <a:schemeClr val="accent1"/>
+          </a:effectRef>
+          <a:fontRef idx="minor">
+            <a:schemeClr val="lt1"/>
+          </a:fontRef>
+        </p:style>
+        <p:txBody>
+          <a:bodyPr rtlCol="0" anchor="ctr"/>
+          <a:lstStyle/>
+          <a:p>
+            <a:pPr algn="ctr"/>
+            <a:endParaRPr lang="en-US"/>
+          </a:p>
+        </p:txBody>
+      </p:sp>
+      <p:sp>
+        <p:nvSpPr>
+          <p:cNvPr id="2" name="Title 1">
+            <a:extLst>
+              <a:ext uri="{FF2B5EF4-FFF2-40B4-BE49-F238E27FC236}">
+                <a16:creationId xmlns:a16="http://schemas.microsoft.com/office/drawing/2014/main" id="{962B80DA-8142-8D94-0ABA-BA836466217F}"/>
+              </a:ext>
+            </a:extLst>
+          </p:cNvPr>
+          <p:cNvSpPr>
+            <a:spLocks noGrp="1"/>
+          </p:cNvSpPr>
+          <p:nvPr>
+            <p:ph type="title"/>
+          </p:nvPr>
+        </p:nvSpPr>
+        <p:spPr>
+          <a:xfrm>
+            <a:off x="1043631" y="873940"/>
+            <a:ext cx="5052369" cy="1035781"/>
+          </a:xfrm>
+        </p:spPr>
+        <p:txBody>
+          <a:bodyPr anchor="ctr">
+            <a:normAutofit/>
+          </a:bodyPr>
+          <a:lstStyle/>
+          <a:p>
+            <a:r>
+              <a:rPr lang="en-US" sz="3600" dirty="0"/>
+              <a:t>Unemployment</a:t>
+            </a:r>
+          </a:p>
+        </p:txBody>
+      </p:sp>
+      <p:sp>
+        <p:nvSpPr>
+          <p:cNvPr id="18" name="Content Placeholder 17">
+            <a:extLst>
+              <a:ext uri="{FF2B5EF4-FFF2-40B4-BE49-F238E27FC236}">
+                <a16:creationId xmlns:a16="http://schemas.microsoft.com/office/drawing/2014/main" id="{40295043-94EB-2896-2A37-F5168BB65B72}"/>
+              </a:ext>
+            </a:extLst>
+          </p:cNvPr>
+          <p:cNvSpPr>
+            <a:spLocks noGrp="1"/>
+          </p:cNvSpPr>
+          <p:nvPr>
+            <p:ph idx="1"/>
+          </p:nvPr>
+        </p:nvSpPr>
+        <p:spPr>
+          <a:xfrm>
+            <a:off x="1045029" y="2524721"/>
+            <a:ext cx="4991629" cy="3677123"/>
+          </a:xfrm>
+        </p:spPr>
+        <p:txBody>
+          <a:bodyPr anchor="ctr">
+            <a:normAutofit/>
+          </a:bodyPr>
+          <a:lstStyle/>
+          <a:p>
+            <a:endParaRPr lang="en-US" sz="1800" dirty="0"/>
+          </a:p>
+        </p:txBody>
+      </p:sp>
+      <p:sp>
+        <p:nvSpPr>
+          <p:cNvPr id="30" name="Rectangle 29">
+            <a:extLst>
+              <a:ext uri="{FF2B5EF4-FFF2-40B4-BE49-F238E27FC236}">
+                <a16:creationId xmlns:a16="http://schemas.microsoft.com/office/drawing/2014/main" id="{70E96339-907C-46C3-99AC-31179B6F0EBD}"/>
+              </a:ext>
+              <a:ext uri="{C183D7F6-B498-43B3-948B-1728B52AA6E4}">
+                <adec:decorative xmlns:adec="http://schemas.microsoft.com/office/drawing/2017/decorative" val="1"/>
+              </a:ext>
+            </a:extLst>
+          </p:cNvPr>
+          <p:cNvSpPr>
+            <a:spLocks noGrp="1" noRot="1" noChangeAspect="1" noMove="1" noResize="1" noEditPoints="1" noAdjustHandles="1" noChangeArrowheads="1" noChangeShapeType="1" noTextEdit="1"/>
+          </p:cNvSpPr>
+          <p:nvPr>
+            <p:extLst>
+              <p:ext uri="{386F3935-93C4-4BCD-93E2-E3B085C9AB24}">
+                <p16:designElem xmlns:p16="http://schemas.microsoft.com/office/powerpoint/2015/main" val="1"/>
+              </p:ext>
+            </p:extLst>
+          </p:nvPr>
+        </p:nvSpPr>
+        <p:spPr>
+          <a:xfrm>
+            <a:off x="6716299" y="608401"/>
+            <a:ext cx="4637502" cy="5593443"/>
+          </a:xfrm>
+          <a:prstGeom prst="rect">
+            <a:avLst/>
+          </a:prstGeom>
+          <a:solidFill>
+            <a:schemeClr val="bg1"/>
+          </a:solidFill>
+          <a:ln>
+            <a:noFill/>
+          </a:ln>
+          <a:effectLst>
+            <a:outerShdw blurRad="139700" dist="127000" dir="5400000" algn="t" rotWithShape="0">
+              <a:prstClr val="black">
+                <a:alpha val="15000"/>
+              </a:prstClr>
+            </a:outerShdw>
+          </a:effectLst>
+        </p:spPr>
+        <p:style>
+          <a:lnRef idx="2">
+            <a:schemeClr val="accent1">
+              <a:shade val="50000"/>
+            </a:schemeClr>
+          </a:lnRef>
+          <a:fillRef idx="1">
+            <a:schemeClr val="accent1"/>
+          </a:fillRef>
+          <a:effectRef idx="0">
+            <a:schemeClr val="accent1"/>
+          </a:effectRef>
+          <a:fontRef idx="minor">
+            <a:schemeClr val="lt1"/>
+          </a:fontRef>
+        </p:style>
+        <p:txBody>
+          <a:bodyPr rtlCol="0" anchor="ctr"/>
+          <a:lstStyle/>
+          <a:p>
+            <a:pPr algn="ctr"/>
+            <a:endParaRPr lang="en-US"/>
+          </a:p>
+        </p:txBody>
+      </p:sp>
+      <p:pic>
+        <p:nvPicPr>
+          <p:cNvPr id="5" name="Content Placeholder 4">
+            <a:extLst>
+              <a:ext uri="{FF2B5EF4-FFF2-40B4-BE49-F238E27FC236}">
+                <a16:creationId xmlns:a16="http://schemas.microsoft.com/office/drawing/2014/main" id="{7D5B9293-7DD4-33BC-761F-0B9DCE1BD386}"/>
+              </a:ext>
+            </a:extLst>
+          </p:cNvPr>
+          <p:cNvPicPr>
+            <a:picLocks noChangeAspect="1"/>
+          </p:cNvPicPr>
+          <p:nvPr/>
+        </p:nvPicPr>
+        <p:blipFill rotWithShape="1">
+          <a:blip r:embed="rId2"/>
+          <a:srcRect t="3260"/>
+          <a:stretch/>
+        </p:blipFill>
+        <p:spPr>
+          <a:xfrm>
+            <a:off x="6930493" y="2297748"/>
+            <a:ext cx="4223252" cy="2322787"/>
+          </a:xfrm>
+          <a:prstGeom prst="rect">
+            <a:avLst/>
+          </a:prstGeom>
+        </p:spPr>
+      </p:pic>
+      <p:cxnSp>
+        <p:nvCxnSpPr>
+          <p:cNvPr id="32" name="Straight Connector 31">
+            <a:extLst>
+              <a:ext uri="{FF2B5EF4-FFF2-40B4-BE49-F238E27FC236}">
+                <a16:creationId xmlns:a16="http://schemas.microsoft.com/office/drawing/2014/main" id="{6CF1BAF6-AD41-4082-B212-8A1F9A2E8779}"/>
+              </a:ext>
+              <a:ext uri="{C183D7F6-B498-43B3-948B-1728B52AA6E4}">
+                <adec:decorative xmlns:adec="http://schemas.microsoft.com/office/drawing/2017/decorative" val="1"/>
+              </a:ext>
+            </a:extLst>
+          </p:cNvPr>
+          <p:cNvCxnSpPr>
+            <a:cxnSpLocks noGrp="1" noRot="1" noChangeAspect="1" noMove="1" noResize="1" noEditPoints="1" noAdjustHandles="1" noChangeArrowheads="1" noChangeShapeType="1"/>
+          </p:cNvCxnSpPr>
+          <p:nvPr>
+            <p:extLst>
+              <p:ext uri="{386F3935-93C4-4BCD-93E2-E3B085C9AB24}">
+                <p16:designElem xmlns:p16="http://schemas.microsoft.com/office/powerpoint/2015/main" val="1"/>
+              </p:ext>
+            </p:extLst>
+          </p:nvPr>
+        </p:nvCxnSpPr>
+        <p:spPr>
+          <a:xfrm flipH="1">
+            <a:off x="838200" y="6492240"/>
+            <a:ext cx="10515600" cy="0"/>
+          </a:xfrm>
+          <a:prstGeom prst="line">
+            <a:avLst/>
+          </a:prstGeom>
+          <a:ln w="57150">
+            <a:solidFill>
+              <a:schemeClr val="accent4"/>
+            </a:solidFill>
+          </a:ln>
+        </p:spPr>
+        <p:style>
+          <a:lnRef idx="1">
+            <a:schemeClr val="accent1"/>
+          </a:lnRef>
+          <a:fillRef idx="0">
+            <a:schemeClr val="accent1"/>
+          </a:fillRef>
+          <a:effectRef idx="0">
+            <a:schemeClr val="accent1"/>
+          </a:effectRef>
+          <a:fontRef idx="minor">
+            <a:schemeClr val="tx1"/>
+          </a:fontRef>
+        </p:style>
+      </p:cxnSp>
+    </p:spTree>
+    <p:extLst>
+      <p:ext uri="{BB962C8B-B14F-4D97-AF65-F5344CB8AC3E}">
+        <p14:creationId xmlns:p14="http://schemas.microsoft.com/office/powerpoint/2010/main" val="2372464474"/>
+      </p:ext>
+    </p:extLst>
+  </p:cSld>
+  <p:clrMapOvr>
+    <a:masterClrMapping/>
+  </p:clrMapOvr>
+  <mc:AlternateContent xmlns:mc="http://schemas.openxmlformats.org/markup-compatibility/2006" xmlns:p14="http://schemas.microsoft.com/office/powerpoint/2010/main">
+    <mc:Choice Requires="p14">
+      <p:transition spd="slow" p14:dur="3400">
+        <p14:reveal/>
+      </p:transition>
+    </mc:Choice>
+    <mc:Fallback xmlns="">
+      <p:transition spd="slow">
+        <p:fade/>
+      </p:transition>
+    </mc:Fallback>
+  </mc:AlternateContent>
+</p:sld>
+</file>
+
+<file path=ppt/slides/slide12.xml><?xml version="1.0" encoding="utf-8"?>
+<p:sld xmlns:a="http://schemas.openxmlformats.org/drawingml/2006/main" xmlns:r="http://schemas.openxmlformats.org/officeDocument/2006/relationships" xmlns:p="http://schemas.openxmlformats.org/presentationml/2006/main">
+  <p:cSld>
+    <p:bg>
+      <p:bgPr>
+        <a:solidFill>
+          <a:schemeClr val="bg1"/>
+        </a:solidFill>
+        <a:effectLst/>
+      </p:bgPr>
+    </p:bg>
+    <p:spTree>
+      <p:nvGrpSpPr>
+        <p:cNvPr id="1" name=""/>
+        <p:cNvGrpSpPr/>
+        <p:nvPr/>
+      </p:nvGrpSpPr>
+      <p:grpSpPr>
+        <a:xfrm>
+          <a:off x="0" y="0"/>
+          <a:ext cx="0" cy="0"/>
+          <a:chOff x="0" y="0"/>
+          <a:chExt cx="0" cy="0"/>
+        </a:xfrm>
+      </p:grpSpPr>
+      <p:sp useBgFill="1">
+        <p:nvSpPr>
           <p:cNvPr id="8" name="Rectangle 7">
             <a:extLst>
               <a:ext uri="{FF2B5EF4-FFF2-40B4-BE49-F238E27FC236}">
@@ -3908,7 +4886,7 @@
 </p:sld>
 </file>
 
-<file path=ppt/slides/slide11.xml><?xml version="1.0" encoding="utf-8"?>
+<file path=ppt/slides/slide13.xml><?xml version="1.0" encoding="utf-8"?>
 <p:sld xmlns:a="http://schemas.openxmlformats.org/drawingml/2006/main" xmlns:r="http://schemas.openxmlformats.org/officeDocument/2006/relationships" xmlns:p="http://schemas.openxmlformats.org/presentationml/2006/main">
   <p:cSld>
     <p:bg>
@@ -4274,7 +5252,7 @@
 </p:sld>
 </file>
 
-<file path=ppt/slides/slide12.xml><?xml version="1.0" encoding="utf-8"?>
+<file path=ppt/slides/slide14.xml><?xml version="1.0" encoding="utf-8"?>
 <p:sld xmlns:a="http://schemas.openxmlformats.org/drawingml/2006/main" xmlns:r="http://schemas.openxmlformats.org/officeDocument/2006/relationships" xmlns:p="http://schemas.openxmlformats.org/presentationml/2006/main">
   <p:cSld>
     <p:bg>
@@ -4671,7 +5649,7 @@
 </p:sld>
 </file>
 
-<file path=ppt/slides/slide13.xml><?xml version="1.0" encoding="utf-8"?>
+<file path=ppt/slides/slide15.xml><?xml version="1.0" encoding="utf-8"?>
 <p:sld xmlns:a="http://schemas.openxmlformats.org/drawingml/2006/main" xmlns:r="http://schemas.openxmlformats.org/officeDocument/2006/relationships" xmlns:p="http://schemas.openxmlformats.org/presentationml/2006/main">
   <p:cSld>
     <p:bg>
@@ -5037,7 +6015,7 @@
 </p:sld>
 </file>
 
-<file path=ppt/slides/slide14.xml><?xml version="1.0" encoding="utf-8"?>
+<file path=ppt/slides/slide16.xml><?xml version="1.0" encoding="utf-8"?>
 <p:sld xmlns:a="http://schemas.openxmlformats.org/drawingml/2006/main" xmlns:r="http://schemas.openxmlformats.org/officeDocument/2006/relationships" xmlns:p="http://schemas.openxmlformats.org/presentationml/2006/main">
   <p:cSld>
     <p:spTree>
@@ -5075,7 +6053,7 @@
           <a:bodyPr/>
           <a:lstStyle/>
           <a:p>
-            <a:endParaRPr lang="en-US"/>
+            <a:endParaRPr lang="en-US" dirty="0"/>
           </a:p>
         </p:txBody>
       </p:sp>
@@ -5100,7 +6078,10 @@
           <a:bodyPr/>
           <a:lstStyle/>
           <a:p>
-            <a:endParaRPr lang="en-US"/>
+            <a:r>
+              <a:rPr lang="en-US" dirty="0"/>
+              <a:t>Want to add time factor and state size factor</a:t>
+            </a:r>
           </a:p>
         </p:txBody>
       </p:sp>
@@ -5129,7 +6110,7 @@
 </p:sld>
 </file>
 
-<file path=ppt/slides/slide15.xml><?xml version="1.0" encoding="utf-8"?>
+<file path=ppt/slides/slide17.xml><?xml version="1.0" encoding="utf-8"?>
 <p:sld xmlns:a="http://schemas.openxmlformats.org/drawingml/2006/main" xmlns:r="http://schemas.openxmlformats.org/officeDocument/2006/relationships" xmlns:p="http://schemas.openxmlformats.org/presentationml/2006/main">
   <p:cSld>
     <p:spTree>
@@ -5822,8 +6803,8 @@
         </p:nvSpPr>
         <p:spPr>
           <a:xfrm>
-            <a:off x="0" y="1910443"/>
-            <a:ext cx="12001500" cy="2367643"/>
+            <a:off x="37214" y="1261856"/>
+            <a:ext cx="12001500" cy="5596143"/>
           </a:xfrm>
         </p:spPr>
         <p:txBody>
@@ -5846,15 +6827,135 @@
               <a:buChar char="Ø"/>
             </a:pPr>
             <a:r>
-              <a:rPr lang="en-US" dirty="0" err="1"/>
-              <a:t>hh</a:t>
-            </a:r>
-            <a:endParaRPr lang="en-US" dirty="0"/>
+              <a:rPr lang="en-US" dirty="0"/>
+              <a:t>First meet</a:t>
+            </a:r>
+          </a:p>
+          <a:p>
+            <a:pPr lvl="2">
+              <a:buFont typeface="Wingdings" panose="05000000000000000000" pitchFamily="2" charset="2"/>
+              <a:buChar char="Ø"/>
+            </a:pPr>
+            <a:r>
+              <a:rPr lang="en-US" dirty="0"/>
+              <a:t>Nervous, Shy, goofy, fast</a:t>
+            </a:r>
           </a:p>
           <a:p>
             <a:pPr lvl="1">
               <a:buFont typeface="Wingdings" panose="05000000000000000000" pitchFamily="2" charset="2"/>
-              <a:buChar char="ü"/>
+              <a:buChar char="Ø"/>
+            </a:pPr>
+            <a:r>
+              <a:rPr lang="en-US" dirty="0"/>
+              <a:t>At work</a:t>
+            </a:r>
+          </a:p>
+          <a:p>
+            <a:pPr lvl="2">
+              <a:buFont typeface="Wingdings" panose="05000000000000000000" pitchFamily="2" charset="2"/>
+              <a:buChar char="Ø"/>
+            </a:pPr>
+            <a:r>
+              <a:rPr lang="en-US" dirty="0"/>
+              <a:t>I am known to be every team’s go-to training and know-how expert.</a:t>
+            </a:r>
+          </a:p>
+          <a:p>
+            <a:pPr lvl="2">
+              <a:buFont typeface="Wingdings" panose="05000000000000000000" pitchFamily="2" charset="2"/>
+              <a:buChar char="Ø"/>
+            </a:pPr>
+            <a:r>
+              <a:rPr lang="en-US" dirty="0"/>
+              <a:t>Direct, formal, confident</a:t>
+            </a:r>
+          </a:p>
+          <a:p>
+            <a:pPr lvl="1">
+              <a:buFont typeface="Wingdings" panose="05000000000000000000" pitchFamily="2" charset="2"/>
+              <a:buChar char="Ø"/>
+            </a:pPr>
+            <a:r>
+              <a:rPr lang="en-US" sz="2800" dirty="0"/>
+              <a:t>At Home</a:t>
+            </a:r>
+          </a:p>
+          <a:p>
+            <a:pPr lvl="2">
+              <a:buFont typeface="Wingdings" panose="05000000000000000000" pitchFamily="2" charset="2"/>
+              <a:buChar char="Ø"/>
+            </a:pPr>
+            <a:r>
+              <a:rPr lang="en-US" sz="2400" dirty="0"/>
+              <a:t>I inspire my two daughters </a:t>
+            </a:r>
+          </a:p>
+          <a:p>
+            <a:pPr lvl="3">
+              <a:buFont typeface="Wingdings" panose="05000000000000000000" pitchFamily="2" charset="2"/>
+              <a:buChar char="Ø"/>
+            </a:pPr>
+            <a:r>
+              <a:rPr lang="en-US" sz="2200" dirty="0"/>
+              <a:t>by modeling: 	</a:t>
+            </a:r>
+          </a:p>
+          <a:p>
+            <a:pPr lvl="4">
+              <a:buFont typeface="Wingdings" panose="05000000000000000000" pitchFamily="2" charset="2"/>
+              <a:buChar char="Ø"/>
+            </a:pPr>
+            <a:r>
+              <a:rPr lang="en-US" sz="2200" dirty="0"/>
+              <a:t>Student</a:t>
+            </a:r>
+          </a:p>
+          <a:p>
+            <a:pPr lvl="4">
+              <a:buFont typeface="Wingdings" panose="05000000000000000000" pitchFamily="2" charset="2"/>
+              <a:buChar char="Ø"/>
+            </a:pPr>
+            <a:r>
+              <a:rPr lang="en-US" sz="2200" dirty="0"/>
+              <a:t>Family Member</a:t>
+            </a:r>
+          </a:p>
+          <a:p>
+            <a:pPr lvl="4">
+              <a:buFont typeface="Wingdings" panose="05000000000000000000" pitchFamily="2" charset="2"/>
+              <a:buChar char="Ø"/>
+            </a:pPr>
+            <a:r>
+              <a:rPr lang="en-US" sz="2200" dirty="0"/>
+              <a:t>Fulfilling Career</a:t>
+            </a:r>
+            <a:endParaRPr lang="en-US" sz="2800" dirty="0"/>
+          </a:p>
+          <a:p>
+            <a:pPr lvl="1">
+              <a:buFont typeface="Wingdings" panose="05000000000000000000" pitchFamily="2" charset="2"/>
+              <a:buChar char="Ø"/>
+            </a:pPr>
+            <a:r>
+              <a:rPr lang="en-US" sz="2800" dirty="0"/>
+              <a:t>Motivation</a:t>
+            </a:r>
+          </a:p>
+          <a:p>
+            <a:pPr lvl="2">
+              <a:buFont typeface="Wingdings" panose="05000000000000000000" pitchFamily="2" charset="2"/>
+              <a:buChar char="Ø"/>
+            </a:pPr>
+            <a:r>
+              <a:rPr lang="en-US" sz="2400" dirty="0"/>
+              <a:t>Love for information and a better understanding of data to improve life.</a:t>
+            </a:r>
+          </a:p>
+          <a:p>
+            <a:pPr lvl="1">
+              <a:buFont typeface="Wingdings" panose="05000000000000000000" pitchFamily="2" charset="2"/>
+              <a:buChar char="Ø"/>
             </a:pPr>
             <a:endParaRPr lang="en-US" sz="2800" dirty="0"/>
           </a:p>
@@ -6411,7 +7512,7 @@
               <a:buNone/>
             </a:pPr>
             <a:r>
-              <a:rPr lang="en-US" sz="2400">
+              <a:rPr lang="en-US" sz="2400" dirty="0">
                 <a:effectLst/>
                 <a:latin typeface="Calibri" panose="020F0502020204030204" pitchFamily="34" charset="0"/>
                 <a:ea typeface="Calibri" panose="020F0502020204030204" pitchFamily="34" charset="0"/>
@@ -6420,7 +7521,7 @@
               <a:t>With Alisha being an emergency dispatcher fo</a:t>
             </a:r>
             <a:r>
-              <a:rPr lang="en-US" sz="2400">
+              <a:rPr lang="en-US" sz="2400" dirty="0">
                 <a:latin typeface="Calibri" panose="020F0502020204030204" pitchFamily="34" charset="0"/>
                 <a:ea typeface="Calibri" panose="020F0502020204030204" pitchFamily="34" charset="0"/>
                 <a:cs typeface="Times New Roman" panose="02020603050405020304" pitchFamily="18" charset="0"/>
@@ -6428,7 +7529,7 @@
               <a:t>r a Sheriff’s office in Texas</a:t>
             </a:r>
             <a:r>
-              <a:rPr lang="en-US" sz="2400">
+              <a:rPr lang="en-US" sz="2400" dirty="0">
                 <a:effectLst/>
                 <a:latin typeface="Calibri" panose="020F0502020204030204" pitchFamily="34" charset="0"/>
                 <a:ea typeface="Calibri" panose="020F0502020204030204" pitchFamily="34" charset="0"/>
@@ -6442,7 +7543,7 @@
               <a:buNone/>
             </a:pPr>
             <a:r>
-              <a:rPr lang="en-US" sz="2400">
+              <a:rPr lang="en-US" sz="2400" dirty="0">
                 <a:effectLst/>
                 <a:latin typeface="Calibri" panose="020F0502020204030204" pitchFamily="34" charset="0"/>
                 <a:ea typeface="Calibri" panose="020F0502020204030204" pitchFamily="34" charset="0"/>
@@ -6522,6 +7623,86 @@
 </file>
 
 <file path=ppt/slides/slide6.xml><?xml version="1.0" encoding="utf-8"?>
+<p:sld xmlns:a="http://schemas.openxmlformats.org/drawingml/2006/main" xmlns:r="http://schemas.openxmlformats.org/officeDocument/2006/relationships" xmlns:p="http://schemas.openxmlformats.org/presentationml/2006/main">
+  <p:cSld>
+    <p:spTree>
+      <p:nvGrpSpPr>
+        <p:cNvPr id="1" name=""/>
+        <p:cNvGrpSpPr/>
+        <p:nvPr/>
+      </p:nvGrpSpPr>
+      <p:grpSpPr>
+        <a:xfrm>
+          <a:off x="0" y="0"/>
+          <a:ext cx="0" cy="0"/>
+          <a:chOff x="0" y="0"/>
+          <a:chExt cx="0" cy="0"/>
+        </a:xfrm>
+      </p:grpSpPr>
+      <p:sp>
+        <p:nvSpPr>
+          <p:cNvPr id="2" name="Title 1">
+            <a:extLst>
+              <a:ext uri="{FF2B5EF4-FFF2-40B4-BE49-F238E27FC236}">
+                <a16:creationId xmlns:a16="http://schemas.microsoft.com/office/drawing/2014/main" id="{FFF5D846-726C-B645-0922-C931C8626105}"/>
+              </a:ext>
+            </a:extLst>
+          </p:cNvPr>
+          <p:cNvSpPr>
+            <a:spLocks noGrp="1"/>
+          </p:cNvSpPr>
+          <p:nvPr>
+            <p:ph type="title"/>
+          </p:nvPr>
+        </p:nvSpPr>
+        <p:spPr/>
+        <p:txBody>
+          <a:bodyPr/>
+          <a:lstStyle/>
+          <a:p>
+            <a:endParaRPr lang="en-US"/>
+          </a:p>
+        </p:txBody>
+      </p:sp>
+      <p:sp>
+        <p:nvSpPr>
+          <p:cNvPr id="3" name="Content Placeholder 2">
+            <a:extLst>
+              <a:ext uri="{FF2B5EF4-FFF2-40B4-BE49-F238E27FC236}">
+                <a16:creationId xmlns:a16="http://schemas.microsoft.com/office/drawing/2014/main" id="{BB34B471-BDBC-3374-643F-91442E93AE21}"/>
+              </a:ext>
+            </a:extLst>
+          </p:cNvPr>
+          <p:cNvSpPr>
+            <a:spLocks noGrp="1"/>
+          </p:cNvSpPr>
+          <p:nvPr>
+            <p:ph idx="1"/>
+          </p:nvPr>
+        </p:nvSpPr>
+        <p:spPr/>
+        <p:txBody>
+          <a:bodyPr/>
+          <a:lstStyle/>
+          <a:p>
+            <a:endParaRPr lang="en-US"/>
+          </a:p>
+        </p:txBody>
+      </p:sp>
+    </p:spTree>
+    <p:extLst>
+      <p:ext uri="{BB962C8B-B14F-4D97-AF65-F5344CB8AC3E}">
+        <p14:creationId xmlns:p14="http://schemas.microsoft.com/office/powerpoint/2010/main" val="508226499"/>
+      </p:ext>
+    </p:extLst>
+  </p:cSld>
+  <p:clrMapOvr>
+    <a:masterClrMapping/>
+  </p:clrMapOvr>
+</p:sld>
+</file>
+
+<file path=ppt/slides/slide7.xml><?xml version="1.0" encoding="utf-8"?>
 <p:sld xmlns:a="http://schemas.openxmlformats.org/drawingml/2006/main" xmlns:r="http://schemas.openxmlformats.org/officeDocument/2006/relationships" xmlns:p="http://schemas.openxmlformats.org/presentationml/2006/main">
   <p:cSld>
     <p:spTree>
@@ -6876,7 +8057,7 @@
 </p:sld>
 </file>
 
-<file path=ppt/slides/slide7.xml><?xml version="1.0" encoding="utf-8"?>
+<file path=ppt/slides/slide8.xml><?xml version="1.0" encoding="utf-8"?>
 <p:sld xmlns:a="http://schemas.openxmlformats.org/drawingml/2006/main" xmlns:r="http://schemas.openxmlformats.org/officeDocument/2006/relationships" xmlns:p="http://schemas.openxmlformats.org/presentationml/2006/main">
   <p:cSld>
     <p:bg>
@@ -7212,7 +8393,10 @@
           </a:bodyPr>
           <a:lstStyle/>
           <a:p>
-            <a:endParaRPr lang="en-US" sz="5400"/>
+            <a:r>
+              <a:rPr lang="en-US" sz="5400" dirty="0"/>
+              <a:t>Pearson’s Correlation </a:t>
+            </a:r>
           </a:p>
         </p:txBody>
       </p:sp>
@@ -7244,7 +8428,7 @@
           </a:bodyPr>
           <a:lstStyle/>
           <a:p>
-            <a:endParaRPr lang="en-US" sz="2000"/>
+            <a:endParaRPr lang="en-US" sz="2000" dirty="0"/>
           </a:p>
         </p:txBody>
       </p:sp>
@@ -7252,372 +8436,6 @@
     <p:extLst>
       <p:ext uri="{BB962C8B-B14F-4D97-AF65-F5344CB8AC3E}">
         <p14:creationId xmlns:p14="http://schemas.microsoft.com/office/powerpoint/2010/main" val="2478479337"/>
-      </p:ext>
-    </p:extLst>
-  </p:cSld>
-  <p:clrMapOvr>
-    <a:masterClrMapping/>
-  </p:clrMapOvr>
-  <mc:AlternateContent xmlns:mc="http://schemas.openxmlformats.org/markup-compatibility/2006" xmlns:p14="http://schemas.microsoft.com/office/powerpoint/2010/main">
-    <mc:Choice Requires="p14">
-      <p:transition spd="slow" p14:dur="3400">
-        <p14:reveal/>
-      </p:transition>
-    </mc:Choice>
-    <mc:Fallback xmlns="">
-      <p:transition spd="slow">
-        <p:fade/>
-      </p:transition>
-    </mc:Fallback>
-  </mc:AlternateContent>
-</p:sld>
-</file>
-
-<file path=ppt/slides/slide8.xml><?xml version="1.0" encoding="utf-8"?>
-<p:sld xmlns:a="http://schemas.openxmlformats.org/drawingml/2006/main" xmlns:r="http://schemas.openxmlformats.org/officeDocument/2006/relationships" xmlns:p="http://schemas.openxmlformats.org/presentationml/2006/main">
-  <p:cSld>
-    <p:bg>
-      <p:bgPr>
-        <a:solidFill>
-          <a:schemeClr val="bg1"/>
-        </a:solidFill>
-        <a:effectLst/>
-      </p:bgPr>
-    </p:bg>
-    <p:spTree>
-      <p:nvGrpSpPr>
-        <p:cNvPr id="1" name=""/>
-        <p:cNvGrpSpPr/>
-        <p:nvPr/>
-      </p:nvGrpSpPr>
-      <p:grpSpPr>
-        <a:xfrm>
-          <a:off x="0" y="0"/>
-          <a:ext cx="0" cy="0"/>
-          <a:chOff x="0" y="0"/>
-          <a:chExt cx="0" cy="0"/>
-        </a:xfrm>
-      </p:grpSpPr>
-      <p:sp useBgFill="1">
-        <p:nvSpPr>
-          <p:cNvPr id="22" name="Rectangle 21">
-            <a:extLst>
-              <a:ext uri="{FF2B5EF4-FFF2-40B4-BE49-F238E27FC236}">
-                <a16:creationId xmlns:a16="http://schemas.microsoft.com/office/drawing/2014/main" id="{9095C1F4-AE7F-44E4-8693-40D3D6831140}"/>
-              </a:ext>
-              <a:ext uri="{C183D7F6-B498-43B3-948B-1728B52AA6E4}">
-                <adec:decorative xmlns:adec="http://schemas.microsoft.com/office/drawing/2017/decorative" val="1"/>
-              </a:ext>
-            </a:extLst>
-          </p:cNvPr>
-          <p:cNvSpPr>
-            <a:spLocks noGrp="1" noRot="1" noChangeAspect="1" noMove="1" noResize="1" noEditPoints="1" noAdjustHandles="1" noChangeArrowheads="1" noChangeShapeType="1" noTextEdit="1"/>
-          </p:cNvSpPr>
-          <p:nvPr>
-            <p:extLst>
-              <p:ext uri="{386F3935-93C4-4BCD-93E2-E3B085C9AB24}">
-                <p16:designElem xmlns:p16="http://schemas.microsoft.com/office/powerpoint/2015/main" val="1"/>
-              </p:ext>
-            </p:extLst>
-          </p:nvPr>
-        </p:nvSpPr>
-        <p:spPr>
-          <a:xfrm>
-            <a:off x="0" y="0"/>
-            <a:ext cx="12191999" cy="6857365"/>
-          </a:xfrm>
-          <a:prstGeom prst="rect">
-            <a:avLst/>
-          </a:prstGeom>
-          <a:ln>
-            <a:noFill/>
-          </a:ln>
-        </p:spPr>
-        <p:style>
-          <a:lnRef idx="2">
-            <a:schemeClr val="accent1">
-              <a:shade val="50000"/>
-            </a:schemeClr>
-          </a:lnRef>
-          <a:fillRef idx="1">
-            <a:schemeClr val="accent1"/>
-          </a:fillRef>
-          <a:effectRef idx="0">
-            <a:schemeClr val="accent1"/>
-          </a:effectRef>
-          <a:fontRef idx="minor">
-            <a:schemeClr val="lt1"/>
-          </a:fontRef>
-        </p:style>
-        <p:txBody>
-          <a:bodyPr rtlCol="0" anchor="ctr"/>
-          <a:lstStyle/>
-          <a:p>
-            <a:pPr algn="ctr"/>
-            <a:endParaRPr lang="en-US"/>
-          </a:p>
-        </p:txBody>
-      </p:sp>
-      <p:grpSp>
-        <p:nvGrpSpPr>
-          <p:cNvPr id="24" name="Group 23">
-            <a:extLst>
-              <a:ext uri="{FF2B5EF4-FFF2-40B4-BE49-F238E27FC236}">
-                <a16:creationId xmlns:a16="http://schemas.microsoft.com/office/drawing/2014/main" id="{8734DDD3-F723-4DD3-8ABE-EC0B2AC87D74}"/>
-              </a:ext>
-              <a:ext uri="{C183D7F6-B498-43B3-948B-1728B52AA6E4}">
-                <adec:decorative xmlns:adec="http://schemas.microsoft.com/office/drawing/2017/decorative" val="1"/>
-              </a:ext>
-            </a:extLst>
-          </p:cNvPr>
-          <p:cNvGrpSpPr>
-            <a:grpSpLocks noGrp="1" noUngrp="1" noRot="1" noChangeAspect="1" noMove="1" noResize="1"/>
-          </p:cNvGrpSpPr>
-          <p:nvPr>
-            <p:extLst>
-              <p:ext uri="{386F3935-93C4-4BCD-93E2-E3B085C9AB24}">
-                <p16:designElem xmlns:p16="http://schemas.microsoft.com/office/powerpoint/2015/main" val="1"/>
-              </p:ext>
-            </p:extLst>
-          </p:nvPr>
-        </p:nvGrpSpPr>
-        <p:grpSpPr>
-          <a:xfrm>
-            <a:off x="2522324" y="-15978"/>
-            <a:ext cx="7147352" cy="5876916"/>
-            <a:chOff x="329184" y="-99107"/>
-            <a:chExt cx="524256" cy="5876916"/>
-          </a:xfrm>
-        </p:grpSpPr>
-        <p:cxnSp>
-          <p:nvCxnSpPr>
-            <p:cNvPr id="25" name="Straight Connector 24">
-              <a:extLst>
-                <a:ext uri="{FF2B5EF4-FFF2-40B4-BE49-F238E27FC236}">
-                  <a16:creationId xmlns:a16="http://schemas.microsoft.com/office/drawing/2014/main" id="{F7C8EA93-3210-4C62-99E9-153C275E3A87}"/>
-                </a:ext>
-                <a:ext uri="{C183D7F6-B498-43B3-948B-1728B52AA6E4}">
-                  <adec:decorative xmlns:adec="http://schemas.microsoft.com/office/drawing/2017/decorative" val="1"/>
-                </a:ext>
-              </a:extLst>
-            </p:cNvPr>
-            <p:cNvCxnSpPr>
-              <a:cxnSpLocks/>
-            </p:cNvCxnSpPr>
-            <p:nvPr>
-              <p:extLst>
-                <p:ext uri="{386F3935-93C4-4BCD-93E2-E3B085C9AB24}">
-                  <p16:designElem xmlns:p16="http://schemas.microsoft.com/office/powerpoint/2015/main" val="1"/>
-                </p:ext>
-              </p:extLst>
-            </p:nvPr>
-          </p:nvCxnSpPr>
-          <p:spPr>
-            <a:xfrm flipH="1">
-              <a:off x="329184" y="5777809"/>
-              <a:ext cx="523824" cy="0"/>
-            </a:xfrm>
-            <a:prstGeom prst="line">
-              <a:avLst/>
-            </a:prstGeom>
-            <a:ln w="152400">
-              <a:solidFill>
-                <a:schemeClr val="accent4"/>
-              </a:solidFill>
-            </a:ln>
-          </p:spPr>
-          <p:style>
-            <a:lnRef idx="1">
-              <a:schemeClr val="accent1"/>
-            </a:lnRef>
-            <a:fillRef idx="0">
-              <a:schemeClr val="accent1"/>
-            </a:fillRef>
-            <a:effectRef idx="0">
-              <a:schemeClr val="accent1"/>
-            </a:effectRef>
-            <a:fontRef idx="minor">
-              <a:schemeClr val="tx1"/>
-            </a:fontRef>
-          </p:style>
-        </p:cxnSp>
-        <p:sp>
-          <p:nvSpPr>
-            <p:cNvPr id="26" name="Rectangle 25">
-              <a:extLst>
-                <a:ext uri="{FF2B5EF4-FFF2-40B4-BE49-F238E27FC236}">
-                  <a16:creationId xmlns:a16="http://schemas.microsoft.com/office/drawing/2014/main" id="{5EB7D2A2-F448-44D4-938C-DC84CBCB3B1E}"/>
-                </a:ext>
-                <a:ext uri="{C183D7F6-B498-43B3-948B-1728B52AA6E4}">
-                  <adec:decorative xmlns:adec="http://schemas.microsoft.com/office/drawing/2017/decorative" val="1"/>
-                </a:ext>
-              </a:extLst>
-            </p:cNvPr>
-            <p:cNvSpPr/>
-            <p:nvPr>
-              <p:extLst>
-                <p:ext uri="{386F3935-93C4-4BCD-93E2-E3B085C9AB24}">
-                  <p16:designElem xmlns:p16="http://schemas.microsoft.com/office/powerpoint/2015/main" val="1"/>
-                </p:ext>
-              </p:extLst>
-            </p:nvPr>
-          </p:nvSpPr>
-          <p:spPr>
-            <a:xfrm>
-              <a:off x="329184" y="-99107"/>
-              <a:ext cx="524256" cy="5631228"/>
-            </a:xfrm>
-            <a:prstGeom prst="rect">
-              <a:avLst/>
-            </a:prstGeom>
-            <a:solidFill>
-              <a:schemeClr val="accent4"/>
-            </a:solidFill>
-            <a:ln>
-              <a:noFill/>
-            </a:ln>
-          </p:spPr>
-          <p:style>
-            <a:lnRef idx="2">
-              <a:schemeClr val="accent1">
-                <a:shade val="50000"/>
-              </a:schemeClr>
-            </a:lnRef>
-            <a:fillRef idx="1">
-              <a:schemeClr val="accent1"/>
-            </a:fillRef>
-            <a:effectRef idx="0">
-              <a:schemeClr val="accent1"/>
-            </a:effectRef>
-            <a:fontRef idx="minor">
-              <a:schemeClr val="lt1"/>
-            </a:fontRef>
-          </p:style>
-          <p:txBody>
-            <a:bodyPr rtlCol="0" anchor="ctr"/>
-            <a:lstStyle/>
-            <a:p>
-              <a:pPr algn="ctr"/>
-              <a:endParaRPr lang="en-US" dirty="0"/>
-            </a:p>
-          </p:txBody>
-        </p:sp>
-      </p:grpSp>
-      <p:sp>
-        <p:nvSpPr>
-          <p:cNvPr id="28" name="Rectangle 27">
-            <a:extLst>
-              <a:ext uri="{FF2B5EF4-FFF2-40B4-BE49-F238E27FC236}">
-                <a16:creationId xmlns:a16="http://schemas.microsoft.com/office/drawing/2014/main" id="{871AEA07-1E14-44B4-8E55-64EF049CD66F}"/>
-              </a:ext>
-              <a:ext uri="{C183D7F6-B498-43B3-948B-1728B52AA6E4}">
-                <adec:decorative xmlns:adec="http://schemas.microsoft.com/office/drawing/2017/decorative" val="1"/>
-              </a:ext>
-            </a:extLst>
-          </p:cNvPr>
-          <p:cNvSpPr>
-            <a:spLocks noGrp="1" noRot="1" noChangeAspect="1" noMove="1" noResize="1" noEditPoints="1" noAdjustHandles="1" noChangeArrowheads="1" noChangeShapeType="1" noTextEdit="1"/>
-          </p:cNvSpPr>
-          <p:nvPr>
-            <p:extLst>
-              <p:ext uri="{386F3935-93C4-4BCD-93E2-E3B085C9AB24}">
-                <p16:designElem xmlns:p16="http://schemas.microsoft.com/office/powerpoint/2015/main" val="1"/>
-              </p:ext>
-            </p:extLst>
-          </p:nvPr>
-        </p:nvSpPr>
-        <p:spPr>
-          <a:xfrm>
-            <a:off x="596464" y="1055718"/>
-            <a:ext cx="10999072" cy="3358344"/>
-          </a:xfrm>
-          <a:prstGeom prst="rect">
-            <a:avLst/>
-          </a:prstGeom>
-          <a:solidFill>
-            <a:schemeClr val="bg1"/>
-          </a:solidFill>
-          <a:ln>
-            <a:noFill/>
-          </a:ln>
-          <a:effectLst>
-            <a:outerShdw blurRad="139700" dist="127000" dir="5400000" algn="t" rotWithShape="0">
-              <a:prstClr val="black">
-                <a:alpha val="15000"/>
-              </a:prstClr>
-            </a:outerShdw>
-          </a:effectLst>
-        </p:spPr>
-        <p:style>
-          <a:lnRef idx="2">
-            <a:schemeClr val="accent1">
-              <a:shade val="50000"/>
-            </a:schemeClr>
-          </a:lnRef>
-          <a:fillRef idx="1">
-            <a:schemeClr val="accent1"/>
-          </a:fillRef>
-          <a:effectRef idx="0">
-            <a:schemeClr val="accent1"/>
-          </a:effectRef>
-          <a:fontRef idx="minor">
-            <a:schemeClr val="lt1"/>
-          </a:fontRef>
-        </p:style>
-        <p:txBody>
-          <a:bodyPr rtlCol="0" anchor="ctr"/>
-          <a:lstStyle/>
-          <a:p>
-            <a:pPr algn="ctr"/>
-            <a:endParaRPr lang="en-US"/>
-          </a:p>
-        </p:txBody>
-      </p:sp>
-      <p:sp>
-        <p:nvSpPr>
-          <p:cNvPr id="2" name="Title 1">
-            <a:extLst>
-              <a:ext uri="{FF2B5EF4-FFF2-40B4-BE49-F238E27FC236}">
-                <a16:creationId xmlns:a16="http://schemas.microsoft.com/office/drawing/2014/main" id="{BD31A0EF-76AB-411A-B34D-897C6FC1580A}"/>
-              </a:ext>
-            </a:extLst>
-          </p:cNvPr>
-          <p:cNvSpPr>
-            <a:spLocks noGrp="1"/>
-          </p:cNvSpPr>
-          <p:nvPr>
-            <p:ph type="title"/>
-          </p:nvPr>
-        </p:nvSpPr>
-        <p:spPr>
-          <a:xfrm>
-            <a:off x="1524000" y="1584683"/>
-            <a:ext cx="9144000" cy="2551829"/>
-          </a:xfrm>
-        </p:spPr>
-        <p:txBody>
-          <a:bodyPr vert="horz" lIns="91440" tIns="45720" rIns="91440" bIns="45720" rtlCol="0" anchor="ctr">
-            <a:normAutofit/>
-          </a:bodyPr>
-          <a:lstStyle/>
-          <a:p>
-            <a:pPr algn="ctr"/>
-            <a:r>
-              <a:rPr lang="en-US" sz="6600" b="1" kern="1200" dirty="0">
-                <a:solidFill>
-                  <a:schemeClr val="tx1"/>
-                </a:solidFill>
-                <a:latin typeface="Amasis MT Pro Black" panose="02040A04050005020304" pitchFamily="18" charset="0"/>
-              </a:rPr>
-              <a:t>Results</a:t>
-            </a:r>
-          </a:p>
-        </p:txBody>
-      </p:sp>
-    </p:spTree>
-    <p:extLst>
-      <p:ext uri="{BB962C8B-B14F-4D97-AF65-F5344CB8AC3E}">
-        <p14:creationId xmlns:p14="http://schemas.microsoft.com/office/powerpoint/2010/main" val="1468136644"/>
       </p:ext>
     </p:extLst>
   </p:cSld>
@@ -7666,10 +8484,10 @@
       </p:grpSpPr>
       <p:sp useBgFill="1">
         <p:nvSpPr>
-          <p:cNvPr id="21" name="Rectangle 20">
-            <a:extLst>
-              <a:ext uri="{FF2B5EF4-FFF2-40B4-BE49-F238E27FC236}">
-                <a16:creationId xmlns:a16="http://schemas.microsoft.com/office/drawing/2014/main" id="{28D31E1B-0407-4223-9642-0B642CBF57D9}"/>
+          <p:cNvPr id="8" name="Rectangle 7">
+            <a:extLst>
+              <a:ext uri="{FF2B5EF4-FFF2-40B4-BE49-F238E27FC236}">
+                <a16:creationId xmlns:a16="http://schemas.microsoft.com/office/drawing/2014/main" id="{4DA718D0-4865-4629-8134-44F68D41D574}"/>
               </a:ext>
               <a:ext uri="{C183D7F6-B498-43B3-948B-1728B52AA6E4}">
                 <adec:decorative xmlns:adec="http://schemas.microsoft.com/office/drawing/2017/decorative" val="1"/>
@@ -7726,10 +8544,10 @@
       </p:sp>
       <p:grpSp>
         <p:nvGrpSpPr>
-          <p:cNvPr id="23" name="Group 22">
-            <a:extLst>
-              <a:ext uri="{FF2B5EF4-FFF2-40B4-BE49-F238E27FC236}">
-                <a16:creationId xmlns:a16="http://schemas.microsoft.com/office/drawing/2014/main" id="{AE1C45F0-260A-458C-96ED-C1F6D2151219}"/>
+          <p:cNvPr id="10" name="Group 9">
+            <a:extLst>
+              <a:ext uri="{FF2B5EF4-FFF2-40B4-BE49-F238E27FC236}">
+                <a16:creationId xmlns:a16="http://schemas.microsoft.com/office/drawing/2014/main" id="{65167ED7-6315-43AB-B1B6-C326D5FD8F84}"/>
               </a:ext>
               <a:ext uri="{C183D7F6-B498-43B3-948B-1728B52AA6E4}">
                 <adec:decorative xmlns:adec="http://schemas.microsoft.com/office/drawing/2017/decorative" val="1"/>
@@ -7748,11 +8566,11 @@
           </p:nvPr>
         </p:nvGrpSpPr>
         <p:grpSpPr>
-          <a:xfrm>
-            <a:off x="4" y="1062849"/>
-            <a:ext cx="731521" cy="673460"/>
-            <a:chOff x="3940602" y="308034"/>
-            <a:chExt cx="2116791" cy="3428999"/>
+          <a:xfrm rot="5400000">
+            <a:off x="-2340441" y="2666183"/>
+            <a:ext cx="5860051" cy="527712"/>
+            <a:chOff x="6081624" y="1998368"/>
+            <a:chExt cx="5613457" cy="782175"/>
           </a:xfrm>
           <a:solidFill>
             <a:schemeClr val="accent4"/>
@@ -7760,10 +8578,10 @@
         </p:grpSpPr>
         <p:sp>
           <p:nvSpPr>
-            <p:cNvPr id="24" name="Rectangle 23">
+            <p:cNvPr id="11" name="Rectangle 10">
               <a:extLst>
                 <a:ext uri="{FF2B5EF4-FFF2-40B4-BE49-F238E27FC236}">
-                  <a16:creationId xmlns:a16="http://schemas.microsoft.com/office/drawing/2014/main" id="{A6604B49-AD5C-4590-B051-06C8222ECD99}"/>
+                  <a16:creationId xmlns:a16="http://schemas.microsoft.com/office/drawing/2014/main" id="{EF4D8839-FB03-487D-ACC8-8BFEDD4FEBAE}"/>
                 </a:ext>
                 <a:ext uri="{C183D7F6-B498-43B3-948B-1728B52AA6E4}">
                   <adec:decorative xmlns:adec="http://schemas.microsoft.com/office/drawing/2017/decorative" val="1"/>
@@ -7780,9 +8598,9 @@
             </p:nvPr>
           </p:nvSpPr>
           <p:spPr>
-            <a:xfrm>
-              <a:off x="3940602" y="308034"/>
-              <a:ext cx="566743" cy="3428999"/>
+            <a:xfrm rot="5400000">
+              <a:off x="11228040" y="2313027"/>
+              <a:ext cx="781700" cy="152382"/>
             </a:xfrm>
             <a:prstGeom prst="rect">
               <a:avLst/>
@@ -7819,10 +8637,10 @@
         </p:sp>
         <p:sp>
           <p:nvSpPr>
-            <p:cNvPr id="25" name="Rectangle 24">
+            <p:cNvPr id="12" name="Rectangle 11">
               <a:extLst>
                 <a:ext uri="{FF2B5EF4-FFF2-40B4-BE49-F238E27FC236}">
-                  <a16:creationId xmlns:a16="http://schemas.microsoft.com/office/drawing/2014/main" id="{743ECCAF-29C5-4537-947C-7EA1292463DB}"/>
+                  <a16:creationId xmlns:a16="http://schemas.microsoft.com/office/drawing/2014/main" id="{0EF75023-9A3B-42FC-B704-61A8F7BEF415}"/>
                 </a:ext>
                 <a:ext uri="{C183D7F6-B498-43B3-948B-1728B52AA6E4}">
                   <adec:decorative xmlns:adec="http://schemas.microsoft.com/office/drawing/2017/decorative" val="1"/>
@@ -7839,68 +8657,9 @@
             </p:nvPr>
           </p:nvSpPr>
           <p:spPr>
-            <a:xfrm>
-              <a:off x="4715626" y="308034"/>
-              <a:ext cx="566743" cy="3428999"/>
-            </a:xfrm>
-            <a:prstGeom prst="rect">
-              <a:avLst/>
-            </a:prstGeom>
-            <a:grpFill/>
-            <a:ln>
-              <a:noFill/>
-            </a:ln>
-          </p:spPr>
-          <p:style>
-            <a:lnRef idx="2">
-              <a:schemeClr val="accent1">
-                <a:shade val="50000"/>
-              </a:schemeClr>
-            </a:lnRef>
-            <a:fillRef idx="1">
-              <a:schemeClr val="accent1"/>
-            </a:fillRef>
-            <a:effectRef idx="0">
-              <a:schemeClr val="accent1"/>
-            </a:effectRef>
-            <a:fontRef idx="minor">
-              <a:schemeClr val="lt1"/>
-            </a:fontRef>
-          </p:style>
-          <p:txBody>
-            <a:bodyPr rtlCol="0" anchor="ctr"/>
-            <a:lstStyle/>
-            <a:p>
-              <a:pPr algn="ctr"/>
-              <a:endParaRPr lang="en-US"/>
-            </a:p>
-          </p:txBody>
-        </p:sp>
-        <p:sp>
-          <p:nvSpPr>
-            <p:cNvPr id="26" name="Rectangle 25">
-              <a:extLst>
-                <a:ext uri="{FF2B5EF4-FFF2-40B4-BE49-F238E27FC236}">
-                  <a16:creationId xmlns:a16="http://schemas.microsoft.com/office/drawing/2014/main" id="{ED49787B-8DE6-4467-AD0A-8DECC6E0C2D6}"/>
-                </a:ext>
-                <a:ext uri="{C183D7F6-B498-43B3-948B-1728B52AA6E4}">
-                  <adec:decorative xmlns:adec="http://schemas.microsoft.com/office/drawing/2017/decorative" val="1"/>
-                </a:ext>
-              </a:extLst>
-            </p:cNvPr>
-            <p:cNvSpPr/>
-            <p:nvPr>
-              <p:extLst>
-                <p:ext uri="{386F3935-93C4-4BCD-93E2-E3B085C9AB24}">
-                  <p16:designElem xmlns:p16="http://schemas.microsoft.com/office/powerpoint/2015/main" val="1"/>
-                </p:ext>
-              </p:extLst>
-            </p:nvPr>
-          </p:nvSpPr>
-          <p:spPr>
-            <a:xfrm>
-              <a:off x="5490650" y="308034"/>
-              <a:ext cx="566743" cy="3428999"/>
+            <a:xfrm flipH="1" flipV="1">
+              <a:off x="6081624" y="1998844"/>
+              <a:ext cx="5372968" cy="781699"/>
             </a:xfrm>
             <a:prstGeom prst="rect">
               <a:avLst/>
@@ -7938,10 +8697,10 @@
       </p:grpSp>
       <p:sp>
         <p:nvSpPr>
-          <p:cNvPr id="28" name="Rectangle 27">
-            <a:extLst>
-              <a:ext uri="{FF2B5EF4-FFF2-40B4-BE49-F238E27FC236}">
-                <a16:creationId xmlns:a16="http://schemas.microsoft.com/office/drawing/2014/main" id="{D5B0017B-2ECA-49AF-B397-DC140825DF8D}"/>
+          <p:cNvPr id="14" name="Rectangle 13">
+            <a:extLst>
+              <a:ext uri="{FF2B5EF4-FFF2-40B4-BE49-F238E27FC236}">
+                <a16:creationId xmlns:a16="http://schemas.microsoft.com/office/drawing/2014/main" id="{CBC4F608-B4B8-48C3-9572-C0F061B1CD99}"/>
               </a:ext>
               <a:ext uri="{C183D7F6-B498-43B3-948B-1728B52AA6E4}">
                 <adec:decorative xmlns:adec="http://schemas.microsoft.com/office/drawing/2017/decorative" val="1"/>
@@ -7961,8 +8720,8 @@
         </p:nvSpPr>
         <p:spPr>
           <a:xfrm>
-            <a:off x="640080" y="656150"/>
-            <a:ext cx="5672667" cy="1431591"/>
+            <a:off x="579528" y="922919"/>
+            <a:ext cx="11111729" cy="5461252"/>
           </a:xfrm>
           <a:prstGeom prst="rect">
             <a:avLst/>
@@ -8011,7 +8770,7 @@
           <p:cNvPr id="2" name="Title 1">
             <a:extLst>
               <a:ext uri="{FF2B5EF4-FFF2-40B4-BE49-F238E27FC236}">
-                <a16:creationId xmlns:a16="http://schemas.microsoft.com/office/drawing/2014/main" id="{962B80DA-8142-8D94-0ABA-BA836466217F}"/>
+                <a16:creationId xmlns:a16="http://schemas.microsoft.com/office/drawing/2014/main" id="{7F12E6D1-73C5-FF0A-9874-0178F375DCA0}"/>
               </a:ext>
             </a:extLst>
           </p:cNvPr>
@@ -8024,8 +8783,43 @@
         </p:nvSpPr>
         <p:spPr>
           <a:xfrm>
-            <a:off x="1043631" y="873940"/>
-            <a:ext cx="5052369" cy="1035781"/>
+            <a:off x="1282963" y="1238080"/>
+            <a:ext cx="9849751" cy="1349671"/>
+          </a:xfrm>
+        </p:spPr>
+        <p:txBody>
+          <a:bodyPr anchor="b">
+            <a:normAutofit/>
+          </a:bodyPr>
+          <a:lstStyle/>
+          <a:p>
+            <a:r>
+              <a:rPr lang="en-US" sz="5400" dirty="0"/>
+              <a:t>Step Wise Linear Regression </a:t>
+            </a:r>
+          </a:p>
+        </p:txBody>
+      </p:sp>
+      <p:sp>
+        <p:nvSpPr>
+          <p:cNvPr id="3" name="Content Placeholder 2">
+            <a:extLst>
+              <a:ext uri="{FF2B5EF4-FFF2-40B4-BE49-F238E27FC236}">
+                <a16:creationId xmlns:a16="http://schemas.microsoft.com/office/drawing/2014/main" id="{769EFFE2-E258-1455-7969-35DDC4AB7229}"/>
+              </a:ext>
+            </a:extLst>
+          </p:cNvPr>
+          <p:cNvSpPr>
+            <a:spLocks noGrp="1"/>
+          </p:cNvSpPr>
+          <p:nvPr>
+            <p:ph idx="1"/>
+          </p:nvPr>
+        </p:nvSpPr>
+        <p:spPr>
+          <a:xfrm>
+            <a:off x="1289304" y="2902913"/>
+            <a:ext cx="9849751" cy="3032168"/>
           </a:xfrm>
         </p:spPr>
         <p:txBody>
@@ -8034,213 +8828,27 @@
           </a:bodyPr>
           <a:lstStyle/>
           <a:p>
-            <a:r>
-              <a:rPr lang="en-US" sz="3600" dirty="0"/>
-              <a:t>Unemployment</a:t>
-            </a:r>
-          </a:p>
-        </p:txBody>
-      </p:sp>
-      <p:sp>
-        <p:nvSpPr>
-          <p:cNvPr id="18" name="Content Placeholder 17">
-            <a:extLst>
-              <a:ext uri="{FF2B5EF4-FFF2-40B4-BE49-F238E27FC236}">
-                <a16:creationId xmlns:a16="http://schemas.microsoft.com/office/drawing/2014/main" id="{40295043-94EB-2896-2A37-F5168BB65B72}"/>
-              </a:ext>
-            </a:extLst>
-          </p:cNvPr>
-          <p:cNvSpPr>
-            <a:spLocks noGrp="1"/>
-          </p:cNvSpPr>
-          <p:nvPr>
-            <p:ph idx="1"/>
-          </p:nvPr>
-        </p:nvSpPr>
-        <p:spPr>
-          <a:xfrm>
-            <a:off x="1045029" y="2524721"/>
-            <a:ext cx="4991629" cy="3677123"/>
-          </a:xfrm>
-        </p:spPr>
-        <p:txBody>
-          <a:bodyPr anchor="ctr">
-            <a:normAutofit/>
-          </a:bodyPr>
-          <a:lstStyle/>
-          <a:p>
-            <a:endParaRPr lang="en-US" sz="1800" dirty="0"/>
-          </a:p>
-        </p:txBody>
-      </p:sp>
-      <p:sp>
-        <p:nvSpPr>
-          <p:cNvPr id="30" name="Rectangle 29">
-            <a:extLst>
-              <a:ext uri="{FF2B5EF4-FFF2-40B4-BE49-F238E27FC236}">
-                <a16:creationId xmlns:a16="http://schemas.microsoft.com/office/drawing/2014/main" id="{70E96339-907C-46C3-99AC-31179B6F0EBD}"/>
-              </a:ext>
-              <a:ext uri="{C183D7F6-B498-43B3-948B-1728B52AA6E4}">
-                <adec:decorative xmlns:adec="http://schemas.microsoft.com/office/drawing/2017/decorative" val="1"/>
-              </a:ext>
-            </a:extLst>
-          </p:cNvPr>
-          <p:cNvSpPr>
-            <a:spLocks noGrp="1" noRot="1" noChangeAspect="1" noMove="1" noResize="1" noEditPoints="1" noAdjustHandles="1" noChangeArrowheads="1" noChangeShapeType="1" noTextEdit="1"/>
-          </p:cNvSpPr>
-          <p:nvPr>
-            <p:extLst>
-              <p:ext uri="{386F3935-93C4-4BCD-93E2-E3B085C9AB24}">
-                <p16:designElem xmlns:p16="http://schemas.microsoft.com/office/powerpoint/2015/main" val="1"/>
-              </p:ext>
-            </p:extLst>
-          </p:nvPr>
-        </p:nvSpPr>
-        <p:spPr>
-          <a:xfrm>
-            <a:off x="6716299" y="608401"/>
-            <a:ext cx="4637502" cy="5593443"/>
-          </a:xfrm>
-          <a:prstGeom prst="rect">
-            <a:avLst/>
-          </a:prstGeom>
-          <a:solidFill>
-            <a:schemeClr val="bg1"/>
-          </a:solidFill>
-          <a:ln>
-            <a:noFill/>
-          </a:ln>
-          <a:effectLst>
-            <a:outerShdw blurRad="139700" dist="127000" dir="5400000" algn="t" rotWithShape="0">
-              <a:prstClr val="black">
-                <a:alpha val="15000"/>
-              </a:prstClr>
-            </a:outerShdw>
-          </a:effectLst>
-        </p:spPr>
-        <p:style>
-          <a:lnRef idx="2">
-            <a:schemeClr val="accent1">
-              <a:shade val="50000"/>
-            </a:schemeClr>
-          </a:lnRef>
-          <a:fillRef idx="1">
-            <a:schemeClr val="accent1"/>
-          </a:fillRef>
-          <a:effectRef idx="0">
-            <a:schemeClr val="accent1"/>
-          </a:effectRef>
-          <a:fontRef idx="minor">
-            <a:schemeClr val="lt1"/>
-          </a:fontRef>
-        </p:style>
-        <p:txBody>
-          <a:bodyPr rtlCol="0" anchor="ctr"/>
-          <a:lstStyle/>
-          <a:p>
-            <a:pPr algn="ctr"/>
-            <a:endParaRPr lang="en-US"/>
-          </a:p>
-        </p:txBody>
-      </p:sp>
-      <p:pic>
-        <p:nvPicPr>
-          <p:cNvPr id="5" name="Content Placeholder 4">
-            <a:extLst>
-              <a:ext uri="{FF2B5EF4-FFF2-40B4-BE49-F238E27FC236}">
-                <a16:creationId xmlns:a16="http://schemas.microsoft.com/office/drawing/2014/main" id="{7D5B9293-7DD4-33BC-761F-0B9DCE1BD386}"/>
-              </a:ext>
-            </a:extLst>
-          </p:cNvPr>
-          <p:cNvPicPr>
-            <a:picLocks noChangeAspect="1"/>
-          </p:cNvPicPr>
-          <p:nvPr/>
-        </p:nvPicPr>
-        <p:blipFill rotWithShape="1">
-          <a:blip r:embed="rId2"/>
-          <a:srcRect t="3260"/>
-          <a:stretch/>
-        </p:blipFill>
-        <p:spPr>
-          <a:xfrm>
-            <a:off x="6930493" y="2297748"/>
-            <a:ext cx="4223252" cy="2322787"/>
-          </a:xfrm>
-          <a:prstGeom prst="rect">
-            <a:avLst/>
-          </a:prstGeom>
-        </p:spPr>
-      </p:pic>
-      <p:cxnSp>
-        <p:nvCxnSpPr>
-          <p:cNvPr id="32" name="Straight Connector 31">
-            <a:extLst>
-              <a:ext uri="{FF2B5EF4-FFF2-40B4-BE49-F238E27FC236}">
-                <a16:creationId xmlns:a16="http://schemas.microsoft.com/office/drawing/2014/main" id="{6CF1BAF6-AD41-4082-B212-8A1F9A2E8779}"/>
-              </a:ext>
-              <a:ext uri="{C183D7F6-B498-43B3-948B-1728B52AA6E4}">
-                <adec:decorative xmlns:adec="http://schemas.microsoft.com/office/drawing/2017/decorative" val="1"/>
-              </a:ext>
-            </a:extLst>
-          </p:cNvPr>
-          <p:cNvCxnSpPr>
-            <a:cxnSpLocks noGrp="1" noRot="1" noChangeAspect="1" noMove="1" noResize="1" noEditPoints="1" noAdjustHandles="1" noChangeArrowheads="1" noChangeShapeType="1"/>
-          </p:cNvCxnSpPr>
-          <p:nvPr>
-            <p:extLst>
-              <p:ext uri="{386F3935-93C4-4BCD-93E2-E3B085C9AB24}">
-                <p16:designElem xmlns:p16="http://schemas.microsoft.com/office/powerpoint/2015/main" val="1"/>
-              </p:ext>
-            </p:extLst>
-          </p:nvPr>
-        </p:nvCxnSpPr>
-        <p:spPr>
-          <a:xfrm flipH="1">
-            <a:off x="838200" y="6492240"/>
-            <a:ext cx="10515600" cy="0"/>
-          </a:xfrm>
-          <a:prstGeom prst="line">
-            <a:avLst/>
-          </a:prstGeom>
-          <a:ln w="57150">
-            <a:solidFill>
-              <a:schemeClr val="accent4"/>
-            </a:solidFill>
-          </a:ln>
-        </p:spPr>
-        <p:style>
-          <a:lnRef idx="1">
-            <a:schemeClr val="accent1"/>
-          </a:lnRef>
-          <a:fillRef idx="0">
-            <a:schemeClr val="accent1"/>
-          </a:fillRef>
-          <a:effectRef idx="0">
-            <a:schemeClr val="accent1"/>
-          </a:effectRef>
-          <a:fontRef idx="minor">
-            <a:schemeClr val="tx1"/>
-          </a:fontRef>
-        </p:style>
-      </p:cxnSp>
+            <a:endParaRPr lang="en-US" sz="2000" dirty="0"/>
+          </a:p>
+        </p:txBody>
+      </p:sp>
     </p:spTree>
     <p:extLst>
       <p:ext uri="{BB962C8B-B14F-4D97-AF65-F5344CB8AC3E}">
-        <p14:creationId xmlns:p14="http://schemas.microsoft.com/office/powerpoint/2010/main" val="2372464474"/>
+        <p14:creationId xmlns:p14="http://schemas.microsoft.com/office/powerpoint/2010/main" val="77970500"/>
       </p:ext>
     </p:extLst>
   </p:cSld>
   <p:clrMapOvr>
     <a:masterClrMapping/>
   </p:clrMapOvr>
-  <mc:AlternateContent xmlns:mc="http://schemas.openxmlformats.org/markup-compatibility/2006" xmlns:p14="http://schemas.microsoft.com/office/powerpoint/2010/main">
-    <mc:Choice Requires="p14">
+  <mc:AlternateContent xmlns:mc="http://schemas.openxmlformats.org/markup-compatibility/2006">
+    <mc:Choice xmlns:p14="http://schemas.microsoft.com/office/powerpoint/2010/main" Requires="p14">
       <p:transition spd="slow" p14:dur="3400">
         <p14:reveal/>
       </p:transition>
     </mc:Choice>
-    <mc:Fallback xmlns="">
+    <mc:Fallback>
       <p:transition spd="slow">
         <p:fade/>
       </p:transition>

--- a/CuriousConquersProject/ProjectPowerpoint.pptx
+++ b/CuriousConquersProject/ProjectPowerpoint.pptx
@@ -15,13 +15,14 @@
     <p:sldId id="271" r:id="rId9"/>
     <p:sldId id="276" r:id="rId10"/>
     <p:sldId id="270" r:id="rId11"/>
-    <p:sldId id="269" r:id="rId12"/>
-    <p:sldId id="274" r:id="rId13"/>
-    <p:sldId id="267" r:id="rId14"/>
-    <p:sldId id="272" r:id="rId15"/>
-    <p:sldId id="268" r:id="rId16"/>
-    <p:sldId id="273" r:id="rId17"/>
-    <p:sldId id="265" r:id="rId18"/>
+    <p:sldId id="277" r:id="rId12"/>
+    <p:sldId id="269" r:id="rId13"/>
+    <p:sldId id="274" r:id="rId14"/>
+    <p:sldId id="267" r:id="rId15"/>
+    <p:sldId id="272" r:id="rId16"/>
+    <p:sldId id="268" r:id="rId17"/>
+    <p:sldId id="273" r:id="rId18"/>
+    <p:sldId id="265" r:id="rId19"/>
   </p:sldIdLst>
   <p:sldSz cx="12192000" cy="6858000"/>
   <p:notesSz cx="6858000" cy="9144000"/>
@@ -275,7 +276,7 @@
           <a:p>
             <a:fld id="{17A2CFCA-D44D-43B9-AF9E-9E015D8AA0BF}" type="datetimeFigureOut">
               <a:rPr lang="en-US" smtClean="0"/>
-              <a:t>3/6/2023</a:t>
+              <a:t>3/7/2023</a:t>
             </a:fld>
             <a:endParaRPr lang="en-US"/>
           </a:p>
@@ -473,7 +474,7 @@
           <a:p>
             <a:fld id="{17A2CFCA-D44D-43B9-AF9E-9E015D8AA0BF}" type="datetimeFigureOut">
               <a:rPr lang="en-US" smtClean="0"/>
-              <a:t>3/6/2023</a:t>
+              <a:t>3/7/2023</a:t>
             </a:fld>
             <a:endParaRPr lang="en-US"/>
           </a:p>
@@ -681,7 +682,7 @@
           <a:p>
             <a:fld id="{17A2CFCA-D44D-43B9-AF9E-9E015D8AA0BF}" type="datetimeFigureOut">
               <a:rPr lang="en-US" smtClean="0"/>
-              <a:t>3/6/2023</a:t>
+              <a:t>3/7/2023</a:t>
             </a:fld>
             <a:endParaRPr lang="en-US"/>
           </a:p>
@@ -879,7 +880,7 @@
           <a:p>
             <a:fld id="{17A2CFCA-D44D-43B9-AF9E-9E015D8AA0BF}" type="datetimeFigureOut">
               <a:rPr lang="en-US" smtClean="0"/>
-              <a:t>3/6/2023</a:t>
+              <a:t>3/7/2023</a:t>
             </a:fld>
             <a:endParaRPr lang="en-US"/>
           </a:p>
@@ -1154,7 +1155,7 @@
           <a:p>
             <a:fld id="{17A2CFCA-D44D-43B9-AF9E-9E015D8AA0BF}" type="datetimeFigureOut">
               <a:rPr lang="en-US" smtClean="0"/>
-              <a:t>3/6/2023</a:t>
+              <a:t>3/7/2023</a:t>
             </a:fld>
             <a:endParaRPr lang="en-US"/>
           </a:p>
@@ -1419,7 +1420,7 @@
           <a:p>
             <a:fld id="{17A2CFCA-D44D-43B9-AF9E-9E015D8AA0BF}" type="datetimeFigureOut">
               <a:rPr lang="en-US" smtClean="0"/>
-              <a:t>3/6/2023</a:t>
+              <a:t>3/7/2023</a:t>
             </a:fld>
             <a:endParaRPr lang="en-US"/>
           </a:p>
@@ -1831,7 +1832,7 @@
           <a:p>
             <a:fld id="{17A2CFCA-D44D-43B9-AF9E-9E015D8AA0BF}" type="datetimeFigureOut">
               <a:rPr lang="en-US" smtClean="0"/>
-              <a:t>3/6/2023</a:t>
+              <a:t>3/7/2023</a:t>
             </a:fld>
             <a:endParaRPr lang="en-US"/>
           </a:p>
@@ -1972,7 +1973,7 @@
           <a:p>
             <a:fld id="{17A2CFCA-D44D-43B9-AF9E-9E015D8AA0BF}" type="datetimeFigureOut">
               <a:rPr lang="en-US" smtClean="0"/>
-              <a:t>3/6/2023</a:t>
+              <a:t>3/7/2023</a:t>
             </a:fld>
             <a:endParaRPr lang="en-US"/>
           </a:p>
@@ -2085,7 +2086,7 @@
           <a:p>
             <a:fld id="{17A2CFCA-D44D-43B9-AF9E-9E015D8AA0BF}" type="datetimeFigureOut">
               <a:rPr lang="en-US" smtClean="0"/>
-              <a:t>3/6/2023</a:t>
+              <a:t>3/7/2023</a:t>
             </a:fld>
             <a:endParaRPr lang="en-US"/>
           </a:p>
@@ -2396,7 +2397,7 @@
           <a:p>
             <a:fld id="{17A2CFCA-D44D-43B9-AF9E-9E015D8AA0BF}" type="datetimeFigureOut">
               <a:rPr lang="en-US" smtClean="0"/>
-              <a:t>3/6/2023</a:t>
+              <a:t>3/7/2023</a:t>
             </a:fld>
             <a:endParaRPr lang="en-US"/>
           </a:p>
@@ -2684,7 +2685,7 @@
           <a:p>
             <a:fld id="{17A2CFCA-D44D-43B9-AF9E-9E015D8AA0BF}" type="datetimeFigureOut">
               <a:rPr lang="en-US" smtClean="0"/>
-              <a:t>3/6/2023</a:t>
+              <a:t>3/7/2023</a:t>
             </a:fld>
             <a:endParaRPr lang="en-US"/>
           </a:p>
@@ -2925,7 +2926,7 @@
           <a:p>
             <a:fld id="{17A2CFCA-D44D-43B9-AF9E-9E015D8AA0BF}" type="datetimeFigureOut">
               <a:rPr lang="en-US" smtClean="0"/>
-              <a:t>3/6/2023</a:t>
+              <a:t>3/7/2023</a:t>
             </a:fld>
             <a:endParaRPr lang="en-US"/>
           </a:p>
@@ -3906,6 +3907,369 @@
       </p:grpSpPr>
       <p:sp useBgFill="1">
         <p:nvSpPr>
+          <p:cNvPr id="8" name="Rectangle 7">
+            <a:extLst>
+              <a:ext uri="{FF2B5EF4-FFF2-40B4-BE49-F238E27FC236}">
+                <a16:creationId xmlns:a16="http://schemas.microsoft.com/office/drawing/2014/main" id="{4DA718D0-4865-4629-8134-44F68D41D574}"/>
+              </a:ext>
+              <a:ext uri="{C183D7F6-B498-43B3-948B-1728B52AA6E4}">
+                <adec:decorative xmlns:adec="http://schemas.microsoft.com/office/drawing/2017/decorative" val="1"/>
+              </a:ext>
+            </a:extLst>
+          </p:cNvPr>
+          <p:cNvSpPr>
+            <a:spLocks noGrp="1" noRot="1" noChangeAspect="1" noMove="1" noResize="1" noEditPoints="1" noAdjustHandles="1" noChangeArrowheads="1" noChangeShapeType="1" noTextEdit="1"/>
+          </p:cNvSpPr>
+          <p:nvPr>
+            <p:extLst>
+              <p:ext uri="{386F3935-93C4-4BCD-93E2-E3B085C9AB24}">
+                <p16:designElem xmlns:p16="http://schemas.microsoft.com/office/powerpoint/2015/main" val="1"/>
+              </p:ext>
+            </p:extLst>
+          </p:nvPr>
+        </p:nvSpPr>
+        <p:spPr>
+          <a:xfrm>
+            <a:off x="0" y="0"/>
+            <a:ext cx="12191999" cy="6857365"/>
+          </a:xfrm>
+          <a:prstGeom prst="rect">
+            <a:avLst/>
+          </a:prstGeom>
+          <a:ln>
+            <a:noFill/>
+          </a:ln>
+        </p:spPr>
+        <p:style>
+          <a:lnRef idx="2">
+            <a:schemeClr val="accent1">
+              <a:shade val="50000"/>
+            </a:schemeClr>
+          </a:lnRef>
+          <a:fillRef idx="1">
+            <a:schemeClr val="accent1"/>
+          </a:fillRef>
+          <a:effectRef idx="0">
+            <a:schemeClr val="accent1"/>
+          </a:effectRef>
+          <a:fontRef idx="minor">
+            <a:schemeClr val="lt1"/>
+          </a:fontRef>
+        </p:style>
+        <p:txBody>
+          <a:bodyPr rtlCol="0" anchor="ctr"/>
+          <a:lstStyle/>
+          <a:p>
+            <a:pPr algn="ctr"/>
+            <a:endParaRPr lang="en-US"/>
+          </a:p>
+        </p:txBody>
+      </p:sp>
+      <p:grpSp>
+        <p:nvGrpSpPr>
+          <p:cNvPr id="10" name="Group 9">
+            <a:extLst>
+              <a:ext uri="{FF2B5EF4-FFF2-40B4-BE49-F238E27FC236}">
+                <a16:creationId xmlns:a16="http://schemas.microsoft.com/office/drawing/2014/main" id="{65167ED7-6315-43AB-B1B6-C326D5FD8F84}"/>
+              </a:ext>
+              <a:ext uri="{C183D7F6-B498-43B3-948B-1728B52AA6E4}">
+                <adec:decorative xmlns:adec="http://schemas.microsoft.com/office/drawing/2017/decorative" val="1"/>
+              </a:ext>
+            </a:extLst>
+          </p:cNvPr>
+          <p:cNvGrpSpPr>
+            <a:grpSpLocks noGrp="1" noUngrp="1" noRot="1" noChangeAspect="1" noMove="1" noResize="1"/>
+          </p:cNvGrpSpPr>
+          <p:nvPr>
+            <p:extLst>
+              <p:ext uri="{386F3935-93C4-4BCD-93E2-E3B085C9AB24}">
+                <p16:designElem xmlns:p16="http://schemas.microsoft.com/office/powerpoint/2015/main" val="1"/>
+              </p:ext>
+            </p:extLst>
+          </p:nvPr>
+        </p:nvGrpSpPr>
+        <p:grpSpPr>
+          <a:xfrm rot="5400000">
+            <a:off x="-2340441" y="2666183"/>
+            <a:ext cx="5860051" cy="527712"/>
+            <a:chOff x="6081624" y="1998368"/>
+            <a:chExt cx="5613457" cy="782175"/>
+          </a:xfrm>
+          <a:solidFill>
+            <a:schemeClr val="accent4"/>
+          </a:solidFill>
+        </p:grpSpPr>
+        <p:sp>
+          <p:nvSpPr>
+            <p:cNvPr id="11" name="Rectangle 10">
+              <a:extLst>
+                <a:ext uri="{FF2B5EF4-FFF2-40B4-BE49-F238E27FC236}">
+                  <a16:creationId xmlns:a16="http://schemas.microsoft.com/office/drawing/2014/main" id="{EF4D8839-FB03-487D-ACC8-8BFEDD4FEBAE}"/>
+                </a:ext>
+                <a:ext uri="{C183D7F6-B498-43B3-948B-1728B52AA6E4}">
+                  <adec:decorative xmlns:adec="http://schemas.microsoft.com/office/drawing/2017/decorative" val="1"/>
+                </a:ext>
+              </a:extLst>
+            </p:cNvPr>
+            <p:cNvSpPr/>
+            <p:nvPr>
+              <p:extLst>
+                <p:ext uri="{386F3935-93C4-4BCD-93E2-E3B085C9AB24}">
+                  <p16:designElem xmlns:p16="http://schemas.microsoft.com/office/powerpoint/2015/main" val="1"/>
+                </p:ext>
+              </p:extLst>
+            </p:nvPr>
+          </p:nvSpPr>
+          <p:spPr>
+            <a:xfrm rot="5400000">
+              <a:off x="11228040" y="2313027"/>
+              <a:ext cx="781700" cy="152382"/>
+            </a:xfrm>
+            <a:prstGeom prst="rect">
+              <a:avLst/>
+            </a:prstGeom>
+            <a:grpFill/>
+            <a:ln>
+              <a:noFill/>
+            </a:ln>
+          </p:spPr>
+          <p:style>
+            <a:lnRef idx="2">
+              <a:schemeClr val="accent1">
+                <a:shade val="50000"/>
+              </a:schemeClr>
+            </a:lnRef>
+            <a:fillRef idx="1">
+              <a:schemeClr val="accent1"/>
+            </a:fillRef>
+            <a:effectRef idx="0">
+              <a:schemeClr val="accent1"/>
+            </a:effectRef>
+            <a:fontRef idx="minor">
+              <a:schemeClr val="lt1"/>
+            </a:fontRef>
+          </p:style>
+          <p:txBody>
+            <a:bodyPr rtlCol="0" anchor="ctr"/>
+            <a:lstStyle/>
+            <a:p>
+              <a:pPr algn="ctr"/>
+              <a:endParaRPr lang="en-US"/>
+            </a:p>
+          </p:txBody>
+        </p:sp>
+        <p:sp>
+          <p:nvSpPr>
+            <p:cNvPr id="12" name="Rectangle 11">
+              <a:extLst>
+                <a:ext uri="{FF2B5EF4-FFF2-40B4-BE49-F238E27FC236}">
+                  <a16:creationId xmlns:a16="http://schemas.microsoft.com/office/drawing/2014/main" id="{0EF75023-9A3B-42FC-B704-61A8F7BEF415}"/>
+                </a:ext>
+                <a:ext uri="{C183D7F6-B498-43B3-948B-1728B52AA6E4}">
+                  <adec:decorative xmlns:adec="http://schemas.microsoft.com/office/drawing/2017/decorative" val="1"/>
+                </a:ext>
+              </a:extLst>
+            </p:cNvPr>
+            <p:cNvSpPr/>
+            <p:nvPr>
+              <p:extLst>
+                <p:ext uri="{386F3935-93C4-4BCD-93E2-E3B085C9AB24}">
+                  <p16:designElem xmlns:p16="http://schemas.microsoft.com/office/powerpoint/2015/main" val="1"/>
+                </p:ext>
+              </p:extLst>
+            </p:nvPr>
+          </p:nvSpPr>
+          <p:spPr>
+            <a:xfrm flipH="1" flipV="1">
+              <a:off x="6081624" y="1998844"/>
+              <a:ext cx="5372968" cy="781699"/>
+            </a:xfrm>
+            <a:prstGeom prst="rect">
+              <a:avLst/>
+            </a:prstGeom>
+            <a:grpFill/>
+            <a:ln>
+              <a:noFill/>
+            </a:ln>
+          </p:spPr>
+          <p:style>
+            <a:lnRef idx="2">
+              <a:schemeClr val="accent1">
+                <a:shade val="50000"/>
+              </a:schemeClr>
+            </a:lnRef>
+            <a:fillRef idx="1">
+              <a:schemeClr val="accent1"/>
+            </a:fillRef>
+            <a:effectRef idx="0">
+              <a:schemeClr val="accent1"/>
+            </a:effectRef>
+            <a:fontRef idx="minor">
+              <a:schemeClr val="lt1"/>
+            </a:fontRef>
+          </p:style>
+          <p:txBody>
+            <a:bodyPr rtlCol="0" anchor="ctr"/>
+            <a:lstStyle/>
+            <a:p>
+              <a:pPr algn="ctr"/>
+              <a:endParaRPr lang="en-US"/>
+            </a:p>
+          </p:txBody>
+        </p:sp>
+      </p:grpSp>
+      <p:sp>
+        <p:nvSpPr>
+          <p:cNvPr id="14" name="Rectangle 13">
+            <a:extLst>
+              <a:ext uri="{FF2B5EF4-FFF2-40B4-BE49-F238E27FC236}">
+                <a16:creationId xmlns:a16="http://schemas.microsoft.com/office/drawing/2014/main" id="{CBC4F608-B4B8-48C3-9572-C0F061B1CD99}"/>
+              </a:ext>
+              <a:ext uri="{C183D7F6-B498-43B3-948B-1728B52AA6E4}">
+                <adec:decorative xmlns:adec="http://schemas.microsoft.com/office/drawing/2017/decorative" val="1"/>
+              </a:ext>
+            </a:extLst>
+          </p:cNvPr>
+          <p:cNvSpPr>
+            <a:spLocks noGrp="1" noRot="1" noChangeAspect="1" noMove="1" noResize="1" noEditPoints="1" noAdjustHandles="1" noChangeArrowheads="1" noChangeShapeType="1" noTextEdit="1"/>
+          </p:cNvSpPr>
+          <p:nvPr>
+            <p:extLst>
+              <p:ext uri="{386F3935-93C4-4BCD-93E2-E3B085C9AB24}">
+                <p16:designElem xmlns:p16="http://schemas.microsoft.com/office/powerpoint/2015/main" val="1"/>
+              </p:ext>
+            </p:extLst>
+          </p:nvPr>
+        </p:nvSpPr>
+        <p:spPr>
+          <a:xfrm>
+            <a:off x="579528" y="922919"/>
+            <a:ext cx="11111729" cy="5461252"/>
+          </a:xfrm>
+          <a:prstGeom prst="rect">
+            <a:avLst/>
+          </a:prstGeom>
+          <a:solidFill>
+            <a:schemeClr val="bg1"/>
+          </a:solidFill>
+          <a:ln>
+            <a:noFill/>
+          </a:ln>
+          <a:effectLst>
+            <a:outerShdw blurRad="139700" dist="127000" dir="5400000" algn="t" rotWithShape="0">
+              <a:prstClr val="black">
+                <a:alpha val="15000"/>
+              </a:prstClr>
+            </a:outerShdw>
+          </a:effectLst>
+        </p:spPr>
+        <p:style>
+          <a:lnRef idx="2">
+            <a:schemeClr val="accent1">
+              <a:shade val="50000"/>
+            </a:schemeClr>
+          </a:lnRef>
+          <a:fillRef idx="1">
+            <a:schemeClr val="accent1"/>
+          </a:fillRef>
+          <a:effectRef idx="0">
+            <a:schemeClr val="accent1"/>
+          </a:effectRef>
+          <a:fontRef idx="minor">
+            <a:schemeClr val="lt1"/>
+          </a:fontRef>
+        </p:style>
+        <p:txBody>
+          <a:bodyPr rtlCol="0" anchor="ctr"/>
+          <a:lstStyle/>
+          <a:p>
+            <a:pPr algn="ctr"/>
+            <a:endParaRPr lang="en-US"/>
+          </a:p>
+        </p:txBody>
+      </p:sp>
+      <p:pic>
+        <p:nvPicPr>
+          <p:cNvPr id="5" name="Picture 4">
+            <a:extLst>
+              <a:ext uri="{FF2B5EF4-FFF2-40B4-BE49-F238E27FC236}">
+                <a16:creationId xmlns:a16="http://schemas.microsoft.com/office/drawing/2014/main" id="{D093A0C4-F5EA-64E1-BAC2-561A68F20EB0}"/>
+              </a:ext>
+            </a:extLst>
+          </p:cNvPr>
+          <p:cNvPicPr>
+            <a:picLocks noChangeAspect="1"/>
+          </p:cNvPicPr>
+          <p:nvPr/>
+        </p:nvPicPr>
+        <p:blipFill>
+          <a:blip r:embed="rId2"/>
+          <a:stretch>
+            <a:fillRect/>
+          </a:stretch>
+        </p:blipFill>
+        <p:spPr>
+          <a:xfrm>
+            <a:off x="1598792" y="16231"/>
+            <a:ext cx="8353239" cy="6367940"/>
+          </a:xfrm>
+          <a:prstGeom prst="rect">
+            <a:avLst/>
+          </a:prstGeom>
+        </p:spPr>
+      </p:pic>
+    </p:spTree>
+    <p:extLst>
+      <p:ext uri="{BB962C8B-B14F-4D97-AF65-F5344CB8AC3E}">
+        <p14:creationId xmlns:p14="http://schemas.microsoft.com/office/powerpoint/2010/main" val="3743109648"/>
+      </p:ext>
+    </p:extLst>
+  </p:cSld>
+  <p:clrMapOvr>
+    <a:masterClrMapping/>
+  </p:clrMapOvr>
+  <mc:AlternateContent xmlns:mc="http://schemas.openxmlformats.org/markup-compatibility/2006">
+    <mc:Choice xmlns:p14="http://schemas.microsoft.com/office/powerpoint/2010/main" Requires="p14">
+      <p:transition spd="slow" p14:dur="3400">
+        <p14:reveal/>
+      </p:transition>
+    </mc:Choice>
+    <mc:Fallback>
+      <p:transition spd="slow">
+        <p:fade/>
+      </p:transition>
+    </mc:Fallback>
+  </mc:AlternateContent>
+</p:sld>
+</file>
+
+<file path=ppt/slides/slide12.xml><?xml version="1.0" encoding="utf-8"?>
+<p:sld xmlns:a="http://schemas.openxmlformats.org/drawingml/2006/main" xmlns:r="http://schemas.openxmlformats.org/officeDocument/2006/relationships" xmlns:p="http://schemas.openxmlformats.org/presentationml/2006/main">
+  <p:cSld>
+    <p:bg>
+      <p:bgPr>
+        <a:solidFill>
+          <a:schemeClr val="bg1"/>
+        </a:solidFill>
+        <a:effectLst/>
+      </p:bgPr>
+    </p:bg>
+    <p:spTree>
+      <p:nvGrpSpPr>
+        <p:cNvPr id="1" name=""/>
+        <p:cNvGrpSpPr/>
+        <p:nvPr/>
+      </p:nvGrpSpPr>
+      <p:grpSpPr>
+        <a:xfrm>
+          <a:off x="0" y="0"/>
+          <a:ext cx="0" cy="0"/>
+          <a:chOff x="0" y="0"/>
+          <a:chExt cx="0" cy="0"/>
+        </a:xfrm>
+      </p:grpSpPr>
+      <p:sp useBgFill="1">
+        <p:nvSpPr>
           <p:cNvPr id="21" name="Rectangle 20">
             <a:extLst>
               <a:ext uri="{FF2B5EF4-FFF2-40B4-BE49-F238E27FC236}">
@@ -4264,19 +4628,22 @@
         </p:nvSpPr>
         <p:spPr>
           <a:xfrm>
-            <a:off x="1043631" y="873940"/>
-            <a:ext cx="5052369" cy="1035781"/>
+            <a:off x="1175746" y="873940"/>
+            <a:ext cx="4702356" cy="1035781"/>
           </a:xfrm>
         </p:spPr>
         <p:txBody>
           <a:bodyPr anchor="ctr">
-            <a:normAutofit/>
+            <a:normAutofit fontScale="90000"/>
           </a:bodyPr>
           <a:lstStyle/>
           <a:p>
-            <a:r>
-              <a:rPr lang="en-US" sz="3600" dirty="0"/>
-              <a:t>Unemployment</a:t>
+            <a:pPr algn="ctr"/>
+            <a:r>
+              <a:rPr lang="en-US" sz="3600" dirty="0">
+                <a:latin typeface="Amasis MT Pro Black" panose="02040A04050005020304" pitchFamily="18" charset="0"/>
+              </a:rPr>
+              <a:t>Unemployment rate vs Crime rate</a:t>
             </a:r>
           </a:p>
         </p:txBody>
@@ -4308,6 +4675,55 @@
             <a:normAutofit/>
           </a:bodyPr>
           <a:lstStyle/>
+          <a:p>
+            <a:r>
+              <a:rPr lang="en-US" sz="1800" dirty="0"/>
+              <a:t>Unemployment histogram in final workbook, is that normal when it has 2 spikes?</a:t>
+            </a:r>
+          </a:p>
+          <a:p>
+            <a:endParaRPr lang="en-US" sz="1800" dirty="0"/>
+          </a:p>
+          <a:p>
+            <a:r>
+              <a:rPr lang="en-US" sz="1800" dirty="0"/>
+              <a:t>Texas with significantly high unemployment rate</a:t>
+            </a:r>
+          </a:p>
+          <a:p>
+            <a:endParaRPr lang="en-US" sz="1800" dirty="0"/>
+          </a:p>
+          <a:p>
+            <a:r>
+              <a:rPr lang="en-US" sz="1800" dirty="0"/>
+              <a:t>log histogram of police reports still skewed?</a:t>
+            </a:r>
+          </a:p>
+          <a:p>
+            <a:endParaRPr lang="en-US" sz="1800" dirty="0"/>
+          </a:p>
+          <a:p>
+            <a:r>
+              <a:rPr lang="en-US" sz="1800" dirty="0"/>
+              <a:t>Texas and </a:t>
+            </a:r>
+            <a:r>
+              <a:rPr lang="en-US" sz="1800" dirty="0" err="1"/>
+              <a:t>florida</a:t>
+            </a:r>
+            <a:r>
+              <a:rPr lang="en-US" sz="1800" dirty="0"/>
+              <a:t> with significantly high police reports, </a:t>
+            </a:r>
+            <a:r>
+              <a:rPr lang="en-US" sz="1800" dirty="0" err="1"/>
+              <a:t>iowa</a:t>
+            </a:r>
+            <a:r>
+              <a:rPr lang="en-US" sz="1800" dirty="0"/>
+              <a:t> avg</a:t>
+            </a:r>
+          </a:p>
           <a:p>
             <a:endParaRPr lang="en-US" sz="1800" dirty="0"/>
           </a:p>
@@ -4489,7 +4905,7 @@
 </p:sld>
 </file>
 
-<file path=ppt/slides/slide12.xml><?xml version="1.0" encoding="utf-8"?>
+<file path=ppt/slides/slide13.xml><?xml version="1.0" encoding="utf-8"?>
 <p:sld xmlns:a="http://schemas.openxmlformats.org/drawingml/2006/main" xmlns:r="http://schemas.openxmlformats.org/officeDocument/2006/relationships" xmlns:p="http://schemas.openxmlformats.org/presentationml/2006/main">
   <p:cSld>
     <p:bg>
@@ -4886,7 +5302,7 @@
 </p:sld>
 </file>
 
-<file path=ppt/slides/slide13.xml><?xml version="1.0" encoding="utf-8"?>
+<file path=ppt/slides/slide14.xml><?xml version="1.0" encoding="utf-8"?>
 <p:sld xmlns:a="http://schemas.openxmlformats.org/drawingml/2006/main" xmlns:r="http://schemas.openxmlformats.org/officeDocument/2006/relationships" xmlns:p="http://schemas.openxmlformats.org/presentationml/2006/main">
   <p:cSld>
     <p:bg>
@@ -5252,7 +5668,7 @@
 </p:sld>
 </file>
 
-<file path=ppt/slides/slide14.xml><?xml version="1.0" encoding="utf-8"?>
+<file path=ppt/slides/slide15.xml><?xml version="1.0" encoding="utf-8"?>
 <p:sld xmlns:a="http://schemas.openxmlformats.org/drawingml/2006/main" xmlns:r="http://schemas.openxmlformats.org/officeDocument/2006/relationships" xmlns:p="http://schemas.openxmlformats.org/presentationml/2006/main">
   <p:cSld>
     <p:bg>
@@ -5649,7 +6065,7 @@
 </p:sld>
 </file>
 
-<file path=ppt/slides/slide15.xml><?xml version="1.0" encoding="utf-8"?>
+<file path=ppt/slides/slide16.xml><?xml version="1.0" encoding="utf-8"?>
 <p:sld xmlns:a="http://schemas.openxmlformats.org/drawingml/2006/main" xmlns:r="http://schemas.openxmlformats.org/officeDocument/2006/relationships" xmlns:p="http://schemas.openxmlformats.org/presentationml/2006/main">
   <p:cSld>
     <p:bg>
@@ -6015,7 +6431,7 @@
 </p:sld>
 </file>
 
-<file path=ppt/slides/slide16.xml><?xml version="1.0" encoding="utf-8"?>
+<file path=ppt/slides/slide17.xml><?xml version="1.0" encoding="utf-8"?>
 <p:sld xmlns:a="http://schemas.openxmlformats.org/drawingml/2006/main" xmlns:r="http://schemas.openxmlformats.org/officeDocument/2006/relationships" xmlns:p="http://schemas.openxmlformats.org/presentationml/2006/main">
   <p:cSld>
     <p:spTree>
@@ -6110,7 +6526,7 @@
 </p:sld>
 </file>
 
-<file path=ppt/slides/slide17.xml><?xml version="1.0" encoding="utf-8"?>
+<file path=ppt/slides/slide18.xml><?xml version="1.0" encoding="utf-8"?>
 <p:sld xmlns:a="http://schemas.openxmlformats.org/drawingml/2006/main" xmlns:r="http://schemas.openxmlformats.org/officeDocument/2006/relationships" xmlns:p="http://schemas.openxmlformats.org/presentationml/2006/main">
   <p:cSld>
     <p:spTree>
@@ -8383,20 +8799,23 @@
         </p:nvSpPr>
         <p:spPr>
           <a:xfrm>
-            <a:off x="1282963" y="1238080"/>
-            <a:ext cx="9849751" cy="1349671"/>
+            <a:off x="1210516" y="188259"/>
+            <a:ext cx="9849751" cy="1362635"/>
           </a:xfrm>
         </p:spPr>
         <p:txBody>
           <a:bodyPr anchor="b">
-            <a:normAutofit/>
+            <a:noAutofit/>
           </a:bodyPr>
           <a:lstStyle/>
           <a:p>
             <a:r>
-              <a:rPr lang="en-US" sz="5400" dirty="0"/>
-              <a:t>Pearson’s Correlation </a:t>
-            </a:r>
+              <a:rPr lang="en-US" dirty="0">
+                <a:latin typeface="Amasis MT Pro Black" panose="02040A04050005020304" pitchFamily="18" charset="0"/>
+              </a:rPr>
+              <a:t>Are unemployment rates correlated with crime rates?</a:t>
+            </a:r>
+            <a:endParaRPr lang="en-US" dirty="0"/>
           </a:p>
         </p:txBody>
       </p:sp>
@@ -8427,6 +8846,27 @@
             <a:normAutofit/>
           </a:bodyPr>
           <a:lstStyle/>
+          <a:p>
+            <a:r>
+              <a:rPr lang="en-US" sz="2000" dirty="0"/>
+              <a:t>Pearson’s Regression</a:t>
+            </a:r>
+          </a:p>
+          <a:p>
+            <a:endParaRPr lang="en-US" sz="2000" dirty="0"/>
+          </a:p>
+          <a:p>
+            <a:endParaRPr lang="en-US" sz="2000" dirty="0"/>
+          </a:p>
+          <a:p>
+            <a:endParaRPr lang="en-US" sz="2000" dirty="0"/>
+          </a:p>
+          <a:p>
+            <a:endParaRPr lang="en-US" sz="2000" dirty="0"/>
+          </a:p>
+          <a:p>
+            <a:endParaRPr lang="en-US" sz="2000" dirty="0"/>
+          </a:p>
           <a:p>
             <a:endParaRPr lang="en-US" sz="2000" dirty="0"/>
           </a:p>
@@ -8783,20 +9223,23 @@
         </p:nvSpPr>
         <p:spPr>
           <a:xfrm>
-            <a:off x="1282963" y="1238080"/>
-            <a:ext cx="9849751" cy="1349671"/>
+            <a:off x="1171123" y="233083"/>
+            <a:ext cx="9849751" cy="1906433"/>
           </a:xfrm>
         </p:spPr>
         <p:txBody>
           <a:bodyPr anchor="b">
-            <a:normAutofit/>
+            <a:noAutofit/>
           </a:bodyPr>
           <a:lstStyle/>
           <a:p>
             <a:r>
-              <a:rPr lang="en-US" sz="5400" dirty="0"/>
-              <a:t>Step Wise Linear Regression </a:t>
-            </a:r>
+              <a:rPr lang="en-US" dirty="0">
+                <a:latin typeface="Amasis MT Pro Black" panose="02040A04050005020304" pitchFamily="18" charset="0"/>
+              </a:rPr>
+              <a:t>How does the unemployment rate affect the correlation between police reports and prison rates?</a:t>
+            </a:r>
+            <a:endParaRPr lang="en-US" dirty="0"/>
           </a:p>
         </p:txBody>
       </p:sp>
@@ -8828,7 +9271,10 @@
           </a:bodyPr>
           <a:lstStyle/>
           <a:p>
-            <a:endParaRPr lang="en-US" sz="2000" dirty="0"/>
+            <a:r>
+              <a:rPr lang="en-US" sz="2000" dirty="0"/>
+              <a:t>Step Wise Linear Regression</a:t>
+            </a:r>
           </a:p>
         </p:txBody>
       </p:sp>
@@ -8842,13 +9288,13 @@
   <p:clrMapOvr>
     <a:masterClrMapping/>
   </p:clrMapOvr>
-  <mc:AlternateContent xmlns:mc="http://schemas.openxmlformats.org/markup-compatibility/2006">
-    <mc:Choice xmlns:p14="http://schemas.microsoft.com/office/powerpoint/2010/main" Requires="p14">
+  <mc:AlternateContent xmlns:mc="http://schemas.openxmlformats.org/markup-compatibility/2006" xmlns:p14="http://schemas.microsoft.com/office/powerpoint/2010/main">
+    <mc:Choice Requires="p14">
       <p:transition spd="slow" p14:dur="3400">
         <p14:reveal/>
       </p:transition>
     </mc:Choice>
-    <mc:Fallback>
+    <mc:Fallback xmlns="">
       <p:transition spd="slow">
         <p:fade/>
       </p:transition>

--- a/CuriousConquersProject/ProjectPowerpoint.pptx
+++ b/CuriousConquersProject/ProjectPowerpoint.pptx
@@ -17,12 +17,14 @@
     <p:sldId id="270" r:id="rId11"/>
     <p:sldId id="277" r:id="rId12"/>
     <p:sldId id="269" r:id="rId13"/>
-    <p:sldId id="274" r:id="rId14"/>
-    <p:sldId id="267" r:id="rId15"/>
-    <p:sldId id="272" r:id="rId16"/>
-    <p:sldId id="268" r:id="rId17"/>
-    <p:sldId id="273" r:id="rId18"/>
-    <p:sldId id="265" r:id="rId19"/>
+    <p:sldId id="278" r:id="rId14"/>
+    <p:sldId id="274" r:id="rId15"/>
+    <p:sldId id="279" r:id="rId16"/>
+    <p:sldId id="267" r:id="rId17"/>
+    <p:sldId id="272" r:id="rId18"/>
+    <p:sldId id="268" r:id="rId19"/>
+    <p:sldId id="273" r:id="rId20"/>
+    <p:sldId id="265" r:id="rId21"/>
   </p:sldIdLst>
   <p:sldSz cx="12192000" cy="6858000"/>
   <p:notesSz cx="6858000" cy="9144000"/>
@@ -276,7 +278,7 @@
           <a:p>
             <a:fld id="{17A2CFCA-D44D-43B9-AF9E-9E015D8AA0BF}" type="datetimeFigureOut">
               <a:rPr lang="en-US" smtClean="0"/>
-              <a:t>3/7/2023</a:t>
+              <a:t>3/8/2023</a:t>
             </a:fld>
             <a:endParaRPr lang="en-US"/>
           </a:p>
@@ -474,7 +476,7 @@
           <a:p>
             <a:fld id="{17A2CFCA-D44D-43B9-AF9E-9E015D8AA0BF}" type="datetimeFigureOut">
               <a:rPr lang="en-US" smtClean="0"/>
-              <a:t>3/7/2023</a:t>
+              <a:t>3/8/2023</a:t>
             </a:fld>
             <a:endParaRPr lang="en-US"/>
           </a:p>
@@ -682,7 +684,7 @@
           <a:p>
             <a:fld id="{17A2CFCA-D44D-43B9-AF9E-9E015D8AA0BF}" type="datetimeFigureOut">
               <a:rPr lang="en-US" smtClean="0"/>
-              <a:t>3/7/2023</a:t>
+              <a:t>3/8/2023</a:t>
             </a:fld>
             <a:endParaRPr lang="en-US"/>
           </a:p>
@@ -880,7 +882,7 @@
           <a:p>
             <a:fld id="{17A2CFCA-D44D-43B9-AF9E-9E015D8AA0BF}" type="datetimeFigureOut">
               <a:rPr lang="en-US" smtClean="0"/>
-              <a:t>3/7/2023</a:t>
+              <a:t>3/8/2023</a:t>
             </a:fld>
             <a:endParaRPr lang="en-US"/>
           </a:p>
@@ -1155,7 +1157,7 @@
           <a:p>
             <a:fld id="{17A2CFCA-D44D-43B9-AF9E-9E015D8AA0BF}" type="datetimeFigureOut">
               <a:rPr lang="en-US" smtClean="0"/>
-              <a:t>3/7/2023</a:t>
+              <a:t>3/8/2023</a:t>
             </a:fld>
             <a:endParaRPr lang="en-US"/>
           </a:p>
@@ -1420,7 +1422,7 @@
           <a:p>
             <a:fld id="{17A2CFCA-D44D-43B9-AF9E-9E015D8AA0BF}" type="datetimeFigureOut">
               <a:rPr lang="en-US" smtClean="0"/>
-              <a:t>3/7/2023</a:t>
+              <a:t>3/8/2023</a:t>
             </a:fld>
             <a:endParaRPr lang="en-US"/>
           </a:p>
@@ -1832,7 +1834,7 @@
           <a:p>
             <a:fld id="{17A2CFCA-D44D-43B9-AF9E-9E015D8AA0BF}" type="datetimeFigureOut">
               <a:rPr lang="en-US" smtClean="0"/>
-              <a:t>3/7/2023</a:t>
+              <a:t>3/8/2023</a:t>
             </a:fld>
             <a:endParaRPr lang="en-US"/>
           </a:p>
@@ -1973,7 +1975,7 @@
           <a:p>
             <a:fld id="{17A2CFCA-D44D-43B9-AF9E-9E015D8AA0BF}" type="datetimeFigureOut">
               <a:rPr lang="en-US" smtClean="0"/>
-              <a:t>3/7/2023</a:t>
+              <a:t>3/8/2023</a:t>
             </a:fld>
             <a:endParaRPr lang="en-US"/>
           </a:p>
@@ -2086,7 +2088,7 @@
           <a:p>
             <a:fld id="{17A2CFCA-D44D-43B9-AF9E-9E015D8AA0BF}" type="datetimeFigureOut">
               <a:rPr lang="en-US" smtClean="0"/>
-              <a:t>3/7/2023</a:t>
+              <a:t>3/8/2023</a:t>
             </a:fld>
             <a:endParaRPr lang="en-US"/>
           </a:p>
@@ -2397,7 +2399,7 @@
           <a:p>
             <a:fld id="{17A2CFCA-D44D-43B9-AF9E-9E015D8AA0BF}" type="datetimeFigureOut">
               <a:rPr lang="en-US" smtClean="0"/>
-              <a:t>3/7/2023</a:t>
+              <a:t>3/8/2023</a:t>
             </a:fld>
             <a:endParaRPr lang="en-US"/>
           </a:p>
@@ -2685,7 +2687,7 @@
           <a:p>
             <a:fld id="{17A2CFCA-D44D-43B9-AF9E-9E015D8AA0BF}" type="datetimeFigureOut">
               <a:rPr lang="en-US" smtClean="0"/>
-              <a:t>3/7/2023</a:t>
+              <a:t>3/8/2023</a:t>
             </a:fld>
             <a:endParaRPr lang="en-US"/>
           </a:p>
@@ -2926,7 +2928,7 @@
           <a:p>
             <a:fld id="{17A2CFCA-D44D-43B9-AF9E-9E015D8AA0BF}" type="datetimeFigureOut">
               <a:rPr lang="en-US" smtClean="0"/>
-              <a:t>3/7/2023</a:t>
+              <a:t>3/8/2023</a:t>
             </a:fld>
             <a:endParaRPr lang="en-US"/>
           </a:p>
@@ -4190,10 +4192,10 @@
       </p:sp>
       <p:pic>
         <p:nvPicPr>
-          <p:cNvPr id="5" name="Picture 4">
-            <a:extLst>
-              <a:ext uri="{FF2B5EF4-FFF2-40B4-BE49-F238E27FC236}">
-                <a16:creationId xmlns:a16="http://schemas.microsoft.com/office/drawing/2014/main" id="{D093A0C4-F5EA-64E1-BAC2-561A68F20EB0}"/>
+          <p:cNvPr id="3" name="Picture 2">
+            <a:extLst>
+              <a:ext uri="{FF2B5EF4-FFF2-40B4-BE49-F238E27FC236}">
+                <a16:creationId xmlns:a16="http://schemas.microsoft.com/office/drawing/2014/main" id="{3244C322-35E0-D170-89F9-E669DD00E61A}"/>
               </a:ext>
             </a:extLst>
           </p:cNvPr>
@@ -4210,14 +4212,54 @@
         </p:blipFill>
         <p:spPr>
           <a:xfrm>
-            <a:off x="1598792" y="16231"/>
-            <a:ext cx="8353239" cy="6367940"/>
+            <a:off x="661599" y="1723208"/>
+            <a:ext cx="10868798" cy="3755205"/>
           </a:xfrm>
           <a:prstGeom prst="rect">
             <a:avLst/>
           </a:prstGeom>
         </p:spPr>
       </p:pic>
+      <p:sp>
+        <p:nvSpPr>
+          <p:cNvPr id="4" name="Content Placeholder 17">
+            <a:extLst>
+              <a:ext uri="{FF2B5EF4-FFF2-40B4-BE49-F238E27FC236}">
+                <a16:creationId xmlns:a16="http://schemas.microsoft.com/office/drawing/2014/main" id="{482AD63A-CD34-3DC7-9455-EC479009AD9D}"/>
+              </a:ext>
+            </a:extLst>
+          </p:cNvPr>
+          <p:cNvSpPr>
+            <a:spLocks noGrp="1"/>
+          </p:cNvSpPr>
+          <p:nvPr>
+            <p:ph idx="1"/>
+          </p:nvPr>
+        </p:nvSpPr>
+        <p:spPr>
+          <a:xfrm>
+            <a:off x="2927045" y="211121"/>
+            <a:ext cx="6337905" cy="1381488"/>
+          </a:xfrm>
+        </p:spPr>
+        <p:txBody>
+          <a:bodyPr anchor="ctr">
+            <a:normAutofit/>
+          </a:bodyPr>
+          <a:lstStyle/>
+          <a:p>
+            <a:pPr marL="0" indent="0">
+              <a:buNone/>
+            </a:pPr>
+            <a:r>
+              <a:rPr lang="en-US" sz="4400" dirty="0">
+                <a:latin typeface="Amasis MT Pro Black" panose="02040A04050005020304" pitchFamily="18" charset="0"/>
+              </a:rPr>
+              <a:t>Chart of Correlations</a:t>
+            </a:r>
+          </a:p>
+        </p:txBody>
+      </p:sp>
     </p:spTree>
     <p:extLst>
       <p:ext uri="{BB962C8B-B14F-4D97-AF65-F5344CB8AC3E}">
@@ -4228,13 +4270,13 @@
   <p:clrMapOvr>
     <a:masterClrMapping/>
   </p:clrMapOvr>
-  <mc:AlternateContent xmlns:mc="http://schemas.openxmlformats.org/markup-compatibility/2006">
-    <mc:Choice xmlns:p14="http://schemas.microsoft.com/office/powerpoint/2010/main" Requires="p14">
+  <mc:AlternateContent xmlns:mc="http://schemas.openxmlformats.org/markup-compatibility/2006" xmlns:p14="http://schemas.microsoft.com/office/powerpoint/2010/main">
+    <mc:Choice Requires="p14">
       <p:transition spd="slow" p14:dur="3400">
         <p14:reveal/>
       </p:transition>
     </mc:Choice>
-    <mc:Fallback>
+    <mc:Fallback xmlns="">
       <p:transition spd="slow">
         <p:fade/>
       </p:transition>
@@ -4628,8 +4670,8 @@
         </p:nvSpPr>
         <p:spPr>
           <a:xfrm>
-            <a:off x="1175746" y="873940"/>
-            <a:ext cx="4702356" cy="1035781"/>
+            <a:off x="1175746" y="608402"/>
+            <a:ext cx="4702356" cy="1301320"/>
           </a:xfrm>
         </p:spPr>
         <p:txBody>
@@ -4643,7 +4685,7 @@
               <a:rPr lang="en-US" sz="3600" dirty="0">
                 <a:latin typeface="Amasis MT Pro Black" panose="02040A04050005020304" pitchFamily="18" charset="0"/>
               </a:rPr>
-              <a:t>Unemployment rate vs Crime rate</a:t>
+              <a:t>Unemployment rate vs Crime rate (based on police reports)</a:t>
             </a:r>
           </a:p>
         </p:txBody>
@@ -4678,33 +4720,6 @@
           <a:p>
             <a:r>
               <a:rPr lang="en-US" sz="1800" dirty="0"/>
-              <a:t>Unemployment histogram in final workbook, is that normal when it has 2 spikes?</a:t>
-            </a:r>
-          </a:p>
-          <a:p>
-            <a:endParaRPr lang="en-US" sz="1800" dirty="0"/>
-          </a:p>
-          <a:p>
-            <a:r>
-              <a:rPr lang="en-US" sz="1800" dirty="0"/>
-              <a:t>Texas with significantly high unemployment rate</a:t>
-            </a:r>
-          </a:p>
-          <a:p>
-            <a:endParaRPr lang="en-US" sz="1800" dirty="0"/>
-          </a:p>
-          <a:p>
-            <a:r>
-              <a:rPr lang="en-US" sz="1800" dirty="0"/>
-              <a:t>log histogram of police reports still skewed?</a:t>
-            </a:r>
-          </a:p>
-          <a:p>
-            <a:endParaRPr lang="en-US" sz="1800" dirty="0"/>
-          </a:p>
-          <a:p>
-            <a:r>
-              <a:rPr lang="en-US" sz="1800" dirty="0"/>
               <a:t>Texas and </a:t>
             </a:r>
             <a:r>
@@ -4725,7 +4740,16 @@
             </a:r>
           </a:p>
           <a:p>
-            <a:endParaRPr lang="en-US" sz="1800" dirty="0"/>
+            <a:r>
+              <a:rPr lang="en-US" sz="1800" dirty="0"/>
+              <a:t>Iowa has an average amount of police reports</a:t>
+            </a:r>
+          </a:p>
+          <a:p>
+            <a:r>
+              <a:rPr lang="en-US" sz="1800" dirty="0"/>
+              <a:t>Weak correlation</a:t>
+            </a:r>
           </a:p>
         </p:txBody>
       </p:sp>
@@ -5213,87 +5237,53 @@
           </a:p>
         </p:txBody>
       </p:sp>
-      <p:sp>
-        <p:nvSpPr>
-          <p:cNvPr id="2" name="Title 1">
-            <a:extLst>
-              <a:ext uri="{FF2B5EF4-FFF2-40B4-BE49-F238E27FC236}">
-                <a16:creationId xmlns:a16="http://schemas.microsoft.com/office/drawing/2014/main" id="{A20B6DFE-19C6-DFC6-BD0D-DC24814D4DE6}"/>
-              </a:ext>
-            </a:extLst>
-          </p:cNvPr>
-          <p:cNvSpPr>
-            <a:spLocks noGrp="1"/>
-          </p:cNvSpPr>
-          <p:nvPr>
-            <p:ph type="title"/>
-          </p:nvPr>
-        </p:nvSpPr>
+      <p:pic>
+        <p:nvPicPr>
+          <p:cNvPr id="13" name="Picture 12">
+            <a:extLst>
+              <a:ext uri="{FF2B5EF4-FFF2-40B4-BE49-F238E27FC236}">
+                <a16:creationId xmlns:a16="http://schemas.microsoft.com/office/drawing/2014/main" id="{CACCDFAE-E044-5D25-E498-E001C041DBDB}"/>
+              </a:ext>
+            </a:extLst>
+          </p:cNvPr>
+          <p:cNvPicPr>
+            <a:picLocks noChangeAspect="1"/>
+          </p:cNvPicPr>
+          <p:nvPr/>
+        </p:nvPicPr>
+        <p:blipFill>
+          <a:blip r:embed="rId2"/>
+          <a:stretch>
+            <a:fillRect/>
+          </a:stretch>
+        </p:blipFill>
         <p:spPr>
           <a:xfrm>
-            <a:off x="1282963" y="1238080"/>
-            <a:ext cx="9849751" cy="1349671"/>
+            <a:off x="2357692" y="195943"/>
+            <a:ext cx="7828672" cy="5995512"/>
           </a:xfrm>
+          <a:prstGeom prst="rect">
+            <a:avLst/>
+          </a:prstGeom>
         </p:spPr>
-        <p:txBody>
-          <a:bodyPr anchor="b">
-            <a:normAutofit/>
-          </a:bodyPr>
-          <a:lstStyle/>
-          <a:p>
-            <a:endParaRPr lang="en-US" sz="5400"/>
-          </a:p>
-        </p:txBody>
-      </p:sp>
-      <p:sp>
-        <p:nvSpPr>
-          <p:cNvPr id="3" name="Content Placeholder 2">
-            <a:extLst>
-              <a:ext uri="{FF2B5EF4-FFF2-40B4-BE49-F238E27FC236}">
-                <a16:creationId xmlns:a16="http://schemas.microsoft.com/office/drawing/2014/main" id="{6BA70E85-8CB6-72FB-E26C-D79246F75BBE}"/>
-              </a:ext>
-            </a:extLst>
-          </p:cNvPr>
-          <p:cNvSpPr>
-            <a:spLocks noGrp="1"/>
-          </p:cNvSpPr>
-          <p:nvPr>
-            <p:ph idx="1"/>
-          </p:nvPr>
-        </p:nvSpPr>
-        <p:spPr>
-          <a:xfrm>
-            <a:off x="1289304" y="2902913"/>
-            <a:ext cx="9849751" cy="3032168"/>
-          </a:xfrm>
-        </p:spPr>
-        <p:txBody>
-          <a:bodyPr anchor="ctr">
-            <a:normAutofit/>
-          </a:bodyPr>
-          <a:lstStyle/>
-          <a:p>
-            <a:endParaRPr lang="en-US" sz="2000"/>
-          </a:p>
-        </p:txBody>
-      </p:sp>
+      </p:pic>
     </p:spTree>
     <p:extLst>
       <p:ext uri="{BB962C8B-B14F-4D97-AF65-F5344CB8AC3E}">
-        <p14:creationId xmlns:p14="http://schemas.microsoft.com/office/powerpoint/2010/main" val="3382583283"/>
+        <p14:creationId xmlns:p14="http://schemas.microsoft.com/office/powerpoint/2010/main" val="967008845"/>
       </p:ext>
     </p:extLst>
   </p:cSld>
   <p:clrMapOvr>
     <a:masterClrMapping/>
   </p:clrMapOvr>
-  <mc:AlternateContent xmlns:mc="http://schemas.openxmlformats.org/markup-compatibility/2006" xmlns:p14="http://schemas.microsoft.com/office/powerpoint/2010/main">
-    <mc:Choice Requires="p14">
+  <mc:AlternateContent xmlns:mc="http://schemas.openxmlformats.org/markup-compatibility/2006">
+    <mc:Choice xmlns:p14="http://schemas.microsoft.com/office/powerpoint/2010/main" Requires="p14">
       <p:transition spd="slow" p14:dur="3400">
         <p14:reveal/>
       </p:transition>
     </mc:Choice>
-    <mc:Fallback xmlns="">
+    <mc:Fallback>
       <p:transition spd="slow">
         <p:fade/>
       </p:transition>
@@ -5303,372 +5293,6 @@
 </file>
 
 <file path=ppt/slides/slide14.xml><?xml version="1.0" encoding="utf-8"?>
-<p:sld xmlns:a="http://schemas.openxmlformats.org/drawingml/2006/main" xmlns:r="http://schemas.openxmlformats.org/officeDocument/2006/relationships" xmlns:p="http://schemas.openxmlformats.org/presentationml/2006/main">
-  <p:cSld>
-    <p:bg>
-      <p:bgPr>
-        <a:solidFill>
-          <a:schemeClr val="bg1"/>
-        </a:solidFill>
-        <a:effectLst/>
-      </p:bgPr>
-    </p:bg>
-    <p:spTree>
-      <p:nvGrpSpPr>
-        <p:cNvPr id="1" name=""/>
-        <p:cNvGrpSpPr/>
-        <p:nvPr/>
-      </p:nvGrpSpPr>
-      <p:grpSpPr>
-        <a:xfrm>
-          <a:off x="0" y="0"/>
-          <a:ext cx="0" cy="0"/>
-          <a:chOff x="0" y="0"/>
-          <a:chExt cx="0" cy="0"/>
-        </a:xfrm>
-      </p:grpSpPr>
-      <p:sp useBgFill="1">
-        <p:nvSpPr>
-          <p:cNvPr id="22" name="Rectangle 21">
-            <a:extLst>
-              <a:ext uri="{FF2B5EF4-FFF2-40B4-BE49-F238E27FC236}">
-                <a16:creationId xmlns:a16="http://schemas.microsoft.com/office/drawing/2014/main" id="{9095C1F4-AE7F-44E4-8693-40D3D6831140}"/>
-              </a:ext>
-              <a:ext uri="{C183D7F6-B498-43B3-948B-1728B52AA6E4}">
-                <adec:decorative xmlns:adec="http://schemas.microsoft.com/office/drawing/2017/decorative" val="1"/>
-              </a:ext>
-            </a:extLst>
-          </p:cNvPr>
-          <p:cNvSpPr>
-            <a:spLocks noGrp="1" noRot="1" noChangeAspect="1" noMove="1" noResize="1" noEditPoints="1" noAdjustHandles="1" noChangeArrowheads="1" noChangeShapeType="1" noTextEdit="1"/>
-          </p:cNvSpPr>
-          <p:nvPr>
-            <p:extLst>
-              <p:ext uri="{386F3935-93C4-4BCD-93E2-E3B085C9AB24}">
-                <p16:designElem xmlns:p16="http://schemas.microsoft.com/office/powerpoint/2015/main" val="1"/>
-              </p:ext>
-            </p:extLst>
-          </p:nvPr>
-        </p:nvSpPr>
-        <p:spPr>
-          <a:xfrm>
-            <a:off x="0" y="0"/>
-            <a:ext cx="12191999" cy="6857365"/>
-          </a:xfrm>
-          <a:prstGeom prst="rect">
-            <a:avLst/>
-          </a:prstGeom>
-          <a:ln>
-            <a:noFill/>
-          </a:ln>
-        </p:spPr>
-        <p:style>
-          <a:lnRef idx="2">
-            <a:schemeClr val="accent1">
-              <a:shade val="50000"/>
-            </a:schemeClr>
-          </a:lnRef>
-          <a:fillRef idx="1">
-            <a:schemeClr val="accent1"/>
-          </a:fillRef>
-          <a:effectRef idx="0">
-            <a:schemeClr val="accent1"/>
-          </a:effectRef>
-          <a:fontRef idx="minor">
-            <a:schemeClr val="lt1"/>
-          </a:fontRef>
-        </p:style>
-        <p:txBody>
-          <a:bodyPr rtlCol="0" anchor="ctr"/>
-          <a:lstStyle/>
-          <a:p>
-            <a:pPr algn="ctr"/>
-            <a:endParaRPr lang="en-US"/>
-          </a:p>
-        </p:txBody>
-      </p:sp>
-      <p:grpSp>
-        <p:nvGrpSpPr>
-          <p:cNvPr id="24" name="Group 23">
-            <a:extLst>
-              <a:ext uri="{FF2B5EF4-FFF2-40B4-BE49-F238E27FC236}">
-                <a16:creationId xmlns:a16="http://schemas.microsoft.com/office/drawing/2014/main" id="{8734DDD3-F723-4DD3-8ABE-EC0B2AC87D74}"/>
-              </a:ext>
-              <a:ext uri="{C183D7F6-B498-43B3-948B-1728B52AA6E4}">
-                <adec:decorative xmlns:adec="http://schemas.microsoft.com/office/drawing/2017/decorative" val="1"/>
-              </a:ext>
-            </a:extLst>
-          </p:cNvPr>
-          <p:cNvGrpSpPr>
-            <a:grpSpLocks noGrp="1" noUngrp="1" noRot="1" noChangeAspect="1" noMove="1" noResize="1"/>
-          </p:cNvGrpSpPr>
-          <p:nvPr>
-            <p:extLst>
-              <p:ext uri="{386F3935-93C4-4BCD-93E2-E3B085C9AB24}">
-                <p16:designElem xmlns:p16="http://schemas.microsoft.com/office/powerpoint/2015/main" val="1"/>
-              </p:ext>
-            </p:extLst>
-          </p:nvPr>
-        </p:nvGrpSpPr>
-        <p:grpSpPr>
-          <a:xfrm>
-            <a:off x="2522324" y="-15978"/>
-            <a:ext cx="7147352" cy="5876916"/>
-            <a:chOff x="329184" y="-99107"/>
-            <a:chExt cx="524256" cy="5876916"/>
-          </a:xfrm>
-        </p:grpSpPr>
-        <p:cxnSp>
-          <p:nvCxnSpPr>
-            <p:cNvPr id="25" name="Straight Connector 24">
-              <a:extLst>
-                <a:ext uri="{FF2B5EF4-FFF2-40B4-BE49-F238E27FC236}">
-                  <a16:creationId xmlns:a16="http://schemas.microsoft.com/office/drawing/2014/main" id="{F7C8EA93-3210-4C62-99E9-153C275E3A87}"/>
-                </a:ext>
-                <a:ext uri="{C183D7F6-B498-43B3-948B-1728B52AA6E4}">
-                  <adec:decorative xmlns:adec="http://schemas.microsoft.com/office/drawing/2017/decorative" val="1"/>
-                </a:ext>
-              </a:extLst>
-            </p:cNvPr>
-            <p:cNvCxnSpPr>
-              <a:cxnSpLocks/>
-            </p:cNvCxnSpPr>
-            <p:nvPr>
-              <p:extLst>
-                <p:ext uri="{386F3935-93C4-4BCD-93E2-E3B085C9AB24}">
-                  <p16:designElem xmlns:p16="http://schemas.microsoft.com/office/powerpoint/2015/main" val="1"/>
-                </p:ext>
-              </p:extLst>
-            </p:nvPr>
-          </p:nvCxnSpPr>
-          <p:spPr>
-            <a:xfrm flipH="1">
-              <a:off x="329184" y="5777809"/>
-              <a:ext cx="523824" cy="0"/>
-            </a:xfrm>
-            <a:prstGeom prst="line">
-              <a:avLst/>
-            </a:prstGeom>
-            <a:ln w="152400">
-              <a:solidFill>
-                <a:schemeClr val="accent4"/>
-              </a:solidFill>
-            </a:ln>
-          </p:spPr>
-          <p:style>
-            <a:lnRef idx="1">
-              <a:schemeClr val="accent1"/>
-            </a:lnRef>
-            <a:fillRef idx="0">
-              <a:schemeClr val="accent1"/>
-            </a:fillRef>
-            <a:effectRef idx="0">
-              <a:schemeClr val="accent1"/>
-            </a:effectRef>
-            <a:fontRef idx="minor">
-              <a:schemeClr val="tx1"/>
-            </a:fontRef>
-          </p:style>
-        </p:cxnSp>
-        <p:sp>
-          <p:nvSpPr>
-            <p:cNvPr id="26" name="Rectangle 25">
-              <a:extLst>
-                <a:ext uri="{FF2B5EF4-FFF2-40B4-BE49-F238E27FC236}">
-                  <a16:creationId xmlns:a16="http://schemas.microsoft.com/office/drawing/2014/main" id="{5EB7D2A2-F448-44D4-938C-DC84CBCB3B1E}"/>
-                </a:ext>
-                <a:ext uri="{C183D7F6-B498-43B3-948B-1728B52AA6E4}">
-                  <adec:decorative xmlns:adec="http://schemas.microsoft.com/office/drawing/2017/decorative" val="1"/>
-                </a:ext>
-              </a:extLst>
-            </p:cNvPr>
-            <p:cNvSpPr/>
-            <p:nvPr>
-              <p:extLst>
-                <p:ext uri="{386F3935-93C4-4BCD-93E2-E3B085C9AB24}">
-                  <p16:designElem xmlns:p16="http://schemas.microsoft.com/office/powerpoint/2015/main" val="1"/>
-                </p:ext>
-              </p:extLst>
-            </p:nvPr>
-          </p:nvSpPr>
-          <p:spPr>
-            <a:xfrm>
-              <a:off x="329184" y="-99107"/>
-              <a:ext cx="524256" cy="5631228"/>
-            </a:xfrm>
-            <a:prstGeom prst="rect">
-              <a:avLst/>
-            </a:prstGeom>
-            <a:solidFill>
-              <a:schemeClr val="accent4"/>
-            </a:solidFill>
-            <a:ln>
-              <a:noFill/>
-            </a:ln>
-          </p:spPr>
-          <p:style>
-            <a:lnRef idx="2">
-              <a:schemeClr val="accent1">
-                <a:shade val="50000"/>
-              </a:schemeClr>
-            </a:lnRef>
-            <a:fillRef idx="1">
-              <a:schemeClr val="accent1"/>
-            </a:fillRef>
-            <a:effectRef idx="0">
-              <a:schemeClr val="accent1"/>
-            </a:effectRef>
-            <a:fontRef idx="minor">
-              <a:schemeClr val="lt1"/>
-            </a:fontRef>
-          </p:style>
-          <p:txBody>
-            <a:bodyPr rtlCol="0" anchor="ctr"/>
-            <a:lstStyle/>
-            <a:p>
-              <a:pPr algn="ctr"/>
-              <a:endParaRPr lang="en-US" dirty="0"/>
-            </a:p>
-          </p:txBody>
-        </p:sp>
-      </p:grpSp>
-      <p:sp>
-        <p:nvSpPr>
-          <p:cNvPr id="28" name="Rectangle 27">
-            <a:extLst>
-              <a:ext uri="{FF2B5EF4-FFF2-40B4-BE49-F238E27FC236}">
-                <a16:creationId xmlns:a16="http://schemas.microsoft.com/office/drawing/2014/main" id="{871AEA07-1E14-44B4-8E55-64EF049CD66F}"/>
-              </a:ext>
-              <a:ext uri="{C183D7F6-B498-43B3-948B-1728B52AA6E4}">
-                <adec:decorative xmlns:adec="http://schemas.microsoft.com/office/drawing/2017/decorative" val="1"/>
-              </a:ext>
-            </a:extLst>
-          </p:cNvPr>
-          <p:cNvSpPr>
-            <a:spLocks noGrp="1" noRot="1" noChangeAspect="1" noMove="1" noResize="1" noEditPoints="1" noAdjustHandles="1" noChangeArrowheads="1" noChangeShapeType="1" noTextEdit="1"/>
-          </p:cNvSpPr>
-          <p:nvPr>
-            <p:extLst>
-              <p:ext uri="{386F3935-93C4-4BCD-93E2-E3B085C9AB24}">
-                <p16:designElem xmlns:p16="http://schemas.microsoft.com/office/powerpoint/2015/main" val="1"/>
-              </p:ext>
-            </p:extLst>
-          </p:nvPr>
-        </p:nvSpPr>
-        <p:spPr>
-          <a:xfrm>
-            <a:off x="596464" y="1055718"/>
-            <a:ext cx="10999072" cy="3358344"/>
-          </a:xfrm>
-          <a:prstGeom prst="rect">
-            <a:avLst/>
-          </a:prstGeom>
-          <a:solidFill>
-            <a:schemeClr val="bg1"/>
-          </a:solidFill>
-          <a:ln>
-            <a:noFill/>
-          </a:ln>
-          <a:effectLst>
-            <a:outerShdw blurRad="139700" dist="127000" dir="5400000" algn="t" rotWithShape="0">
-              <a:prstClr val="black">
-                <a:alpha val="15000"/>
-              </a:prstClr>
-            </a:outerShdw>
-          </a:effectLst>
-        </p:spPr>
-        <p:style>
-          <a:lnRef idx="2">
-            <a:schemeClr val="accent1">
-              <a:shade val="50000"/>
-            </a:schemeClr>
-          </a:lnRef>
-          <a:fillRef idx="1">
-            <a:schemeClr val="accent1"/>
-          </a:fillRef>
-          <a:effectRef idx="0">
-            <a:schemeClr val="accent1"/>
-          </a:effectRef>
-          <a:fontRef idx="minor">
-            <a:schemeClr val="lt1"/>
-          </a:fontRef>
-        </p:style>
-        <p:txBody>
-          <a:bodyPr rtlCol="0" anchor="ctr"/>
-          <a:lstStyle/>
-          <a:p>
-            <a:pPr algn="ctr"/>
-            <a:endParaRPr lang="en-US"/>
-          </a:p>
-        </p:txBody>
-      </p:sp>
-      <p:sp>
-        <p:nvSpPr>
-          <p:cNvPr id="2" name="Title 1">
-            <a:extLst>
-              <a:ext uri="{FF2B5EF4-FFF2-40B4-BE49-F238E27FC236}">
-                <a16:creationId xmlns:a16="http://schemas.microsoft.com/office/drawing/2014/main" id="{BD31A0EF-76AB-411A-B34D-897C6FC1580A}"/>
-              </a:ext>
-            </a:extLst>
-          </p:cNvPr>
-          <p:cNvSpPr>
-            <a:spLocks noGrp="1"/>
-          </p:cNvSpPr>
-          <p:nvPr>
-            <p:ph type="title"/>
-          </p:nvPr>
-        </p:nvSpPr>
-        <p:spPr>
-          <a:xfrm>
-            <a:off x="1524000" y="1584683"/>
-            <a:ext cx="9144000" cy="2551829"/>
-          </a:xfrm>
-        </p:spPr>
-        <p:txBody>
-          <a:bodyPr vert="horz" lIns="91440" tIns="45720" rIns="91440" bIns="45720" rtlCol="0" anchor="ctr">
-            <a:normAutofit/>
-          </a:bodyPr>
-          <a:lstStyle/>
-          <a:p>
-            <a:pPr algn="ctr"/>
-            <a:r>
-              <a:rPr lang="en-US" sz="6600" b="1" kern="1200" dirty="0">
-                <a:solidFill>
-                  <a:schemeClr val="tx1"/>
-                </a:solidFill>
-                <a:latin typeface="Amasis MT Pro Black" panose="02040A04050005020304" pitchFamily="18" charset="0"/>
-              </a:rPr>
-              <a:t>Summary</a:t>
-            </a:r>
-          </a:p>
-        </p:txBody>
-      </p:sp>
-    </p:spTree>
-    <p:extLst>
-      <p:ext uri="{BB962C8B-B14F-4D97-AF65-F5344CB8AC3E}">
-        <p14:creationId xmlns:p14="http://schemas.microsoft.com/office/powerpoint/2010/main" val="1270426270"/>
-      </p:ext>
-    </p:extLst>
-  </p:cSld>
-  <p:clrMapOvr>
-    <a:masterClrMapping/>
-  </p:clrMapOvr>
-  <mc:AlternateContent xmlns:mc="http://schemas.openxmlformats.org/markup-compatibility/2006" xmlns:p14="http://schemas.microsoft.com/office/powerpoint/2010/main">
-    <mc:Choice Requires="p14">
-      <p:transition spd="slow" p14:dur="3400">
-        <p14:reveal/>
-      </p:transition>
-    </mc:Choice>
-    <mc:Fallback xmlns="">
-      <p:transition spd="slow">
-        <p:fade/>
-      </p:transition>
-    </mc:Fallback>
-  </mc:AlternateContent>
-</p:sld>
-</file>
-
-<file path=ppt/slides/slide15.xml><?xml version="1.0" encoding="utf-8"?>
 <p:sld xmlns:a="http://schemas.openxmlformats.org/drawingml/2006/main" xmlns:r="http://schemas.openxmlformats.org/officeDocument/2006/relationships" xmlns:p="http://schemas.openxmlformats.org/presentationml/2006/main">
   <p:cSld>
     <p:bg>
@@ -5981,7 +5605,7 @@
           <p:cNvPr id="2" name="Title 1">
             <a:extLst>
               <a:ext uri="{FF2B5EF4-FFF2-40B4-BE49-F238E27FC236}">
-                <a16:creationId xmlns:a16="http://schemas.microsoft.com/office/drawing/2014/main" id="{842A4CC2-EB59-DAA9-E333-BCFECEC66A72}"/>
+                <a16:creationId xmlns:a16="http://schemas.microsoft.com/office/drawing/2014/main" id="{A20B6DFE-19C6-DFC6-BD0D-DC24814D4DE6}"/>
               </a:ext>
             </a:extLst>
           </p:cNvPr>
@@ -5994,8 +5618,8 @@
         </p:nvSpPr>
         <p:spPr>
           <a:xfrm>
-            <a:off x="1282963" y="1238080"/>
-            <a:ext cx="9849751" cy="1349671"/>
+            <a:off x="862760" y="0"/>
+            <a:ext cx="4613919" cy="2843723"/>
           </a:xfrm>
         </p:spPr>
         <p:txBody>
@@ -6004,46 +5628,114 @@
           </a:bodyPr>
           <a:lstStyle/>
           <a:p>
-            <a:endParaRPr lang="en-US" sz="5400"/>
-          </a:p>
-        </p:txBody>
-      </p:sp>
-      <p:sp>
-        <p:nvSpPr>
-          <p:cNvPr id="3" name="Content Placeholder 2">
-            <a:extLst>
-              <a:ext uri="{FF2B5EF4-FFF2-40B4-BE49-F238E27FC236}">
-                <a16:creationId xmlns:a16="http://schemas.microsoft.com/office/drawing/2014/main" id="{0D202D78-585C-036F-0149-FB3AEEEA9FAC}"/>
-              </a:ext>
-            </a:extLst>
-          </p:cNvPr>
-          <p:cNvSpPr>
-            <a:spLocks noGrp="1"/>
-          </p:cNvSpPr>
+            <a:r>
+              <a:rPr lang="en-US" dirty="0">
+                <a:latin typeface="Amasis MT Pro Black" panose="02040A04050005020304" pitchFamily="18" charset="0"/>
+              </a:rPr>
+              <a:t>Urate vs prison population and police report correlation </a:t>
+            </a:r>
+          </a:p>
+        </p:txBody>
+      </p:sp>
+      <p:pic>
+        <p:nvPicPr>
+          <p:cNvPr id="16" name="Content Placeholder 15">
+            <a:extLst>
+              <a:ext uri="{FF2B5EF4-FFF2-40B4-BE49-F238E27FC236}">
+                <a16:creationId xmlns:a16="http://schemas.microsoft.com/office/drawing/2014/main" id="{D84A7FA5-628D-0C15-C2E3-C1F68364101E}"/>
+              </a:ext>
+            </a:extLst>
+          </p:cNvPr>
+          <p:cNvPicPr>
+            <a:picLocks noGrp="1" noChangeAspect="1"/>
+          </p:cNvPicPr>
           <p:nvPr>
             <p:ph idx="1"/>
           </p:nvPr>
-        </p:nvSpPr>
+        </p:nvPicPr>
+        <p:blipFill>
+          <a:blip r:embed="rId2"/>
+          <a:stretch>
+            <a:fillRect/>
+          </a:stretch>
+        </p:blipFill>
         <p:spPr>
           <a:xfrm>
-            <a:off x="1289304" y="2902913"/>
-            <a:ext cx="9849751" cy="3032168"/>
+            <a:off x="5759910" y="449725"/>
+            <a:ext cx="5891954" cy="5556639"/>
           </a:xfrm>
+          <a:ln>
+            <a:solidFill>
+              <a:schemeClr val="tx1"/>
+            </a:solidFill>
+          </a:ln>
         </p:spPr>
-        <p:txBody>
-          <a:bodyPr anchor="ctr">
+      </p:pic>
+      <p:sp>
+        <p:nvSpPr>
+          <p:cNvPr id="17" name="Title 1">
+            <a:extLst>
+              <a:ext uri="{FF2B5EF4-FFF2-40B4-BE49-F238E27FC236}">
+                <a16:creationId xmlns:a16="http://schemas.microsoft.com/office/drawing/2014/main" id="{50C6D944-4533-56F2-E630-52B3B82D87B3}"/>
+              </a:ext>
+            </a:extLst>
+          </p:cNvPr>
+          <p:cNvSpPr txBox="1">
+            <a:spLocks/>
+          </p:cNvSpPr>
+          <p:nvPr/>
+        </p:nvSpPr>
+        <p:spPr>
+          <a:xfrm>
+            <a:off x="862759" y="3091358"/>
+            <a:ext cx="4613919" cy="2843723"/>
+          </a:xfrm>
+          <a:prstGeom prst="rect">
+            <a:avLst/>
+          </a:prstGeom>
+        </p:spPr>
+        <p:txBody>
+          <a:bodyPr vert="horz" lIns="91440" tIns="45720" rIns="91440" bIns="45720" rtlCol="0" anchor="b">
             <a:normAutofit/>
           </a:bodyPr>
-          <a:lstStyle/>
-          <a:p>
-            <a:endParaRPr lang="en-US" sz="2000"/>
+          <a:lstStyle>
+            <a:lvl1pPr algn="l" defTabSz="914400" rtl="0" eaLnBrk="1" latinLnBrk="0" hangingPunct="1">
+              <a:lnSpc>
+                <a:spcPct val="90000"/>
+              </a:lnSpc>
+              <a:spcBef>
+                <a:spcPct val="0"/>
+              </a:spcBef>
+              <a:buNone/>
+              <a:defRPr sz="4400" kern="1200">
+                <a:solidFill>
+                  <a:schemeClr val="tx1"/>
+                </a:solidFill>
+                <a:latin typeface="+mj-lt"/>
+                <a:ea typeface="+mj-ea"/>
+                <a:cs typeface="+mj-cs"/>
+              </a:defRPr>
+            </a:lvl1pPr>
+          </a:lstStyle>
+          <a:p>
+            <a:r>
+              <a:rPr lang="en-US" sz="1800" dirty="0" err="1">
+                <a:latin typeface="Calibri" panose="020F0502020204030204" pitchFamily="34" charset="0"/>
+                <a:cs typeface="Calibri" panose="020F0502020204030204" pitchFamily="34" charset="0"/>
+              </a:rPr>
+              <a:t>hhh</a:t>
+            </a:r>
+            <a:endParaRPr lang="en-US" sz="1800" dirty="0">
+              <a:latin typeface="Calibri" panose="020F0502020204030204" pitchFamily="34" charset="0"/>
+              <a:cs typeface="Calibri" panose="020F0502020204030204" pitchFamily="34" charset="0"/>
+            </a:endParaRPr>
           </a:p>
         </p:txBody>
       </p:sp>
     </p:spTree>
     <p:extLst>
       <p:ext uri="{BB962C8B-B14F-4D97-AF65-F5344CB8AC3E}">
-        <p14:creationId xmlns:p14="http://schemas.microsoft.com/office/powerpoint/2010/main" val="2923581052"/>
+        <p14:creationId xmlns:p14="http://schemas.microsoft.com/office/powerpoint/2010/main" val="3382583283"/>
       </p:ext>
     </p:extLst>
   </p:cSld>
@@ -6057,6 +5749,364 @@
       </p:transition>
     </mc:Choice>
     <mc:Fallback xmlns="">
+      <p:transition spd="slow">
+        <p:fade/>
+      </p:transition>
+    </mc:Fallback>
+  </mc:AlternateContent>
+</p:sld>
+</file>
+
+<file path=ppt/slides/slide15.xml><?xml version="1.0" encoding="utf-8"?>
+<p:sld xmlns:a="http://schemas.openxmlformats.org/drawingml/2006/main" xmlns:r="http://schemas.openxmlformats.org/officeDocument/2006/relationships" xmlns:p="http://schemas.openxmlformats.org/presentationml/2006/main">
+  <p:cSld>
+    <p:bg>
+      <p:bgPr>
+        <a:solidFill>
+          <a:schemeClr val="bg1"/>
+        </a:solidFill>
+        <a:effectLst/>
+      </p:bgPr>
+    </p:bg>
+    <p:spTree>
+      <p:nvGrpSpPr>
+        <p:cNvPr id="1" name=""/>
+        <p:cNvGrpSpPr/>
+        <p:nvPr/>
+      </p:nvGrpSpPr>
+      <p:grpSpPr>
+        <a:xfrm>
+          <a:off x="0" y="0"/>
+          <a:ext cx="0" cy="0"/>
+          <a:chOff x="0" y="0"/>
+          <a:chExt cx="0" cy="0"/>
+        </a:xfrm>
+      </p:grpSpPr>
+      <p:sp useBgFill="1">
+        <p:nvSpPr>
+          <p:cNvPr id="8" name="Rectangle 7">
+            <a:extLst>
+              <a:ext uri="{FF2B5EF4-FFF2-40B4-BE49-F238E27FC236}">
+                <a16:creationId xmlns:a16="http://schemas.microsoft.com/office/drawing/2014/main" id="{4DA718D0-4865-4629-8134-44F68D41D574}"/>
+              </a:ext>
+              <a:ext uri="{C183D7F6-B498-43B3-948B-1728B52AA6E4}">
+                <adec:decorative xmlns:adec="http://schemas.microsoft.com/office/drawing/2017/decorative" val="1"/>
+              </a:ext>
+            </a:extLst>
+          </p:cNvPr>
+          <p:cNvSpPr>
+            <a:spLocks noGrp="1" noRot="1" noChangeAspect="1" noMove="1" noResize="1" noEditPoints="1" noAdjustHandles="1" noChangeArrowheads="1" noChangeShapeType="1" noTextEdit="1"/>
+          </p:cNvSpPr>
+          <p:nvPr>
+            <p:extLst>
+              <p:ext uri="{386F3935-93C4-4BCD-93E2-E3B085C9AB24}">
+                <p16:designElem xmlns:p16="http://schemas.microsoft.com/office/powerpoint/2015/main" val="1"/>
+              </p:ext>
+            </p:extLst>
+          </p:nvPr>
+        </p:nvSpPr>
+        <p:spPr>
+          <a:xfrm>
+            <a:off x="0" y="0"/>
+            <a:ext cx="12191999" cy="6857365"/>
+          </a:xfrm>
+          <a:prstGeom prst="rect">
+            <a:avLst/>
+          </a:prstGeom>
+          <a:ln>
+            <a:noFill/>
+          </a:ln>
+        </p:spPr>
+        <p:style>
+          <a:lnRef idx="2">
+            <a:schemeClr val="accent1">
+              <a:shade val="50000"/>
+            </a:schemeClr>
+          </a:lnRef>
+          <a:fillRef idx="1">
+            <a:schemeClr val="accent1"/>
+          </a:fillRef>
+          <a:effectRef idx="0">
+            <a:schemeClr val="accent1"/>
+          </a:effectRef>
+          <a:fontRef idx="minor">
+            <a:schemeClr val="lt1"/>
+          </a:fontRef>
+        </p:style>
+        <p:txBody>
+          <a:bodyPr rtlCol="0" anchor="ctr"/>
+          <a:lstStyle/>
+          <a:p>
+            <a:pPr algn="ctr"/>
+            <a:endParaRPr lang="en-US"/>
+          </a:p>
+        </p:txBody>
+      </p:sp>
+      <p:grpSp>
+        <p:nvGrpSpPr>
+          <p:cNvPr id="10" name="Group 9">
+            <a:extLst>
+              <a:ext uri="{FF2B5EF4-FFF2-40B4-BE49-F238E27FC236}">
+                <a16:creationId xmlns:a16="http://schemas.microsoft.com/office/drawing/2014/main" id="{65167ED7-6315-43AB-B1B6-C326D5FD8F84}"/>
+              </a:ext>
+              <a:ext uri="{C183D7F6-B498-43B3-948B-1728B52AA6E4}">
+                <adec:decorative xmlns:adec="http://schemas.microsoft.com/office/drawing/2017/decorative" val="1"/>
+              </a:ext>
+            </a:extLst>
+          </p:cNvPr>
+          <p:cNvGrpSpPr>
+            <a:grpSpLocks noGrp="1" noUngrp="1" noRot="1" noChangeAspect="1" noMove="1" noResize="1"/>
+          </p:cNvGrpSpPr>
+          <p:nvPr>
+            <p:extLst>
+              <p:ext uri="{386F3935-93C4-4BCD-93E2-E3B085C9AB24}">
+                <p16:designElem xmlns:p16="http://schemas.microsoft.com/office/powerpoint/2015/main" val="1"/>
+              </p:ext>
+            </p:extLst>
+          </p:nvPr>
+        </p:nvGrpSpPr>
+        <p:grpSpPr>
+          <a:xfrm rot="5400000">
+            <a:off x="-2340441" y="2666183"/>
+            <a:ext cx="5860051" cy="527712"/>
+            <a:chOff x="6081624" y="1998368"/>
+            <a:chExt cx="5613457" cy="782175"/>
+          </a:xfrm>
+          <a:solidFill>
+            <a:schemeClr val="accent4"/>
+          </a:solidFill>
+        </p:grpSpPr>
+        <p:sp>
+          <p:nvSpPr>
+            <p:cNvPr id="11" name="Rectangle 10">
+              <a:extLst>
+                <a:ext uri="{FF2B5EF4-FFF2-40B4-BE49-F238E27FC236}">
+                  <a16:creationId xmlns:a16="http://schemas.microsoft.com/office/drawing/2014/main" id="{EF4D8839-FB03-487D-ACC8-8BFEDD4FEBAE}"/>
+                </a:ext>
+                <a:ext uri="{C183D7F6-B498-43B3-948B-1728B52AA6E4}">
+                  <adec:decorative xmlns:adec="http://schemas.microsoft.com/office/drawing/2017/decorative" val="1"/>
+                </a:ext>
+              </a:extLst>
+            </p:cNvPr>
+            <p:cNvSpPr/>
+            <p:nvPr>
+              <p:extLst>
+                <p:ext uri="{386F3935-93C4-4BCD-93E2-E3B085C9AB24}">
+                  <p16:designElem xmlns:p16="http://schemas.microsoft.com/office/powerpoint/2015/main" val="1"/>
+                </p:ext>
+              </p:extLst>
+            </p:nvPr>
+          </p:nvSpPr>
+          <p:spPr>
+            <a:xfrm rot="5400000">
+              <a:off x="11228040" y="2313027"/>
+              <a:ext cx="781700" cy="152382"/>
+            </a:xfrm>
+            <a:prstGeom prst="rect">
+              <a:avLst/>
+            </a:prstGeom>
+            <a:grpFill/>
+            <a:ln>
+              <a:noFill/>
+            </a:ln>
+          </p:spPr>
+          <p:style>
+            <a:lnRef idx="2">
+              <a:schemeClr val="accent1">
+                <a:shade val="50000"/>
+              </a:schemeClr>
+            </a:lnRef>
+            <a:fillRef idx="1">
+              <a:schemeClr val="accent1"/>
+            </a:fillRef>
+            <a:effectRef idx="0">
+              <a:schemeClr val="accent1"/>
+            </a:effectRef>
+            <a:fontRef idx="minor">
+              <a:schemeClr val="lt1"/>
+            </a:fontRef>
+          </p:style>
+          <p:txBody>
+            <a:bodyPr rtlCol="0" anchor="ctr"/>
+            <a:lstStyle/>
+            <a:p>
+              <a:pPr algn="ctr"/>
+              <a:endParaRPr lang="en-US"/>
+            </a:p>
+          </p:txBody>
+        </p:sp>
+        <p:sp>
+          <p:nvSpPr>
+            <p:cNvPr id="12" name="Rectangle 11">
+              <a:extLst>
+                <a:ext uri="{FF2B5EF4-FFF2-40B4-BE49-F238E27FC236}">
+                  <a16:creationId xmlns:a16="http://schemas.microsoft.com/office/drawing/2014/main" id="{0EF75023-9A3B-42FC-B704-61A8F7BEF415}"/>
+                </a:ext>
+                <a:ext uri="{C183D7F6-B498-43B3-948B-1728B52AA6E4}">
+                  <adec:decorative xmlns:adec="http://schemas.microsoft.com/office/drawing/2017/decorative" val="1"/>
+                </a:ext>
+              </a:extLst>
+            </p:cNvPr>
+            <p:cNvSpPr/>
+            <p:nvPr>
+              <p:extLst>
+                <p:ext uri="{386F3935-93C4-4BCD-93E2-E3B085C9AB24}">
+                  <p16:designElem xmlns:p16="http://schemas.microsoft.com/office/powerpoint/2015/main" val="1"/>
+                </p:ext>
+              </p:extLst>
+            </p:nvPr>
+          </p:nvSpPr>
+          <p:spPr>
+            <a:xfrm flipH="1" flipV="1">
+              <a:off x="6081624" y="1998844"/>
+              <a:ext cx="5372968" cy="781699"/>
+            </a:xfrm>
+            <a:prstGeom prst="rect">
+              <a:avLst/>
+            </a:prstGeom>
+            <a:grpFill/>
+            <a:ln>
+              <a:noFill/>
+            </a:ln>
+          </p:spPr>
+          <p:style>
+            <a:lnRef idx="2">
+              <a:schemeClr val="accent1">
+                <a:shade val="50000"/>
+              </a:schemeClr>
+            </a:lnRef>
+            <a:fillRef idx="1">
+              <a:schemeClr val="accent1"/>
+            </a:fillRef>
+            <a:effectRef idx="0">
+              <a:schemeClr val="accent1"/>
+            </a:effectRef>
+            <a:fontRef idx="minor">
+              <a:schemeClr val="lt1"/>
+            </a:fontRef>
+          </p:style>
+          <p:txBody>
+            <a:bodyPr rtlCol="0" anchor="ctr"/>
+            <a:lstStyle/>
+            <a:p>
+              <a:pPr algn="ctr"/>
+              <a:endParaRPr lang="en-US"/>
+            </a:p>
+          </p:txBody>
+        </p:sp>
+      </p:grpSp>
+      <p:sp>
+        <p:nvSpPr>
+          <p:cNvPr id="14" name="Rectangle 13">
+            <a:extLst>
+              <a:ext uri="{FF2B5EF4-FFF2-40B4-BE49-F238E27FC236}">
+                <a16:creationId xmlns:a16="http://schemas.microsoft.com/office/drawing/2014/main" id="{CBC4F608-B4B8-48C3-9572-C0F061B1CD99}"/>
+              </a:ext>
+              <a:ext uri="{C183D7F6-B498-43B3-948B-1728B52AA6E4}">
+                <adec:decorative xmlns:adec="http://schemas.microsoft.com/office/drawing/2017/decorative" val="1"/>
+              </a:ext>
+            </a:extLst>
+          </p:cNvPr>
+          <p:cNvSpPr>
+            <a:spLocks noGrp="1" noRot="1" noChangeAspect="1" noMove="1" noResize="1" noEditPoints="1" noAdjustHandles="1" noChangeArrowheads="1" noChangeShapeType="1" noTextEdit="1"/>
+          </p:cNvSpPr>
+          <p:nvPr>
+            <p:extLst>
+              <p:ext uri="{386F3935-93C4-4BCD-93E2-E3B085C9AB24}">
+                <p16:designElem xmlns:p16="http://schemas.microsoft.com/office/powerpoint/2015/main" val="1"/>
+              </p:ext>
+            </p:extLst>
+          </p:nvPr>
+        </p:nvSpPr>
+        <p:spPr>
+          <a:xfrm>
+            <a:off x="579528" y="922919"/>
+            <a:ext cx="11111729" cy="5461252"/>
+          </a:xfrm>
+          <a:prstGeom prst="rect">
+            <a:avLst/>
+          </a:prstGeom>
+          <a:solidFill>
+            <a:schemeClr val="bg1"/>
+          </a:solidFill>
+          <a:ln>
+            <a:noFill/>
+          </a:ln>
+          <a:effectLst>
+            <a:outerShdw blurRad="139700" dist="127000" dir="5400000" algn="t" rotWithShape="0">
+              <a:prstClr val="black">
+                <a:alpha val="15000"/>
+              </a:prstClr>
+            </a:outerShdw>
+          </a:effectLst>
+        </p:spPr>
+        <p:style>
+          <a:lnRef idx="2">
+            <a:schemeClr val="accent1">
+              <a:shade val="50000"/>
+            </a:schemeClr>
+          </a:lnRef>
+          <a:fillRef idx="1">
+            <a:schemeClr val="accent1"/>
+          </a:fillRef>
+          <a:effectRef idx="0">
+            <a:schemeClr val="accent1"/>
+          </a:effectRef>
+          <a:fontRef idx="minor">
+            <a:schemeClr val="lt1"/>
+          </a:fontRef>
+        </p:style>
+        <p:txBody>
+          <a:bodyPr rtlCol="0" anchor="ctr"/>
+          <a:lstStyle/>
+          <a:p>
+            <a:pPr algn="ctr"/>
+            <a:endParaRPr lang="en-US"/>
+          </a:p>
+        </p:txBody>
+      </p:sp>
+      <p:sp>
+        <p:nvSpPr>
+          <p:cNvPr id="4" name="Content Placeholder 3">
+            <a:extLst>
+              <a:ext uri="{FF2B5EF4-FFF2-40B4-BE49-F238E27FC236}">
+                <a16:creationId xmlns:a16="http://schemas.microsoft.com/office/drawing/2014/main" id="{FCA5443C-9121-57C1-EF43-5B75033C0847}"/>
+              </a:ext>
+            </a:extLst>
+          </p:cNvPr>
+          <p:cNvSpPr>
+            <a:spLocks noGrp="1"/>
+          </p:cNvSpPr>
+          <p:nvPr>
+            <p:ph idx="1"/>
+          </p:nvPr>
+        </p:nvSpPr>
+        <p:spPr/>
+        <p:txBody>
+          <a:bodyPr/>
+          <a:lstStyle/>
+          <a:p>
+            <a:endParaRPr lang="en-US" dirty="0"/>
+          </a:p>
+        </p:txBody>
+      </p:sp>
+    </p:spTree>
+    <p:extLst>
+      <p:ext uri="{BB962C8B-B14F-4D97-AF65-F5344CB8AC3E}">
+        <p14:creationId xmlns:p14="http://schemas.microsoft.com/office/powerpoint/2010/main" val="3879117304"/>
+      </p:ext>
+    </p:extLst>
+  </p:cSld>
+  <p:clrMapOvr>
+    <a:masterClrMapping/>
+  </p:clrMapOvr>
+  <mc:AlternateContent xmlns:mc="http://schemas.openxmlformats.org/markup-compatibility/2006">
+    <mc:Choice xmlns:p14="http://schemas.microsoft.com/office/powerpoint/2010/main" Requires="p14">
+      <p:transition spd="slow" p14:dur="3400">
+        <p14:reveal/>
+      </p:transition>
+    </mc:Choice>
+    <mc:Fallback>
       <p:transition spd="slow">
         <p:fade/>
       </p:transition>
@@ -6401,6 +6451,769 @@
                 </a:solidFill>
                 <a:latin typeface="Amasis MT Pro Black" panose="02040A04050005020304" pitchFamily="18" charset="0"/>
               </a:rPr>
+              <a:t>Summary</a:t>
+            </a:r>
+          </a:p>
+        </p:txBody>
+      </p:sp>
+    </p:spTree>
+    <p:extLst>
+      <p:ext uri="{BB962C8B-B14F-4D97-AF65-F5344CB8AC3E}">
+        <p14:creationId xmlns:p14="http://schemas.microsoft.com/office/powerpoint/2010/main" val="1270426270"/>
+      </p:ext>
+    </p:extLst>
+  </p:cSld>
+  <p:clrMapOvr>
+    <a:masterClrMapping/>
+  </p:clrMapOvr>
+  <mc:AlternateContent xmlns:mc="http://schemas.openxmlformats.org/markup-compatibility/2006" xmlns:p14="http://schemas.microsoft.com/office/powerpoint/2010/main">
+    <mc:Choice Requires="p14">
+      <p:transition spd="slow" p14:dur="3400">
+        <p14:reveal/>
+      </p:transition>
+    </mc:Choice>
+    <mc:Fallback xmlns="">
+      <p:transition spd="slow">
+        <p:fade/>
+      </p:transition>
+    </mc:Fallback>
+  </mc:AlternateContent>
+</p:sld>
+</file>
+
+<file path=ppt/slides/slide17.xml><?xml version="1.0" encoding="utf-8"?>
+<p:sld xmlns:a="http://schemas.openxmlformats.org/drawingml/2006/main" xmlns:r="http://schemas.openxmlformats.org/officeDocument/2006/relationships" xmlns:p="http://schemas.openxmlformats.org/presentationml/2006/main">
+  <p:cSld>
+    <p:bg>
+      <p:bgPr>
+        <a:solidFill>
+          <a:schemeClr val="bg1"/>
+        </a:solidFill>
+        <a:effectLst/>
+      </p:bgPr>
+    </p:bg>
+    <p:spTree>
+      <p:nvGrpSpPr>
+        <p:cNvPr id="1" name=""/>
+        <p:cNvGrpSpPr/>
+        <p:nvPr/>
+      </p:nvGrpSpPr>
+      <p:grpSpPr>
+        <a:xfrm>
+          <a:off x="0" y="0"/>
+          <a:ext cx="0" cy="0"/>
+          <a:chOff x="0" y="0"/>
+          <a:chExt cx="0" cy="0"/>
+        </a:xfrm>
+      </p:grpSpPr>
+      <p:sp useBgFill="1">
+        <p:nvSpPr>
+          <p:cNvPr id="8" name="Rectangle 7">
+            <a:extLst>
+              <a:ext uri="{FF2B5EF4-FFF2-40B4-BE49-F238E27FC236}">
+                <a16:creationId xmlns:a16="http://schemas.microsoft.com/office/drawing/2014/main" id="{4DA718D0-4865-4629-8134-44F68D41D574}"/>
+              </a:ext>
+              <a:ext uri="{C183D7F6-B498-43B3-948B-1728B52AA6E4}">
+                <adec:decorative xmlns:adec="http://schemas.microsoft.com/office/drawing/2017/decorative" val="1"/>
+              </a:ext>
+            </a:extLst>
+          </p:cNvPr>
+          <p:cNvSpPr>
+            <a:spLocks noGrp="1" noRot="1" noChangeAspect="1" noMove="1" noResize="1" noEditPoints="1" noAdjustHandles="1" noChangeArrowheads="1" noChangeShapeType="1" noTextEdit="1"/>
+          </p:cNvSpPr>
+          <p:nvPr>
+            <p:extLst>
+              <p:ext uri="{386F3935-93C4-4BCD-93E2-E3B085C9AB24}">
+                <p16:designElem xmlns:p16="http://schemas.microsoft.com/office/powerpoint/2015/main" val="1"/>
+              </p:ext>
+            </p:extLst>
+          </p:nvPr>
+        </p:nvSpPr>
+        <p:spPr>
+          <a:xfrm>
+            <a:off x="0" y="0"/>
+            <a:ext cx="12191999" cy="6857365"/>
+          </a:xfrm>
+          <a:prstGeom prst="rect">
+            <a:avLst/>
+          </a:prstGeom>
+          <a:ln>
+            <a:noFill/>
+          </a:ln>
+        </p:spPr>
+        <p:style>
+          <a:lnRef idx="2">
+            <a:schemeClr val="accent1">
+              <a:shade val="50000"/>
+            </a:schemeClr>
+          </a:lnRef>
+          <a:fillRef idx="1">
+            <a:schemeClr val="accent1"/>
+          </a:fillRef>
+          <a:effectRef idx="0">
+            <a:schemeClr val="accent1"/>
+          </a:effectRef>
+          <a:fontRef idx="minor">
+            <a:schemeClr val="lt1"/>
+          </a:fontRef>
+        </p:style>
+        <p:txBody>
+          <a:bodyPr rtlCol="0" anchor="ctr"/>
+          <a:lstStyle/>
+          <a:p>
+            <a:pPr algn="ctr"/>
+            <a:endParaRPr lang="en-US"/>
+          </a:p>
+        </p:txBody>
+      </p:sp>
+      <p:grpSp>
+        <p:nvGrpSpPr>
+          <p:cNvPr id="10" name="Group 9">
+            <a:extLst>
+              <a:ext uri="{FF2B5EF4-FFF2-40B4-BE49-F238E27FC236}">
+                <a16:creationId xmlns:a16="http://schemas.microsoft.com/office/drawing/2014/main" id="{65167ED7-6315-43AB-B1B6-C326D5FD8F84}"/>
+              </a:ext>
+              <a:ext uri="{C183D7F6-B498-43B3-948B-1728B52AA6E4}">
+                <adec:decorative xmlns:adec="http://schemas.microsoft.com/office/drawing/2017/decorative" val="1"/>
+              </a:ext>
+            </a:extLst>
+          </p:cNvPr>
+          <p:cNvGrpSpPr>
+            <a:grpSpLocks noGrp="1" noUngrp="1" noRot="1" noChangeAspect="1" noMove="1" noResize="1"/>
+          </p:cNvGrpSpPr>
+          <p:nvPr>
+            <p:extLst>
+              <p:ext uri="{386F3935-93C4-4BCD-93E2-E3B085C9AB24}">
+                <p16:designElem xmlns:p16="http://schemas.microsoft.com/office/powerpoint/2015/main" val="1"/>
+              </p:ext>
+            </p:extLst>
+          </p:nvPr>
+        </p:nvGrpSpPr>
+        <p:grpSpPr>
+          <a:xfrm rot="5400000">
+            <a:off x="-2340441" y="2666183"/>
+            <a:ext cx="5860051" cy="527712"/>
+            <a:chOff x="6081624" y="1998368"/>
+            <a:chExt cx="5613457" cy="782175"/>
+          </a:xfrm>
+          <a:solidFill>
+            <a:schemeClr val="accent4"/>
+          </a:solidFill>
+        </p:grpSpPr>
+        <p:sp>
+          <p:nvSpPr>
+            <p:cNvPr id="11" name="Rectangle 10">
+              <a:extLst>
+                <a:ext uri="{FF2B5EF4-FFF2-40B4-BE49-F238E27FC236}">
+                  <a16:creationId xmlns:a16="http://schemas.microsoft.com/office/drawing/2014/main" id="{EF4D8839-FB03-487D-ACC8-8BFEDD4FEBAE}"/>
+                </a:ext>
+                <a:ext uri="{C183D7F6-B498-43B3-948B-1728B52AA6E4}">
+                  <adec:decorative xmlns:adec="http://schemas.microsoft.com/office/drawing/2017/decorative" val="1"/>
+                </a:ext>
+              </a:extLst>
+            </p:cNvPr>
+            <p:cNvSpPr/>
+            <p:nvPr>
+              <p:extLst>
+                <p:ext uri="{386F3935-93C4-4BCD-93E2-E3B085C9AB24}">
+                  <p16:designElem xmlns:p16="http://schemas.microsoft.com/office/powerpoint/2015/main" val="1"/>
+                </p:ext>
+              </p:extLst>
+            </p:nvPr>
+          </p:nvSpPr>
+          <p:spPr>
+            <a:xfrm rot="5400000">
+              <a:off x="11228040" y="2313027"/>
+              <a:ext cx="781700" cy="152382"/>
+            </a:xfrm>
+            <a:prstGeom prst="rect">
+              <a:avLst/>
+            </a:prstGeom>
+            <a:grpFill/>
+            <a:ln>
+              <a:noFill/>
+            </a:ln>
+          </p:spPr>
+          <p:style>
+            <a:lnRef idx="2">
+              <a:schemeClr val="accent1">
+                <a:shade val="50000"/>
+              </a:schemeClr>
+            </a:lnRef>
+            <a:fillRef idx="1">
+              <a:schemeClr val="accent1"/>
+            </a:fillRef>
+            <a:effectRef idx="0">
+              <a:schemeClr val="accent1"/>
+            </a:effectRef>
+            <a:fontRef idx="minor">
+              <a:schemeClr val="lt1"/>
+            </a:fontRef>
+          </p:style>
+          <p:txBody>
+            <a:bodyPr rtlCol="0" anchor="ctr"/>
+            <a:lstStyle/>
+            <a:p>
+              <a:pPr algn="ctr"/>
+              <a:endParaRPr lang="en-US"/>
+            </a:p>
+          </p:txBody>
+        </p:sp>
+        <p:sp>
+          <p:nvSpPr>
+            <p:cNvPr id="12" name="Rectangle 11">
+              <a:extLst>
+                <a:ext uri="{FF2B5EF4-FFF2-40B4-BE49-F238E27FC236}">
+                  <a16:creationId xmlns:a16="http://schemas.microsoft.com/office/drawing/2014/main" id="{0EF75023-9A3B-42FC-B704-61A8F7BEF415}"/>
+                </a:ext>
+                <a:ext uri="{C183D7F6-B498-43B3-948B-1728B52AA6E4}">
+                  <adec:decorative xmlns:adec="http://schemas.microsoft.com/office/drawing/2017/decorative" val="1"/>
+                </a:ext>
+              </a:extLst>
+            </p:cNvPr>
+            <p:cNvSpPr/>
+            <p:nvPr>
+              <p:extLst>
+                <p:ext uri="{386F3935-93C4-4BCD-93E2-E3B085C9AB24}">
+                  <p16:designElem xmlns:p16="http://schemas.microsoft.com/office/powerpoint/2015/main" val="1"/>
+                </p:ext>
+              </p:extLst>
+            </p:nvPr>
+          </p:nvSpPr>
+          <p:spPr>
+            <a:xfrm flipH="1" flipV="1">
+              <a:off x="6081624" y="1998844"/>
+              <a:ext cx="5372968" cy="781699"/>
+            </a:xfrm>
+            <a:prstGeom prst="rect">
+              <a:avLst/>
+            </a:prstGeom>
+            <a:grpFill/>
+            <a:ln>
+              <a:noFill/>
+            </a:ln>
+          </p:spPr>
+          <p:style>
+            <a:lnRef idx="2">
+              <a:schemeClr val="accent1">
+                <a:shade val="50000"/>
+              </a:schemeClr>
+            </a:lnRef>
+            <a:fillRef idx="1">
+              <a:schemeClr val="accent1"/>
+            </a:fillRef>
+            <a:effectRef idx="0">
+              <a:schemeClr val="accent1"/>
+            </a:effectRef>
+            <a:fontRef idx="minor">
+              <a:schemeClr val="lt1"/>
+            </a:fontRef>
+          </p:style>
+          <p:txBody>
+            <a:bodyPr rtlCol="0" anchor="ctr"/>
+            <a:lstStyle/>
+            <a:p>
+              <a:pPr algn="ctr"/>
+              <a:endParaRPr lang="en-US"/>
+            </a:p>
+          </p:txBody>
+        </p:sp>
+      </p:grpSp>
+      <p:sp>
+        <p:nvSpPr>
+          <p:cNvPr id="14" name="Rectangle 13">
+            <a:extLst>
+              <a:ext uri="{FF2B5EF4-FFF2-40B4-BE49-F238E27FC236}">
+                <a16:creationId xmlns:a16="http://schemas.microsoft.com/office/drawing/2014/main" id="{CBC4F608-B4B8-48C3-9572-C0F061B1CD99}"/>
+              </a:ext>
+              <a:ext uri="{C183D7F6-B498-43B3-948B-1728B52AA6E4}">
+                <adec:decorative xmlns:adec="http://schemas.microsoft.com/office/drawing/2017/decorative" val="1"/>
+              </a:ext>
+            </a:extLst>
+          </p:cNvPr>
+          <p:cNvSpPr>
+            <a:spLocks noGrp="1" noRot="1" noChangeAspect="1" noMove="1" noResize="1" noEditPoints="1" noAdjustHandles="1" noChangeArrowheads="1" noChangeShapeType="1" noTextEdit="1"/>
+          </p:cNvSpPr>
+          <p:nvPr>
+            <p:extLst>
+              <p:ext uri="{386F3935-93C4-4BCD-93E2-E3B085C9AB24}">
+                <p16:designElem xmlns:p16="http://schemas.microsoft.com/office/powerpoint/2015/main" val="1"/>
+              </p:ext>
+            </p:extLst>
+          </p:nvPr>
+        </p:nvSpPr>
+        <p:spPr>
+          <a:xfrm>
+            <a:off x="579528" y="922919"/>
+            <a:ext cx="11111729" cy="5461252"/>
+          </a:xfrm>
+          <a:prstGeom prst="rect">
+            <a:avLst/>
+          </a:prstGeom>
+          <a:solidFill>
+            <a:schemeClr val="bg1"/>
+          </a:solidFill>
+          <a:ln>
+            <a:noFill/>
+          </a:ln>
+          <a:effectLst>
+            <a:outerShdw blurRad="139700" dist="127000" dir="5400000" algn="t" rotWithShape="0">
+              <a:prstClr val="black">
+                <a:alpha val="15000"/>
+              </a:prstClr>
+            </a:outerShdw>
+          </a:effectLst>
+        </p:spPr>
+        <p:style>
+          <a:lnRef idx="2">
+            <a:schemeClr val="accent1">
+              <a:shade val="50000"/>
+            </a:schemeClr>
+          </a:lnRef>
+          <a:fillRef idx="1">
+            <a:schemeClr val="accent1"/>
+          </a:fillRef>
+          <a:effectRef idx="0">
+            <a:schemeClr val="accent1"/>
+          </a:effectRef>
+          <a:fontRef idx="minor">
+            <a:schemeClr val="lt1"/>
+          </a:fontRef>
+        </p:style>
+        <p:txBody>
+          <a:bodyPr rtlCol="0" anchor="ctr"/>
+          <a:lstStyle/>
+          <a:p>
+            <a:pPr algn="ctr"/>
+            <a:endParaRPr lang="en-US"/>
+          </a:p>
+        </p:txBody>
+      </p:sp>
+      <p:sp>
+        <p:nvSpPr>
+          <p:cNvPr id="2" name="Title 1">
+            <a:extLst>
+              <a:ext uri="{FF2B5EF4-FFF2-40B4-BE49-F238E27FC236}">
+                <a16:creationId xmlns:a16="http://schemas.microsoft.com/office/drawing/2014/main" id="{842A4CC2-EB59-DAA9-E333-BCFECEC66A72}"/>
+              </a:ext>
+            </a:extLst>
+          </p:cNvPr>
+          <p:cNvSpPr>
+            <a:spLocks noGrp="1"/>
+          </p:cNvSpPr>
+          <p:nvPr>
+            <p:ph type="title"/>
+          </p:nvPr>
+        </p:nvSpPr>
+        <p:spPr>
+          <a:xfrm>
+            <a:off x="1282963" y="1238080"/>
+            <a:ext cx="9849751" cy="1349671"/>
+          </a:xfrm>
+        </p:spPr>
+        <p:txBody>
+          <a:bodyPr anchor="b">
+            <a:normAutofit/>
+          </a:bodyPr>
+          <a:lstStyle/>
+          <a:p>
+            <a:endParaRPr lang="en-US" sz="5400"/>
+          </a:p>
+        </p:txBody>
+      </p:sp>
+      <p:sp>
+        <p:nvSpPr>
+          <p:cNvPr id="3" name="Content Placeholder 2">
+            <a:extLst>
+              <a:ext uri="{FF2B5EF4-FFF2-40B4-BE49-F238E27FC236}">
+                <a16:creationId xmlns:a16="http://schemas.microsoft.com/office/drawing/2014/main" id="{0D202D78-585C-036F-0149-FB3AEEEA9FAC}"/>
+              </a:ext>
+            </a:extLst>
+          </p:cNvPr>
+          <p:cNvSpPr>
+            <a:spLocks noGrp="1"/>
+          </p:cNvSpPr>
+          <p:nvPr>
+            <p:ph idx="1"/>
+          </p:nvPr>
+        </p:nvSpPr>
+        <p:spPr>
+          <a:xfrm>
+            <a:off x="1289304" y="2902913"/>
+            <a:ext cx="9849751" cy="3032168"/>
+          </a:xfrm>
+        </p:spPr>
+        <p:txBody>
+          <a:bodyPr anchor="ctr">
+            <a:normAutofit/>
+          </a:bodyPr>
+          <a:lstStyle/>
+          <a:p>
+            <a:endParaRPr lang="en-US" sz="2000"/>
+          </a:p>
+        </p:txBody>
+      </p:sp>
+    </p:spTree>
+    <p:extLst>
+      <p:ext uri="{BB962C8B-B14F-4D97-AF65-F5344CB8AC3E}">
+        <p14:creationId xmlns:p14="http://schemas.microsoft.com/office/powerpoint/2010/main" val="2923581052"/>
+      </p:ext>
+    </p:extLst>
+  </p:cSld>
+  <p:clrMapOvr>
+    <a:masterClrMapping/>
+  </p:clrMapOvr>
+  <mc:AlternateContent xmlns:mc="http://schemas.openxmlformats.org/markup-compatibility/2006" xmlns:p14="http://schemas.microsoft.com/office/powerpoint/2010/main">
+    <mc:Choice Requires="p14">
+      <p:transition spd="slow" p14:dur="3400">
+        <p14:reveal/>
+      </p:transition>
+    </mc:Choice>
+    <mc:Fallback xmlns="">
+      <p:transition spd="slow">
+        <p:fade/>
+      </p:transition>
+    </mc:Fallback>
+  </mc:AlternateContent>
+</p:sld>
+</file>
+
+<file path=ppt/slides/slide18.xml><?xml version="1.0" encoding="utf-8"?>
+<p:sld xmlns:a="http://schemas.openxmlformats.org/drawingml/2006/main" xmlns:r="http://schemas.openxmlformats.org/officeDocument/2006/relationships" xmlns:p="http://schemas.openxmlformats.org/presentationml/2006/main">
+  <p:cSld>
+    <p:bg>
+      <p:bgPr>
+        <a:solidFill>
+          <a:schemeClr val="bg1"/>
+        </a:solidFill>
+        <a:effectLst/>
+      </p:bgPr>
+    </p:bg>
+    <p:spTree>
+      <p:nvGrpSpPr>
+        <p:cNvPr id="1" name=""/>
+        <p:cNvGrpSpPr/>
+        <p:nvPr/>
+      </p:nvGrpSpPr>
+      <p:grpSpPr>
+        <a:xfrm>
+          <a:off x="0" y="0"/>
+          <a:ext cx="0" cy="0"/>
+          <a:chOff x="0" y="0"/>
+          <a:chExt cx="0" cy="0"/>
+        </a:xfrm>
+      </p:grpSpPr>
+      <p:sp useBgFill="1">
+        <p:nvSpPr>
+          <p:cNvPr id="22" name="Rectangle 21">
+            <a:extLst>
+              <a:ext uri="{FF2B5EF4-FFF2-40B4-BE49-F238E27FC236}">
+                <a16:creationId xmlns:a16="http://schemas.microsoft.com/office/drawing/2014/main" id="{9095C1F4-AE7F-44E4-8693-40D3D6831140}"/>
+              </a:ext>
+              <a:ext uri="{C183D7F6-B498-43B3-948B-1728B52AA6E4}">
+                <adec:decorative xmlns:adec="http://schemas.microsoft.com/office/drawing/2017/decorative" val="1"/>
+              </a:ext>
+            </a:extLst>
+          </p:cNvPr>
+          <p:cNvSpPr>
+            <a:spLocks noGrp="1" noRot="1" noChangeAspect="1" noMove="1" noResize="1" noEditPoints="1" noAdjustHandles="1" noChangeArrowheads="1" noChangeShapeType="1" noTextEdit="1"/>
+          </p:cNvSpPr>
+          <p:nvPr>
+            <p:extLst>
+              <p:ext uri="{386F3935-93C4-4BCD-93E2-E3B085C9AB24}">
+                <p16:designElem xmlns:p16="http://schemas.microsoft.com/office/powerpoint/2015/main" val="1"/>
+              </p:ext>
+            </p:extLst>
+          </p:nvPr>
+        </p:nvSpPr>
+        <p:spPr>
+          <a:xfrm>
+            <a:off x="0" y="0"/>
+            <a:ext cx="12191999" cy="6857365"/>
+          </a:xfrm>
+          <a:prstGeom prst="rect">
+            <a:avLst/>
+          </a:prstGeom>
+          <a:ln>
+            <a:noFill/>
+          </a:ln>
+        </p:spPr>
+        <p:style>
+          <a:lnRef idx="2">
+            <a:schemeClr val="accent1">
+              <a:shade val="50000"/>
+            </a:schemeClr>
+          </a:lnRef>
+          <a:fillRef idx="1">
+            <a:schemeClr val="accent1"/>
+          </a:fillRef>
+          <a:effectRef idx="0">
+            <a:schemeClr val="accent1"/>
+          </a:effectRef>
+          <a:fontRef idx="minor">
+            <a:schemeClr val="lt1"/>
+          </a:fontRef>
+        </p:style>
+        <p:txBody>
+          <a:bodyPr rtlCol="0" anchor="ctr"/>
+          <a:lstStyle/>
+          <a:p>
+            <a:pPr algn="ctr"/>
+            <a:endParaRPr lang="en-US"/>
+          </a:p>
+        </p:txBody>
+      </p:sp>
+      <p:grpSp>
+        <p:nvGrpSpPr>
+          <p:cNvPr id="24" name="Group 23">
+            <a:extLst>
+              <a:ext uri="{FF2B5EF4-FFF2-40B4-BE49-F238E27FC236}">
+                <a16:creationId xmlns:a16="http://schemas.microsoft.com/office/drawing/2014/main" id="{8734DDD3-F723-4DD3-8ABE-EC0B2AC87D74}"/>
+              </a:ext>
+              <a:ext uri="{C183D7F6-B498-43B3-948B-1728B52AA6E4}">
+                <adec:decorative xmlns:adec="http://schemas.microsoft.com/office/drawing/2017/decorative" val="1"/>
+              </a:ext>
+            </a:extLst>
+          </p:cNvPr>
+          <p:cNvGrpSpPr>
+            <a:grpSpLocks noGrp="1" noUngrp="1" noRot="1" noChangeAspect="1" noMove="1" noResize="1"/>
+          </p:cNvGrpSpPr>
+          <p:nvPr>
+            <p:extLst>
+              <p:ext uri="{386F3935-93C4-4BCD-93E2-E3B085C9AB24}">
+                <p16:designElem xmlns:p16="http://schemas.microsoft.com/office/powerpoint/2015/main" val="1"/>
+              </p:ext>
+            </p:extLst>
+          </p:nvPr>
+        </p:nvGrpSpPr>
+        <p:grpSpPr>
+          <a:xfrm>
+            <a:off x="2522324" y="-15978"/>
+            <a:ext cx="7147352" cy="5876916"/>
+            <a:chOff x="329184" y="-99107"/>
+            <a:chExt cx="524256" cy="5876916"/>
+          </a:xfrm>
+        </p:grpSpPr>
+        <p:cxnSp>
+          <p:nvCxnSpPr>
+            <p:cNvPr id="25" name="Straight Connector 24">
+              <a:extLst>
+                <a:ext uri="{FF2B5EF4-FFF2-40B4-BE49-F238E27FC236}">
+                  <a16:creationId xmlns:a16="http://schemas.microsoft.com/office/drawing/2014/main" id="{F7C8EA93-3210-4C62-99E9-153C275E3A87}"/>
+                </a:ext>
+                <a:ext uri="{C183D7F6-B498-43B3-948B-1728B52AA6E4}">
+                  <adec:decorative xmlns:adec="http://schemas.microsoft.com/office/drawing/2017/decorative" val="1"/>
+                </a:ext>
+              </a:extLst>
+            </p:cNvPr>
+            <p:cNvCxnSpPr>
+              <a:cxnSpLocks/>
+            </p:cNvCxnSpPr>
+            <p:nvPr>
+              <p:extLst>
+                <p:ext uri="{386F3935-93C4-4BCD-93E2-E3B085C9AB24}">
+                  <p16:designElem xmlns:p16="http://schemas.microsoft.com/office/powerpoint/2015/main" val="1"/>
+                </p:ext>
+              </p:extLst>
+            </p:nvPr>
+          </p:nvCxnSpPr>
+          <p:spPr>
+            <a:xfrm flipH="1">
+              <a:off x="329184" y="5777809"/>
+              <a:ext cx="523824" cy="0"/>
+            </a:xfrm>
+            <a:prstGeom prst="line">
+              <a:avLst/>
+            </a:prstGeom>
+            <a:ln w="152400">
+              <a:solidFill>
+                <a:schemeClr val="accent4"/>
+              </a:solidFill>
+            </a:ln>
+          </p:spPr>
+          <p:style>
+            <a:lnRef idx="1">
+              <a:schemeClr val="accent1"/>
+            </a:lnRef>
+            <a:fillRef idx="0">
+              <a:schemeClr val="accent1"/>
+            </a:fillRef>
+            <a:effectRef idx="0">
+              <a:schemeClr val="accent1"/>
+            </a:effectRef>
+            <a:fontRef idx="minor">
+              <a:schemeClr val="tx1"/>
+            </a:fontRef>
+          </p:style>
+        </p:cxnSp>
+        <p:sp>
+          <p:nvSpPr>
+            <p:cNvPr id="26" name="Rectangle 25">
+              <a:extLst>
+                <a:ext uri="{FF2B5EF4-FFF2-40B4-BE49-F238E27FC236}">
+                  <a16:creationId xmlns:a16="http://schemas.microsoft.com/office/drawing/2014/main" id="{5EB7D2A2-F448-44D4-938C-DC84CBCB3B1E}"/>
+                </a:ext>
+                <a:ext uri="{C183D7F6-B498-43B3-948B-1728B52AA6E4}">
+                  <adec:decorative xmlns:adec="http://schemas.microsoft.com/office/drawing/2017/decorative" val="1"/>
+                </a:ext>
+              </a:extLst>
+            </p:cNvPr>
+            <p:cNvSpPr/>
+            <p:nvPr>
+              <p:extLst>
+                <p:ext uri="{386F3935-93C4-4BCD-93E2-E3B085C9AB24}">
+                  <p16:designElem xmlns:p16="http://schemas.microsoft.com/office/powerpoint/2015/main" val="1"/>
+                </p:ext>
+              </p:extLst>
+            </p:nvPr>
+          </p:nvSpPr>
+          <p:spPr>
+            <a:xfrm>
+              <a:off x="329184" y="-99107"/>
+              <a:ext cx="524256" cy="5631228"/>
+            </a:xfrm>
+            <a:prstGeom prst="rect">
+              <a:avLst/>
+            </a:prstGeom>
+            <a:solidFill>
+              <a:schemeClr val="accent4"/>
+            </a:solidFill>
+            <a:ln>
+              <a:noFill/>
+            </a:ln>
+          </p:spPr>
+          <p:style>
+            <a:lnRef idx="2">
+              <a:schemeClr val="accent1">
+                <a:shade val="50000"/>
+              </a:schemeClr>
+            </a:lnRef>
+            <a:fillRef idx="1">
+              <a:schemeClr val="accent1"/>
+            </a:fillRef>
+            <a:effectRef idx="0">
+              <a:schemeClr val="accent1"/>
+            </a:effectRef>
+            <a:fontRef idx="minor">
+              <a:schemeClr val="lt1"/>
+            </a:fontRef>
+          </p:style>
+          <p:txBody>
+            <a:bodyPr rtlCol="0" anchor="ctr"/>
+            <a:lstStyle/>
+            <a:p>
+              <a:pPr algn="ctr"/>
+              <a:endParaRPr lang="en-US" dirty="0"/>
+            </a:p>
+          </p:txBody>
+        </p:sp>
+      </p:grpSp>
+      <p:sp>
+        <p:nvSpPr>
+          <p:cNvPr id="28" name="Rectangle 27">
+            <a:extLst>
+              <a:ext uri="{FF2B5EF4-FFF2-40B4-BE49-F238E27FC236}">
+                <a16:creationId xmlns:a16="http://schemas.microsoft.com/office/drawing/2014/main" id="{871AEA07-1E14-44B4-8E55-64EF049CD66F}"/>
+              </a:ext>
+              <a:ext uri="{C183D7F6-B498-43B3-948B-1728B52AA6E4}">
+                <adec:decorative xmlns:adec="http://schemas.microsoft.com/office/drawing/2017/decorative" val="1"/>
+              </a:ext>
+            </a:extLst>
+          </p:cNvPr>
+          <p:cNvSpPr>
+            <a:spLocks noGrp="1" noRot="1" noChangeAspect="1" noMove="1" noResize="1" noEditPoints="1" noAdjustHandles="1" noChangeArrowheads="1" noChangeShapeType="1" noTextEdit="1"/>
+          </p:cNvSpPr>
+          <p:nvPr>
+            <p:extLst>
+              <p:ext uri="{386F3935-93C4-4BCD-93E2-E3B085C9AB24}">
+                <p16:designElem xmlns:p16="http://schemas.microsoft.com/office/powerpoint/2015/main" val="1"/>
+              </p:ext>
+            </p:extLst>
+          </p:nvPr>
+        </p:nvSpPr>
+        <p:spPr>
+          <a:xfrm>
+            <a:off x="596464" y="1055718"/>
+            <a:ext cx="10999072" cy="3358344"/>
+          </a:xfrm>
+          <a:prstGeom prst="rect">
+            <a:avLst/>
+          </a:prstGeom>
+          <a:solidFill>
+            <a:schemeClr val="bg1"/>
+          </a:solidFill>
+          <a:ln>
+            <a:noFill/>
+          </a:ln>
+          <a:effectLst>
+            <a:outerShdw blurRad="139700" dist="127000" dir="5400000" algn="t" rotWithShape="0">
+              <a:prstClr val="black">
+                <a:alpha val="15000"/>
+              </a:prstClr>
+            </a:outerShdw>
+          </a:effectLst>
+        </p:spPr>
+        <p:style>
+          <a:lnRef idx="2">
+            <a:schemeClr val="accent1">
+              <a:shade val="50000"/>
+            </a:schemeClr>
+          </a:lnRef>
+          <a:fillRef idx="1">
+            <a:schemeClr val="accent1"/>
+          </a:fillRef>
+          <a:effectRef idx="0">
+            <a:schemeClr val="accent1"/>
+          </a:effectRef>
+          <a:fontRef idx="minor">
+            <a:schemeClr val="lt1"/>
+          </a:fontRef>
+        </p:style>
+        <p:txBody>
+          <a:bodyPr rtlCol="0" anchor="ctr"/>
+          <a:lstStyle/>
+          <a:p>
+            <a:pPr algn="ctr"/>
+            <a:endParaRPr lang="en-US"/>
+          </a:p>
+        </p:txBody>
+      </p:sp>
+      <p:sp>
+        <p:nvSpPr>
+          <p:cNvPr id="2" name="Title 1">
+            <a:extLst>
+              <a:ext uri="{FF2B5EF4-FFF2-40B4-BE49-F238E27FC236}">
+                <a16:creationId xmlns:a16="http://schemas.microsoft.com/office/drawing/2014/main" id="{BD31A0EF-76AB-411A-B34D-897C6FC1580A}"/>
+              </a:ext>
+            </a:extLst>
+          </p:cNvPr>
+          <p:cNvSpPr>
+            <a:spLocks noGrp="1"/>
+          </p:cNvSpPr>
+          <p:nvPr>
+            <p:ph type="title"/>
+          </p:nvPr>
+        </p:nvSpPr>
+        <p:spPr>
+          <a:xfrm>
+            <a:off x="1524000" y="1584683"/>
+            <a:ext cx="9144000" cy="2551829"/>
+          </a:xfrm>
+        </p:spPr>
+        <p:txBody>
+          <a:bodyPr vert="horz" lIns="91440" tIns="45720" rIns="91440" bIns="45720" rtlCol="0" anchor="ctr">
+            <a:normAutofit/>
+          </a:bodyPr>
+          <a:lstStyle/>
+          <a:p>
+            <a:pPr algn="ctr"/>
+            <a:r>
+              <a:rPr lang="en-US" sz="6600" b="1" kern="1200" dirty="0">
+                <a:solidFill>
+                  <a:schemeClr val="tx1"/>
+                </a:solidFill>
+                <a:latin typeface="Amasis MT Pro Black" panose="02040A04050005020304" pitchFamily="18" charset="0"/>
+              </a:rPr>
               <a:t>Conclusion</a:t>
             </a:r>
           </a:p>
@@ -6431,7 +7244,7 @@
 </p:sld>
 </file>
 
-<file path=ppt/slides/slide17.xml><?xml version="1.0" encoding="utf-8"?>
+<file path=ppt/slides/slide19.xml><?xml version="1.0" encoding="utf-8"?>
 <p:sld xmlns:a="http://schemas.openxmlformats.org/drawingml/2006/main" xmlns:r="http://schemas.openxmlformats.org/officeDocument/2006/relationships" xmlns:p="http://schemas.openxmlformats.org/presentationml/2006/main">
   <p:cSld>
     <p:spTree>
@@ -6515,85 +7328,6 @@
     <mc:Choice Requires="p14">
       <p:transition spd="slow" p14:dur="3400">
         <p14:reveal/>
-      </p:transition>
-    </mc:Choice>
-    <mc:Fallback xmlns="">
-      <p:transition spd="slow">
-        <p:fade/>
-      </p:transition>
-    </mc:Fallback>
-  </mc:AlternateContent>
-</p:sld>
-</file>
-
-<file path=ppt/slides/slide18.xml><?xml version="1.0" encoding="utf-8"?>
-<p:sld xmlns:a="http://schemas.openxmlformats.org/drawingml/2006/main" xmlns:r="http://schemas.openxmlformats.org/officeDocument/2006/relationships" xmlns:p="http://schemas.openxmlformats.org/presentationml/2006/main">
-  <p:cSld>
-    <p:spTree>
-      <p:nvGrpSpPr>
-        <p:cNvPr id="1" name=""/>
-        <p:cNvGrpSpPr/>
-        <p:nvPr/>
-      </p:nvGrpSpPr>
-      <p:grpSpPr>
-        <a:xfrm>
-          <a:off x="0" y="0"/>
-          <a:ext cx="0" cy="0"/>
-          <a:chOff x="0" y="0"/>
-          <a:chExt cx="0" cy="0"/>
-        </a:xfrm>
-      </p:grpSpPr>
-      <p:sp>
-        <p:nvSpPr>
-          <p:cNvPr id="2" name="Title 1">
-            <a:extLst>
-              <a:ext uri="{FF2B5EF4-FFF2-40B4-BE49-F238E27FC236}">
-                <a16:creationId xmlns:a16="http://schemas.microsoft.com/office/drawing/2014/main" id="{3A84E6C5-9D62-812B-4420-7981812964F3}"/>
-              </a:ext>
-            </a:extLst>
-          </p:cNvPr>
-          <p:cNvSpPr>
-            <a:spLocks noGrp="1"/>
-          </p:cNvSpPr>
-          <p:nvPr>
-            <p:ph type="title"/>
-          </p:nvPr>
-        </p:nvSpPr>
-        <p:spPr>
-          <a:xfrm>
-            <a:off x="2073728" y="1423534"/>
-            <a:ext cx="8044543" cy="4010932"/>
-          </a:xfrm>
-        </p:spPr>
-        <p:txBody>
-          <a:bodyPr>
-            <a:normAutofit/>
-          </a:bodyPr>
-          <a:lstStyle/>
-          <a:p>
-            <a:r>
-              <a:rPr lang="en-US" sz="9600" b="1" dirty="0">
-                <a:latin typeface="Amasis MT Pro Black" panose="02040A04050005020304" pitchFamily="18" charset="0"/>
-              </a:rPr>
-              <a:t>Questions?</a:t>
-            </a:r>
-          </a:p>
-        </p:txBody>
-      </p:sp>
-    </p:spTree>
-    <p:extLst>
-      <p:ext uri="{BB962C8B-B14F-4D97-AF65-F5344CB8AC3E}">
-        <p14:creationId xmlns:p14="http://schemas.microsoft.com/office/powerpoint/2010/main" val="1315709468"/>
-      </p:ext>
-    </p:extLst>
-  </p:cSld>
-  <p:clrMapOvr>
-    <a:masterClrMapping/>
-  </p:clrMapOvr>
-  <mc:AlternateContent xmlns:mc="http://schemas.openxmlformats.org/markup-compatibility/2006" xmlns:p15="http://schemas.microsoft.com/office/powerpoint/2012/main">
-    <mc:Choice Requires="p15">
-      <p:transition xmlns:p14="http://schemas.microsoft.com/office/powerpoint/2010/main" spd="slow" p14:dur="6000">
-        <p15:prstTrans prst="curtains"/>
       </p:transition>
     </mc:Choice>
     <mc:Fallback xmlns="">
@@ -6905,6 +7639,85 @@
     <mc:Fallback xmlns="">
       <p:transition spd="slow">
         <p:split orient="vert"/>
+      </p:transition>
+    </mc:Fallback>
+  </mc:AlternateContent>
+</p:sld>
+</file>
+
+<file path=ppt/slides/slide20.xml><?xml version="1.0" encoding="utf-8"?>
+<p:sld xmlns:a="http://schemas.openxmlformats.org/drawingml/2006/main" xmlns:r="http://schemas.openxmlformats.org/officeDocument/2006/relationships" xmlns:p="http://schemas.openxmlformats.org/presentationml/2006/main">
+  <p:cSld>
+    <p:spTree>
+      <p:nvGrpSpPr>
+        <p:cNvPr id="1" name=""/>
+        <p:cNvGrpSpPr/>
+        <p:nvPr/>
+      </p:nvGrpSpPr>
+      <p:grpSpPr>
+        <a:xfrm>
+          <a:off x="0" y="0"/>
+          <a:ext cx="0" cy="0"/>
+          <a:chOff x="0" y="0"/>
+          <a:chExt cx="0" cy="0"/>
+        </a:xfrm>
+      </p:grpSpPr>
+      <p:sp>
+        <p:nvSpPr>
+          <p:cNvPr id="2" name="Title 1">
+            <a:extLst>
+              <a:ext uri="{FF2B5EF4-FFF2-40B4-BE49-F238E27FC236}">
+                <a16:creationId xmlns:a16="http://schemas.microsoft.com/office/drawing/2014/main" id="{3A84E6C5-9D62-812B-4420-7981812964F3}"/>
+              </a:ext>
+            </a:extLst>
+          </p:cNvPr>
+          <p:cNvSpPr>
+            <a:spLocks noGrp="1"/>
+          </p:cNvSpPr>
+          <p:nvPr>
+            <p:ph type="title"/>
+          </p:nvPr>
+        </p:nvSpPr>
+        <p:spPr>
+          <a:xfrm>
+            <a:off x="2073728" y="1423534"/>
+            <a:ext cx="8044543" cy="4010932"/>
+          </a:xfrm>
+        </p:spPr>
+        <p:txBody>
+          <a:bodyPr>
+            <a:normAutofit/>
+          </a:bodyPr>
+          <a:lstStyle/>
+          <a:p>
+            <a:r>
+              <a:rPr lang="en-US" sz="9600" b="1" dirty="0">
+                <a:latin typeface="Amasis MT Pro Black" panose="02040A04050005020304" pitchFamily="18" charset="0"/>
+              </a:rPr>
+              <a:t>Questions?</a:t>
+            </a:r>
+          </a:p>
+        </p:txBody>
+      </p:sp>
+    </p:spTree>
+    <p:extLst>
+      <p:ext uri="{BB962C8B-B14F-4D97-AF65-F5344CB8AC3E}">
+        <p14:creationId xmlns:p14="http://schemas.microsoft.com/office/powerpoint/2010/main" val="1315709468"/>
+      </p:ext>
+    </p:extLst>
+  </p:cSld>
+  <p:clrMapOvr>
+    <a:masterClrMapping/>
+  </p:clrMapOvr>
+  <mc:AlternateContent xmlns:mc="http://schemas.openxmlformats.org/markup-compatibility/2006" xmlns:p15="http://schemas.microsoft.com/office/powerpoint/2012/main">
+    <mc:Choice Requires="p15">
+      <p:transition xmlns:p14="http://schemas.microsoft.com/office/powerpoint/2010/main" spd="slow" p14:dur="6000">
+        <p15:prstTrans prst="curtains"/>
+      </p:transition>
+    </mc:Choice>
+    <mc:Fallback xmlns="">
+      <p:transition spd="slow">
+        <p:fade/>
       </p:transition>
     </mc:Fallback>
   </mc:AlternateContent>

--- a/CuriousConquersProject/ProjectPowerpoint.pptx
+++ b/CuriousConquersProject/ProjectPowerpoint.pptx
@@ -5277,13 +5277,13 @@
   <p:clrMapOvr>
     <a:masterClrMapping/>
   </p:clrMapOvr>
-  <mc:AlternateContent xmlns:mc="http://schemas.openxmlformats.org/markup-compatibility/2006">
-    <mc:Choice xmlns:p14="http://schemas.microsoft.com/office/powerpoint/2010/main" Requires="p14">
+  <mc:AlternateContent xmlns:mc="http://schemas.openxmlformats.org/markup-compatibility/2006" xmlns:p14="http://schemas.microsoft.com/office/powerpoint/2010/main">
+    <mc:Choice Requires="p14">
       <p:transition spd="slow" p14:dur="3400">
         <p14:reveal/>
       </p:transition>
     </mc:Choice>
-    <mc:Fallback>
+    <mc:Fallback xmlns="">
       <p:transition spd="slow">
         <p:fade/>
       </p:transition>
@@ -6083,8 +6083,40 @@
         </p:nvSpPr>
         <p:spPr/>
         <p:txBody>
-          <a:bodyPr/>
+          <a:bodyPr>
+            <a:normAutofit/>
+          </a:bodyPr>
           <a:lstStyle/>
+          <a:p>
+            <a:r>
+              <a:rPr lang="en-US" dirty="0"/>
+              <a:t>Urate vs Prison Population – not significant</a:t>
+            </a:r>
+          </a:p>
+          <a:p>
+            <a:r>
+              <a:rPr lang="en-US" dirty="0"/>
+              <a:t>Urate vs Police Reports – not significant</a:t>
+            </a:r>
+          </a:p>
+          <a:p>
+            <a:r>
+              <a:rPr lang="en-US" dirty="0"/>
+              <a:t>Prison Population vs Police Reports – significant</a:t>
+            </a:r>
+          </a:p>
+          <a:p>
+            <a:endParaRPr lang="en-US" dirty="0"/>
+          </a:p>
+          <a:p>
+            <a:r>
+              <a:rPr lang="en-US" dirty="0"/>
+              <a:t>Unemployment rate has a slightly significant relationship on prison population but not on police reports</a:t>
+            </a:r>
+          </a:p>
+          <a:p>
+            <a:endParaRPr lang="en-US" dirty="0"/>
+          </a:p>
           <a:p>
             <a:endParaRPr lang="en-US" dirty="0"/>
           </a:p>
@@ -6100,13 +6132,13 @@
   <p:clrMapOvr>
     <a:masterClrMapping/>
   </p:clrMapOvr>
-  <mc:AlternateContent xmlns:mc="http://schemas.openxmlformats.org/markup-compatibility/2006">
-    <mc:Choice xmlns:p14="http://schemas.microsoft.com/office/powerpoint/2010/main" Requires="p14">
+  <mc:AlternateContent xmlns:mc="http://schemas.openxmlformats.org/markup-compatibility/2006" xmlns:p14="http://schemas.microsoft.com/office/powerpoint/2010/main">
+    <mc:Choice Requires="p14">
       <p:transition spd="slow" p14:dur="3400">
         <p14:reveal/>
       </p:transition>
     </mc:Choice>
-    <mc:Fallback>
+    <mc:Fallback xmlns="">
       <p:transition spd="slow">
         <p:fade/>
       </p:transition>
